--- a/MichaelLee/SDT Mirror Effect/Paper 1/BayesianSDTmodeling_Overview.pptx
+++ b/MichaelLee/SDT Mirror Effect/Paper 1/BayesianSDTmodeling_Overview.pptx
@@ -5,7 +5,7 @@
     <p:sldMasterId id="2147483648" r:id="rId1"/>
   </p:sldMasterIdLst>
   <p:notesMasterIdLst>
-    <p:notesMasterId r:id="rId42"/>
+    <p:notesMasterId r:id="rId41"/>
   </p:notesMasterIdLst>
   <p:sldIdLst>
     <p:sldId id="256" r:id="rId2"/>
@@ -34,20 +34,19 @@
     <p:sldId id="302" r:id="rId25"/>
     <p:sldId id="299" r:id="rId26"/>
     <p:sldId id="300" r:id="rId27"/>
-    <p:sldId id="301" r:id="rId28"/>
-    <p:sldId id="282" r:id="rId29"/>
-    <p:sldId id="292" r:id="rId30"/>
-    <p:sldId id="278" r:id="rId31"/>
-    <p:sldId id="291" r:id="rId32"/>
-    <p:sldId id="303" r:id="rId33"/>
-    <p:sldId id="304" r:id="rId34"/>
-    <p:sldId id="273" r:id="rId35"/>
-    <p:sldId id="288" r:id="rId36"/>
-    <p:sldId id="289" r:id="rId37"/>
-    <p:sldId id="309" r:id="rId38"/>
-    <p:sldId id="305" r:id="rId39"/>
-    <p:sldId id="308" r:id="rId40"/>
-    <p:sldId id="307" r:id="rId41"/>
+    <p:sldId id="282" r:id="rId28"/>
+    <p:sldId id="292" r:id="rId29"/>
+    <p:sldId id="278" r:id="rId30"/>
+    <p:sldId id="291" r:id="rId31"/>
+    <p:sldId id="303" r:id="rId32"/>
+    <p:sldId id="304" r:id="rId33"/>
+    <p:sldId id="273" r:id="rId34"/>
+    <p:sldId id="288" r:id="rId35"/>
+    <p:sldId id="289" r:id="rId36"/>
+    <p:sldId id="309" r:id="rId37"/>
+    <p:sldId id="305" r:id="rId38"/>
+    <p:sldId id="308" r:id="rId39"/>
+    <p:sldId id="307" r:id="rId40"/>
   </p:sldIdLst>
   <p:sldSz cx="12192000" cy="6858000"/>
   <p:notesSz cx="6858000" cy="9144000"/>
@@ -148,7 +147,7 @@
   </p:defaultTextStyle>
   <p:extLst>
     <p:ext uri="{EFAFB233-063F-42B5-8137-9DF3F51BA10A}">
-      <p15:sldGuideLst xmlns:p15="http://schemas.microsoft.com/office/powerpoint/2012/main">
+      <p15:sldGuideLst xmlns:p15="http://schemas.microsoft.com/office/powerpoint/2012/main" xmlns="">
         <p15:guide id="1" orient="horz" pos="2160" userDrawn="1">
           <p15:clr>
             <a:srgbClr val="A4A3A4"/>
@@ -4269,16 +4268,6 @@
               </a:rPr>
               <a:t>”</a:t>
             </a:r>
-            <a:r>
-              <a:rPr lang="es-MX" dirty="0" smtClean="0">
-                <a:solidFill>
-                  <a:schemeClr val="accent6">
-                    <a:lumMod val="75000"/>
-                  </a:schemeClr>
-                </a:solidFill>
-              </a:rPr>
-              <a:t/>
-            </a:r>
             <a:br>
               <a:rPr lang="es-MX" dirty="0" smtClean="0">
                 <a:solidFill>
@@ -6146,7 +6135,7 @@
             <a:avLst/>
           </a:prstGeom>
           <a:solidFill>
-            <a:srgbClr val="EBF0F9"/>
+            <a:srgbClr val="FFFFFF"/>
           </a:solidFill>
           <a:ln>
             <a:solidFill>
@@ -6375,54 +6364,6 @@
       </p:grpSpPr>
       <p:sp>
         <p:nvSpPr>
-          <p:cNvPr id="8" name="Rectángulo 7"/>
-          <p:cNvSpPr/>
-          <p:nvPr/>
-        </p:nvSpPr>
-        <p:spPr>
-          <a:xfrm>
-            <a:off x="0" y="0"/>
-            <a:ext cx="12192000" cy="6858000"/>
-          </a:xfrm>
-          <a:prstGeom prst="rect">
-            <a:avLst/>
-          </a:prstGeom>
-          <a:solidFill>
-            <a:srgbClr val="EBF0F9"/>
-          </a:solidFill>
-          <a:ln>
-            <a:solidFill>
-              <a:schemeClr val="tx1"/>
-            </a:solidFill>
-          </a:ln>
-        </p:spPr>
-        <p:style>
-          <a:lnRef idx="2">
-            <a:schemeClr val="accent1">
-              <a:shade val="50000"/>
-            </a:schemeClr>
-          </a:lnRef>
-          <a:fillRef idx="1">
-            <a:schemeClr val="accent1"/>
-          </a:fillRef>
-          <a:effectRef idx="0">
-            <a:schemeClr val="accent1"/>
-          </a:effectRef>
-          <a:fontRef idx="minor">
-            <a:schemeClr val="lt1"/>
-          </a:fontRef>
-        </p:style>
-        <p:txBody>
-          <a:bodyPr rtlCol="0" anchor="ctr"/>
-          <a:lstStyle/>
-          <a:p>
-            <a:pPr algn="ctr"/>
-            <a:endParaRPr lang="es-MX"/>
-          </a:p>
-        </p:txBody>
-      </p:sp>
-      <p:sp>
-        <p:nvSpPr>
           <p:cNvPr id="2" name="Título 1"/>
           <p:cNvSpPr>
             <a:spLocks noGrp="1"/>
@@ -6919,54 +6860,6 @@
           <a:chExt cx="0" cy="0"/>
         </a:xfrm>
       </p:grpSpPr>
-      <p:sp>
-        <p:nvSpPr>
-          <p:cNvPr id="8" name="Rectángulo 7"/>
-          <p:cNvSpPr/>
-          <p:nvPr/>
-        </p:nvSpPr>
-        <p:spPr>
-          <a:xfrm>
-            <a:off x="0" y="0"/>
-            <a:ext cx="12192000" cy="6858000"/>
-          </a:xfrm>
-          <a:prstGeom prst="rect">
-            <a:avLst/>
-          </a:prstGeom>
-          <a:solidFill>
-            <a:srgbClr val="EBF0F9"/>
-          </a:solidFill>
-          <a:ln>
-            <a:solidFill>
-              <a:schemeClr val="tx1"/>
-            </a:solidFill>
-          </a:ln>
-        </p:spPr>
-        <p:style>
-          <a:lnRef idx="2">
-            <a:schemeClr val="accent1">
-              <a:shade val="50000"/>
-            </a:schemeClr>
-          </a:lnRef>
-          <a:fillRef idx="1">
-            <a:schemeClr val="accent1"/>
-          </a:fillRef>
-          <a:effectRef idx="0">
-            <a:schemeClr val="accent1"/>
-          </a:effectRef>
-          <a:fontRef idx="minor">
-            <a:schemeClr val="lt1"/>
-          </a:fontRef>
-        </p:style>
-        <p:txBody>
-          <a:bodyPr rtlCol="0" anchor="ctr"/>
-          <a:lstStyle/>
-          <a:p>
-            <a:pPr algn="ctr"/>
-            <a:endParaRPr lang="es-MX"/>
-          </a:p>
-        </p:txBody>
-      </p:sp>
       <p:sp>
         <p:nvSpPr>
           <p:cNvPr id="2" name="Título 1"/>
@@ -7642,54 +7535,6 @@
       </p:grpSpPr>
       <p:sp>
         <p:nvSpPr>
-          <p:cNvPr id="8" name="Rectángulo 7"/>
-          <p:cNvSpPr/>
-          <p:nvPr/>
-        </p:nvSpPr>
-        <p:spPr>
-          <a:xfrm>
-            <a:off x="0" y="0"/>
-            <a:ext cx="12192000" cy="6858000"/>
-          </a:xfrm>
-          <a:prstGeom prst="rect">
-            <a:avLst/>
-          </a:prstGeom>
-          <a:solidFill>
-            <a:srgbClr val="EBF0F9"/>
-          </a:solidFill>
-          <a:ln>
-            <a:solidFill>
-              <a:schemeClr val="tx1"/>
-            </a:solidFill>
-          </a:ln>
-        </p:spPr>
-        <p:style>
-          <a:lnRef idx="2">
-            <a:schemeClr val="accent1">
-              <a:shade val="50000"/>
-            </a:schemeClr>
-          </a:lnRef>
-          <a:fillRef idx="1">
-            <a:schemeClr val="accent1"/>
-          </a:fillRef>
-          <a:effectRef idx="0">
-            <a:schemeClr val="accent1"/>
-          </a:effectRef>
-          <a:fontRef idx="minor">
-            <a:schemeClr val="lt1"/>
-          </a:fontRef>
-        </p:style>
-        <p:txBody>
-          <a:bodyPr rtlCol="0" anchor="ctr"/>
-          <a:lstStyle/>
-          <a:p>
-            <a:pPr algn="ctr"/>
-            <a:endParaRPr lang="es-MX"/>
-          </a:p>
-        </p:txBody>
-      </p:sp>
-      <p:sp>
-        <p:nvSpPr>
           <p:cNvPr id="2" name="Título 1"/>
           <p:cNvSpPr>
             <a:spLocks noGrp="1"/>
@@ -7877,7 +7722,7 @@
                       <m:sSubSupPr>
                         <m:ctrlPr>
                           <a:rPr lang="es-MX" i="1" smtClean="0">
-                            <a:latin typeface="Cambria Math" panose="02040503050406030204" pitchFamily="18" charset="0"/>
+                            <a:latin typeface="Cambria Math"/>
                           </a:rPr>
                         </m:ctrlPr>
                       </m:sSubSupPr>
@@ -7919,7 +7764,7 @@
                       <m:sSubSupPr>
                         <m:ctrlPr>
                           <a:rPr lang="es-MX" i="1">
-                            <a:latin typeface="Cambria Math" panose="02040503050406030204" pitchFamily="18" charset="0"/>
+                            <a:latin typeface="Cambria Math"/>
                           </a:rPr>
                         </m:ctrlPr>
                       </m:sSubSupPr>
@@ -8902,54 +8747,6 @@
       </p:grpSpPr>
       <p:sp>
         <p:nvSpPr>
-          <p:cNvPr id="8" name="Rectángulo 7"/>
-          <p:cNvSpPr/>
-          <p:nvPr/>
-        </p:nvSpPr>
-        <p:spPr>
-          <a:xfrm>
-            <a:off x="0" y="0"/>
-            <a:ext cx="12192000" cy="6858000"/>
-          </a:xfrm>
-          <a:prstGeom prst="rect">
-            <a:avLst/>
-          </a:prstGeom>
-          <a:solidFill>
-            <a:srgbClr val="EBF0F9"/>
-          </a:solidFill>
-          <a:ln>
-            <a:solidFill>
-              <a:schemeClr val="tx1"/>
-            </a:solidFill>
-          </a:ln>
-        </p:spPr>
-        <p:style>
-          <a:lnRef idx="2">
-            <a:schemeClr val="accent1">
-              <a:shade val="50000"/>
-            </a:schemeClr>
-          </a:lnRef>
-          <a:fillRef idx="1">
-            <a:schemeClr val="accent1"/>
-          </a:fillRef>
-          <a:effectRef idx="0">
-            <a:schemeClr val="accent1"/>
-          </a:effectRef>
-          <a:fontRef idx="minor">
-            <a:schemeClr val="lt1"/>
-          </a:fontRef>
-        </p:style>
-        <p:txBody>
-          <a:bodyPr rtlCol="0" anchor="ctr"/>
-          <a:lstStyle/>
-          <a:p>
-            <a:pPr algn="ctr"/>
-            <a:endParaRPr lang="es-MX"/>
-          </a:p>
-        </p:txBody>
-      </p:sp>
-      <p:sp>
-        <p:nvSpPr>
           <p:cNvPr id="2" name="Título 1"/>
           <p:cNvSpPr>
             <a:spLocks noGrp="1"/>
@@ -9137,7 +8934,7 @@
                       <m:sSubSupPr>
                         <m:ctrlPr>
                           <a:rPr lang="es-MX" i="1" smtClean="0">
-                            <a:latin typeface="Cambria Math" panose="02040503050406030204" pitchFamily="18" charset="0"/>
+                            <a:latin typeface="Cambria Math"/>
                           </a:rPr>
                         </m:ctrlPr>
                       </m:sSubSupPr>
@@ -9179,7 +8976,7 @@
                       <m:sSubSupPr>
                         <m:ctrlPr>
                           <a:rPr lang="es-MX" i="1">
-                            <a:latin typeface="Cambria Math" panose="02040503050406030204" pitchFamily="18" charset="0"/>
+                            <a:latin typeface="Cambria Math"/>
                           </a:rPr>
                         </m:ctrlPr>
                       </m:sSubSupPr>
@@ -9686,7 +9483,7 @@
                               <a:solidFill>
                                 <a:srgbClr val="FF0000"/>
                               </a:solidFill>
-                              <a:latin typeface="Cambria Math" panose="02040503050406030204" pitchFamily="18" charset="0"/>
+                              <a:latin typeface="Cambria Math"/>
                             </a:rPr>
                           </m:ctrlPr>
                         </m:sSubSupPr>
@@ -9957,54 +9754,6 @@
           <a:chExt cx="0" cy="0"/>
         </a:xfrm>
       </p:grpSpPr>
-      <p:sp>
-        <p:nvSpPr>
-          <p:cNvPr id="8" name="Rectángulo 7"/>
-          <p:cNvSpPr/>
-          <p:nvPr/>
-        </p:nvSpPr>
-        <p:spPr>
-          <a:xfrm>
-            <a:off x="0" y="0"/>
-            <a:ext cx="12192000" cy="6858000"/>
-          </a:xfrm>
-          <a:prstGeom prst="rect">
-            <a:avLst/>
-          </a:prstGeom>
-          <a:solidFill>
-            <a:srgbClr val="EBF0F9"/>
-          </a:solidFill>
-          <a:ln>
-            <a:solidFill>
-              <a:schemeClr val="tx1"/>
-            </a:solidFill>
-          </a:ln>
-        </p:spPr>
-        <p:style>
-          <a:lnRef idx="2">
-            <a:schemeClr val="accent1">
-              <a:shade val="50000"/>
-            </a:schemeClr>
-          </a:lnRef>
-          <a:fillRef idx="1">
-            <a:schemeClr val="accent1"/>
-          </a:fillRef>
-          <a:effectRef idx="0">
-            <a:schemeClr val="accent1"/>
-          </a:effectRef>
-          <a:fontRef idx="minor">
-            <a:schemeClr val="lt1"/>
-          </a:fontRef>
-        </p:style>
-        <p:txBody>
-          <a:bodyPr rtlCol="0" anchor="ctr"/>
-          <a:lstStyle/>
-          <a:p>
-            <a:pPr algn="ctr"/>
-            <a:endParaRPr lang="es-MX"/>
-          </a:p>
-        </p:txBody>
-      </p:sp>
       <p:pic>
         <p:nvPicPr>
           <p:cNvPr id="19" name="Imagen 18"/>
@@ -10055,8 +9804,8 @@
           </a:p>
         </p:txBody>
       </p:sp>
-      <mc:AlternateContent xmlns:mc="http://schemas.openxmlformats.org/markup-compatibility/2006">
-        <mc:Choice xmlns:a14="http://schemas.microsoft.com/office/drawing/2010/main" Requires="a14">
+      <mc:AlternateContent xmlns:mc="http://schemas.openxmlformats.org/markup-compatibility/2006" xmlns:a14="http://schemas.microsoft.com/office/drawing/2010/main">
+        <mc:Choice Requires="a14">
           <p:sp>
             <p:nvSpPr>
               <p:cNvPr id="3" name="Marcador de contenido 2"/>
@@ -10218,7 +9967,7 @@
                       <m:sSubSupPr>
                         <m:ctrlPr>
                           <a:rPr lang="es-MX" i="1" smtClean="0">
-                            <a:latin typeface="Cambria Math" panose="02040503050406030204" pitchFamily="18" charset="0"/>
+                            <a:latin typeface="Cambria Math"/>
                           </a:rPr>
                         </m:ctrlPr>
                       </m:sSubSupPr>
@@ -10260,7 +10009,7 @@
                       <m:sSubSupPr>
                         <m:ctrlPr>
                           <a:rPr lang="es-MX" i="1">
-                            <a:latin typeface="Cambria Math" panose="02040503050406030204" pitchFamily="18" charset="0"/>
+                            <a:latin typeface="Cambria Math"/>
                           </a:rPr>
                         </m:ctrlPr>
                       </m:sSubSupPr>
@@ -10767,7 +10516,7 @@
                               <a:solidFill>
                                 <a:srgbClr val="0070C0"/>
                               </a:solidFill>
-                              <a:latin typeface="Cambria Math" panose="02040503050406030204" pitchFamily="18" charset="0"/>
+                              <a:latin typeface="Cambria Math"/>
                             </a:rPr>
                           </m:ctrlPr>
                         </m:sSubSupPr>
@@ -10898,7 +10647,7 @@
             </p:txBody>
           </p:sp>
         </mc:Choice>
-        <mc:Fallback>
+        <mc:Fallback xmlns="">
           <p:sp>
             <p:nvSpPr>
               <p:cNvPr id="3" name="Marcador de contenido 2"/>
@@ -11170,54 +10919,6 @@
       </p:grpSpPr>
       <p:sp>
         <p:nvSpPr>
-          <p:cNvPr id="8" name="Rectángulo 7"/>
-          <p:cNvSpPr/>
-          <p:nvPr/>
-        </p:nvSpPr>
-        <p:spPr>
-          <a:xfrm>
-            <a:off x="0" y="0"/>
-            <a:ext cx="12192000" cy="6858000"/>
-          </a:xfrm>
-          <a:prstGeom prst="rect">
-            <a:avLst/>
-          </a:prstGeom>
-          <a:solidFill>
-            <a:srgbClr val="EBF0F9"/>
-          </a:solidFill>
-          <a:ln>
-            <a:solidFill>
-              <a:schemeClr val="tx1"/>
-            </a:solidFill>
-          </a:ln>
-        </p:spPr>
-        <p:style>
-          <a:lnRef idx="2">
-            <a:schemeClr val="accent1">
-              <a:shade val="50000"/>
-            </a:schemeClr>
-          </a:lnRef>
-          <a:fillRef idx="1">
-            <a:schemeClr val="accent1"/>
-          </a:fillRef>
-          <a:effectRef idx="0">
-            <a:schemeClr val="accent1"/>
-          </a:effectRef>
-          <a:fontRef idx="minor">
-            <a:schemeClr val="lt1"/>
-          </a:fontRef>
-        </p:style>
-        <p:txBody>
-          <a:bodyPr rtlCol="0" anchor="ctr"/>
-          <a:lstStyle/>
-          <a:p>
-            <a:pPr algn="ctr"/>
-            <a:endParaRPr lang="es-MX"/>
-          </a:p>
-        </p:txBody>
-      </p:sp>
-      <p:sp>
-        <p:nvSpPr>
           <p:cNvPr id="2" name="Título 1"/>
           <p:cNvSpPr>
             <a:spLocks noGrp="1"/>
@@ -11659,54 +11360,6 @@
       </p:grpSpPr>
       <p:sp>
         <p:nvSpPr>
-          <p:cNvPr id="8" name="Rectángulo 7"/>
-          <p:cNvSpPr/>
-          <p:nvPr/>
-        </p:nvSpPr>
-        <p:spPr>
-          <a:xfrm>
-            <a:off x="0" y="0"/>
-            <a:ext cx="12192000" cy="6858000"/>
-          </a:xfrm>
-          <a:prstGeom prst="rect">
-            <a:avLst/>
-          </a:prstGeom>
-          <a:solidFill>
-            <a:srgbClr val="EBF0F9"/>
-          </a:solidFill>
-          <a:ln>
-            <a:solidFill>
-              <a:schemeClr val="tx1"/>
-            </a:solidFill>
-          </a:ln>
-        </p:spPr>
-        <p:style>
-          <a:lnRef idx="2">
-            <a:schemeClr val="accent1">
-              <a:shade val="50000"/>
-            </a:schemeClr>
-          </a:lnRef>
-          <a:fillRef idx="1">
-            <a:schemeClr val="accent1"/>
-          </a:fillRef>
-          <a:effectRef idx="0">
-            <a:schemeClr val="accent1"/>
-          </a:effectRef>
-          <a:fontRef idx="minor">
-            <a:schemeClr val="lt1"/>
-          </a:fontRef>
-        </p:style>
-        <p:txBody>
-          <a:bodyPr rtlCol="0" anchor="ctr"/>
-          <a:lstStyle/>
-          <a:p>
-            <a:pPr algn="ctr"/>
-            <a:endParaRPr lang="es-MX"/>
-          </a:p>
-        </p:txBody>
-      </p:sp>
-      <p:sp>
-        <p:nvSpPr>
           <p:cNvPr id="2" name="Título 1"/>
           <p:cNvSpPr>
             <a:spLocks noGrp="1"/>
@@ -12156,54 +11809,6 @@
       </p:grpSpPr>
       <p:sp>
         <p:nvSpPr>
-          <p:cNvPr id="8" name="Rectángulo 7"/>
-          <p:cNvSpPr/>
-          <p:nvPr/>
-        </p:nvSpPr>
-        <p:spPr>
-          <a:xfrm>
-            <a:off x="0" y="0"/>
-            <a:ext cx="12192000" cy="6858000"/>
-          </a:xfrm>
-          <a:prstGeom prst="rect">
-            <a:avLst/>
-          </a:prstGeom>
-          <a:solidFill>
-            <a:srgbClr val="EBF0F9"/>
-          </a:solidFill>
-          <a:ln>
-            <a:solidFill>
-              <a:schemeClr val="tx1"/>
-            </a:solidFill>
-          </a:ln>
-        </p:spPr>
-        <p:style>
-          <a:lnRef idx="2">
-            <a:schemeClr val="accent1">
-              <a:shade val="50000"/>
-            </a:schemeClr>
-          </a:lnRef>
-          <a:fillRef idx="1">
-            <a:schemeClr val="accent1"/>
-          </a:fillRef>
-          <a:effectRef idx="0">
-            <a:schemeClr val="accent1"/>
-          </a:effectRef>
-          <a:fontRef idx="minor">
-            <a:schemeClr val="lt1"/>
-          </a:fontRef>
-        </p:style>
-        <p:txBody>
-          <a:bodyPr rtlCol="0" anchor="ctr"/>
-          <a:lstStyle/>
-          <a:p>
-            <a:pPr algn="ctr"/>
-            <a:endParaRPr lang="es-MX"/>
-          </a:p>
-        </p:txBody>
-      </p:sp>
-      <p:sp>
-        <p:nvSpPr>
           <p:cNvPr id="2" name="Título 1"/>
           <p:cNvSpPr>
             <a:spLocks noGrp="1"/>
@@ -12230,7 +11835,6 @@
               <a:rPr lang="es-MX" dirty="0"/>
               <a:t> 2</a:t>
             </a:r>
-            <a:endParaRPr lang="es-MX" dirty="0"/>
           </a:p>
         </p:txBody>
       </p:sp>
@@ -12726,54 +12330,6 @@
       </p:grpSpPr>
       <p:sp>
         <p:nvSpPr>
-          <p:cNvPr id="14" name="Rectángulo 13"/>
-          <p:cNvSpPr/>
-          <p:nvPr/>
-        </p:nvSpPr>
-        <p:spPr>
-          <a:xfrm>
-            <a:off x="0" y="0"/>
-            <a:ext cx="12192000" cy="6858000"/>
-          </a:xfrm>
-          <a:prstGeom prst="rect">
-            <a:avLst/>
-          </a:prstGeom>
-          <a:solidFill>
-            <a:srgbClr val="EBF0F9"/>
-          </a:solidFill>
-          <a:ln>
-            <a:solidFill>
-              <a:schemeClr val="tx1"/>
-            </a:solidFill>
-          </a:ln>
-        </p:spPr>
-        <p:style>
-          <a:lnRef idx="2">
-            <a:schemeClr val="accent1">
-              <a:shade val="50000"/>
-            </a:schemeClr>
-          </a:lnRef>
-          <a:fillRef idx="1">
-            <a:schemeClr val="accent1"/>
-          </a:fillRef>
-          <a:effectRef idx="0">
-            <a:schemeClr val="accent1"/>
-          </a:effectRef>
-          <a:fontRef idx="minor">
-            <a:schemeClr val="lt1"/>
-          </a:fontRef>
-        </p:style>
-        <p:txBody>
-          <a:bodyPr rtlCol="0" anchor="ctr"/>
-          <a:lstStyle/>
-          <a:p>
-            <a:pPr algn="ctr"/>
-            <a:endParaRPr lang="es-MX"/>
-          </a:p>
-        </p:txBody>
-      </p:sp>
-      <p:sp>
-        <p:nvSpPr>
           <p:cNvPr id="2" name="Título 1"/>
           <p:cNvSpPr>
             <a:spLocks noGrp="1"/>
@@ -12800,7 +12356,6 @@
               <a:rPr lang="es-MX" dirty="0"/>
               <a:t> 2</a:t>
             </a:r>
-            <a:endParaRPr lang="es-MX" dirty="0"/>
           </a:p>
         </p:txBody>
       </p:sp>
@@ -13457,54 +13012,6 @@
       </p:grpSpPr>
       <p:sp>
         <p:nvSpPr>
-          <p:cNvPr id="8" name="Rectángulo 7"/>
-          <p:cNvSpPr/>
-          <p:nvPr/>
-        </p:nvSpPr>
-        <p:spPr>
-          <a:xfrm>
-            <a:off x="0" y="0"/>
-            <a:ext cx="12192000" cy="6858000"/>
-          </a:xfrm>
-          <a:prstGeom prst="rect">
-            <a:avLst/>
-          </a:prstGeom>
-          <a:solidFill>
-            <a:srgbClr val="EBF0F9"/>
-          </a:solidFill>
-          <a:ln>
-            <a:solidFill>
-              <a:schemeClr val="tx1"/>
-            </a:solidFill>
-          </a:ln>
-        </p:spPr>
-        <p:style>
-          <a:lnRef idx="2">
-            <a:schemeClr val="accent1">
-              <a:shade val="50000"/>
-            </a:schemeClr>
-          </a:lnRef>
-          <a:fillRef idx="1">
-            <a:schemeClr val="accent1"/>
-          </a:fillRef>
-          <a:effectRef idx="0">
-            <a:schemeClr val="accent1"/>
-          </a:effectRef>
-          <a:fontRef idx="minor">
-            <a:schemeClr val="lt1"/>
-          </a:fontRef>
-        </p:style>
-        <p:txBody>
-          <a:bodyPr rtlCol="0" anchor="ctr"/>
-          <a:lstStyle/>
-          <a:p>
-            <a:pPr algn="ctr"/>
-            <a:endParaRPr lang="es-MX"/>
-          </a:p>
-        </p:txBody>
-      </p:sp>
-      <p:sp>
-        <p:nvSpPr>
           <p:cNvPr id="2" name="Título 1"/>
           <p:cNvSpPr>
             <a:spLocks noGrp="1"/>
@@ -13531,7 +13038,6 @@
               <a:rPr lang="es-MX" dirty="0"/>
               <a:t> 2</a:t>
             </a:r>
-            <a:endParaRPr lang="es-MX" dirty="0"/>
           </a:p>
         </p:txBody>
       </p:sp>
@@ -13936,1265 +13442,6 @@
       </p:grpSpPr>
       <p:sp>
         <p:nvSpPr>
-          <p:cNvPr id="8" name="Rectángulo 7"/>
-          <p:cNvSpPr/>
-          <p:nvPr/>
-        </p:nvSpPr>
-        <p:spPr>
-          <a:xfrm>
-            <a:off x="0" y="0"/>
-            <a:ext cx="12192000" cy="6858000"/>
-          </a:xfrm>
-          <a:prstGeom prst="rect">
-            <a:avLst/>
-          </a:prstGeom>
-          <a:solidFill>
-            <a:srgbClr val="EBF0F9"/>
-          </a:solidFill>
-          <a:ln>
-            <a:solidFill>
-              <a:schemeClr val="tx1"/>
-            </a:solidFill>
-          </a:ln>
-        </p:spPr>
-        <p:style>
-          <a:lnRef idx="2">
-            <a:schemeClr val="accent1">
-              <a:shade val="50000"/>
-            </a:schemeClr>
-          </a:lnRef>
-          <a:fillRef idx="1">
-            <a:schemeClr val="accent1"/>
-          </a:fillRef>
-          <a:effectRef idx="0">
-            <a:schemeClr val="accent1"/>
-          </a:effectRef>
-          <a:fontRef idx="minor">
-            <a:schemeClr val="lt1"/>
-          </a:fontRef>
-        </p:style>
-        <p:txBody>
-          <a:bodyPr rtlCol="0" anchor="ctr"/>
-          <a:lstStyle/>
-          <a:p>
-            <a:pPr algn="ctr"/>
-            <a:endParaRPr lang="es-MX"/>
-          </a:p>
-        </p:txBody>
-      </p:sp>
-      <p:sp>
-        <p:nvSpPr>
-          <p:cNvPr id="2" name="Título 1"/>
-          <p:cNvSpPr>
-            <a:spLocks noGrp="1"/>
-          </p:cNvSpPr>
-          <p:nvPr>
-            <p:ph type="title"/>
-          </p:nvPr>
-        </p:nvSpPr>
-        <p:spPr/>
-        <p:txBody>
-          <a:bodyPr/>
-          <a:lstStyle/>
-          <a:p>
-            <a:r>
-              <a:rPr lang="es-MX" dirty="0" smtClean="0"/>
-              <a:t/>
-            </a:r>
-            <a:br>
-              <a:rPr lang="es-MX" dirty="0" smtClean="0"/>
-            </a:br>
-            <a:endParaRPr lang="es-MX" dirty="0"/>
-          </a:p>
-        </p:txBody>
-      </p:sp>
-      <mc:AlternateContent xmlns:mc="http://schemas.openxmlformats.org/markup-compatibility/2006">
-        <mc:Choice xmlns:a14="http://schemas.microsoft.com/office/drawing/2010/main" Requires="a14">
-          <p:sp>
-            <p:nvSpPr>
-              <p:cNvPr id="3" name="Marcador de contenido 2"/>
-              <p:cNvSpPr>
-                <a:spLocks noGrp="1"/>
-              </p:cNvSpPr>
-              <p:nvPr>
-                <p:ph idx="1"/>
-              </p:nvPr>
-            </p:nvSpPr>
-            <p:spPr>
-              <a:xfrm>
-                <a:off x="161397" y="474133"/>
-                <a:ext cx="6154736" cy="6172199"/>
-              </a:xfrm>
-            </p:spPr>
-            <p:txBody>
-              <a:bodyPr/>
-              <a:lstStyle/>
-              <a:p>
-                <a:pPr marL="0" indent="0">
-                  <a:buNone/>
-                </a:pPr>
-                <a:r>
-                  <a:rPr lang="es-MX" dirty="0" smtClean="0"/>
-                  <a:t>Given </a:t>
-                </a:r>
-                <a:r>
-                  <a:rPr lang="es-MX" dirty="0" err="1" smtClean="0"/>
-                  <a:t>that</a:t>
-                </a:r>
-                <a:r>
-                  <a:rPr lang="es-MX" dirty="0" smtClean="0"/>
-                  <a:t> </a:t>
-                </a:r>
-                <a:r>
-                  <a:rPr lang="es-MX" dirty="0" err="1" smtClean="0"/>
-                  <a:t>this</a:t>
-                </a:r>
-                <a:r>
-                  <a:rPr lang="es-MX" dirty="0" smtClean="0"/>
-                  <a:t> particular </a:t>
-                </a:r>
-                <a:r>
-                  <a:rPr lang="es-MX" dirty="0" err="1" smtClean="0"/>
-                  <a:t>model</a:t>
-                </a:r>
-                <a:r>
-                  <a:rPr lang="es-MX" dirty="0" smtClean="0"/>
-                  <a:t> </a:t>
-                </a:r>
-                <a:r>
-                  <a:rPr lang="es-MX" dirty="0" err="1" smtClean="0"/>
-                  <a:t>was</a:t>
-                </a:r>
-                <a:r>
-                  <a:rPr lang="es-MX" dirty="0" smtClean="0"/>
-                  <a:t> </a:t>
-                </a:r>
-                <a:r>
-                  <a:rPr lang="es-MX" dirty="0" err="1" smtClean="0"/>
-                  <a:t>constructed</a:t>
-                </a:r>
-                <a:r>
-                  <a:rPr lang="es-MX" dirty="0" smtClean="0"/>
-                  <a:t> so </a:t>
-                </a:r>
-                <a:r>
-                  <a:rPr lang="es-MX" dirty="0" err="1" smtClean="0"/>
-                  <a:t>that</a:t>
-                </a:r>
-                <a:r>
-                  <a:rPr lang="es-MX" dirty="0" smtClean="0"/>
-                  <a:t> </a:t>
-                </a:r>
-                <a:r>
-                  <a:rPr lang="es-MX" dirty="0" err="1" smtClean="0"/>
-                  <a:t>both</a:t>
-                </a:r>
-                <a:r>
-                  <a:rPr lang="es-MX" dirty="0" smtClean="0"/>
-                  <a:t> Taus are </a:t>
-                </a:r>
-                <a:r>
-                  <a:rPr lang="es-MX" dirty="0" err="1" smtClean="0"/>
-                  <a:t>deterministically</a:t>
-                </a:r>
-                <a:r>
-                  <a:rPr lang="es-MX" dirty="0" smtClean="0"/>
-                  <a:t> </a:t>
-                </a:r>
-                <a:r>
-                  <a:rPr lang="es-MX" dirty="0" err="1" smtClean="0"/>
-                  <a:t>estimated</a:t>
-                </a:r>
-                <a:r>
-                  <a:rPr lang="es-MX" dirty="0" smtClean="0"/>
-                  <a:t>, </a:t>
-                </a:r>
-                <a:r>
-                  <a:rPr lang="es-MX" dirty="0" err="1" smtClean="0"/>
-                  <a:t>based</a:t>
-                </a:r>
-                <a:r>
-                  <a:rPr lang="es-MX" dirty="0" smtClean="0"/>
-                  <a:t> </a:t>
-                </a:r>
-                <a:r>
-                  <a:rPr lang="es-MX" dirty="0" err="1" smtClean="0"/>
-                  <a:t>on</a:t>
-                </a:r>
-                <a:r>
-                  <a:rPr lang="es-MX" dirty="0" smtClean="0"/>
-                  <a:t> </a:t>
-                </a:r>
-                <a:r>
-                  <a:rPr lang="es-MX" dirty="0" err="1" smtClean="0"/>
-                  <a:t>the</a:t>
-                </a:r>
-                <a:r>
-                  <a:rPr lang="es-MX" dirty="0" smtClean="0"/>
-                  <a:t> </a:t>
-                </a:r>
-                <a:r>
-                  <a:rPr lang="es-MX" dirty="0" err="1" smtClean="0"/>
-                  <a:t>indiviual</a:t>
-                </a:r>
-                <a:r>
-                  <a:rPr lang="es-MX" dirty="0" smtClean="0"/>
-                  <a:t> </a:t>
-                </a:r>
-                <a:r>
-                  <a:rPr lang="es-MX" dirty="0" err="1" smtClean="0"/>
-                  <a:t>estimations</a:t>
-                </a:r>
-                <a:r>
-                  <a:rPr lang="es-MX" dirty="0" smtClean="0"/>
-                  <a:t> </a:t>
-                </a:r>
-                <a:r>
-                  <a:rPr lang="es-MX" dirty="0" err="1" smtClean="0"/>
-                  <a:t>made</a:t>
-                </a:r>
-                <a:r>
-                  <a:rPr lang="es-MX" dirty="0" smtClean="0"/>
-                  <a:t> </a:t>
-                </a:r>
-                <a:r>
-                  <a:rPr lang="es-MX" dirty="0" err="1" smtClean="0"/>
-                  <a:t>for</a:t>
-                </a:r>
-                <a:r>
-                  <a:rPr lang="es-MX" dirty="0" smtClean="0"/>
-                  <a:t> </a:t>
-                </a:r>
-                <a14:m>
-                  <m:oMath xmlns:m="http://schemas.openxmlformats.org/officeDocument/2006/math">
-                    <m:sSubSup>
-                      <m:sSubSupPr>
-                        <m:ctrlPr>
-                          <a:rPr lang="es-MX" i="1" smtClean="0">
-                            <a:latin typeface="Cambria Math" panose="02040503050406030204" pitchFamily="18" charset="0"/>
-                          </a:rPr>
-                        </m:ctrlPr>
-                      </m:sSubSupPr>
-                      <m:e>
-                        <m:r>
-                          <a:rPr lang="es-MX" i="1" smtClean="0">
-                            <a:latin typeface="Cambria Math" panose="02040503050406030204" pitchFamily="18" charset="0"/>
-                            <a:ea typeface="Cambria Math" panose="02040503050406030204" pitchFamily="18" charset="0"/>
-                          </a:rPr>
-                          <m:t>𝜃</m:t>
-                        </m:r>
-                      </m:e>
-                      <m:sub>
-                        <m:r>
-                          <a:rPr lang="es-MX" b="0" i="1" smtClean="0">
-                            <a:latin typeface="Cambria Math" panose="02040503050406030204" pitchFamily="18" charset="0"/>
-                          </a:rPr>
-                          <m:t>𝑖𝑗</m:t>
-                        </m:r>
-                      </m:sub>
-                      <m:sup>
-                        <m:r>
-                          <a:rPr lang="es-MX" b="0" i="1" smtClean="0">
-                            <a:latin typeface="Cambria Math" panose="02040503050406030204" pitchFamily="18" charset="0"/>
-                          </a:rPr>
-                          <m:t>𝐻</m:t>
-                        </m:r>
-                      </m:sup>
-                    </m:sSubSup>
-                  </m:oMath>
-                </a14:m>
-                <a:r>
-                  <a:rPr lang="es-MX" dirty="0" smtClean="0"/>
-                  <a:t> and </a:t>
-                </a:r>
-                <a14:m>
-                  <m:oMath xmlns:m="http://schemas.openxmlformats.org/officeDocument/2006/math">
-                    <m:sSubSup>
-                      <m:sSubSupPr>
-                        <m:ctrlPr>
-                          <a:rPr lang="es-MX" i="1">
-                            <a:latin typeface="Cambria Math" panose="02040503050406030204" pitchFamily="18" charset="0"/>
-                          </a:rPr>
-                        </m:ctrlPr>
-                      </m:sSubSupPr>
-                      <m:e>
-                        <m:r>
-                          <a:rPr lang="es-MX" i="1">
-                            <a:latin typeface="Cambria Math" panose="02040503050406030204" pitchFamily="18" charset="0"/>
-                            <a:ea typeface="Cambria Math" panose="02040503050406030204" pitchFamily="18" charset="0"/>
-                          </a:rPr>
-                          <m:t>𝜃</m:t>
-                        </m:r>
-                      </m:e>
-                      <m:sub>
-                        <m:r>
-                          <a:rPr lang="es-MX" i="1">
-                            <a:latin typeface="Cambria Math" panose="02040503050406030204" pitchFamily="18" charset="0"/>
-                          </a:rPr>
-                          <m:t>𝑖𝑗</m:t>
-                        </m:r>
-                      </m:sub>
-                      <m:sup>
-                        <m:r>
-                          <a:rPr lang="es-MX" b="0" i="1" smtClean="0">
-                            <a:latin typeface="Cambria Math" panose="02040503050406030204" pitchFamily="18" charset="0"/>
-                          </a:rPr>
-                          <m:t>𝐹</m:t>
-                        </m:r>
-                      </m:sup>
-                    </m:sSubSup>
-                  </m:oMath>
-                </a14:m>
-                <a:r>
-                  <a:rPr lang="es-MX" dirty="0" smtClean="0"/>
-                  <a:t>, </a:t>
-                </a:r>
-                <a:r>
-                  <a:rPr lang="es-MX" dirty="0" err="1" smtClean="0"/>
-                  <a:t>conducting</a:t>
-                </a:r>
-                <a:r>
-                  <a:rPr lang="es-MX" dirty="0" smtClean="0"/>
-                  <a:t> a </a:t>
-                </a:r>
-                <a:r>
-                  <a:rPr lang="es-MX" dirty="0" err="1" smtClean="0"/>
-                  <a:t>Bayes</a:t>
-                </a:r>
-                <a:r>
-                  <a:rPr lang="es-MX" dirty="0" smtClean="0"/>
-                  <a:t> Factor </a:t>
-                </a:r>
-                <a:r>
-                  <a:rPr lang="es-MX" dirty="0" err="1" smtClean="0"/>
-                  <a:t>or</a:t>
-                </a:r>
-                <a:r>
-                  <a:rPr lang="es-MX" dirty="0" smtClean="0"/>
-                  <a:t> </a:t>
-                </a:r>
-                <a:r>
-                  <a:rPr lang="es-MX" dirty="0" err="1" smtClean="0"/>
-                  <a:t>any</a:t>
-                </a:r>
-                <a:r>
-                  <a:rPr lang="es-MX" dirty="0" smtClean="0"/>
-                  <a:t> </a:t>
-                </a:r>
-                <a:r>
-                  <a:rPr lang="es-MX" dirty="0" err="1" smtClean="0"/>
-                  <a:t>other</a:t>
-                </a:r>
-                <a:r>
-                  <a:rPr lang="es-MX" dirty="0" smtClean="0"/>
-                  <a:t> </a:t>
-                </a:r>
-                <a:r>
-                  <a:rPr lang="es-MX" dirty="0" err="1" smtClean="0"/>
-                  <a:t>density</a:t>
-                </a:r>
-                <a:r>
-                  <a:rPr lang="es-MX" dirty="0" smtClean="0"/>
-                  <a:t> ratio </a:t>
-                </a:r>
-                <a:r>
-                  <a:rPr lang="es-MX" dirty="0" err="1" smtClean="0"/>
-                  <a:t>measure</a:t>
-                </a:r>
-                <a:r>
-                  <a:rPr lang="es-MX" dirty="0" smtClean="0"/>
-                  <a:t> </a:t>
-                </a:r>
-                <a:r>
-                  <a:rPr lang="es-MX" dirty="0" err="1" smtClean="0"/>
-                  <a:t>might</a:t>
-                </a:r>
-                <a:r>
-                  <a:rPr lang="es-MX" dirty="0" smtClean="0"/>
-                  <a:t> </a:t>
-                </a:r>
-                <a:r>
-                  <a:rPr lang="es-MX" dirty="0" err="1" smtClean="0"/>
-                  <a:t>not</a:t>
-                </a:r>
-                <a:r>
-                  <a:rPr lang="es-MX" dirty="0" smtClean="0"/>
-                  <a:t> </a:t>
-                </a:r>
-                <a:r>
-                  <a:rPr lang="es-MX" dirty="0" err="1" smtClean="0"/>
-                  <a:t>seem</a:t>
-                </a:r>
-                <a:r>
-                  <a:rPr lang="es-MX" dirty="0" smtClean="0"/>
-                  <a:t> </a:t>
-                </a:r>
-                <a:r>
-                  <a:rPr lang="es-MX" dirty="0" err="1" smtClean="0"/>
-                  <a:t>like</a:t>
-                </a:r>
-                <a:r>
-                  <a:rPr lang="es-MX" dirty="0" smtClean="0"/>
-                  <a:t> a </a:t>
-                </a:r>
-                <a:r>
-                  <a:rPr lang="es-MX" dirty="0" err="1" smtClean="0"/>
-                  <a:t>straight</a:t>
-                </a:r>
-                <a:r>
-                  <a:rPr lang="es-MX" dirty="0" smtClean="0"/>
-                  <a:t>-forward </a:t>
-                </a:r>
-                <a:r>
-                  <a:rPr lang="es-MX" dirty="0" err="1" smtClean="0"/>
-                  <a:t>thing</a:t>
-                </a:r>
-                <a:r>
-                  <a:rPr lang="es-MX" dirty="0" smtClean="0"/>
-                  <a:t> </a:t>
-                </a:r>
-                <a:r>
-                  <a:rPr lang="es-MX" dirty="0" err="1" smtClean="0"/>
-                  <a:t>to</a:t>
-                </a:r>
-                <a:r>
-                  <a:rPr lang="es-MX" dirty="0" smtClean="0"/>
-                  <a:t> do.</a:t>
-                </a:r>
-              </a:p>
-              <a:p>
-                <a:pPr marL="0" indent="0">
-                  <a:buNone/>
-                </a:pPr>
-                <a:endParaRPr lang="es-MX" dirty="0"/>
-              </a:p>
-              <a:p>
-                <a:pPr marL="0" indent="0">
-                  <a:buNone/>
-                </a:pPr>
-                <a:r>
-                  <a:rPr lang="es-MX" dirty="0" smtClean="0">
-                    <a:solidFill>
-                      <a:srgbClr val="FF0000"/>
-                    </a:solidFill>
-                  </a:rPr>
-                  <a:t>It </a:t>
-                </a:r>
-                <a:r>
-                  <a:rPr lang="es-MX" dirty="0" err="1" smtClean="0">
-                    <a:solidFill>
-                      <a:srgbClr val="FF0000"/>
-                    </a:solidFill>
-                  </a:rPr>
-                  <a:t>is</a:t>
-                </a:r>
-                <a:r>
-                  <a:rPr lang="es-MX" dirty="0" smtClean="0">
-                    <a:solidFill>
-                      <a:srgbClr val="FF0000"/>
-                    </a:solidFill>
-                  </a:rPr>
-                  <a:t> </a:t>
-                </a:r>
-                <a:r>
-                  <a:rPr lang="es-MX" dirty="0" err="1" smtClean="0">
-                    <a:solidFill>
-                      <a:srgbClr val="FF0000"/>
-                    </a:solidFill>
-                  </a:rPr>
-                  <a:t>under</a:t>
-                </a:r>
-                <a:r>
-                  <a:rPr lang="es-MX" dirty="0" smtClean="0">
-                    <a:solidFill>
-                      <a:srgbClr val="FF0000"/>
-                    </a:solidFill>
-                  </a:rPr>
-                  <a:t> </a:t>
-                </a:r>
-                <a:r>
-                  <a:rPr lang="es-MX" dirty="0" err="1" smtClean="0">
-                    <a:solidFill>
-                      <a:srgbClr val="FF0000"/>
-                    </a:solidFill>
-                  </a:rPr>
-                  <a:t>this</a:t>
-                </a:r>
-                <a:r>
-                  <a:rPr lang="es-MX" dirty="0" smtClean="0">
-                    <a:solidFill>
-                      <a:srgbClr val="FF0000"/>
-                    </a:solidFill>
-                  </a:rPr>
-                  <a:t> </a:t>
-                </a:r>
-                <a:r>
-                  <a:rPr lang="es-MX" dirty="0" err="1" smtClean="0">
-                    <a:solidFill>
-                      <a:srgbClr val="FF0000"/>
-                    </a:solidFill>
-                  </a:rPr>
-                  <a:t>disclaimer</a:t>
-                </a:r>
-                <a:r>
-                  <a:rPr lang="es-MX" dirty="0" smtClean="0">
-                    <a:solidFill>
-                      <a:srgbClr val="FF0000"/>
-                    </a:solidFill>
-                  </a:rPr>
-                  <a:t> </a:t>
-                </a:r>
-                <a:r>
-                  <a:rPr lang="es-MX" dirty="0" err="1" smtClean="0">
-                    <a:solidFill>
-                      <a:srgbClr val="FF0000"/>
-                    </a:solidFill>
-                  </a:rPr>
-                  <a:t>that</a:t>
-                </a:r>
-                <a:r>
-                  <a:rPr lang="es-MX" dirty="0" smtClean="0">
-                    <a:solidFill>
-                      <a:srgbClr val="FF0000"/>
-                    </a:solidFill>
-                  </a:rPr>
-                  <a:t> </a:t>
-                </a:r>
-                <a:r>
-                  <a:rPr lang="es-MX" dirty="0" err="1" smtClean="0">
-                    <a:solidFill>
-                      <a:srgbClr val="FF0000"/>
-                    </a:solidFill>
-                  </a:rPr>
-                  <a:t>we</a:t>
-                </a:r>
-                <a:r>
-                  <a:rPr lang="es-MX" dirty="0" smtClean="0">
-                    <a:solidFill>
-                      <a:srgbClr val="FF0000"/>
-                    </a:solidFill>
-                  </a:rPr>
-                  <a:t> </a:t>
-                </a:r>
-                <a:r>
-                  <a:rPr lang="es-MX" dirty="0" err="1" smtClean="0">
-                    <a:solidFill>
-                      <a:srgbClr val="FF0000"/>
-                    </a:solidFill>
-                  </a:rPr>
-                  <a:t>conducted</a:t>
-                </a:r>
-                <a:r>
-                  <a:rPr lang="es-MX" dirty="0" smtClean="0">
-                    <a:solidFill>
-                      <a:srgbClr val="FF0000"/>
-                    </a:solidFill>
-                  </a:rPr>
-                  <a:t> a </a:t>
-                </a:r>
-                <a:r>
-                  <a:rPr lang="es-MX" dirty="0" err="1" smtClean="0">
-                    <a:solidFill>
-                      <a:srgbClr val="FF0000"/>
-                    </a:solidFill>
-                  </a:rPr>
-                  <a:t>Bayes</a:t>
-                </a:r>
-                <a:r>
-                  <a:rPr lang="es-MX" dirty="0" smtClean="0">
-                    <a:solidFill>
-                      <a:srgbClr val="FF0000"/>
-                    </a:solidFill>
-                  </a:rPr>
-                  <a:t> Factor </a:t>
-                </a:r>
-                <a:r>
-                  <a:rPr lang="es-MX" dirty="0" err="1" smtClean="0">
-                    <a:solidFill>
-                      <a:srgbClr val="FF0000"/>
-                    </a:solidFill>
-                  </a:rPr>
-                  <a:t>for</a:t>
-                </a:r>
-                <a:r>
-                  <a:rPr lang="es-MX" dirty="0" smtClean="0">
-                    <a:solidFill>
-                      <a:srgbClr val="FF0000"/>
-                    </a:solidFill>
-                  </a:rPr>
-                  <a:t> </a:t>
-                </a:r>
-                <a:r>
-                  <a:rPr lang="es-MX" dirty="0" err="1" smtClean="0">
-                    <a:solidFill>
-                      <a:srgbClr val="FF0000"/>
-                    </a:solidFill>
-                  </a:rPr>
-                  <a:t>every</a:t>
-                </a:r>
-                <a:r>
-                  <a:rPr lang="es-MX" dirty="0" smtClean="0">
-                    <a:solidFill>
-                      <a:srgbClr val="FF0000"/>
-                    </a:solidFill>
-                  </a:rPr>
-                  <a:t> individual Tau </a:t>
-                </a:r>
-                <a:r>
-                  <a:rPr lang="es-MX" dirty="0" err="1" smtClean="0">
-                    <a:solidFill>
-                      <a:srgbClr val="FF0000"/>
-                    </a:solidFill>
-                  </a:rPr>
-                  <a:t>taking</a:t>
-                </a:r>
-                <a:r>
-                  <a:rPr lang="es-MX" dirty="0" smtClean="0">
-                    <a:solidFill>
-                      <a:srgbClr val="FF0000"/>
-                    </a:solidFill>
-                  </a:rPr>
-                  <a:t> as a </a:t>
-                </a:r>
-                <a:r>
-                  <a:rPr lang="es-MX" dirty="0" err="1" smtClean="0">
-                    <a:solidFill>
-                      <a:srgbClr val="FF0000"/>
-                    </a:solidFill>
-                  </a:rPr>
-                  <a:t>reference</a:t>
-                </a:r>
-                <a:r>
-                  <a:rPr lang="es-MX" dirty="0" smtClean="0">
-                    <a:solidFill>
-                      <a:srgbClr val="FF0000"/>
-                    </a:solidFill>
-                  </a:rPr>
-                  <a:t> </a:t>
-                </a:r>
-                <a:r>
-                  <a:rPr lang="es-MX" dirty="0" err="1" smtClean="0">
-                    <a:solidFill>
-                      <a:srgbClr val="FF0000"/>
-                    </a:solidFill>
-                  </a:rPr>
-                  <a:t>the</a:t>
-                </a:r>
-                <a:r>
-                  <a:rPr lang="es-MX" dirty="0" smtClean="0">
-                    <a:solidFill>
-                      <a:srgbClr val="FF0000"/>
-                    </a:solidFill>
-                  </a:rPr>
-                  <a:t> </a:t>
-                </a:r>
-                <a:r>
-                  <a:rPr lang="es-MX" dirty="0" err="1" smtClean="0">
-                    <a:solidFill>
-                      <a:srgbClr val="FF0000"/>
-                    </a:solidFill>
-                  </a:rPr>
-                  <a:t>following</a:t>
-                </a:r>
-                <a:r>
-                  <a:rPr lang="es-MX" dirty="0" smtClean="0">
-                    <a:solidFill>
-                      <a:srgbClr val="FF0000"/>
-                    </a:solidFill>
-                  </a:rPr>
-                  <a:t>, </a:t>
-                </a:r>
-                <a:r>
-                  <a:rPr lang="es-MX" dirty="0" err="1" smtClean="0">
-                    <a:solidFill>
-                      <a:srgbClr val="FF0000"/>
-                    </a:solidFill>
-                  </a:rPr>
-                  <a:t>not</a:t>
-                </a:r>
-                <a:r>
-                  <a:rPr lang="es-MX" dirty="0" smtClean="0">
-                    <a:solidFill>
-                      <a:srgbClr val="FF0000"/>
-                    </a:solidFill>
-                  </a:rPr>
-                  <a:t> </a:t>
-                </a:r>
-                <a:r>
-                  <a:rPr lang="es-MX" dirty="0" err="1" smtClean="0">
-                    <a:solidFill>
-                      <a:srgbClr val="FF0000"/>
-                    </a:solidFill>
-                  </a:rPr>
-                  <a:t>stated</a:t>
-                </a:r>
-                <a:r>
-                  <a:rPr lang="es-MX" dirty="0" smtClean="0">
-                    <a:solidFill>
-                      <a:srgbClr val="FF0000"/>
-                    </a:solidFill>
-                  </a:rPr>
-                  <a:t> in </a:t>
-                </a:r>
-                <a:r>
-                  <a:rPr lang="es-MX" dirty="0" err="1" smtClean="0">
-                    <a:solidFill>
-                      <a:srgbClr val="FF0000"/>
-                    </a:solidFill>
-                  </a:rPr>
-                  <a:t>the</a:t>
-                </a:r>
-                <a:r>
-                  <a:rPr lang="es-MX" dirty="0" smtClean="0">
-                    <a:solidFill>
-                      <a:srgbClr val="FF0000"/>
-                    </a:solidFill>
-                  </a:rPr>
-                  <a:t> </a:t>
-                </a:r>
-                <a:r>
-                  <a:rPr lang="es-MX" dirty="0" err="1" smtClean="0">
-                    <a:solidFill>
-                      <a:srgbClr val="FF0000"/>
-                    </a:solidFill>
-                  </a:rPr>
-                  <a:t>model</a:t>
-                </a:r>
-                <a:r>
-                  <a:rPr lang="es-MX" dirty="0" smtClean="0">
-                    <a:solidFill>
-                      <a:srgbClr val="FF0000"/>
-                    </a:solidFill>
-                  </a:rPr>
-                  <a:t>, “prior </a:t>
-                </a:r>
-                <a:r>
-                  <a:rPr lang="es-MX" dirty="0" err="1" smtClean="0">
-                    <a:solidFill>
-                      <a:srgbClr val="FF0000"/>
-                    </a:solidFill>
-                  </a:rPr>
-                  <a:t>distribution</a:t>
-                </a:r>
-                <a:r>
-                  <a:rPr lang="es-MX" dirty="0" smtClean="0">
-                    <a:solidFill>
-                      <a:srgbClr val="FF0000"/>
-                    </a:solidFill>
-                  </a:rPr>
-                  <a:t>”:</a:t>
-                </a:r>
-              </a:p>
-              <a:p>
-                <a:pPr marL="0" indent="0" algn="ctr">
-                  <a:buNone/>
-                </a:pPr>
-                <a14:m>
-                  <m:oMathPara xmlns:m="http://schemas.openxmlformats.org/officeDocument/2006/math">
-                    <m:oMathParaPr>
-                      <m:jc m:val="centerGroup"/>
-                    </m:oMathParaPr>
-                    <m:oMath xmlns:m="http://schemas.openxmlformats.org/officeDocument/2006/math">
-                      <m:r>
-                        <a:rPr lang="es-MX" b="1" i="1" smtClean="0">
-                          <a:solidFill>
-                            <a:srgbClr val="0070C0"/>
-                          </a:solidFill>
-                          <a:latin typeface="Cambria Math" panose="02040503050406030204" pitchFamily="18" charset="0"/>
-                        </a:rPr>
-                        <m:t>𝒑𝒓𝒊𝒐𝒓</m:t>
-                      </m:r>
-                      <m:r>
-                        <a:rPr lang="es-MX" b="1" i="1" smtClean="0">
-                          <a:solidFill>
-                            <a:srgbClr val="0070C0"/>
-                          </a:solidFill>
-                          <a:latin typeface="Cambria Math" panose="02040503050406030204" pitchFamily="18" charset="0"/>
-                        </a:rPr>
-                        <m:t>(</m:t>
-                      </m:r>
-                      <m:sSubSup>
-                        <m:sSubSupPr>
-                          <m:ctrlPr>
-                            <a:rPr lang="es-MX" b="1" i="1" smtClean="0">
-                              <a:solidFill>
-                                <a:srgbClr val="0070C0"/>
-                              </a:solidFill>
-                              <a:latin typeface="Cambria Math" panose="02040503050406030204" pitchFamily="18" charset="0"/>
-                            </a:rPr>
-                          </m:ctrlPr>
-                        </m:sSubSupPr>
-                        <m:e>
-                          <m:r>
-                            <a:rPr lang="es-MX" b="1" i="1" smtClean="0">
-                              <a:solidFill>
-                                <a:srgbClr val="0070C0"/>
-                              </a:solidFill>
-                              <a:latin typeface="Cambria Math" panose="02040503050406030204" pitchFamily="18" charset="0"/>
-                            </a:rPr>
-                            <m:t>𝑻𝒂𝒖</m:t>
-                          </m:r>
-                        </m:e>
-                        <m:sub>
-                          <m:r>
-                            <a:rPr lang="es-MX" b="1" i="1" smtClean="0">
-                              <a:solidFill>
-                                <a:srgbClr val="0070C0"/>
-                              </a:solidFill>
-                              <a:latin typeface="Cambria Math" panose="02040503050406030204" pitchFamily="18" charset="0"/>
-                            </a:rPr>
-                            <m:t>𝒊</m:t>
-                          </m:r>
-                        </m:sub>
-                        <m:sup>
-                          <m:r>
-                            <a:rPr lang="es-MX" b="1" i="1" smtClean="0">
-                              <a:solidFill>
-                                <a:srgbClr val="0070C0"/>
-                              </a:solidFill>
-                              <a:latin typeface="Cambria Math" panose="02040503050406030204" pitchFamily="18" charset="0"/>
-                            </a:rPr>
-                            <m:t>𝒋</m:t>
-                          </m:r>
-                        </m:sup>
-                      </m:sSubSup>
-                      <m:r>
-                        <a:rPr lang="es-MX" b="1" i="1" smtClean="0">
-                          <a:solidFill>
-                            <a:srgbClr val="0070C0"/>
-                          </a:solidFill>
-                          <a:latin typeface="Cambria Math" panose="02040503050406030204" pitchFamily="18" charset="0"/>
-                        </a:rPr>
-                        <m:t> ~ </m:t>
-                      </m:r>
-                      <m:r>
-                        <a:rPr lang="es-MX" b="1" i="1" smtClean="0">
-                          <a:solidFill>
-                            <a:srgbClr val="0070C0"/>
-                          </a:solidFill>
-                          <a:latin typeface="Cambria Math" panose="02040503050406030204" pitchFamily="18" charset="0"/>
-                        </a:rPr>
-                        <m:t>𝑵𝒐𝒓𝒎𝒂𝒍</m:t>
-                      </m:r>
-                      <m:r>
-                        <a:rPr lang="es-MX" b="1" i="1" smtClean="0">
-                          <a:solidFill>
-                            <a:srgbClr val="0070C0"/>
-                          </a:solidFill>
-                          <a:latin typeface="Cambria Math" panose="02040503050406030204" pitchFamily="18" charset="0"/>
-                        </a:rPr>
-                        <m:t>(</m:t>
-                      </m:r>
-                      <m:r>
-                        <a:rPr lang="es-MX" b="1" i="1" smtClean="0">
-                          <a:solidFill>
-                            <a:srgbClr val="0070C0"/>
-                          </a:solidFill>
-                          <a:latin typeface="Cambria Math" panose="02040503050406030204" pitchFamily="18" charset="0"/>
-                        </a:rPr>
-                        <m:t>𝟎</m:t>
-                      </m:r>
-                      <m:r>
-                        <a:rPr lang="es-MX" b="1" i="1" smtClean="0">
-                          <a:solidFill>
-                            <a:srgbClr val="0070C0"/>
-                          </a:solidFill>
-                          <a:latin typeface="Cambria Math" panose="02040503050406030204" pitchFamily="18" charset="0"/>
-                        </a:rPr>
-                        <m:t>,</m:t>
-                      </m:r>
-                      <m:r>
-                        <a:rPr lang="es-MX" b="1" i="1" smtClean="0">
-                          <a:solidFill>
-                            <a:srgbClr val="0070C0"/>
-                          </a:solidFill>
-                          <a:latin typeface="Cambria Math" panose="02040503050406030204" pitchFamily="18" charset="0"/>
-                        </a:rPr>
-                        <m:t>𝟎</m:t>
-                      </m:r>
-                      <m:r>
-                        <a:rPr lang="es-MX" b="1" i="1" smtClean="0">
-                          <a:solidFill>
-                            <a:srgbClr val="0070C0"/>
-                          </a:solidFill>
-                          <a:latin typeface="Cambria Math" panose="02040503050406030204" pitchFamily="18" charset="0"/>
-                        </a:rPr>
-                        <m:t>.</m:t>
-                      </m:r>
-                      <m:r>
-                        <a:rPr lang="es-MX" b="1" i="1" smtClean="0">
-                          <a:solidFill>
-                            <a:srgbClr val="0070C0"/>
-                          </a:solidFill>
-                          <a:latin typeface="Cambria Math" panose="02040503050406030204" pitchFamily="18" charset="0"/>
-                        </a:rPr>
-                        <m:t>𝟏</m:t>
-                      </m:r>
-                      <m:r>
-                        <a:rPr lang="es-MX" b="1" i="1" smtClean="0">
-                          <a:solidFill>
-                            <a:srgbClr val="0070C0"/>
-                          </a:solidFill>
-                          <a:latin typeface="Cambria Math" panose="02040503050406030204" pitchFamily="18" charset="0"/>
-                        </a:rPr>
-                        <m:t>)</m:t>
-                      </m:r>
-                    </m:oMath>
-                  </m:oMathPara>
-                </a14:m>
-                <a:endParaRPr lang="es-MX" b="1" i="1" dirty="0">
-                  <a:solidFill>
-                    <a:srgbClr val="0070C0"/>
-                  </a:solidFill>
-                </a:endParaRPr>
-              </a:p>
-            </p:txBody>
-          </p:sp>
-        </mc:Choice>
-        <mc:Fallback>
-          <p:sp>
-            <p:nvSpPr>
-              <p:cNvPr id="3" name="Marcador de contenido 2"/>
-              <p:cNvSpPr>
-                <a:spLocks noGrp="1" noRot="1" noChangeAspect="1" noMove="1" noResize="1" noEditPoints="1" noAdjustHandles="1" noChangeArrowheads="1" noChangeShapeType="1" noTextEdit="1"/>
-              </p:cNvSpPr>
-              <p:nvPr>
-                <p:ph idx="1"/>
-              </p:nvPr>
-            </p:nvSpPr>
-            <p:spPr>
-              <a:xfrm>
-                <a:off x="161397" y="474133"/>
-                <a:ext cx="6154736" cy="6172199"/>
-              </a:xfrm>
-              <a:blipFill rotWithShape="0">
-                <a:blip r:embed="rId2"/>
-                <a:stretch>
-                  <a:fillRect l="-1980" t="-1680" r="-2178"/>
-                </a:stretch>
-              </a:blipFill>
-            </p:spPr>
-            <p:txBody>
-              <a:bodyPr/>
-              <a:lstStyle/>
-              <a:p>
-                <a:r>
-                  <a:rPr lang="es-MX">
-                    <a:noFill/>
-                  </a:rPr>
-                  <a:t> </a:t>
-                </a:r>
-              </a:p>
-            </p:txBody>
-          </p:sp>
-        </mc:Fallback>
-      </mc:AlternateContent>
-      <p:sp>
-        <p:nvSpPr>
-          <p:cNvPr id="6" name="Rectángulo 5"/>
-          <p:cNvSpPr/>
-          <p:nvPr/>
-        </p:nvSpPr>
-        <p:spPr>
-          <a:xfrm>
-            <a:off x="0" y="0"/>
-            <a:ext cx="12192000" cy="116203"/>
-          </a:xfrm>
-          <a:prstGeom prst="rect">
-            <a:avLst/>
-          </a:prstGeom>
-          <a:solidFill>
-            <a:schemeClr val="accent5">
-              <a:lumMod val="20000"/>
-              <a:lumOff val="80000"/>
-            </a:schemeClr>
-          </a:solidFill>
-          <a:ln>
-            <a:solidFill>
-              <a:schemeClr val="tx1"/>
-            </a:solidFill>
-          </a:ln>
-        </p:spPr>
-        <p:style>
-          <a:lnRef idx="2">
-            <a:schemeClr val="accent1">
-              <a:shade val="50000"/>
-            </a:schemeClr>
-          </a:lnRef>
-          <a:fillRef idx="1">
-            <a:schemeClr val="accent1"/>
-          </a:fillRef>
-          <a:effectRef idx="0">
-            <a:schemeClr val="accent1"/>
-          </a:effectRef>
-          <a:fontRef idx="minor">
-            <a:schemeClr val="lt1"/>
-          </a:fontRef>
-        </p:style>
-        <p:txBody>
-          <a:bodyPr rtlCol="0" anchor="ctr"/>
-          <a:lstStyle/>
-          <a:p>
-            <a:pPr algn="ctr"/>
-            <a:endParaRPr lang="es-MX"/>
-          </a:p>
-        </p:txBody>
-      </p:sp>
-      <p:sp>
-        <p:nvSpPr>
-          <p:cNvPr id="7" name="Rectángulo 6"/>
-          <p:cNvSpPr/>
-          <p:nvPr/>
-        </p:nvSpPr>
-        <p:spPr>
-          <a:xfrm>
-            <a:off x="0" y="6741796"/>
-            <a:ext cx="12192000" cy="116203"/>
-          </a:xfrm>
-          <a:prstGeom prst="rect">
-            <a:avLst/>
-          </a:prstGeom>
-          <a:solidFill>
-            <a:schemeClr val="accent5">
-              <a:lumMod val="20000"/>
-              <a:lumOff val="80000"/>
-            </a:schemeClr>
-          </a:solidFill>
-          <a:ln>
-            <a:solidFill>
-              <a:schemeClr val="tx1"/>
-            </a:solidFill>
-          </a:ln>
-        </p:spPr>
-        <p:style>
-          <a:lnRef idx="2">
-            <a:schemeClr val="accent1">
-              <a:shade val="50000"/>
-            </a:schemeClr>
-          </a:lnRef>
-          <a:fillRef idx="1">
-            <a:schemeClr val="accent1"/>
-          </a:fillRef>
-          <a:effectRef idx="0">
-            <a:schemeClr val="accent1"/>
-          </a:effectRef>
-          <a:fontRef idx="minor">
-            <a:schemeClr val="lt1"/>
-          </a:fontRef>
-        </p:style>
-        <p:txBody>
-          <a:bodyPr rtlCol="0" anchor="ctr"/>
-          <a:lstStyle/>
-          <a:p>
-            <a:pPr algn="ctr"/>
-            <a:endParaRPr lang="es-MX"/>
-          </a:p>
-        </p:txBody>
-      </p:sp>
-      <p:pic>
-        <p:nvPicPr>
-          <p:cNvPr id="5" name="Imagen 4"/>
-          <p:cNvPicPr>
-            <a:picLocks noChangeAspect="1"/>
-          </p:cNvPicPr>
-          <p:nvPr/>
-        </p:nvPicPr>
-        <p:blipFill>
-          <a:blip r:embed="rId3"/>
-          <a:stretch>
-            <a:fillRect/>
-          </a:stretch>
-        </p:blipFill>
-        <p:spPr>
-          <a:xfrm>
-            <a:off x="129242" y="211667"/>
-            <a:ext cx="6106329" cy="3591592"/>
-          </a:xfrm>
-          <a:prstGeom prst="rect">
-            <a:avLst/>
-          </a:prstGeom>
-        </p:spPr>
-      </p:pic>
-      <p:pic>
-        <p:nvPicPr>
-          <p:cNvPr id="10" name="Imagen 9"/>
-          <p:cNvPicPr>
-            <a:picLocks noChangeAspect="1"/>
-          </p:cNvPicPr>
-          <p:nvPr/>
-        </p:nvPicPr>
-        <p:blipFill>
-          <a:blip r:embed="rId4"/>
-          <a:stretch>
-            <a:fillRect/>
-          </a:stretch>
-        </p:blipFill>
-        <p:spPr>
-          <a:xfrm>
-            <a:off x="6830418" y="718431"/>
-            <a:ext cx="5238178" cy="5563836"/>
-          </a:xfrm>
-          <a:prstGeom prst="rect">
-            <a:avLst/>
-          </a:prstGeom>
-        </p:spPr>
-      </p:pic>
-      <p:cxnSp>
-        <p:nvCxnSpPr>
-          <p:cNvPr id="15" name="Conector recto de flecha 14"/>
-          <p:cNvCxnSpPr/>
-          <p:nvPr/>
-        </p:nvCxnSpPr>
-        <p:spPr>
-          <a:xfrm>
-            <a:off x="6348288" y="2285999"/>
-            <a:ext cx="755245" cy="3217938"/>
-          </a:xfrm>
-          <a:prstGeom prst="straightConnector1">
-            <a:avLst/>
-          </a:prstGeom>
-          <a:ln>
-            <a:solidFill>
-              <a:schemeClr val="accent1">
-                <a:lumMod val="50000"/>
-              </a:schemeClr>
-            </a:solidFill>
-            <a:tailEnd type="triangle"/>
-          </a:ln>
-        </p:spPr>
-        <p:style>
-          <a:lnRef idx="1">
-            <a:schemeClr val="accent1"/>
-          </a:lnRef>
-          <a:fillRef idx="0">
-            <a:schemeClr val="accent1"/>
-          </a:fillRef>
-          <a:effectRef idx="0">
-            <a:schemeClr val="accent1"/>
-          </a:effectRef>
-          <a:fontRef idx="minor">
-            <a:schemeClr val="tx1"/>
-          </a:fontRef>
-        </p:style>
-      </p:cxnSp>
-      <p:cxnSp>
-        <p:nvCxnSpPr>
-          <p:cNvPr id="16" name="Conector recto de flecha 15"/>
-          <p:cNvCxnSpPr/>
-          <p:nvPr/>
-        </p:nvCxnSpPr>
-        <p:spPr>
-          <a:xfrm>
-            <a:off x="6348288" y="2286000"/>
-            <a:ext cx="653645" cy="440267"/>
-          </a:xfrm>
-          <a:prstGeom prst="straightConnector1">
-            <a:avLst/>
-          </a:prstGeom>
-          <a:ln>
-            <a:solidFill>
-              <a:schemeClr val="accent1">
-                <a:lumMod val="50000"/>
-              </a:schemeClr>
-            </a:solidFill>
-            <a:tailEnd type="triangle"/>
-          </a:ln>
-        </p:spPr>
-        <p:style>
-          <a:lnRef idx="1">
-            <a:schemeClr val="accent1"/>
-          </a:lnRef>
-          <a:fillRef idx="0">
-            <a:schemeClr val="accent1"/>
-          </a:fillRef>
-          <a:effectRef idx="0">
-            <a:schemeClr val="accent1"/>
-          </a:effectRef>
-          <a:fontRef idx="minor">
-            <a:schemeClr val="tx1"/>
-          </a:fontRef>
-        </p:style>
-      </p:cxnSp>
-    </p:spTree>
-    <p:extLst>
-      <p:ext uri="{BB962C8B-B14F-4D97-AF65-F5344CB8AC3E}">
-        <p14:creationId xmlns:p14="http://schemas.microsoft.com/office/powerpoint/2010/main" val="3370325827"/>
-      </p:ext>
-    </p:extLst>
-  </p:cSld>
-  <p:clrMapOvr>
-    <a:masterClrMapping/>
-  </p:clrMapOvr>
-</p:sld>
-</file>
-
-<file path=ppt/slides/slide28.xml><?xml version="1.0" encoding="utf-8"?>
-<p:sld xmlns:a="http://schemas.openxmlformats.org/drawingml/2006/main" xmlns:r="http://schemas.openxmlformats.org/officeDocument/2006/relationships" xmlns:p="http://schemas.openxmlformats.org/presentationml/2006/main">
-  <p:cSld>
-    <p:spTree>
-      <p:nvGrpSpPr>
-        <p:cNvPr id="1" name=""/>
-        <p:cNvGrpSpPr/>
-        <p:nvPr/>
-      </p:nvGrpSpPr>
-      <p:grpSpPr>
-        <a:xfrm>
-          <a:off x="0" y="0"/>
-          <a:ext cx="0" cy="0"/>
-          <a:chOff x="0" y="0"/>
-          <a:chExt cx="0" cy="0"/>
-        </a:xfrm>
-      </p:grpSpPr>
-      <p:sp>
-        <p:nvSpPr>
-          <p:cNvPr id="8" name="Rectángulo 7"/>
-          <p:cNvSpPr/>
-          <p:nvPr/>
-        </p:nvSpPr>
-        <p:spPr>
-          <a:xfrm>
-            <a:off x="0" y="0"/>
-            <a:ext cx="12192000" cy="6858000"/>
-          </a:xfrm>
-          <a:prstGeom prst="rect">
-            <a:avLst/>
-          </a:prstGeom>
-          <a:solidFill>
-            <a:srgbClr val="EBF0F9"/>
-          </a:solidFill>
-          <a:ln>
-            <a:solidFill>
-              <a:schemeClr val="tx1"/>
-            </a:solidFill>
-          </a:ln>
-        </p:spPr>
-        <p:style>
-          <a:lnRef idx="2">
-            <a:schemeClr val="accent1">
-              <a:shade val="50000"/>
-            </a:schemeClr>
-          </a:lnRef>
-          <a:fillRef idx="1">
-            <a:schemeClr val="accent1"/>
-          </a:fillRef>
-          <a:effectRef idx="0">
-            <a:schemeClr val="accent1"/>
-          </a:effectRef>
-          <a:fontRef idx="minor">
-            <a:schemeClr val="lt1"/>
-          </a:fontRef>
-        </p:style>
-        <p:txBody>
-          <a:bodyPr rtlCol="0" anchor="ctr"/>
-          <a:lstStyle/>
-          <a:p>
-            <a:pPr algn="ctr"/>
-            <a:endParaRPr lang="es-MX"/>
-          </a:p>
-        </p:txBody>
-      </p:sp>
-      <p:sp>
-        <p:nvSpPr>
           <p:cNvPr id="2" name="Título 1"/>
           <p:cNvSpPr>
             <a:spLocks noGrp="1"/>
@@ -15579,7 +13826,7 @@
 </p:sld>
 </file>
 
-<file path=ppt/slides/slide29.xml><?xml version="1.0" encoding="utf-8"?>
+<file path=ppt/slides/slide28.xml><?xml version="1.0" encoding="utf-8"?>
 <p:sld xmlns:a="http://schemas.openxmlformats.org/drawingml/2006/main" xmlns:r="http://schemas.openxmlformats.org/officeDocument/2006/relationships" xmlns:p="http://schemas.openxmlformats.org/presentationml/2006/main">
   <p:cSld>
     <p:spTree>
@@ -15596,54 +13843,6 @@
           <a:chExt cx="0" cy="0"/>
         </a:xfrm>
       </p:grpSpPr>
-      <p:sp>
-        <p:nvSpPr>
-          <p:cNvPr id="8" name="Rectángulo 7"/>
-          <p:cNvSpPr/>
-          <p:nvPr/>
-        </p:nvSpPr>
-        <p:spPr>
-          <a:xfrm>
-            <a:off x="0" y="0"/>
-            <a:ext cx="12192000" cy="6858000"/>
-          </a:xfrm>
-          <a:prstGeom prst="rect">
-            <a:avLst/>
-          </a:prstGeom>
-          <a:solidFill>
-            <a:srgbClr val="EBF0F9"/>
-          </a:solidFill>
-          <a:ln>
-            <a:solidFill>
-              <a:schemeClr val="tx1"/>
-            </a:solidFill>
-          </a:ln>
-        </p:spPr>
-        <p:style>
-          <a:lnRef idx="2">
-            <a:schemeClr val="accent1">
-              <a:shade val="50000"/>
-            </a:schemeClr>
-          </a:lnRef>
-          <a:fillRef idx="1">
-            <a:schemeClr val="accent1"/>
-          </a:fillRef>
-          <a:effectRef idx="0">
-            <a:schemeClr val="accent1"/>
-          </a:effectRef>
-          <a:fontRef idx="minor">
-            <a:schemeClr val="lt1"/>
-          </a:fontRef>
-        </p:style>
-        <p:txBody>
-          <a:bodyPr rtlCol="0" anchor="ctr"/>
-          <a:lstStyle/>
-          <a:p>
-            <a:pPr algn="ctr"/>
-            <a:endParaRPr lang="es-MX"/>
-          </a:p>
-        </p:txBody>
-      </p:sp>
       <p:sp>
         <p:nvSpPr>
           <p:cNvPr id="2" name="Título 1"/>
@@ -16270,6 +14469,515 @@
 </p:sld>
 </file>
 
+<file path=ppt/slides/slide29.xml><?xml version="1.0" encoding="utf-8"?>
+<p:sld xmlns:a="http://schemas.openxmlformats.org/drawingml/2006/main" xmlns:r="http://schemas.openxmlformats.org/officeDocument/2006/relationships" xmlns:p="http://schemas.openxmlformats.org/presentationml/2006/main">
+  <p:cSld>
+    <p:spTree>
+      <p:nvGrpSpPr>
+        <p:cNvPr id="1" name=""/>
+        <p:cNvGrpSpPr/>
+        <p:nvPr/>
+      </p:nvGrpSpPr>
+      <p:grpSpPr>
+        <a:xfrm>
+          <a:off x="0" y="0"/>
+          <a:ext cx="0" cy="0"/>
+          <a:chOff x="0" y="0"/>
+          <a:chExt cx="0" cy="0"/>
+        </a:xfrm>
+      </p:grpSpPr>
+      <p:sp>
+        <p:nvSpPr>
+          <p:cNvPr id="2" name="Título 1"/>
+          <p:cNvSpPr>
+            <a:spLocks noGrp="1"/>
+          </p:cNvSpPr>
+          <p:nvPr>
+            <p:ph type="title"/>
+          </p:nvPr>
+        </p:nvSpPr>
+        <p:spPr>
+          <a:xfrm>
+            <a:off x="186267" y="383612"/>
+            <a:ext cx="10515600" cy="1325563"/>
+          </a:xfrm>
+        </p:spPr>
+        <p:txBody>
+          <a:bodyPr/>
+          <a:lstStyle/>
+          <a:p>
+            <a:r>
+              <a:rPr lang="es-MX" dirty="0" err="1" smtClean="0"/>
+              <a:t>Plot</a:t>
+            </a:r>
+            <a:r>
+              <a:rPr lang="es-MX" dirty="0" smtClean="0"/>
+              <a:t> 2</a:t>
+            </a:r>
+            <a:endParaRPr lang="es-MX" dirty="0"/>
+          </a:p>
+        </p:txBody>
+      </p:sp>
+      <p:sp>
+        <p:nvSpPr>
+          <p:cNvPr id="3" name="Marcador de contenido 2"/>
+          <p:cNvSpPr>
+            <a:spLocks noGrp="1"/>
+          </p:cNvSpPr>
+          <p:nvPr>
+            <p:ph idx="1"/>
+          </p:nvPr>
+        </p:nvSpPr>
+        <p:spPr>
+          <a:xfrm>
+            <a:off x="186267" y="1834092"/>
+            <a:ext cx="4699000" cy="4351338"/>
+          </a:xfrm>
+        </p:spPr>
+        <p:txBody>
+          <a:bodyPr/>
+          <a:lstStyle/>
+          <a:p>
+            <a:pPr marL="0" indent="0">
+              <a:buNone/>
+            </a:pPr>
+            <a:r>
+              <a:rPr lang="es-MX" dirty="0" smtClean="0"/>
+              <a:t>Once </a:t>
+            </a:r>
+            <a:r>
+              <a:rPr lang="es-MX" dirty="0" err="1" smtClean="0"/>
+              <a:t>again</a:t>
+            </a:r>
+            <a:r>
+              <a:rPr lang="es-MX" dirty="0" smtClean="0"/>
+              <a:t>, </a:t>
+            </a:r>
+            <a:r>
+              <a:rPr lang="es-MX" dirty="0" err="1" smtClean="0"/>
+              <a:t>for</a:t>
+            </a:r>
+            <a:r>
+              <a:rPr lang="es-MX" dirty="0" smtClean="0"/>
+              <a:t> </a:t>
+            </a:r>
+            <a:r>
+              <a:rPr lang="es-MX" dirty="0" err="1" smtClean="0"/>
+              <a:t>the</a:t>
+            </a:r>
+            <a:r>
+              <a:rPr lang="es-MX" dirty="0" smtClean="0"/>
+              <a:t> </a:t>
+            </a:r>
+            <a:r>
+              <a:rPr lang="es-MX" b="1" dirty="0" err="1" smtClean="0"/>
+              <a:t>differences</a:t>
+            </a:r>
+            <a:r>
+              <a:rPr lang="es-MX" b="1" dirty="0" smtClean="0"/>
+              <a:t> </a:t>
+            </a:r>
+            <a:r>
+              <a:rPr lang="es-MX" b="1" dirty="0" err="1" smtClean="0"/>
+              <a:t>between</a:t>
+            </a:r>
+            <a:r>
+              <a:rPr lang="es-MX" b="1" dirty="0" smtClean="0"/>
+              <a:t> </a:t>
+            </a:r>
+            <a:r>
+              <a:rPr lang="es-MX" b="1" dirty="0" err="1" smtClean="0"/>
+              <a:t>the</a:t>
+            </a:r>
+            <a:r>
+              <a:rPr lang="es-MX" b="1" dirty="0" smtClean="0"/>
+              <a:t> Hit </a:t>
+            </a:r>
+            <a:r>
+              <a:rPr lang="es-MX" b="1" dirty="0" err="1" smtClean="0"/>
+              <a:t>rates</a:t>
+            </a:r>
+            <a:r>
+              <a:rPr lang="es-MX" b="1" dirty="0" smtClean="0"/>
+              <a:t> at </a:t>
+            </a:r>
+            <a:r>
+              <a:rPr lang="es-MX" b="1" dirty="0" err="1" smtClean="0"/>
+              <a:t>Experiment</a:t>
+            </a:r>
+            <a:r>
+              <a:rPr lang="es-MX" b="1" dirty="0" smtClean="0"/>
+              <a:t> No. 2</a:t>
+            </a:r>
+            <a:r>
+              <a:rPr lang="es-MX" dirty="0" smtClean="0"/>
+              <a:t> </a:t>
+            </a:r>
+            <a:r>
+              <a:rPr lang="es-MX" dirty="0" err="1" smtClean="0"/>
+              <a:t>when</a:t>
+            </a:r>
+            <a:r>
+              <a:rPr lang="es-MX" dirty="0"/>
+              <a:t> </a:t>
+            </a:r>
+            <a:r>
+              <a:rPr lang="es-MX" dirty="0" err="1" smtClean="0"/>
+              <a:t>we</a:t>
+            </a:r>
+            <a:r>
+              <a:rPr lang="es-MX" dirty="0" smtClean="0"/>
+              <a:t> </a:t>
+            </a:r>
+            <a:r>
+              <a:rPr lang="es-MX" dirty="0" err="1" smtClean="0"/>
+              <a:t>measure</a:t>
+            </a:r>
+            <a:r>
+              <a:rPr lang="es-MX" dirty="0" smtClean="0"/>
+              <a:t> </a:t>
+            </a:r>
+            <a:r>
+              <a:rPr lang="es-MX" dirty="0" err="1" smtClean="0"/>
+              <a:t>the</a:t>
+            </a:r>
+            <a:r>
+              <a:rPr lang="es-MX" dirty="0" smtClean="0"/>
+              <a:t> </a:t>
+            </a:r>
+            <a:r>
+              <a:rPr lang="es-MX" dirty="0" err="1" smtClean="0"/>
+              <a:t>Bayes</a:t>
+            </a:r>
+            <a:r>
+              <a:rPr lang="es-MX" dirty="0" smtClean="0"/>
+              <a:t> Factor </a:t>
+            </a:r>
+            <a:r>
+              <a:rPr lang="es-MX" dirty="0" err="1" smtClean="0"/>
+              <a:t>between</a:t>
+            </a:r>
+            <a:r>
+              <a:rPr lang="es-MX" dirty="0" smtClean="0"/>
+              <a:t> </a:t>
+            </a:r>
+            <a:r>
+              <a:rPr lang="es-MX" dirty="0" err="1" smtClean="0"/>
+              <a:t>the</a:t>
+            </a:r>
+            <a:r>
+              <a:rPr lang="es-MX" dirty="0" smtClean="0"/>
+              <a:t> artificial prior and </a:t>
+            </a:r>
+            <a:r>
+              <a:rPr lang="es-MX" dirty="0" err="1" smtClean="0"/>
+              <a:t>the</a:t>
+            </a:r>
+            <a:r>
+              <a:rPr lang="es-MX" dirty="0" smtClean="0"/>
+              <a:t> posterior </a:t>
+            </a:r>
+            <a:r>
+              <a:rPr lang="es-MX" dirty="0" err="1" smtClean="0"/>
+              <a:t>distributions</a:t>
+            </a:r>
+            <a:r>
+              <a:rPr lang="es-MX" dirty="0"/>
+              <a:t> </a:t>
+            </a:r>
+            <a:r>
+              <a:rPr lang="es-MX" dirty="0" smtClean="0"/>
+              <a:t>at </a:t>
+            </a:r>
+            <a:r>
+              <a:rPr lang="es-MX" dirty="0" err="1" smtClean="0"/>
+              <a:t>the</a:t>
+            </a:r>
+            <a:r>
+              <a:rPr lang="es-MX" dirty="0" smtClean="0"/>
+              <a:t> mean </a:t>
+            </a:r>
+            <a:r>
+              <a:rPr lang="es-MX" dirty="0" err="1" smtClean="0"/>
+              <a:t>value</a:t>
+            </a:r>
+            <a:r>
+              <a:rPr lang="es-MX" dirty="0" smtClean="0"/>
+              <a:t> of </a:t>
+            </a:r>
+            <a:r>
+              <a:rPr lang="es-MX" dirty="0" err="1" smtClean="0"/>
+              <a:t>the</a:t>
+            </a:r>
+            <a:r>
+              <a:rPr lang="es-MX" dirty="0" smtClean="0"/>
+              <a:t> posterior, </a:t>
+            </a:r>
+            <a:r>
+              <a:rPr lang="es-MX" dirty="0" err="1" smtClean="0"/>
+              <a:t>all</a:t>
+            </a:r>
+            <a:r>
+              <a:rPr lang="es-MX" dirty="0" smtClean="0"/>
+              <a:t> </a:t>
+            </a:r>
+            <a:r>
+              <a:rPr lang="es-MX" dirty="0" err="1" smtClean="0"/>
+              <a:t>participants</a:t>
+            </a:r>
+            <a:r>
+              <a:rPr lang="es-MX" dirty="0" smtClean="0"/>
+              <a:t> show a </a:t>
+            </a:r>
+            <a:r>
+              <a:rPr lang="es-MX" dirty="0" err="1" smtClean="0"/>
+              <a:t>greater</a:t>
+            </a:r>
+            <a:r>
+              <a:rPr lang="es-MX" dirty="0" smtClean="0"/>
+              <a:t> posterior </a:t>
+            </a:r>
+            <a:r>
+              <a:rPr lang="es-MX" dirty="0" err="1" smtClean="0"/>
+              <a:t>density</a:t>
+            </a:r>
+            <a:r>
+              <a:rPr lang="es-MX" dirty="0" smtClean="0"/>
+              <a:t> tan </a:t>
+            </a:r>
+            <a:r>
+              <a:rPr lang="es-MX" dirty="0" err="1" smtClean="0"/>
+              <a:t>the</a:t>
+            </a:r>
+            <a:r>
+              <a:rPr lang="es-MX" dirty="0" smtClean="0"/>
+              <a:t> prior. </a:t>
+            </a:r>
+            <a:endParaRPr lang="es-MX" dirty="0"/>
+          </a:p>
+        </p:txBody>
+      </p:sp>
+      <p:sp>
+        <p:nvSpPr>
+          <p:cNvPr id="6" name="Rectángulo 5"/>
+          <p:cNvSpPr/>
+          <p:nvPr/>
+        </p:nvSpPr>
+        <p:spPr>
+          <a:xfrm>
+            <a:off x="0" y="0"/>
+            <a:ext cx="12192000" cy="116203"/>
+          </a:xfrm>
+          <a:prstGeom prst="rect">
+            <a:avLst/>
+          </a:prstGeom>
+          <a:solidFill>
+            <a:schemeClr val="accent5">
+              <a:lumMod val="20000"/>
+              <a:lumOff val="80000"/>
+            </a:schemeClr>
+          </a:solidFill>
+          <a:ln>
+            <a:solidFill>
+              <a:schemeClr val="tx1"/>
+            </a:solidFill>
+          </a:ln>
+        </p:spPr>
+        <p:style>
+          <a:lnRef idx="2">
+            <a:schemeClr val="accent1">
+              <a:shade val="50000"/>
+            </a:schemeClr>
+          </a:lnRef>
+          <a:fillRef idx="1">
+            <a:schemeClr val="accent1"/>
+          </a:fillRef>
+          <a:effectRef idx="0">
+            <a:schemeClr val="accent1"/>
+          </a:effectRef>
+          <a:fontRef idx="minor">
+            <a:schemeClr val="lt1"/>
+          </a:fontRef>
+        </p:style>
+        <p:txBody>
+          <a:bodyPr rtlCol="0" anchor="ctr"/>
+          <a:lstStyle/>
+          <a:p>
+            <a:pPr algn="ctr"/>
+            <a:endParaRPr lang="es-MX"/>
+          </a:p>
+        </p:txBody>
+      </p:sp>
+      <p:sp>
+        <p:nvSpPr>
+          <p:cNvPr id="7" name="Rectángulo 6"/>
+          <p:cNvSpPr/>
+          <p:nvPr/>
+        </p:nvSpPr>
+        <p:spPr>
+          <a:xfrm>
+            <a:off x="0" y="6741796"/>
+            <a:ext cx="12192000" cy="116203"/>
+          </a:xfrm>
+          <a:prstGeom prst="rect">
+            <a:avLst/>
+          </a:prstGeom>
+          <a:solidFill>
+            <a:schemeClr val="accent5">
+              <a:lumMod val="20000"/>
+              <a:lumOff val="80000"/>
+            </a:schemeClr>
+          </a:solidFill>
+          <a:ln>
+            <a:solidFill>
+              <a:schemeClr val="tx1"/>
+            </a:solidFill>
+          </a:ln>
+        </p:spPr>
+        <p:style>
+          <a:lnRef idx="2">
+            <a:schemeClr val="accent1">
+              <a:shade val="50000"/>
+            </a:schemeClr>
+          </a:lnRef>
+          <a:fillRef idx="1">
+            <a:schemeClr val="accent1"/>
+          </a:fillRef>
+          <a:effectRef idx="0">
+            <a:schemeClr val="accent1"/>
+          </a:effectRef>
+          <a:fontRef idx="minor">
+            <a:schemeClr val="lt1"/>
+          </a:fontRef>
+        </p:style>
+        <p:txBody>
+          <a:bodyPr rtlCol="0" anchor="ctr"/>
+          <a:lstStyle/>
+          <a:p>
+            <a:pPr algn="ctr"/>
+            <a:endParaRPr lang="es-MX"/>
+          </a:p>
+        </p:txBody>
+      </p:sp>
+      <p:pic>
+        <p:nvPicPr>
+          <p:cNvPr id="5" name="Imagen 4"/>
+          <p:cNvPicPr>
+            <a:picLocks noChangeAspect="1"/>
+          </p:cNvPicPr>
+          <p:nvPr/>
+        </p:nvPicPr>
+        <p:blipFill>
+          <a:blip r:embed="rId2"/>
+          <a:stretch>
+            <a:fillRect/>
+          </a:stretch>
+        </p:blipFill>
+        <p:spPr>
+          <a:xfrm>
+            <a:off x="5122333" y="797486"/>
+            <a:ext cx="6937904" cy="5263027"/>
+          </a:xfrm>
+          <a:prstGeom prst="rect">
+            <a:avLst/>
+          </a:prstGeom>
+        </p:spPr>
+      </p:pic>
+      <p:sp>
+        <p:nvSpPr>
+          <p:cNvPr id="11" name="Rectángulo redondeado 10"/>
+          <p:cNvSpPr/>
+          <p:nvPr/>
+        </p:nvSpPr>
+        <p:spPr>
+          <a:xfrm>
+            <a:off x="2184400" y="6333066"/>
+            <a:ext cx="10007600" cy="404363"/>
+          </a:xfrm>
+          <a:prstGeom prst="roundRect">
+            <a:avLst/>
+          </a:prstGeom>
+          <a:solidFill>
+            <a:srgbClr val="C00000"/>
+          </a:solidFill>
+          <a:ln>
+            <a:solidFill>
+              <a:schemeClr val="accent1">
+                <a:lumMod val="50000"/>
+              </a:schemeClr>
+            </a:solidFill>
+          </a:ln>
+        </p:spPr>
+        <p:style>
+          <a:lnRef idx="2">
+            <a:schemeClr val="accent1">
+              <a:shade val="50000"/>
+            </a:schemeClr>
+          </a:lnRef>
+          <a:fillRef idx="1">
+            <a:schemeClr val="accent1"/>
+          </a:fillRef>
+          <a:effectRef idx="0">
+            <a:schemeClr val="accent1"/>
+          </a:effectRef>
+          <a:fontRef idx="minor">
+            <a:schemeClr val="lt1"/>
+          </a:fontRef>
+        </p:style>
+        <p:txBody>
+          <a:bodyPr rtlCol="0" anchor="ctr"/>
+          <a:lstStyle/>
+          <a:p>
+            <a:pPr algn="ctr"/>
+            <a:r>
+              <a:rPr lang="es-MX" sz="2500" dirty="0" err="1" smtClean="0"/>
+              <a:t>Same</a:t>
+            </a:r>
+            <a:r>
+              <a:rPr lang="es-MX" sz="2500" dirty="0" smtClean="0"/>
+              <a:t> </a:t>
+            </a:r>
+            <a:r>
+              <a:rPr lang="es-MX" sz="2500" dirty="0" err="1" smtClean="0"/>
+              <a:t>question</a:t>
+            </a:r>
+            <a:r>
+              <a:rPr lang="es-MX" sz="2500" dirty="0" smtClean="0"/>
+              <a:t> as </a:t>
+            </a:r>
+            <a:r>
+              <a:rPr lang="es-MX" sz="2500" dirty="0" err="1" smtClean="0"/>
+              <a:t>before</a:t>
+            </a:r>
+            <a:r>
+              <a:rPr lang="es-MX" sz="2500" dirty="0" smtClean="0"/>
+              <a:t>, of </a:t>
+            </a:r>
+            <a:r>
+              <a:rPr lang="es-MX" sz="2500" dirty="0" err="1" smtClean="0"/>
+              <a:t>course</a:t>
+            </a:r>
+            <a:r>
+              <a:rPr lang="es-MX" sz="2500" dirty="0" smtClean="0"/>
+              <a:t>…</a:t>
+            </a:r>
+            <a:endParaRPr lang="es-MX" sz="2500" dirty="0"/>
+          </a:p>
+        </p:txBody>
+      </p:sp>
+    </p:spTree>
+    <p:extLst>
+      <p:ext uri="{BB962C8B-B14F-4D97-AF65-F5344CB8AC3E}">
+        <p14:creationId xmlns:p14="http://schemas.microsoft.com/office/powerpoint/2010/main" val="635908935"/>
+      </p:ext>
+    </p:extLst>
+  </p:cSld>
+  <p:clrMapOvr>
+    <a:masterClrMapping/>
+  </p:clrMapOvr>
+</p:sld>
+</file>
+
 <file path=ppt/slides/slide3.xml><?xml version="1.0" encoding="utf-8"?>
 <p:sld xmlns:a="http://schemas.openxmlformats.org/drawingml/2006/main" xmlns:r="http://schemas.openxmlformats.org/officeDocument/2006/relationships" xmlns:p="http://schemas.openxmlformats.org/presentationml/2006/main">
   <p:cSld>
@@ -16702,611 +15410,6 @@
           <a:chExt cx="0" cy="0"/>
         </a:xfrm>
       </p:grpSpPr>
-      <p:sp>
-        <p:nvSpPr>
-          <p:cNvPr id="8" name="Rectángulo 7"/>
-          <p:cNvSpPr/>
-          <p:nvPr/>
-        </p:nvSpPr>
-        <p:spPr>
-          <a:xfrm>
-            <a:off x="0" y="0"/>
-            <a:ext cx="12192000" cy="6858000"/>
-          </a:xfrm>
-          <a:prstGeom prst="rect">
-            <a:avLst/>
-          </a:prstGeom>
-          <a:solidFill>
-            <a:srgbClr val="EBF0F9"/>
-          </a:solidFill>
-          <a:ln>
-            <a:solidFill>
-              <a:schemeClr val="tx1"/>
-            </a:solidFill>
-          </a:ln>
-        </p:spPr>
-        <p:style>
-          <a:lnRef idx="2">
-            <a:schemeClr val="accent1">
-              <a:shade val="50000"/>
-            </a:schemeClr>
-          </a:lnRef>
-          <a:fillRef idx="1">
-            <a:schemeClr val="accent1"/>
-          </a:fillRef>
-          <a:effectRef idx="0">
-            <a:schemeClr val="accent1"/>
-          </a:effectRef>
-          <a:fontRef idx="minor">
-            <a:schemeClr val="lt1"/>
-          </a:fontRef>
-        </p:style>
-        <p:txBody>
-          <a:bodyPr rtlCol="0" anchor="ctr"/>
-          <a:lstStyle/>
-          <a:p>
-            <a:pPr algn="ctr"/>
-            <a:endParaRPr lang="es-MX"/>
-          </a:p>
-        </p:txBody>
-      </p:sp>
-      <p:sp>
-        <p:nvSpPr>
-          <p:cNvPr id="2" name="Título 1"/>
-          <p:cNvSpPr>
-            <a:spLocks noGrp="1"/>
-          </p:cNvSpPr>
-          <p:nvPr>
-            <p:ph type="title"/>
-          </p:nvPr>
-        </p:nvSpPr>
-        <p:spPr>
-          <a:xfrm>
-            <a:off x="186267" y="383612"/>
-            <a:ext cx="10515600" cy="1325563"/>
-          </a:xfrm>
-        </p:spPr>
-        <p:txBody>
-          <a:bodyPr/>
-          <a:lstStyle/>
-          <a:p>
-            <a:r>
-              <a:rPr lang="es-MX" dirty="0" err="1" smtClean="0"/>
-              <a:t>Plot</a:t>
-            </a:r>
-            <a:r>
-              <a:rPr lang="es-MX" dirty="0" smtClean="0"/>
-              <a:t> 2</a:t>
-            </a:r>
-            <a:endParaRPr lang="es-MX" dirty="0"/>
-          </a:p>
-        </p:txBody>
-      </p:sp>
-      <p:sp>
-        <p:nvSpPr>
-          <p:cNvPr id="3" name="Marcador de contenido 2"/>
-          <p:cNvSpPr>
-            <a:spLocks noGrp="1"/>
-          </p:cNvSpPr>
-          <p:nvPr>
-            <p:ph idx="1"/>
-          </p:nvPr>
-        </p:nvSpPr>
-        <p:spPr>
-          <a:xfrm>
-            <a:off x="186267" y="1834092"/>
-            <a:ext cx="4699000" cy="4351338"/>
-          </a:xfrm>
-        </p:spPr>
-        <p:txBody>
-          <a:bodyPr/>
-          <a:lstStyle/>
-          <a:p>
-            <a:pPr marL="0" indent="0">
-              <a:buNone/>
-            </a:pPr>
-            <a:r>
-              <a:rPr lang="es-MX" dirty="0" smtClean="0"/>
-              <a:t>Once </a:t>
-            </a:r>
-            <a:r>
-              <a:rPr lang="es-MX" dirty="0" err="1" smtClean="0"/>
-              <a:t>again</a:t>
-            </a:r>
-            <a:r>
-              <a:rPr lang="es-MX" dirty="0" smtClean="0"/>
-              <a:t>, </a:t>
-            </a:r>
-            <a:r>
-              <a:rPr lang="es-MX" dirty="0" err="1" smtClean="0"/>
-              <a:t>for</a:t>
-            </a:r>
-            <a:r>
-              <a:rPr lang="es-MX" dirty="0" smtClean="0"/>
-              <a:t> </a:t>
-            </a:r>
-            <a:r>
-              <a:rPr lang="es-MX" dirty="0" err="1" smtClean="0"/>
-              <a:t>the</a:t>
-            </a:r>
-            <a:r>
-              <a:rPr lang="es-MX" dirty="0" smtClean="0"/>
-              <a:t> </a:t>
-            </a:r>
-            <a:r>
-              <a:rPr lang="es-MX" b="1" dirty="0" err="1" smtClean="0"/>
-              <a:t>differences</a:t>
-            </a:r>
-            <a:r>
-              <a:rPr lang="es-MX" b="1" dirty="0" smtClean="0"/>
-              <a:t> </a:t>
-            </a:r>
-            <a:r>
-              <a:rPr lang="es-MX" b="1" dirty="0" err="1" smtClean="0"/>
-              <a:t>between</a:t>
-            </a:r>
-            <a:r>
-              <a:rPr lang="es-MX" b="1" dirty="0" smtClean="0"/>
-              <a:t> </a:t>
-            </a:r>
-            <a:r>
-              <a:rPr lang="es-MX" b="1" dirty="0" err="1" smtClean="0"/>
-              <a:t>the</a:t>
-            </a:r>
-            <a:r>
-              <a:rPr lang="es-MX" b="1" dirty="0" smtClean="0"/>
-              <a:t> Hit </a:t>
-            </a:r>
-            <a:r>
-              <a:rPr lang="es-MX" b="1" dirty="0" err="1" smtClean="0"/>
-              <a:t>rates</a:t>
-            </a:r>
-            <a:r>
-              <a:rPr lang="es-MX" b="1" dirty="0" smtClean="0"/>
-              <a:t> at </a:t>
-            </a:r>
-            <a:r>
-              <a:rPr lang="es-MX" b="1" dirty="0" err="1" smtClean="0"/>
-              <a:t>Experiment</a:t>
-            </a:r>
-            <a:r>
-              <a:rPr lang="es-MX" b="1" dirty="0" smtClean="0"/>
-              <a:t> No. 2</a:t>
-            </a:r>
-            <a:r>
-              <a:rPr lang="es-MX" dirty="0" smtClean="0"/>
-              <a:t> </a:t>
-            </a:r>
-            <a:r>
-              <a:rPr lang="es-MX" dirty="0" err="1" smtClean="0"/>
-              <a:t>when</a:t>
-            </a:r>
-            <a:r>
-              <a:rPr lang="es-MX" dirty="0"/>
-              <a:t> </a:t>
-            </a:r>
-            <a:r>
-              <a:rPr lang="es-MX" dirty="0" err="1" smtClean="0"/>
-              <a:t>we</a:t>
-            </a:r>
-            <a:r>
-              <a:rPr lang="es-MX" dirty="0" smtClean="0"/>
-              <a:t> </a:t>
-            </a:r>
-            <a:r>
-              <a:rPr lang="es-MX" dirty="0" err="1" smtClean="0"/>
-              <a:t>measure</a:t>
-            </a:r>
-            <a:r>
-              <a:rPr lang="es-MX" dirty="0" smtClean="0"/>
-              <a:t> </a:t>
-            </a:r>
-            <a:r>
-              <a:rPr lang="es-MX" dirty="0" err="1" smtClean="0"/>
-              <a:t>the</a:t>
-            </a:r>
-            <a:r>
-              <a:rPr lang="es-MX" dirty="0" smtClean="0"/>
-              <a:t> </a:t>
-            </a:r>
-            <a:r>
-              <a:rPr lang="es-MX" dirty="0" err="1" smtClean="0"/>
-              <a:t>Bayes</a:t>
-            </a:r>
-            <a:r>
-              <a:rPr lang="es-MX" dirty="0" smtClean="0"/>
-              <a:t> Factor </a:t>
-            </a:r>
-            <a:r>
-              <a:rPr lang="es-MX" dirty="0" err="1" smtClean="0"/>
-              <a:t>between</a:t>
-            </a:r>
-            <a:r>
-              <a:rPr lang="es-MX" dirty="0" smtClean="0"/>
-              <a:t> </a:t>
-            </a:r>
-            <a:r>
-              <a:rPr lang="es-MX" dirty="0" err="1" smtClean="0"/>
-              <a:t>the</a:t>
-            </a:r>
-            <a:r>
-              <a:rPr lang="es-MX" dirty="0" smtClean="0"/>
-              <a:t> artificial prior and </a:t>
-            </a:r>
-            <a:r>
-              <a:rPr lang="es-MX" dirty="0" err="1" smtClean="0"/>
-              <a:t>the</a:t>
-            </a:r>
-            <a:r>
-              <a:rPr lang="es-MX" dirty="0" smtClean="0"/>
-              <a:t> posterior </a:t>
-            </a:r>
-            <a:r>
-              <a:rPr lang="es-MX" dirty="0" err="1" smtClean="0"/>
-              <a:t>distributions</a:t>
-            </a:r>
-            <a:r>
-              <a:rPr lang="es-MX" dirty="0"/>
-              <a:t> </a:t>
-            </a:r>
-            <a:r>
-              <a:rPr lang="es-MX" dirty="0" smtClean="0"/>
-              <a:t>at </a:t>
-            </a:r>
-            <a:r>
-              <a:rPr lang="es-MX" dirty="0" err="1" smtClean="0"/>
-              <a:t>the</a:t>
-            </a:r>
-            <a:r>
-              <a:rPr lang="es-MX" dirty="0" smtClean="0"/>
-              <a:t> mean </a:t>
-            </a:r>
-            <a:r>
-              <a:rPr lang="es-MX" dirty="0" err="1" smtClean="0"/>
-              <a:t>value</a:t>
-            </a:r>
-            <a:r>
-              <a:rPr lang="es-MX" dirty="0" smtClean="0"/>
-              <a:t> of </a:t>
-            </a:r>
-            <a:r>
-              <a:rPr lang="es-MX" dirty="0" err="1" smtClean="0"/>
-              <a:t>the</a:t>
-            </a:r>
-            <a:r>
-              <a:rPr lang="es-MX" dirty="0" smtClean="0"/>
-              <a:t> posterior, </a:t>
-            </a:r>
-            <a:r>
-              <a:rPr lang="es-MX" dirty="0" err="1" smtClean="0"/>
-              <a:t>all</a:t>
-            </a:r>
-            <a:r>
-              <a:rPr lang="es-MX" dirty="0" smtClean="0"/>
-              <a:t> </a:t>
-            </a:r>
-            <a:r>
-              <a:rPr lang="es-MX" dirty="0" err="1" smtClean="0"/>
-              <a:t>participants</a:t>
-            </a:r>
-            <a:r>
-              <a:rPr lang="es-MX" dirty="0" smtClean="0"/>
-              <a:t> show a </a:t>
-            </a:r>
-            <a:r>
-              <a:rPr lang="es-MX" dirty="0" err="1" smtClean="0"/>
-              <a:t>greater</a:t>
-            </a:r>
-            <a:r>
-              <a:rPr lang="es-MX" dirty="0" smtClean="0"/>
-              <a:t> posterior </a:t>
-            </a:r>
-            <a:r>
-              <a:rPr lang="es-MX" dirty="0" err="1" smtClean="0"/>
-              <a:t>density</a:t>
-            </a:r>
-            <a:r>
-              <a:rPr lang="es-MX" dirty="0" smtClean="0"/>
-              <a:t> tan </a:t>
-            </a:r>
-            <a:r>
-              <a:rPr lang="es-MX" dirty="0" err="1" smtClean="0"/>
-              <a:t>the</a:t>
-            </a:r>
-            <a:r>
-              <a:rPr lang="es-MX" dirty="0" smtClean="0"/>
-              <a:t> prior. </a:t>
-            </a:r>
-            <a:endParaRPr lang="es-MX" dirty="0"/>
-          </a:p>
-        </p:txBody>
-      </p:sp>
-      <p:sp>
-        <p:nvSpPr>
-          <p:cNvPr id="6" name="Rectángulo 5"/>
-          <p:cNvSpPr/>
-          <p:nvPr/>
-        </p:nvSpPr>
-        <p:spPr>
-          <a:xfrm>
-            <a:off x="0" y="0"/>
-            <a:ext cx="12192000" cy="116203"/>
-          </a:xfrm>
-          <a:prstGeom prst="rect">
-            <a:avLst/>
-          </a:prstGeom>
-          <a:solidFill>
-            <a:schemeClr val="accent5">
-              <a:lumMod val="20000"/>
-              <a:lumOff val="80000"/>
-            </a:schemeClr>
-          </a:solidFill>
-          <a:ln>
-            <a:solidFill>
-              <a:schemeClr val="tx1"/>
-            </a:solidFill>
-          </a:ln>
-        </p:spPr>
-        <p:style>
-          <a:lnRef idx="2">
-            <a:schemeClr val="accent1">
-              <a:shade val="50000"/>
-            </a:schemeClr>
-          </a:lnRef>
-          <a:fillRef idx="1">
-            <a:schemeClr val="accent1"/>
-          </a:fillRef>
-          <a:effectRef idx="0">
-            <a:schemeClr val="accent1"/>
-          </a:effectRef>
-          <a:fontRef idx="minor">
-            <a:schemeClr val="lt1"/>
-          </a:fontRef>
-        </p:style>
-        <p:txBody>
-          <a:bodyPr rtlCol="0" anchor="ctr"/>
-          <a:lstStyle/>
-          <a:p>
-            <a:pPr algn="ctr"/>
-            <a:endParaRPr lang="es-MX"/>
-          </a:p>
-        </p:txBody>
-      </p:sp>
-      <p:sp>
-        <p:nvSpPr>
-          <p:cNvPr id="7" name="Rectángulo 6"/>
-          <p:cNvSpPr/>
-          <p:nvPr/>
-        </p:nvSpPr>
-        <p:spPr>
-          <a:xfrm>
-            <a:off x="0" y="6741796"/>
-            <a:ext cx="12192000" cy="116203"/>
-          </a:xfrm>
-          <a:prstGeom prst="rect">
-            <a:avLst/>
-          </a:prstGeom>
-          <a:solidFill>
-            <a:schemeClr val="accent5">
-              <a:lumMod val="20000"/>
-              <a:lumOff val="80000"/>
-            </a:schemeClr>
-          </a:solidFill>
-          <a:ln>
-            <a:solidFill>
-              <a:schemeClr val="tx1"/>
-            </a:solidFill>
-          </a:ln>
-        </p:spPr>
-        <p:style>
-          <a:lnRef idx="2">
-            <a:schemeClr val="accent1">
-              <a:shade val="50000"/>
-            </a:schemeClr>
-          </a:lnRef>
-          <a:fillRef idx="1">
-            <a:schemeClr val="accent1"/>
-          </a:fillRef>
-          <a:effectRef idx="0">
-            <a:schemeClr val="accent1"/>
-          </a:effectRef>
-          <a:fontRef idx="minor">
-            <a:schemeClr val="lt1"/>
-          </a:fontRef>
-        </p:style>
-        <p:txBody>
-          <a:bodyPr rtlCol="0" anchor="ctr"/>
-          <a:lstStyle/>
-          <a:p>
-            <a:pPr algn="ctr"/>
-            <a:endParaRPr lang="es-MX"/>
-          </a:p>
-        </p:txBody>
-      </p:sp>
-      <p:pic>
-        <p:nvPicPr>
-          <p:cNvPr id="5" name="Imagen 4"/>
-          <p:cNvPicPr>
-            <a:picLocks noChangeAspect="1"/>
-          </p:cNvPicPr>
-          <p:nvPr/>
-        </p:nvPicPr>
-        <p:blipFill>
-          <a:blip r:embed="rId2"/>
-          <a:stretch>
-            <a:fillRect/>
-          </a:stretch>
-        </p:blipFill>
-        <p:spPr>
-          <a:xfrm>
-            <a:off x="5122333" y="797486"/>
-            <a:ext cx="6937904" cy="5263027"/>
-          </a:xfrm>
-          <a:prstGeom prst="rect">
-            <a:avLst/>
-          </a:prstGeom>
-        </p:spPr>
-      </p:pic>
-      <p:sp>
-        <p:nvSpPr>
-          <p:cNvPr id="11" name="Rectángulo redondeado 10"/>
-          <p:cNvSpPr/>
-          <p:nvPr/>
-        </p:nvSpPr>
-        <p:spPr>
-          <a:xfrm>
-            <a:off x="2184400" y="6333066"/>
-            <a:ext cx="10007600" cy="404363"/>
-          </a:xfrm>
-          <a:prstGeom prst="roundRect">
-            <a:avLst/>
-          </a:prstGeom>
-          <a:solidFill>
-            <a:srgbClr val="C00000"/>
-          </a:solidFill>
-          <a:ln>
-            <a:solidFill>
-              <a:schemeClr val="accent1">
-                <a:lumMod val="50000"/>
-              </a:schemeClr>
-            </a:solidFill>
-          </a:ln>
-        </p:spPr>
-        <p:style>
-          <a:lnRef idx="2">
-            <a:schemeClr val="accent1">
-              <a:shade val="50000"/>
-            </a:schemeClr>
-          </a:lnRef>
-          <a:fillRef idx="1">
-            <a:schemeClr val="accent1"/>
-          </a:fillRef>
-          <a:effectRef idx="0">
-            <a:schemeClr val="accent1"/>
-          </a:effectRef>
-          <a:fontRef idx="minor">
-            <a:schemeClr val="lt1"/>
-          </a:fontRef>
-        </p:style>
-        <p:txBody>
-          <a:bodyPr rtlCol="0" anchor="ctr"/>
-          <a:lstStyle/>
-          <a:p>
-            <a:pPr algn="ctr"/>
-            <a:r>
-              <a:rPr lang="es-MX" sz="2500" dirty="0" err="1" smtClean="0"/>
-              <a:t>Same</a:t>
-            </a:r>
-            <a:r>
-              <a:rPr lang="es-MX" sz="2500" dirty="0" smtClean="0"/>
-              <a:t> </a:t>
-            </a:r>
-            <a:r>
-              <a:rPr lang="es-MX" sz="2500" dirty="0" err="1" smtClean="0"/>
-              <a:t>question</a:t>
-            </a:r>
-            <a:r>
-              <a:rPr lang="es-MX" sz="2500" dirty="0" smtClean="0"/>
-              <a:t> as </a:t>
-            </a:r>
-            <a:r>
-              <a:rPr lang="es-MX" sz="2500" dirty="0" err="1" smtClean="0"/>
-              <a:t>before</a:t>
-            </a:r>
-            <a:r>
-              <a:rPr lang="es-MX" sz="2500" dirty="0" smtClean="0"/>
-              <a:t>, of </a:t>
-            </a:r>
-            <a:r>
-              <a:rPr lang="es-MX" sz="2500" dirty="0" err="1" smtClean="0"/>
-              <a:t>course</a:t>
-            </a:r>
-            <a:r>
-              <a:rPr lang="es-MX" sz="2500" dirty="0" smtClean="0"/>
-              <a:t>…</a:t>
-            </a:r>
-            <a:endParaRPr lang="es-MX" sz="2500" dirty="0"/>
-          </a:p>
-        </p:txBody>
-      </p:sp>
-    </p:spTree>
-    <p:extLst>
-      <p:ext uri="{BB962C8B-B14F-4D97-AF65-F5344CB8AC3E}">
-        <p14:creationId xmlns:p14="http://schemas.microsoft.com/office/powerpoint/2010/main" val="635908935"/>
-      </p:ext>
-    </p:extLst>
-  </p:cSld>
-  <p:clrMapOvr>
-    <a:masterClrMapping/>
-  </p:clrMapOvr>
-</p:sld>
-</file>
-
-<file path=ppt/slides/slide31.xml><?xml version="1.0" encoding="utf-8"?>
-<p:sld xmlns:a="http://schemas.openxmlformats.org/drawingml/2006/main" xmlns:r="http://schemas.openxmlformats.org/officeDocument/2006/relationships" xmlns:p="http://schemas.openxmlformats.org/presentationml/2006/main">
-  <p:cSld>
-    <p:spTree>
-      <p:nvGrpSpPr>
-        <p:cNvPr id="1" name=""/>
-        <p:cNvGrpSpPr/>
-        <p:nvPr/>
-      </p:nvGrpSpPr>
-      <p:grpSpPr>
-        <a:xfrm>
-          <a:off x="0" y="0"/>
-          <a:ext cx="0" cy="0"/>
-          <a:chOff x="0" y="0"/>
-          <a:chExt cx="0" cy="0"/>
-        </a:xfrm>
-      </p:grpSpPr>
-      <p:sp>
-        <p:nvSpPr>
-          <p:cNvPr id="8" name="Rectángulo 7"/>
-          <p:cNvSpPr/>
-          <p:nvPr/>
-        </p:nvSpPr>
-        <p:spPr>
-          <a:xfrm>
-            <a:off x="0" y="0"/>
-            <a:ext cx="12192000" cy="6858000"/>
-          </a:xfrm>
-          <a:prstGeom prst="rect">
-            <a:avLst/>
-          </a:prstGeom>
-          <a:solidFill>
-            <a:srgbClr val="EBF0F9"/>
-          </a:solidFill>
-          <a:ln>
-            <a:solidFill>
-              <a:schemeClr val="tx1"/>
-            </a:solidFill>
-          </a:ln>
-        </p:spPr>
-        <p:style>
-          <a:lnRef idx="2">
-            <a:schemeClr val="accent1">
-              <a:shade val="50000"/>
-            </a:schemeClr>
-          </a:lnRef>
-          <a:fillRef idx="1">
-            <a:schemeClr val="accent1"/>
-          </a:fillRef>
-          <a:effectRef idx="0">
-            <a:schemeClr val="accent1"/>
-          </a:effectRef>
-          <a:fontRef idx="minor">
-            <a:schemeClr val="lt1"/>
-          </a:fontRef>
-        </p:style>
-        <p:txBody>
-          <a:bodyPr rtlCol="0" anchor="ctr"/>
-          <a:lstStyle/>
-          <a:p>
-            <a:pPr algn="ctr"/>
-            <a:endParaRPr lang="es-MX"/>
-          </a:p>
-        </p:txBody>
-      </p:sp>
       <p:sp>
         <p:nvSpPr>
           <p:cNvPr id="2" name="Título 1"/>
@@ -18038,7 +16141,7 @@
 </p:sld>
 </file>
 
-<file path=ppt/slides/slide32.xml><?xml version="1.0" encoding="utf-8"?>
+<file path=ppt/slides/slide31.xml><?xml version="1.0" encoding="utf-8"?>
 <p:sld xmlns:a="http://schemas.openxmlformats.org/drawingml/2006/main" xmlns:r="http://schemas.openxmlformats.org/officeDocument/2006/relationships" xmlns:p="http://schemas.openxmlformats.org/presentationml/2006/main">
   <p:cSld>
     <p:spTree>
@@ -19214,7 +17317,7 @@
 </p:sld>
 </file>
 
-<file path=ppt/slides/slide33.xml><?xml version="1.0" encoding="utf-8"?>
+<file path=ppt/slides/slide32.xml><?xml version="1.0" encoding="utf-8"?>
 <p:sld xmlns:a="http://schemas.openxmlformats.org/drawingml/2006/main" xmlns:r="http://schemas.openxmlformats.org/officeDocument/2006/relationships" xmlns:p="http://schemas.openxmlformats.org/presentationml/2006/main">
   <p:cSld>
     <p:spTree>
@@ -20066,7 +18169,7 @@
 </p:sld>
 </file>
 
-<file path=ppt/slides/slide34.xml><?xml version="1.0" encoding="utf-8"?>
+<file path=ppt/slides/slide33.xml><?xml version="1.0" encoding="utf-8"?>
 <p:sld xmlns:a="http://schemas.openxmlformats.org/drawingml/2006/main" xmlns:r="http://schemas.openxmlformats.org/officeDocument/2006/relationships" xmlns:p="http://schemas.openxmlformats.org/presentationml/2006/main">
   <p:cSld>
     <p:spTree>
@@ -20370,7 +18473,7 @@
 </p:sld>
 </file>
 
-<file path=ppt/slides/slide35.xml><?xml version="1.0" encoding="utf-8"?>
+<file path=ppt/slides/slide34.xml><?xml version="1.0" encoding="utf-8"?>
 <p:sld xmlns:a="http://schemas.openxmlformats.org/drawingml/2006/main" xmlns:r="http://schemas.openxmlformats.org/officeDocument/2006/relationships" xmlns:p="http://schemas.openxmlformats.org/presentationml/2006/main">
   <p:cSld>
     <p:spTree>
@@ -20387,54 +18490,6 @@
           <a:chExt cx="0" cy="0"/>
         </a:xfrm>
       </p:grpSpPr>
-      <p:sp>
-        <p:nvSpPr>
-          <p:cNvPr id="5" name="Rectángulo 4"/>
-          <p:cNvSpPr/>
-          <p:nvPr/>
-        </p:nvSpPr>
-        <p:spPr>
-          <a:xfrm>
-            <a:off x="0" y="0"/>
-            <a:ext cx="12192000" cy="6858000"/>
-          </a:xfrm>
-          <a:prstGeom prst="rect">
-            <a:avLst/>
-          </a:prstGeom>
-          <a:solidFill>
-            <a:srgbClr val="E8FEE8"/>
-          </a:solidFill>
-          <a:ln>
-            <a:solidFill>
-              <a:schemeClr val="tx1"/>
-            </a:solidFill>
-          </a:ln>
-        </p:spPr>
-        <p:style>
-          <a:lnRef idx="2">
-            <a:schemeClr val="accent1">
-              <a:shade val="50000"/>
-            </a:schemeClr>
-          </a:lnRef>
-          <a:fillRef idx="1">
-            <a:schemeClr val="accent1"/>
-          </a:fillRef>
-          <a:effectRef idx="0">
-            <a:schemeClr val="accent1"/>
-          </a:effectRef>
-          <a:fontRef idx="minor">
-            <a:schemeClr val="lt1"/>
-          </a:fontRef>
-        </p:style>
-        <p:txBody>
-          <a:bodyPr rtlCol="0" anchor="ctr"/>
-          <a:lstStyle/>
-          <a:p>
-            <a:pPr algn="ctr"/>
-            <a:endParaRPr lang="es-MX"/>
-          </a:p>
-        </p:txBody>
-      </p:sp>
       <p:sp>
         <p:nvSpPr>
           <p:cNvPr id="6" name="Rectángulo 5"/>
@@ -20612,7 +18667,7 @@
 </p:sld>
 </file>
 
-<file path=ppt/slides/slide36.xml><?xml version="1.0" encoding="utf-8"?>
+<file path=ppt/slides/slide35.xml><?xml version="1.0" encoding="utf-8"?>
 <p:sld xmlns:a="http://schemas.openxmlformats.org/drawingml/2006/main" xmlns:r="http://schemas.openxmlformats.org/officeDocument/2006/relationships" xmlns:p="http://schemas.openxmlformats.org/presentationml/2006/main">
   <p:cSld>
     <p:spTree>
@@ -20629,54 +18684,6 @@
           <a:chExt cx="0" cy="0"/>
         </a:xfrm>
       </p:grpSpPr>
-      <p:sp>
-        <p:nvSpPr>
-          <p:cNvPr id="5" name="Rectángulo 4"/>
-          <p:cNvSpPr/>
-          <p:nvPr/>
-        </p:nvSpPr>
-        <p:spPr>
-          <a:xfrm>
-            <a:off x="0" y="0"/>
-            <a:ext cx="12192000" cy="6858000"/>
-          </a:xfrm>
-          <a:prstGeom prst="rect">
-            <a:avLst/>
-          </a:prstGeom>
-          <a:solidFill>
-            <a:srgbClr val="E8FEE8"/>
-          </a:solidFill>
-          <a:ln>
-            <a:solidFill>
-              <a:schemeClr val="tx1"/>
-            </a:solidFill>
-          </a:ln>
-        </p:spPr>
-        <p:style>
-          <a:lnRef idx="2">
-            <a:schemeClr val="accent1">
-              <a:shade val="50000"/>
-            </a:schemeClr>
-          </a:lnRef>
-          <a:fillRef idx="1">
-            <a:schemeClr val="accent1"/>
-          </a:fillRef>
-          <a:effectRef idx="0">
-            <a:schemeClr val="accent1"/>
-          </a:effectRef>
-          <a:fontRef idx="minor">
-            <a:schemeClr val="lt1"/>
-          </a:fontRef>
-        </p:style>
-        <p:txBody>
-          <a:bodyPr rtlCol="0" anchor="ctr"/>
-          <a:lstStyle/>
-          <a:p>
-            <a:pPr algn="ctr"/>
-            <a:endParaRPr lang="es-MX"/>
-          </a:p>
-        </p:txBody>
-      </p:sp>
       <p:sp>
         <p:nvSpPr>
           <p:cNvPr id="6" name="Rectángulo 5"/>
@@ -20789,11 +18796,24 @@
             <p:ph type="title"/>
           </p:nvPr>
         </p:nvSpPr>
-        <p:spPr/>
+        <p:spPr>
+          <a:xfrm>
+            <a:off x="838200" y="365125"/>
+            <a:ext cx="3609109" cy="1325563"/>
+          </a:xfrm>
+        </p:spPr>
         <p:txBody>
           <a:bodyPr/>
           <a:lstStyle/>
           <a:p>
+            <a:r>
+              <a:rPr lang="es-ES" dirty="0" err="1" smtClean="0"/>
+              <a:t>Plot</a:t>
+            </a:r>
+            <a:r>
+              <a:rPr lang="es-ES" dirty="0" smtClean="0"/>
+              <a:t> 1</a:t>
+            </a:r>
             <a:endParaRPr lang="es-MX" dirty="0"/>
           </a:p>
         </p:txBody>
@@ -20808,12 +18828,338 @@
             <p:ph idx="1"/>
           </p:nvPr>
         </p:nvSpPr>
-        <p:spPr/>
-        <p:txBody>
-          <a:bodyPr/>
+        <p:spPr>
+          <a:xfrm>
+            <a:off x="509155" y="1825625"/>
+            <a:ext cx="4249881" cy="4351338"/>
+          </a:xfrm>
+        </p:spPr>
+        <p:txBody>
+          <a:bodyPr>
+            <a:normAutofit lnSpcReduction="10000"/>
+          </a:bodyPr>
           <a:lstStyle/>
           <a:p>
-            <a:endParaRPr lang="es-MX"/>
+            <a:pPr marL="0" indent="0">
+              <a:buNone/>
+            </a:pPr>
+            <a:r>
+              <a:rPr lang="es-ES" dirty="0" err="1" smtClean="0"/>
+              <a:t>It</a:t>
+            </a:r>
+            <a:r>
+              <a:rPr lang="es-ES" dirty="0" smtClean="0"/>
+              <a:t> </a:t>
+            </a:r>
+            <a:r>
+              <a:rPr lang="es-ES" dirty="0" err="1" smtClean="0"/>
+              <a:t>is</a:t>
+            </a:r>
+            <a:r>
+              <a:rPr lang="es-ES" dirty="0" smtClean="0"/>
+              <a:t> </a:t>
+            </a:r>
+            <a:r>
+              <a:rPr lang="es-ES" dirty="0" err="1" smtClean="0"/>
+              <a:t>interesting</a:t>
+            </a:r>
+            <a:r>
+              <a:rPr lang="es-ES" dirty="0" smtClean="0"/>
+              <a:t> </a:t>
+            </a:r>
+            <a:r>
+              <a:rPr lang="es-ES" dirty="0" err="1" smtClean="0"/>
+              <a:t>to</a:t>
+            </a:r>
+            <a:r>
+              <a:rPr lang="es-ES" dirty="0" smtClean="0"/>
+              <a:t> note </a:t>
+            </a:r>
+            <a:r>
+              <a:rPr lang="es-ES" dirty="0" err="1" smtClean="0"/>
+              <a:t>that</a:t>
+            </a:r>
+            <a:r>
+              <a:rPr lang="es-ES" dirty="0" smtClean="0"/>
+              <a:t> </a:t>
+            </a:r>
+            <a:r>
+              <a:rPr lang="es-ES" b="1" dirty="0" err="1" smtClean="0"/>
+              <a:t>for</a:t>
+            </a:r>
+            <a:r>
+              <a:rPr lang="es-ES" b="1" dirty="0" smtClean="0"/>
+              <a:t> </a:t>
+            </a:r>
+            <a:r>
+              <a:rPr lang="es-ES" b="1" dirty="0" err="1" smtClean="0"/>
+              <a:t>Experiment</a:t>
+            </a:r>
+            <a:r>
+              <a:rPr lang="es-ES" b="1" dirty="0" smtClean="0"/>
+              <a:t> No. 1, </a:t>
+            </a:r>
+            <a:r>
+              <a:rPr lang="es-ES" dirty="0" smtClean="0"/>
+              <a:t>yes, </a:t>
+            </a:r>
+            <a:r>
+              <a:rPr lang="es-ES" dirty="0" err="1" smtClean="0"/>
+              <a:t>some</a:t>
+            </a:r>
+            <a:r>
+              <a:rPr lang="es-ES" dirty="0" smtClean="0"/>
+              <a:t> </a:t>
+            </a:r>
+            <a:r>
+              <a:rPr lang="es-ES" dirty="0" err="1" smtClean="0"/>
+              <a:t>differences</a:t>
+            </a:r>
+            <a:r>
+              <a:rPr lang="es-ES" dirty="0" smtClean="0"/>
+              <a:t> are </a:t>
+            </a:r>
+            <a:r>
+              <a:rPr lang="es-ES" dirty="0" err="1" smtClean="0"/>
+              <a:t>found</a:t>
+            </a:r>
+            <a:r>
+              <a:rPr lang="es-ES" dirty="0" smtClean="0"/>
+              <a:t> in </a:t>
+            </a:r>
+            <a:r>
+              <a:rPr lang="es-ES" dirty="0" err="1" smtClean="0"/>
+              <a:t>terms</a:t>
+            </a:r>
+            <a:r>
+              <a:rPr lang="es-ES" dirty="0" smtClean="0"/>
+              <a:t> of </a:t>
+            </a:r>
+            <a:r>
+              <a:rPr lang="es-ES" dirty="0" err="1" smtClean="0"/>
+              <a:t>the</a:t>
+            </a:r>
+            <a:r>
+              <a:rPr lang="es-ES" dirty="0" smtClean="0"/>
+              <a:t> mean d’ </a:t>
+            </a:r>
+            <a:r>
+              <a:rPr lang="es-ES" dirty="0" err="1" smtClean="0"/>
+              <a:t>estimations</a:t>
+            </a:r>
+            <a:r>
+              <a:rPr lang="es-ES" dirty="0" smtClean="0"/>
+              <a:t> </a:t>
+            </a:r>
+            <a:r>
+              <a:rPr lang="es-ES" dirty="0" err="1" smtClean="0"/>
+              <a:t>for</a:t>
+            </a:r>
+            <a:r>
+              <a:rPr lang="es-ES" dirty="0" smtClean="0"/>
+              <a:t> </a:t>
+            </a:r>
+            <a:r>
+              <a:rPr lang="es-ES" dirty="0" err="1" smtClean="0"/>
+              <a:t>each</a:t>
+            </a:r>
+            <a:r>
+              <a:rPr lang="es-ES" dirty="0" smtClean="0"/>
+              <a:t> </a:t>
+            </a:r>
+            <a:r>
+              <a:rPr lang="es-ES" dirty="0" err="1" smtClean="0"/>
+              <a:t>class</a:t>
+            </a:r>
+            <a:r>
+              <a:rPr lang="es-ES" dirty="0" smtClean="0"/>
+              <a:t> of </a:t>
+            </a:r>
+            <a:r>
+              <a:rPr lang="es-ES" dirty="0" err="1" smtClean="0"/>
+              <a:t>stimuli</a:t>
+            </a:r>
+            <a:r>
+              <a:rPr lang="es-ES" dirty="0" smtClean="0"/>
+              <a:t>, </a:t>
+            </a:r>
+            <a:r>
+              <a:rPr lang="es-ES" dirty="0" err="1" smtClean="0"/>
+              <a:t>but</a:t>
+            </a:r>
+            <a:r>
+              <a:rPr lang="es-ES" dirty="0" smtClean="0"/>
+              <a:t> </a:t>
+            </a:r>
+            <a:r>
+              <a:rPr lang="es-ES" dirty="0" err="1" smtClean="0"/>
+              <a:t>this</a:t>
+            </a:r>
+            <a:r>
+              <a:rPr lang="es-ES" dirty="0" smtClean="0"/>
+              <a:t> </a:t>
+            </a:r>
+            <a:r>
+              <a:rPr lang="es-ES" dirty="0" err="1" smtClean="0"/>
+              <a:t>doesn’t</a:t>
+            </a:r>
+            <a:r>
+              <a:rPr lang="es-ES" dirty="0" smtClean="0"/>
+              <a:t> </a:t>
+            </a:r>
+            <a:r>
+              <a:rPr lang="es-ES" dirty="0" err="1" smtClean="0"/>
+              <a:t>happen</a:t>
+            </a:r>
+            <a:r>
+              <a:rPr lang="es-ES" dirty="0" smtClean="0"/>
+              <a:t> </a:t>
+            </a:r>
+            <a:r>
+              <a:rPr lang="es-ES" dirty="0" err="1" smtClean="0"/>
+              <a:t>for</a:t>
+            </a:r>
+            <a:r>
+              <a:rPr lang="es-ES" dirty="0" smtClean="0"/>
+              <a:t> C, </a:t>
+            </a:r>
+            <a:r>
+              <a:rPr lang="es-ES" dirty="0" err="1" smtClean="0"/>
+              <a:t>which</a:t>
+            </a:r>
+            <a:r>
+              <a:rPr lang="es-ES" dirty="0" smtClean="0"/>
+              <a:t> </a:t>
+            </a:r>
+            <a:r>
+              <a:rPr lang="es-ES" dirty="0" err="1" smtClean="0"/>
+              <a:t>according</a:t>
+            </a:r>
+            <a:r>
+              <a:rPr lang="es-ES" dirty="0" smtClean="0"/>
+              <a:t> </a:t>
+            </a:r>
+            <a:r>
+              <a:rPr lang="es-ES" dirty="0" err="1" smtClean="0"/>
+              <a:t>to</a:t>
+            </a:r>
+            <a:r>
+              <a:rPr lang="es-ES" dirty="0" smtClean="0"/>
+              <a:t> </a:t>
+            </a:r>
+            <a:r>
+              <a:rPr lang="es-ES" dirty="0" err="1" smtClean="0"/>
+              <a:t>the</a:t>
+            </a:r>
+            <a:r>
+              <a:rPr lang="es-ES" dirty="0" smtClean="0"/>
+              <a:t> </a:t>
+            </a:r>
+            <a:r>
+              <a:rPr lang="es-ES" dirty="0" err="1" smtClean="0"/>
+              <a:t>proposed</a:t>
+            </a:r>
+            <a:r>
+              <a:rPr lang="es-ES" dirty="0" smtClean="0"/>
+              <a:t> </a:t>
+            </a:r>
+            <a:r>
+              <a:rPr lang="es-ES" dirty="0" err="1" smtClean="0"/>
+              <a:t>hierarchical</a:t>
+            </a:r>
+            <a:r>
+              <a:rPr lang="es-ES" dirty="0" smtClean="0"/>
+              <a:t> </a:t>
+            </a:r>
+            <a:r>
+              <a:rPr lang="es-ES" dirty="0" err="1" smtClean="0"/>
+              <a:t>model</a:t>
+            </a:r>
+            <a:r>
+              <a:rPr lang="es-ES" dirty="0" smtClean="0"/>
+              <a:t> </a:t>
+            </a:r>
+            <a:r>
+              <a:rPr lang="es-ES" dirty="0" err="1" smtClean="0"/>
+              <a:t>could</a:t>
+            </a:r>
+            <a:r>
+              <a:rPr lang="es-ES" dirty="0" smtClean="0"/>
+              <a:t> be </a:t>
+            </a:r>
+            <a:r>
+              <a:rPr lang="es-ES" dirty="0" err="1" smtClean="0"/>
+              <a:t>described</a:t>
+            </a:r>
+            <a:r>
+              <a:rPr lang="es-ES" dirty="0" smtClean="0"/>
+              <a:t> </a:t>
+            </a:r>
+            <a:r>
+              <a:rPr lang="es-ES" dirty="0" err="1" smtClean="0"/>
+              <a:t>by</a:t>
+            </a:r>
+            <a:r>
+              <a:rPr lang="es-ES" dirty="0" smtClean="0"/>
+              <a:t> </a:t>
+            </a:r>
+            <a:r>
+              <a:rPr lang="es-ES" dirty="0" err="1" smtClean="0"/>
+              <a:t>the</a:t>
+            </a:r>
+            <a:r>
+              <a:rPr lang="es-ES" dirty="0" smtClean="0"/>
+              <a:t> </a:t>
+            </a:r>
+            <a:r>
+              <a:rPr lang="es-ES" dirty="0" err="1" smtClean="0"/>
+              <a:t>same</a:t>
+            </a:r>
+            <a:r>
+              <a:rPr lang="es-ES" dirty="0" smtClean="0"/>
+              <a:t> mean </a:t>
+            </a:r>
+            <a:r>
+              <a:rPr lang="es-ES" dirty="0" err="1" smtClean="0"/>
+              <a:t>value</a:t>
+            </a:r>
+            <a:r>
+              <a:rPr lang="es-ES" dirty="0" smtClean="0"/>
+              <a:t> </a:t>
+            </a:r>
+            <a:r>
+              <a:rPr lang="es-ES" dirty="0" err="1" smtClean="0"/>
+              <a:t>for</a:t>
+            </a:r>
+            <a:r>
+              <a:rPr lang="es-ES" dirty="0" smtClean="0"/>
+              <a:t> </a:t>
+            </a:r>
+            <a:r>
+              <a:rPr lang="es-ES" dirty="0" err="1" smtClean="0"/>
+              <a:t>both</a:t>
+            </a:r>
+            <a:r>
+              <a:rPr lang="es-ES" dirty="0" smtClean="0"/>
+              <a:t> </a:t>
+            </a:r>
+            <a:r>
+              <a:rPr lang="es-ES" dirty="0" err="1" smtClean="0"/>
+              <a:t>classes</a:t>
+            </a:r>
+            <a:r>
+              <a:rPr lang="es-ES" dirty="0" smtClean="0"/>
+              <a:t> of </a:t>
+            </a:r>
+            <a:r>
+              <a:rPr lang="es-ES" dirty="0" err="1" smtClean="0"/>
+              <a:t>stimuli</a:t>
+            </a:r>
+            <a:r>
+              <a:rPr lang="es-ES" dirty="0" smtClean="0"/>
+              <a:t>.</a:t>
+            </a:r>
+            <a:endParaRPr lang="es-MX" dirty="0"/>
           </a:p>
         </p:txBody>
       </p:sp>
@@ -20854,7 +19200,7 @@
 </p:sld>
 </file>
 
-<file path=ppt/slides/slide37.xml><?xml version="1.0" encoding="utf-8"?>
+<file path=ppt/slides/slide36.xml><?xml version="1.0" encoding="utf-8"?>
 <p:sld xmlns:a="http://schemas.openxmlformats.org/drawingml/2006/main" xmlns:r="http://schemas.openxmlformats.org/officeDocument/2006/relationships" xmlns:p="http://schemas.openxmlformats.org/presentationml/2006/main">
   <p:cSld>
     <p:spTree>
@@ -20871,54 +19217,6 @@
           <a:chExt cx="0" cy="0"/>
         </a:xfrm>
       </p:grpSpPr>
-      <p:sp>
-        <p:nvSpPr>
-          <p:cNvPr id="5" name="Rectángulo 4"/>
-          <p:cNvSpPr/>
-          <p:nvPr/>
-        </p:nvSpPr>
-        <p:spPr>
-          <a:xfrm>
-            <a:off x="0" y="0"/>
-            <a:ext cx="12192000" cy="6858000"/>
-          </a:xfrm>
-          <a:prstGeom prst="rect">
-            <a:avLst/>
-          </a:prstGeom>
-          <a:solidFill>
-            <a:srgbClr val="E8FEE8"/>
-          </a:solidFill>
-          <a:ln>
-            <a:solidFill>
-              <a:schemeClr val="tx1"/>
-            </a:solidFill>
-          </a:ln>
-        </p:spPr>
-        <p:style>
-          <a:lnRef idx="2">
-            <a:schemeClr val="accent1">
-              <a:shade val="50000"/>
-            </a:schemeClr>
-          </a:lnRef>
-          <a:fillRef idx="1">
-            <a:schemeClr val="accent1"/>
-          </a:fillRef>
-          <a:effectRef idx="0">
-            <a:schemeClr val="accent1"/>
-          </a:effectRef>
-          <a:fontRef idx="minor">
-            <a:schemeClr val="lt1"/>
-          </a:fontRef>
-        </p:style>
-        <p:txBody>
-          <a:bodyPr rtlCol="0" anchor="ctr"/>
-          <a:lstStyle/>
-          <a:p>
-            <a:pPr algn="ctr"/>
-            <a:endParaRPr lang="es-MX"/>
-          </a:p>
-        </p:txBody>
-      </p:sp>
       <p:sp>
         <p:nvSpPr>
           <p:cNvPr id="6" name="Rectángulo 5"/>
@@ -21021,44 +19319,6 @@
           </a:p>
         </p:txBody>
       </p:sp>
-      <p:sp>
-        <p:nvSpPr>
-          <p:cNvPr id="2" name="Título 1"/>
-          <p:cNvSpPr>
-            <a:spLocks noGrp="1"/>
-          </p:cNvSpPr>
-          <p:nvPr>
-            <p:ph type="title"/>
-          </p:nvPr>
-        </p:nvSpPr>
-        <p:spPr/>
-        <p:txBody>
-          <a:bodyPr/>
-          <a:lstStyle/>
-          <a:p>
-            <a:endParaRPr lang="es-MX" dirty="0"/>
-          </a:p>
-        </p:txBody>
-      </p:sp>
-      <p:sp>
-        <p:nvSpPr>
-          <p:cNvPr id="3" name="Marcador de contenido 2"/>
-          <p:cNvSpPr>
-            <a:spLocks noGrp="1"/>
-          </p:cNvSpPr>
-          <p:nvPr>
-            <p:ph idx="1"/>
-          </p:nvPr>
-        </p:nvSpPr>
-        <p:spPr/>
-        <p:txBody>
-          <a:bodyPr/>
-          <a:lstStyle/>
-          <a:p>
-            <a:endParaRPr lang="es-MX"/>
-          </a:p>
-        </p:txBody>
-      </p:sp>
       <p:pic>
         <p:nvPicPr>
           <p:cNvPr id="9" name="Imagen 8"/>
@@ -21083,6 +19343,227 @@
           </a:prstGeom>
         </p:spPr>
       </p:pic>
+      <p:sp>
+        <p:nvSpPr>
+          <p:cNvPr id="8" name="Título 1"/>
+          <p:cNvSpPr>
+            <a:spLocks noGrp="1"/>
+          </p:cNvSpPr>
+          <p:nvPr>
+            <p:ph type="title"/>
+          </p:nvPr>
+        </p:nvSpPr>
+        <p:spPr>
+          <a:xfrm>
+            <a:off x="838200" y="365125"/>
+            <a:ext cx="3609109" cy="1325563"/>
+          </a:xfrm>
+        </p:spPr>
+        <p:txBody>
+          <a:bodyPr/>
+          <a:lstStyle/>
+          <a:p>
+            <a:r>
+              <a:rPr lang="es-ES" dirty="0" err="1" smtClean="0"/>
+              <a:t>Plot</a:t>
+            </a:r>
+            <a:r>
+              <a:rPr lang="es-ES" dirty="0" smtClean="0"/>
+              <a:t> 1</a:t>
+            </a:r>
+            <a:endParaRPr lang="es-MX" dirty="0"/>
+          </a:p>
+        </p:txBody>
+      </p:sp>
+      <p:sp>
+        <p:nvSpPr>
+          <p:cNvPr id="10" name="Marcador de contenido 2"/>
+          <p:cNvSpPr>
+            <a:spLocks noGrp="1"/>
+          </p:cNvSpPr>
+          <p:nvPr>
+            <p:ph idx="1"/>
+          </p:nvPr>
+        </p:nvSpPr>
+        <p:spPr>
+          <a:xfrm>
+            <a:off x="509155" y="1825625"/>
+            <a:ext cx="4249881" cy="4351338"/>
+          </a:xfrm>
+        </p:spPr>
+        <p:txBody>
+          <a:bodyPr>
+            <a:normAutofit/>
+          </a:bodyPr>
+          <a:lstStyle/>
+          <a:p>
+            <a:pPr marL="0" indent="0">
+              <a:buNone/>
+            </a:pPr>
+            <a:r>
+              <a:rPr lang="es-ES" dirty="0" err="1" smtClean="0"/>
+              <a:t>Even</a:t>
+            </a:r>
+            <a:r>
+              <a:rPr lang="es-ES" dirty="0" smtClean="0"/>
+              <a:t> more </a:t>
+            </a:r>
+            <a:r>
+              <a:rPr lang="es-ES" dirty="0" err="1" smtClean="0"/>
+              <a:t>interesting</a:t>
+            </a:r>
+            <a:r>
+              <a:rPr lang="es-ES" dirty="0" smtClean="0"/>
+              <a:t> </a:t>
+            </a:r>
+            <a:r>
+              <a:rPr lang="es-ES" dirty="0" err="1" smtClean="0"/>
+              <a:t>should</a:t>
+            </a:r>
+            <a:r>
+              <a:rPr lang="es-ES" dirty="0" smtClean="0"/>
+              <a:t> be </a:t>
+            </a:r>
+            <a:r>
+              <a:rPr lang="es-ES" dirty="0" err="1" smtClean="0"/>
+              <a:t>the</a:t>
+            </a:r>
+            <a:r>
+              <a:rPr lang="es-ES" dirty="0" smtClean="0"/>
+              <a:t> </a:t>
+            </a:r>
+            <a:r>
+              <a:rPr lang="es-ES" dirty="0" err="1" smtClean="0"/>
+              <a:t>fact</a:t>
+            </a:r>
+            <a:r>
+              <a:rPr lang="es-ES" dirty="0" smtClean="0"/>
+              <a:t> </a:t>
+            </a:r>
+            <a:r>
+              <a:rPr lang="es-ES" dirty="0" err="1" smtClean="0"/>
+              <a:t>that</a:t>
+            </a:r>
+            <a:r>
+              <a:rPr lang="es-ES" dirty="0" smtClean="0"/>
+              <a:t> </a:t>
+            </a:r>
+            <a:r>
+              <a:rPr lang="es-ES" dirty="0" err="1" smtClean="0"/>
+              <a:t>this</a:t>
+            </a:r>
+            <a:r>
+              <a:rPr lang="es-ES" dirty="0" smtClean="0"/>
+              <a:t> </a:t>
+            </a:r>
+            <a:r>
+              <a:rPr lang="es-ES" dirty="0" err="1" smtClean="0"/>
+              <a:t>doesn’t</a:t>
+            </a:r>
+            <a:r>
+              <a:rPr lang="es-ES" dirty="0" smtClean="0"/>
+              <a:t> </a:t>
+            </a:r>
+            <a:r>
+              <a:rPr lang="es-ES" dirty="0" err="1" smtClean="0"/>
+              <a:t>hold</a:t>
+            </a:r>
+            <a:r>
+              <a:rPr lang="es-ES" dirty="0" smtClean="0"/>
+              <a:t> up </a:t>
+            </a:r>
+            <a:r>
+              <a:rPr lang="es-ES" b="1" dirty="0" err="1" smtClean="0"/>
+              <a:t>for</a:t>
+            </a:r>
+            <a:r>
+              <a:rPr lang="es-ES" b="1" dirty="0" smtClean="0"/>
+              <a:t> </a:t>
+            </a:r>
+            <a:r>
+              <a:rPr lang="es-ES" b="1" dirty="0" err="1" smtClean="0"/>
+              <a:t>Experiment</a:t>
+            </a:r>
+            <a:r>
+              <a:rPr lang="es-ES" b="1" dirty="0" smtClean="0"/>
+              <a:t> No. </a:t>
+            </a:r>
+            <a:r>
+              <a:rPr lang="es-ES" b="1" dirty="0" smtClean="0"/>
+              <a:t>2,</a:t>
+            </a:r>
+            <a:r>
+              <a:rPr lang="es-ES" b="1" dirty="0" smtClean="0"/>
+              <a:t> </a:t>
+            </a:r>
+            <a:r>
+              <a:rPr lang="es-ES" dirty="0" err="1" smtClean="0"/>
+              <a:t>where</a:t>
+            </a:r>
+            <a:r>
+              <a:rPr lang="es-ES" dirty="0" smtClean="0"/>
+              <a:t> </a:t>
+            </a:r>
+            <a:r>
+              <a:rPr lang="es-ES" dirty="0" err="1" smtClean="0"/>
+              <a:t>differences</a:t>
+            </a:r>
+            <a:r>
+              <a:rPr lang="es-ES" dirty="0" smtClean="0"/>
+              <a:t> </a:t>
+            </a:r>
+            <a:r>
+              <a:rPr lang="es-ES" dirty="0" err="1" smtClean="0"/>
+              <a:t>between</a:t>
+            </a:r>
+            <a:r>
+              <a:rPr lang="es-ES" dirty="0" smtClean="0"/>
+              <a:t> </a:t>
+            </a:r>
+            <a:r>
+              <a:rPr lang="es-ES" dirty="0" err="1" smtClean="0"/>
+              <a:t>classes</a:t>
+            </a:r>
+            <a:r>
+              <a:rPr lang="es-ES" dirty="0" smtClean="0"/>
+              <a:t> of </a:t>
+            </a:r>
+            <a:r>
+              <a:rPr lang="es-ES" dirty="0" err="1" smtClean="0"/>
+              <a:t>stimuli</a:t>
+            </a:r>
+            <a:r>
+              <a:rPr lang="es-ES" dirty="0" smtClean="0"/>
+              <a:t> are </a:t>
+            </a:r>
+            <a:r>
+              <a:rPr lang="es-ES" dirty="0" err="1" smtClean="0"/>
+              <a:t>observed</a:t>
+            </a:r>
+            <a:r>
+              <a:rPr lang="es-ES" dirty="0" smtClean="0"/>
+              <a:t> </a:t>
+            </a:r>
+            <a:r>
+              <a:rPr lang="es-ES" dirty="0" err="1" smtClean="0"/>
+              <a:t>both</a:t>
+            </a:r>
+            <a:r>
+              <a:rPr lang="es-ES" dirty="0" smtClean="0"/>
+              <a:t> </a:t>
+            </a:r>
+            <a:r>
+              <a:rPr lang="es-ES" dirty="0" err="1" smtClean="0"/>
+              <a:t>for</a:t>
+            </a:r>
+            <a:r>
+              <a:rPr lang="es-ES" dirty="0" smtClean="0"/>
+              <a:t> d’ and C.</a:t>
+            </a:r>
+            <a:endParaRPr lang="es-MX" dirty="0"/>
+          </a:p>
+        </p:txBody>
+      </p:sp>
     </p:spTree>
     <p:extLst>
       <p:ext uri="{BB962C8B-B14F-4D97-AF65-F5344CB8AC3E}">
@@ -21096,7 +19577,7 @@
 </p:sld>
 </file>
 
-<file path=ppt/slides/slide38.xml><?xml version="1.0" encoding="utf-8"?>
+<file path=ppt/slides/slide37.xml><?xml version="1.0" encoding="utf-8"?>
 <p:sld xmlns:a="http://schemas.openxmlformats.org/drawingml/2006/main" xmlns:r="http://schemas.openxmlformats.org/officeDocument/2006/relationships" xmlns:p="http://schemas.openxmlformats.org/presentationml/2006/main">
   <p:cSld>
     <p:spTree>
@@ -21353,7 +19834,7 @@
 </p:sld>
 </file>
 
-<file path=ppt/slides/slide39.xml><?xml version="1.0" encoding="utf-8"?>
+<file path=ppt/slides/slide38.xml><?xml version="1.0" encoding="utf-8"?>
 <p:sld xmlns:a="http://schemas.openxmlformats.org/drawingml/2006/main" xmlns:r="http://schemas.openxmlformats.org/officeDocument/2006/relationships" xmlns:p="http://schemas.openxmlformats.org/presentationml/2006/main">
   <p:cSld>
     <p:spTree>
@@ -21385,7 +19866,7 @@
             <a:avLst/>
           </a:prstGeom>
           <a:solidFill>
-            <a:schemeClr val="accent6">
+            <a:schemeClr val="accent4">
               <a:lumMod val="20000"/>
               <a:lumOff val="80000"/>
             </a:schemeClr>
@@ -21601,6 +20082,176 @@
     <p:extLst>
       <p:ext uri="{BB962C8B-B14F-4D97-AF65-F5344CB8AC3E}">
         <p14:creationId xmlns:p14="http://schemas.microsoft.com/office/powerpoint/2010/main" val="1778264620"/>
+      </p:ext>
+    </p:extLst>
+  </p:cSld>
+  <p:clrMapOvr>
+    <a:masterClrMapping/>
+  </p:clrMapOvr>
+</p:sld>
+</file>
+
+<file path=ppt/slides/slide39.xml><?xml version="1.0" encoding="utf-8"?>
+<p:sld xmlns:a="http://schemas.openxmlformats.org/drawingml/2006/main" xmlns:r="http://schemas.openxmlformats.org/officeDocument/2006/relationships" xmlns:p="http://schemas.openxmlformats.org/presentationml/2006/main">
+  <p:cSld>
+    <p:spTree>
+      <p:nvGrpSpPr>
+        <p:cNvPr id="1" name=""/>
+        <p:cNvGrpSpPr/>
+        <p:nvPr/>
+      </p:nvGrpSpPr>
+      <p:grpSpPr>
+        <a:xfrm>
+          <a:off x="0" y="0"/>
+          <a:ext cx="0" cy="0"/>
+          <a:chOff x="0" y="0"/>
+          <a:chExt cx="0" cy="0"/>
+        </a:xfrm>
+      </p:grpSpPr>
+      <p:sp>
+        <p:nvSpPr>
+          <p:cNvPr id="2" name="Título 1"/>
+          <p:cNvSpPr>
+            <a:spLocks noGrp="1"/>
+          </p:cNvSpPr>
+          <p:nvPr>
+            <p:ph type="ctrTitle"/>
+          </p:nvPr>
+        </p:nvSpPr>
+        <p:spPr/>
+        <p:txBody>
+          <a:bodyPr>
+            <a:normAutofit/>
+          </a:bodyPr>
+          <a:lstStyle/>
+          <a:p>
+            <a:r>
+              <a:rPr lang="es-MX" dirty="0"/>
+              <a:t>5</a:t>
+            </a:r>
+            <a:r>
+              <a:rPr lang="es-MX" dirty="0" smtClean="0"/>
+              <a:t>.1 Are </a:t>
+            </a:r>
+            <a:r>
+              <a:rPr lang="es-MX" dirty="0" err="1" smtClean="0"/>
+              <a:t>participants</a:t>
+            </a:r>
+            <a:r>
+              <a:rPr lang="es-MX" dirty="0" smtClean="0"/>
+              <a:t> </a:t>
+            </a:r>
+            <a:r>
+              <a:rPr lang="es-MX" dirty="0" err="1" smtClean="0"/>
+              <a:t>using</a:t>
+            </a:r>
+            <a:r>
+              <a:rPr lang="es-MX" dirty="0" smtClean="0"/>
+              <a:t> </a:t>
+            </a:r>
+            <a:r>
+              <a:rPr lang="es-MX" dirty="0" err="1" smtClean="0"/>
+              <a:t>all</a:t>
+            </a:r>
+            <a:r>
+              <a:rPr lang="es-MX" dirty="0" smtClean="0"/>
+              <a:t> of </a:t>
+            </a:r>
+            <a:r>
+              <a:rPr lang="es-MX" dirty="0" err="1" smtClean="0"/>
+              <a:t>the</a:t>
+            </a:r>
+            <a:r>
+              <a:rPr lang="es-MX" dirty="0" smtClean="0"/>
+              <a:t> </a:t>
+            </a:r>
+            <a:r>
+              <a:rPr lang="es-MX" dirty="0" err="1" smtClean="0"/>
+              <a:t>Confidence</a:t>
+            </a:r>
+            <a:r>
+              <a:rPr lang="es-MX" dirty="0" smtClean="0"/>
+              <a:t> Ratings ?</a:t>
+            </a:r>
+            <a:endParaRPr lang="es-MX" dirty="0"/>
+          </a:p>
+        </p:txBody>
+      </p:sp>
+      <p:sp>
+        <p:nvSpPr>
+          <p:cNvPr id="6" name="Rectángulo 5"/>
+          <p:cNvSpPr/>
+          <p:nvPr/>
+        </p:nvSpPr>
+        <p:spPr>
+          <a:xfrm rot="20196926">
+            <a:off x="991800" y="2777065"/>
+            <a:ext cx="10346266" cy="1303867"/>
+          </a:xfrm>
+          <a:prstGeom prst="rect">
+            <a:avLst/>
+          </a:prstGeom>
+        </p:spPr>
+        <p:style>
+          <a:lnRef idx="2">
+            <a:schemeClr val="accent4">
+              <a:shade val="50000"/>
+            </a:schemeClr>
+          </a:lnRef>
+          <a:fillRef idx="1">
+            <a:schemeClr val="accent4"/>
+          </a:fillRef>
+          <a:effectRef idx="0">
+            <a:schemeClr val="accent4"/>
+          </a:effectRef>
+          <a:fontRef idx="minor">
+            <a:schemeClr val="lt1"/>
+          </a:fontRef>
+        </p:style>
+        <p:txBody>
+          <a:bodyPr rtlCol="0" anchor="ctr"/>
+          <a:lstStyle/>
+          <a:p>
+            <a:pPr algn="ctr"/>
+            <a:r>
+              <a:rPr lang="es-MX" sz="6500" b="1" dirty="0" smtClean="0">
+                <a:solidFill>
+                  <a:schemeClr val="tx1"/>
+                </a:solidFill>
+              </a:rPr>
+              <a:t>PENDING</a:t>
+            </a:r>
+            <a:endParaRPr lang="es-MX" sz="6500" b="1" dirty="0">
+              <a:solidFill>
+                <a:schemeClr val="tx1"/>
+              </a:solidFill>
+            </a:endParaRPr>
+          </a:p>
+        </p:txBody>
+      </p:sp>
+      <p:sp>
+        <p:nvSpPr>
+          <p:cNvPr id="4" name="Subtítulo 3"/>
+          <p:cNvSpPr>
+            <a:spLocks noGrp="1"/>
+          </p:cNvSpPr>
+          <p:nvPr>
+            <p:ph type="subTitle" idx="1"/>
+          </p:nvPr>
+        </p:nvSpPr>
+        <p:spPr/>
+        <p:txBody>
+          <a:bodyPr/>
+          <a:lstStyle/>
+          <a:p>
+            <a:endParaRPr lang="es-MX"/>
+          </a:p>
+        </p:txBody>
+      </p:sp>
+    </p:spTree>
+    <p:extLst>
+      <p:ext uri="{BB962C8B-B14F-4D97-AF65-F5344CB8AC3E}">
+        <p14:creationId xmlns:p14="http://schemas.microsoft.com/office/powerpoint/2010/main" val="4063983203"/>
       </p:ext>
     </p:extLst>
   </p:cSld>
@@ -21795,176 +20446,6 @@
     <p:extLst>
       <p:ext uri="{BB962C8B-B14F-4D97-AF65-F5344CB8AC3E}">
         <p14:creationId xmlns:p14="http://schemas.microsoft.com/office/powerpoint/2010/main" val="933523572"/>
-      </p:ext>
-    </p:extLst>
-  </p:cSld>
-  <p:clrMapOvr>
-    <a:masterClrMapping/>
-  </p:clrMapOvr>
-</p:sld>
-</file>
-
-<file path=ppt/slides/slide40.xml><?xml version="1.0" encoding="utf-8"?>
-<p:sld xmlns:a="http://schemas.openxmlformats.org/drawingml/2006/main" xmlns:r="http://schemas.openxmlformats.org/officeDocument/2006/relationships" xmlns:p="http://schemas.openxmlformats.org/presentationml/2006/main">
-  <p:cSld>
-    <p:spTree>
-      <p:nvGrpSpPr>
-        <p:cNvPr id="1" name=""/>
-        <p:cNvGrpSpPr/>
-        <p:nvPr/>
-      </p:nvGrpSpPr>
-      <p:grpSpPr>
-        <a:xfrm>
-          <a:off x="0" y="0"/>
-          <a:ext cx="0" cy="0"/>
-          <a:chOff x="0" y="0"/>
-          <a:chExt cx="0" cy="0"/>
-        </a:xfrm>
-      </p:grpSpPr>
-      <p:sp>
-        <p:nvSpPr>
-          <p:cNvPr id="2" name="Título 1"/>
-          <p:cNvSpPr>
-            <a:spLocks noGrp="1"/>
-          </p:cNvSpPr>
-          <p:nvPr>
-            <p:ph type="ctrTitle"/>
-          </p:nvPr>
-        </p:nvSpPr>
-        <p:spPr/>
-        <p:txBody>
-          <a:bodyPr>
-            <a:normAutofit/>
-          </a:bodyPr>
-          <a:lstStyle/>
-          <a:p>
-            <a:r>
-              <a:rPr lang="es-MX" dirty="0"/>
-              <a:t>5</a:t>
-            </a:r>
-            <a:r>
-              <a:rPr lang="es-MX" dirty="0" smtClean="0"/>
-              <a:t>.1 Are </a:t>
-            </a:r>
-            <a:r>
-              <a:rPr lang="es-MX" dirty="0" err="1" smtClean="0"/>
-              <a:t>participants</a:t>
-            </a:r>
-            <a:r>
-              <a:rPr lang="es-MX" dirty="0" smtClean="0"/>
-              <a:t> </a:t>
-            </a:r>
-            <a:r>
-              <a:rPr lang="es-MX" dirty="0" err="1" smtClean="0"/>
-              <a:t>using</a:t>
-            </a:r>
-            <a:r>
-              <a:rPr lang="es-MX" dirty="0" smtClean="0"/>
-              <a:t> </a:t>
-            </a:r>
-            <a:r>
-              <a:rPr lang="es-MX" dirty="0" err="1" smtClean="0"/>
-              <a:t>all</a:t>
-            </a:r>
-            <a:r>
-              <a:rPr lang="es-MX" dirty="0" smtClean="0"/>
-              <a:t> of </a:t>
-            </a:r>
-            <a:r>
-              <a:rPr lang="es-MX" dirty="0" err="1" smtClean="0"/>
-              <a:t>the</a:t>
-            </a:r>
-            <a:r>
-              <a:rPr lang="es-MX" dirty="0" smtClean="0"/>
-              <a:t> </a:t>
-            </a:r>
-            <a:r>
-              <a:rPr lang="es-MX" dirty="0" err="1" smtClean="0"/>
-              <a:t>Confidence</a:t>
-            </a:r>
-            <a:r>
-              <a:rPr lang="es-MX" dirty="0" smtClean="0"/>
-              <a:t> Ratings ?</a:t>
-            </a:r>
-            <a:endParaRPr lang="es-MX" dirty="0"/>
-          </a:p>
-        </p:txBody>
-      </p:sp>
-      <p:sp>
-        <p:nvSpPr>
-          <p:cNvPr id="6" name="Rectángulo 5"/>
-          <p:cNvSpPr/>
-          <p:nvPr/>
-        </p:nvSpPr>
-        <p:spPr>
-          <a:xfrm rot="20196926">
-            <a:off x="991800" y="2777065"/>
-            <a:ext cx="10346266" cy="1303867"/>
-          </a:xfrm>
-          <a:prstGeom prst="rect">
-            <a:avLst/>
-          </a:prstGeom>
-        </p:spPr>
-        <p:style>
-          <a:lnRef idx="2">
-            <a:schemeClr val="accent4">
-              <a:shade val="50000"/>
-            </a:schemeClr>
-          </a:lnRef>
-          <a:fillRef idx="1">
-            <a:schemeClr val="accent4"/>
-          </a:fillRef>
-          <a:effectRef idx="0">
-            <a:schemeClr val="accent4"/>
-          </a:effectRef>
-          <a:fontRef idx="minor">
-            <a:schemeClr val="lt1"/>
-          </a:fontRef>
-        </p:style>
-        <p:txBody>
-          <a:bodyPr rtlCol="0" anchor="ctr"/>
-          <a:lstStyle/>
-          <a:p>
-            <a:pPr algn="ctr"/>
-            <a:r>
-              <a:rPr lang="es-MX" sz="6500" b="1" dirty="0" smtClean="0">
-                <a:solidFill>
-                  <a:schemeClr val="tx1"/>
-                </a:solidFill>
-              </a:rPr>
-              <a:t>PENDING</a:t>
-            </a:r>
-            <a:endParaRPr lang="es-MX" sz="6500" b="1" dirty="0">
-              <a:solidFill>
-                <a:schemeClr val="tx1"/>
-              </a:solidFill>
-            </a:endParaRPr>
-          </a:p>
-        </p:txBody>
-      </p:sp>
-      <p:sp>
-        <p:nvSpPr>
-          <p:cNvPr id="4" name="Subtítulo 3"/>
-          <p:cNvSpPr>
-            <a:spLocks noGrp="1"/>
-          </p:cNvSpPr>
-          <p:nvPr>
-            <p:ph type="subTitle" idx="1"/>
-          </p:nvPr>
-        </p:nvSpPr>
-        <p:spPr/>
-        <p:txBody>
-          <a:bodyPr/>
-          <a:lstStyle/>
-          <a:p>
-            <a:endParaRPr lang="es-MX"/>
-          </a:p>
-        </p:txBody>
-      </p:sp>
-    </p:spTree>
-    <p:extLst>
-      <p:ext uri="{BB962C8B-B14F-4D97-AF65-F5344CB8AC3E}">
-        <p14:creationId xmlns:p14="http://schemas.microsoft.com/office/powerpoint/2010/main" val="4063983203"/>
       </p:ext>
     </p:extLst>
   </p:cSld>
@@ -24348,7 +22829,7 @@
     </a:clrScheme>
     <a:fontScheme name="Office">
       <a:majorFont>
-        <a:latin typeface="Calibri Light" panose="020F0302020204030204"/>
+        <a:latin typeface="Calibri Light"/>
         <a:ea typeface=""/>
         <a:cs typeface=""/>
         <a:font script="Jpan" typeface="ＭＳ Ｐゴシック"/>
@@ -24383,7 +22864,7 @@
         <a:font script="Geor" typeface="Sylfaen"/>
       </a:majorFont>
       <a:minorFont>
-        <a:latin typeface="Calibri" panose="020F0502020204030204"/>
+        <a:latin typeface="Calibri"/>
         <a:ea typeface=""/>
         <a:cs typeface=""/>
         <a:font script="Jpan" typeface="ＭＳ Ｐゴシック"/>
@@ -24560,7 +23041,7 @@
   <a:extraClrSchemeLst/>
   <a:extLst>
     <a:ext uri="{05A4C25C-085E-4340-85A3-A5531E510DB2}">
-      <thm15:themeFamily xmlns:thm15="http://schemas.microsoft.com/office/thememl/2012/main" name="Office Theme" id="{62F939B6-93AF-4DB8-9C6B-D6C7DFDC589F}" vid="{4A3C46E8-61CC-4603-A589-7422A47A8E4A}"/>
+      <thm15:themeFamily xmlns:thm15="http://schemas.microsoft.com/office/thememl/2012/main" xmlns="" name="Office Theme" id="{62F939B6-93AF-4DB8-9C6B-D6C7DFDC589F}" vid="{4A3C46E8-61CC-4603-A589-7422A47A8E4A}"/>
     </a:ext>
   </a:extLst>
 </a:theme>
@@ -24609,7 +23090,7 @@
     </a:clrScheme>
     <a:fontScheme name="Office">
       <a:majorFont>
-        <a:latin typeface="Calibri Light" panose="020F0302020204030204"/>
+        <a:latin typeface="Calibri Light"/>
         <a:ea typeface=""/>
         <a:cs typeface=""/>
         <a:font script="Jpan" typeface="ＭＳ Ｐゴシック"/>
@@ -24644,7 +23125,7 @@
         <a:font script="Geor" typeface="Sylfaen"/>
       </a:majorFont>
       <a:minorFont>
-        <a:latin typeface="Calibri" panose="020F0502020204030204"/>
+        <a:latin typeface="Calibri"/>
         <a:ea typeface=""/>
         <a:cs typeface=""/>
         <a:font script="Jpan" typeface="ＭＳ Ｐゴシック"/>
@@ -24821,7 +23302,7 @@
   <a:extraClrSchemeLst/>
   <a:extLst>
     <a:ext uri="{05A4C25C-085E-4340-85A3-A5531E510DB2}">
-      <thm15:themeFamily xmlns:thm15="http://schemas.microsoft.com/office/thememl/2012/main" name="Office Theme" id="{62F939B6-93AF-4DB8-9C6B-D6C7DFDC589F}" vid="{4A3C46E8-61CC-4603-A589-7422A47A8E4A}"/>
+      <thm15:themeFamily xmlns:thm15="http://schemas.microsoft.com/office/thememl/2012/main" xmlns="" name="Office Theme" id="{62F939B6-93AF-4DB8-9C6B-D6C7DFDC589F}" vid="{4A3C46E8-61CC-4603-A589-7422A47A8E4A}"/>
     </a:ext>
   </a:extLst>
 </a:theme>

--- a/MichaelLee/SDT Mirror Effect/Paper 1/BayesianSDTmodeling_Overview.pptx
+++ b/MichaelLee/SDT Mirror Effect/Paper 1/BayesianSDTmodeling_Overview.pptx
@@ -5,7 +5,7 @@
     <p:sldMasterId id="2147483648" r:id="rId1"/>
   </p:sldMasterIdLst>
   <p:notesMasterIdLst>
-    <p:notesMasterId r:id="rId41"/>
+    <p:notesMasterId r:id="rId42"/>
   </p:notesMasterIdLst>
   <p:sldIdLst>
     <p:sldId id="256" r:id="rId2"/>
@@ -18,35 +18,36 @@
     <p:sldId id="272" r:id="rId9"/>
     <p:sldId id="261" r:id="rId10"/>
     <p:sldId id="263" r:id="rId11"/>
-    <p:sldId id="265" r:id="rId12"/>
-    <p:sldId id="262" r:id="rId13"/>
-    <p:sldId id="266" r:id="rId14"/>
-    <p:sldId id="287" r:id="rId15"/>
-    <p:sldId id="267" r:id="rId16"/>
-    <p:sldId id="275" r:id="rId17"/>
-    <p:sldId id="277" r:id="rId18"/>
-    <p:sldId id="283" r:id="rId19"/>
-    <p:sldId id="284" r:id="rId20"/>
-    <p:sldId id="285" r:id="rId21"/>
-    <p:sldId id="286" r:id="rId22"/>
-    <p:sldId id="294" r:id="rId23"/>
-    <p:sldId id="298" r:id="rId24"/>
-    <p:sldId id="302" r:id="rId25"/>
-    <p:sldId id="299" r:id="rId26"/>
-    <p:sldId id="300" r:id="rId27"/>
-    <p:sldId id="282" r:id="rId28"/>
-    <p:sldId id="292" r:id="rId29"/>
-    <p:sldId id="278" r:id="rId30"/>
-    <p:sldId id="291" r:id="rId31"/>
-    <p:sldId id="303" r:id="rId32"/>
-    <p:sldId id="304" r:id="rId33"/>
-    <p:sldId id="273" r:id="rId34"/>
-    <p:sldId id="288" r:id="rId35"/>
-    <p:sldId id="289" r:id="rId36"/>
-    <p:sldId id="309" r:id="rId37"/>
-    <p:sldId id="305" r:id="rId38"/>
-    <p:sldId id="308" r:id="rId39"/>
-    <p:sldId id="307" r:id="rId40"/>
+    <p:sldId id="310" r:id="rId12"/>
+    <p:sldId id="265" r:id="rId13"/>
+    <p:sldId id="262" r:id="rId14"/>
+    <p:sldId id="266" r:id="rId15"/>
+    <p:sldId id="287" r:id="rId16"/>
+    <p:sldId id="267" r:id="rId17"/>
+    <p:sldId id="275" r:id="rId18"/>
+    <p:sldId id="277" r:id="rId19"/>
+    <p:sldId id="283" r:id="rId20"/>
+    <p:sldId id="284" r:id="rId21"/>
+    <p:sldId id="285" r:id="rId22"/>
+    <p:sldId id="286" r:id="rId23"/>
+    <p:sldId id="294" r:id="rId24"/>
+    <p:sldId id="298" r:id="rId25"/>
+    <p:sldId id="302" r:id="rId26"/>
+    <p:sldId id="299" r:id="rId27"/>
+    <p:sldId id="300" r:id="rId28"/>
+    <p:sldId id="282" r:id="rId29"/>
+    <p:sldId id="292" r:id="rId30"/>
+    <p:sldId id="278" r:id="rId31"/>
+    <p:sldId id="291" r:id="rId32"/>
+    <p:sldId id="303" r:id="rId33"/>
+    <p:sldId id="304" r:id="rId34"/>
+    <p:sldId id="273" r:id="rId35"/>
+    <p:sldId id="288" r:id="rId36"/>
+    <p:sldId id="289" r:id="rId37"/>
+    <p:sldId id="309" r:id="rId38"/>
+    <p:sldId id="305" r:id="rId39"/>
+    <p:sldId id="308" r:id="rId40"/>
+    <p:sldId id="307" r:id="rId41"/>
   </p:sldIdLst>
   <p:sldSz cx="12192000" cy="6858000"/>
   <p:notesSz cx="6858000" cy="9144000"/>
@@ -147,7 +148,7 @@
   </p:defaultTextStyle>
   <p:extLst>
     <p:ext uri="{EFAFB233-063F-42B5-8137-9DF3F51BA10A}">
-      <p15:sldGuideLst xmlns:p15="http://schemas.microsoft.com/office/powerpoint/2012/main" xmlns="">
+      <p15:sldGuideLst xmlns:p15="http://schemas.microsoft.com/office/powerpoint/2012/main">
         <p15:guide id="1" orient="horz" pos="2160" userDrawn="1">
           <p15:clr>
             <a:srgbClr val="A4A3A4"/>
@@ -246,7 +247,7 @@
           <a:p>
             <a:fld id="{C3091E62-F7F0-4719-84D5-9FBBF89A9F5A}" type="datetimeFigureOut">
               <a:rPr lang="es-MX" smtClean="0"/>
-              <a:t>17/04/2019</a:t>
+              <a:t>22/04/2019</a:t>
             </a:fld>
             <a:endParaRPr lang="es-MX"/>
           </a:p>
@@ -1101,7 +1102,7 @@
           <a:p>
             <a:fld id="{ABD75D52-72DB-49EB-97D1-74999CC14CB1}" type="datetimeFigureOut">
               <a:rPr lang="es-MX" smtClean="0"/>
-              <a:t>17/04/2019</a:t>
+              <a:t>22/04/2019</a:t>
             </a:fld>
             <a:endParaRPr lang="es-MX"/>
           </a:p>
@@ -1271,7 +1272,7 @@
           <a:p>
             <a:fld id="{ABD75D52-72DB-49EB-97D1-74999CC14CB1}" type="datetimeFigureOut">
               <a:rPr lang="es-MX" smtClean="0"/>
-              <a:t>17/04/2019</a:t>
+              <a:t>22/04/2019</a:t>
             </a:fld>
             <a:endParaRPr lang="es-MX"/>
           </a:p>
@@ -1451,7 +1452,7 @@
           <a:p>
             <a:fld id="{ABD75D52-72DB-49EB-97D1-74999CC14CB1}" type="datetimeFigureOut">
               <a:rPr lang="es-MX" smtClean="0"/>
-              <a:t>17/04/2019</a:t>
+              <a:t>22/04/2019</a:t>
             </a:fld>
             <a:endParaRPr lang="es-MX"/>
           </a:p>
@@ -1621,7 +1622,7 @@
           <a:p>
             <a:fld id="{ABD75D52-72DB-49EB-97D1-74999CC14CB1}" type="datetimeFigureOut">
               <a:rPr lang="es-MX" smtClean="0"/>
-              <a:t>17/04/2019</a:t>
+              <a:t>22/04/2019</a:t>
             </a:fld>
             <a:endParaRPr lang="es-MX"/>
           </a:p>
@@ -1867,7 +1868,7 @@
           <a:p>
             <a:fld id="{ABD75D52-72DB-49EB-97D1-74999CC14CB1}" type="datetimeFigureOut">
               <a:rPr lang="es-MX" smtClean="0"/>
-              <a:t>17/04/2019</a:t>
+              <a:t>22/04/2019</a:t>
             </a:fld>
             <a:endParaRPr lang="es-MX"/>
           </a:p>
@@ -2099,7 +2100,7 @@
           <a:p>
             <a:fld id="{ABD75D52-72DB-49EB-97D1-74999CC14CB1}" type="datetimeFigureOut">
               <a:rPr lang="es-MX" smtClean="0"/>
-              <a:t>17/04/2019</a:t>
+              <a:t>22/04/2019</a:t>
             </a:fld>
             <a:endParaRPr lang="es-MX"/>
           </a:p>
@@ -2466,7 +2467,7 @@
           <a:p>
             <a:fld id="{ABD75D52-72DB-49EB-97D1-74999CC14CB1}" type="datetimeFigureOut">
               <a:rPr lang="es-MX" smtClean="0"/>
-              <a:t>17/04/2019</a:t>
+              <a:t>22/04/2019</a:t>
             </a:fld>
             <a:endParaRPr lang="es-MX"/>
           </a:p>
@@ -2584,7 +2585,7 @@
           <a:p>
             <a:fld id="{ABD75D52-72DB-49EB-97D1-74999CC14CB1}" type="datetimeFigureOut">
               <a:rPr lang="es-MX" smtClean="0"/>
-              <a:t>17/04/2019</a:t>
+              <a:t>22/04/2019</a:t>
             </a:fld>
             <a:endParaRPr lang="es-MX"/>
           </a:p>
@@ -2679,7 +2680,7 @@
           <a:p>
             <a:fld id="{ABD75D52-72DB-49EB-97D1-74999CC14CB1}" type="datetimeFigureOut">
               <a:rPr lang="es-MX" smtClean="0"/>
-              <a:t>17/04/2019</a:t>
+              <a:t>22/04/2019</a:t>
             </a:fld>
             <a:endParaRPr lang="es-MX"/>
           </a:p>
@@ -2956,7 +2957,7 @@
           <a:p>
             <a:fld id="{ABD75D52-72DB-49EB-97D1-74999CC14CB1}" type="datetimeFigureOut">
               <a:rPr lang="es-MX" smtClean="0"/>
-              <a:t>17/04/2019</a:t>
+              <a:t>22/04/2019</a:t>
             </a:fld>
             <a:endParaRPr lang="es-MX"/>
           </a:p>
@@ -3209,7 +3210,7 @@
           <a:p>
             <a:fld id="{ABD75D52-72DB-49EB-97D1-74999CC14CB1}" type="datetimeFigureOut">
               <a:rPr lang="es-MX" smtClean="0"/>
-              <a:t>17/04/2019</a:t>
+              <a:t>22/04/2019</a:t>
             </a:fld>
             <a:endParaRPr lang="es-MX"/>
           </a:p>
@@ -3422,7 +3423,7 @@
           <a:p>
             <a:fld id="{ABD75D52-72DB-49EB-97D1-74999CC14CB1}" type="datetimeFigureOut">
               <a:rPr lang="es-MX" smtClean="0"/>
-              <a:t>17/04/2019</a:t>
+              <a:t>22/04/2019</a:t>
             </a:fld>
             <a:endParaRPr lang="es-MX"/>
           </a:p>
@@ -4411,7 +4412,12 @@
             <p:ph type="ctrTitle"/>
           </p:nvPr>
         </p:nvSpPr>
-        <p:spPr/>
+        <p:spPr>
+          <a:xfrm>
+            <a:off x="1524000" y="360363"/>
+            <a:ext cx="9144000" cy="2387600"/>
+          </a:xfrm>
+        </p:spPr>
         <p:txBody>
           <a:bodyPr/>
           <a:lstStyle/>
@@ -4458,14 +4464,342 @@
             <p:ph type="subTitle" idx="1"/>
           </p:nvPr>
         </p:nvSpPr>
-        <p:spPr/>
+        <p:spPr>
+          <a:xfrm>
+            <a:off x="846667" y="3051704"/>
+            <a:ext cx="10320865" cy="2493962"/>
+          </a:xfrm>
+        </p:spPr>
         <p:txBody>
-          <a:bodyPr/>
+          <a:bodyPr>
+            <a:normAutofit lnSpcReduction="10000"/>
+          </a:bodyPr>
           <a:lstStyle/>
           <a:p>
             <a:r>
-              <a:rPr lang="es-MX" dirty="0" smtClean="0"/>
-              <a:t>A mixture </a:t>
+              <a:rPr lang="es-MX" dirty="0" err="1" smtClean="0"/>
+              <a:t>The</a:t>
+            </a:r>
+            <a:r>
+              <a:rPr lang="es-MX" dirty="0" smtClean="0"/>
+              <a:t> </a:t>
+            </a:r>
+            <a:r>
+              <a:rPr lang="es-MX" dirty="0" err="1" smtClean="0"/>
+              <a:t>experiment</a:t>
+            </a:r>
+            <a:r>
+              <a:rPr lang="es-MX" dirty="0" smtClean="0"/>
+              <a:t> </a:t>
+            </a:r>
+            <a:r>
+              <a:rPr lang="es-MX" dirty="0" err="1" smtClean="0"/>
+              <a:t>was</a:t>
+            </a:r>
+            <a:r>
+              <a:rPr lang="es-MX" dirty="0" smtClean="0"/>
+              <a:t> </a:t>
+            </a:r>
+            <a:r>
+              <a:rPr lang="es-MX" dirty="0" err="1" smtClean="0"/>
+              <a:t>programmed</a:t>
+            </a:r>
+            <a:r>
+              <a:rPr lang="es-MX" dirty="0" smtClean="0"/>
+              <a:t> so </a:t>
+            </a:r>
+            <a:r>
+              <a:rPr lang="es-MX" dirty="0" err="1" smtClean="0"/>
+              <a:t>that</a:t>
+            </a:r>
+            <a:r>
+              <a:rPr lang="es-MX" dirty="0" smtClean="0"/>
+              <a:t> </a:t>
+            </a:r>
+            <a:r>
+              <a:rPr lang="es-MX" dirty="0" err="1" smtClean="0"/>
+              <a:t>on</a:t>
+            </a:r>
+            <a:r>
+              <a:rPr lang="es-MX" dirty="0" smtClean="0"/>
+              <a:t> </a:t>
+            </a:r>
+            <a:r>
+              <a:rPr lang="es-MX" dirty="0" err="1" smtClean="0"/>
+              <a:t>each</a:t>
+            </a:r>
+            <a:r>
+              <a:rPr lang="es-MX" dirty="0" smtClean="0"/>
+              <a:t> trial, </a:t>
+            </a:r>
+            <a:r>
+              <a:rPr lang="es-MX" dirty="0" err="1" smtClean="0"/>
+              <a:t>participants</a:t>
+            </a:r>
+            <a:r>
+              <a:rPr lang="es-MX" dirty="0" smtClean="0"/>
+              <a:t> </a:t>
+            </a:r>
+            <a:r>
+              <a:rPr lang="es-MX" dirty="0" err="1" smtClean="0"/>
+              <a:t>could</a:t>
+            </a:r>
+            <a:r>
+              <a:rPr lang="es-MX" dirty="0" smtClean="0"/>
+              <a:t> </a:t>
+            </a:r>
+            <a:r>
+              <a:rPr lang="es-MX" dirty="0" err="1" smtClean="0"/>
+              <a:t>face</a:t>
+            </a:r>
+            <a:r>
+              <a:rPr lang="es-MX" dirty="0" smtClean="0"/>
+              <a:t> a </a:t>
+            </a:r>
+            <a:r>
+              <a:rPr lang="es-MX" dirty="0" err="1" smtClean="0"/>
+              <a:t>signal</a:t>
+            </a:r>
+            <a:r>
+              <a:rPr lang="es-MX" dirty="0" smtClean="0"/>
+              <a:t> </a:t>
+            </a:r>
+            <a:r>
+              <a:rPr lang="es-MX" dirty="0" err="1" smtClean="0"/>
+              <a:t>or</a:t>
+            </a:r>
+            <a:r>
+              <a:rPr lang="es-MX" dirty="0" smtClean="0"/>
+              <a:t> </a:t>
+            </a:r>
+            <a:r>
+              <a:rPr lang="es-MX" dirty="0" err="1" smtClean="0"/>
+              <a:t>noise</a:t>
+            </a:r>
+            <a:r>
+              <a:rPr lang="es-MX" dirty="0" smtClean="0"/>
+              <a:t> trial </a:t>
+            </a:r>
+            <a:r>
+              <a:rPr lang="es-MX" dirty="0" err="1" smtClean="0"/>
+              <a:t>from</a:t>
+            </a:r>
+            <a:r>
+              <a:rPr lang="es-MX" dirty="0" smtClean="0"/>
+              <a:t> </a:t>
+            </a:r>
+            <a:r>
+              <a:rPr lang="es-MX" dirty="0" err="1" smtClean="0"/>
+              <a:t>either</a:t>
+            </a:r>
+            <a:r>
+              <a:rPr lang="es-MX" dirty="0" smtClean="0"/>
+              <a:t> </a:t>
+            </a:r>
+            <a:r>
+              <a:rPr lang="es-MX" dirty="0" err="1" smtClean="0"/>
+              <a:t>class</a:t>
+            </a:r>
+            <a:r>
+              <a:rPr lang="es-MX" dirty="0" smtClean="0"/>
+              <a:t> of </a:t>
+            </a:r>
+            <a:r>
+              <a:rPr lang="es-MX" dirty="0" err="1" smtClean="0"/>
+              <a:t>stimuli</a:t>
+            </a:r>
+            <a:r>
+              <a:rPr lang="es-MX" dirty="0" smtClean="0"/>
+              <a:t> </a:t>
+            </a:r>
+            <a:r>
+              <a:rPr lang="es-MX" dirty="0" err="1" smtClean="0"/>
+              <a:t>completely</a:t>
+            </a:r>
+            <a:r>
+              <a:rPr lang="es-MX" dirty="0" smtClean="0"/>
+              <a:t> at </a:t>
+            </a:r>
+            <a:r>
+              <a:rPr lang="es-MX" dirty="0" err="1" smtClean="0"/>
+              <a:t>random</a:t>
+            </a:r>
+            <a:r>
+              <a:rPr lang="es-MX" dirty="0" smtClean="0"/>
+              <a:t>. </a:t>
+            </a:r>
+          </a:p>
+          <a:p>
+            <a:endParaRPr lang="es-MX" dirty="0"/>
+          </a:p>
+          <a:p>
+            <a:r>
+              <a:rPr lang="es-MX" dirty="0" err="1" smtClean="0"/>
+              <a:t>Given</a:t>
+            </a:r>
+            <a:r>
+              <a:rPr lang="es-MX" dirty="0" smtClean="0"/>
+              <a:t> </a:t>
+            </a:r>
+            <a:r>
+              <a:rPr lang="es-MX" dirty="0" err="1" smtClean="0"/>
+              <a:t>the</a:t>
+            </a:r>
+            <a:r>
+              <a:rPr lang="es-MX" dirty="0" smtClean="0"/>
+              <a:t> </a:t>
+            </a:r>
+            <a:r>
+              <a:rPr lang="es-MX" dirty="0" err="1" smtClean="0"/>
+              <a:t>sturcture</a:t>
+            </a:r>
+            <a:r>
+              <a:rPr lang="es-MX" dirty="0" smtClean="0"/>
+              <a:t> of </a:t>
+            </a:r>
+            <a:r>
+              <a:rPr lang="es-MX" dirty="0" err="1" smtClean="0"/>
+              <a:t>the</a:t>
+            </a:r>
+            <a:r>
+              <a:rPr lang="es-MX" dirty="0" smtClean="0"/>
+              <a:t> </a:t>
+            </a:r>
+            <a:r>
+              <a:rPr lang="es-MX" dirty="0" err="1" smtClean="0"/>
+              <a:t>experiment</a:t>
+            </a:r>
+            <a:r>
+              <a:rPr lang="es-MX" dirty="0" smtClean="0"/>
+              <a:t>, </a:t>
+            </a:r>
+            <a:r>
+              <a:rPr lang="es-MX" dirty="0" err="1" smtClean="0"/>
+              <a:t>one</a:t>
+            </a:r>
+            <a:r>
+              <a:rPr lang="es-MX" dirty="0" smtClean="0"/>
+              <a:t> </a:t>
+            </a:r>
+            <a:r>
+              <a:rPr lang="es-MX" dirty="0" err="1" smtClean="0"/>
+              <a:t>would</a:t>
+            </a:r>
+            <a:r>
+              <a:rPr lang="es-MX" dirty="0" smtClean="0"/>
+              <a:t> </a:t>
+            </a:r>
+            <a:r>
+              <a:rPr lang="es-MX" dirty="0" err="1" smtClean="0"/>
+              <a:t>expect</a:t>
+            </a:r>
+            <a:r>
+              <a:rPr lang="es-MX" dirty="0" smtClean="0"/>
+              <a:t> </a:t>
+            </a:r>
+            <a:r>
+              <a:rPr lang="es-MX" dirty="0" err="1" smtClean="0"/>
+              <a:t>that</a:t>
+            </a:r>
+            <a:r>
+              <a:rPr lang="es-MX" dirty="0" smtClean="0"/>
+              <a:t> “Yes” and “No” responses </a:t>
+            </a:r>
+            <a:r>
+              <a:rPr lang="es-MX" dirty="0" err="1" smtClean="0"/>
+              <a:t>were</a:t>
+            </a:r>
+            <a:r>
+              <a:rPr lang="es-MX" dirty="0" smtClean="0"/>
+              <a:t> </a:t>
+            </a:r>
+            <a:r>
+              <a:rPr lang="es-MX" dirty="0" err="1" smtClean="0"/>
+              <a:t>registered</a:t>
+            </a:r>
+            <a:r>
+              <a:rPr lang="es-MX" dirty="0" smtClean="0"/>
+              <a:t> </a:t>
+            </a:r>
+            <a:r>
+              <a:rPr lang="es-MX" dirty="0" err="1" smtClean="0"/>
+              <a:t>with</a:t>
+            </a:r>
+            <a:r>
+              <a:rPr lang="es-MX" dirty="0" smtClean="0"/>
+              <a:t> a </a:t>
+            </a:r>
+            <a:r>
+              <a:rPr lang="es-MX" dirty="0" err="1" smtClean="0"/>
+              <a:t>fairly</a:t>
+            </a:r>
+            <a:r>
+              <a:rPr lang="es-MX" dirty="0" smtClean="0"/>
+              <a:t> </a:t>
+            </a:r>
+            <a:r>
+              <a:rPr lang="es-MX" dirty="0" err="1" smtClean="0"/>
+              <a:t>equal</a:t>
+            </a:r>
+            <a:r>
+              <a:rPr lang="es-MX" dirty="0" smtClean="0"/>
+              <a:t> </a:t>
+            </a:r>
+            <a:r>
+              <a:rPr lang="es-MX" dirty="0" err="1" smtClean="0"/>
+              <a:t>probability</a:t>
+            </a:r>
+            <a:r>
+              <a:rPr lang="es-MX" dirty="0" smtClean="0"/>
+              <a:t> </a:t>
+            </a:r>
+            <a:r>
+              <a:rPr lang="es-MX" dirty="0" err="1" smtClean="0"/>
+              <a:t>on</a:t>
+            </a:r>
+            <a:r>
+              <a:rPr lang="es-MX" dirty="0" smtClean="0"/>
+              <a:t> </a:t>
+            </a:r>
+            <a:r>
+              <a:rPr lang="es-MX" dirty="0" err="1" smtClean="0"/>
+              <a:t>each</a:t>
+            </a:r>
+            <a:r>
+              <a:rPr lang="es-MX" dirty="0" smtClean="0"/>
+              <a:t> trial. </a:t>
+            </a:r>
+            <a:r>
+              <a:rPr lang="es-MX" dirty="0" err="1" smtClean="0"/>
+              <a:t>We</a:t>
+            </a:r>
+            <a:r>
+              <a:rPr lang="es-MX" dirty="0" smtClean="0"/>
+              <a:t> test </a:t>
+            </a:r>
+            <a:r>
+              <a:rPr lang="es-MX" dirty="0" err="1" smtClean="0"/>
+              <a:t>this</a:t>
+            </a:r>
+            <a:r>
+              <a:rPr lang="es-MX" dirty="0" smtClean="0"/>
+              <a:t> </a:t>
+            </a:r>
+            <a:r>
+              <a:rPr lang="es-MX" dirty="0" err="1" smtClean="0"/>
+              <a:t>with</a:t>
+            </a:r>
+            <a:r>
+              <a:rPr lang="es-MX" dirty="0" smtClean="0"/>
+              <a:t> a </a:t>
+            </a:r>
+            <a:r>
+              <a:rPr lang="es-MX" dirty="0" err="1" smtClean="0"/>
+              <a:t>first</a:t>
+            </a:r>
+            <a:r>
+              <a:rPr lang="es-MX" dirty="0" smtClean="0"/>
+              <a:t> mixture </a:t>
             </a:r>
             <a:r>
               <a:rPr lang="es-MX" dirty="0" err="1" smtClean="0"/>
@@ -4477,19 +4811,51 @@
             </a:r>
             <a:r>
               <a:rPr lang="es-MX" dirty="0" err="1" smtClean="0"/>
-              <a:t>based</a:t>
-            </a:r>
-            <a:r>
-              <a:rPr lang="es-MX" dirty="0" smtClean="0"/>
-              <a:t> </a:t>
-            </a:r>
-            <a:r>
-              <a:rPr lang="es-MX" dirty="0" err="1" smtClean="0"/>
-              <a:t>on</a:t>
-            </a:r>
-            <a:r>
-              <a:rPr lang="es-MX" dirty="0" smtClean="0"/>
-              <a:t> a  </a:t>
+              <a:t>for</a:t>
+            </a:r>
+            <a:r>
+              <a:rPr lang="es-MX" dirty="0" smtClean="0"/>
+              <a:t> </a:t>
+            </a:r>
+            <a:r>
+              <a:rPr lang="es-MX" dirty="0" err="1" smtClean="0"/>
+              <a:t>the</a:t>
+            </a:r>
+            <a:r>
+              <a:rPr lang="es-MX" dirty="0" smtClean="0"/>
+              <a:t> </a:t>
+            </a:r>
+            <a:r>
+              <a:rPr lang="es-MX" dirty="0" err="1" smtClean="0"/>
+              <a:t>plain</a:t>
+            </a:r>
+            <a:r>
+              <a:rPr lang="es-MX" dirty="0" smtClean="0"/>
+              <a:t> “yes” “no” input </a:t>
+            </a:r>
+            <a:r>
+              <a:rPr lang="es-MX" dirty="0" err="1" smtClean="0"/>
+              <a:t>registered</a:t>
+            </a:r>
+            <a:r>
+              <a:rPr lang="es-MX" dirty="0" smtClean="0"/>
+              <a:t> </a:t>
+            </a:r>
+            <a:r>
+              <a:rPr lang="es-MX" dirty="0" err="1" smtClean="0"/>
+              <a:t>by</a:t>
+            </a:r>
+            <a:r>
+              <a:rPr lang="es-MX" dirty="0" smtClean="0"/>
+              <a:t> </a:t>
+            </a:r>
+            <a:r>
+              <a:rPr lang="es-MX" dirty="0" err="1" smtClean="0"/>
+              <a:t>participants</a:t>
+            </a:r>
+            <a:r>
+              <a:rPr lang="es-MX" dirty="0" smtClean="0"/>
+              <a:t>.</a:t>
             </a:r>
             <a:endParaRPr lang="es-MX" dirty="0"/>
           </a:p>
@@ -4597,58 +4963,6 @@
           </a:p>
         </p:txBody>
       </p:sp>
-      <p:sp>
-        <p:nvSpPr>
-          <p:cNvPr id="8" name="Rectángulo 7"/>
-          <p:cNvSpPr/>
-          <p:nvPr/>
-        </p:nvSpPr>
-        <p:spPr>
-          <a:xfrm rot="20196926">
-            <a:off x="991800" y="2777065"/>
-            <a:ext cx="10346266" cy="1303867"/>
-          </a:xfrm>
-          <a:prstGeom prst="rect">
-            <a:avLst/>
-          </a:prstGeom>
-        </p:spPr>
-        <p:style>
-          <a:lnRef idx="2">
-            <a:schemeClr val="accent4">
-              <a:shade val="50000"/>
-            </a:schemeClr>
-          </a:lnRef>
-          <a:fillRef idx="1">
-            <a:schemeClr val="accent4"/>
-          </a:fillRef>
-          <a:effectRef idx="0">
-            <a:schemeClr val="accent4"/>
-          </a:effectRef>
-          <a:fontRef idx="minor">
-            <a:schemeClr val="lt1"/>
-          </a:fontRef>
-        </p:style>
-        <p:txBody>
-          <a:bodyPr rtlCol="0" anchor="ctr"/>
-          <a:lstStyle/>
-          <a:p>
-            <a:pPr algn="ctr"/>
-            <a:r>
-              <a:rPr lang="es-MX" sz="6500" b="1" dirty="0" smtClean="0">
-                <a:solidFill>
-                  <a:schemeClr val="tx1"/>
-                </a:solidFill>
-              </a:rPr>
-              <a:t>PENDING</a:t>
-            </a:r>
-            <a:endParaRPr lang="es-MX" sz="6500" b="1" dirty="0">
-              <a:solidFill>
-                <a:schemeClr val="tx1"/>
-              </a:solidFill>
-            </a:endParaRPr>
-          </a:p>
-        </p:txBody>
-      </p:sp>
     </p:spTree>
     <p:extLst>
       <p:ext uri="{BB962C8B-B14F-4D97-AF65-F5344CB8AC3E}">
@@ -4663,6 +4977,210 @@
 </file>
 
 <file path=ppt/slides/slide11.xml><?xml version="1.0" encoding="utf-8"?>
+<p:sld xmlns:a="http://schemas.openxmlformats.org/drawingml/2006/main" xmlns:r="http://schemas.openxmlformats.org/officeDocument/2006/relationships" xmlns:p="http://schemas.openxmlformats.org/presentationml/2006/main">
+  <p:cSld>
+    <p:spTree>
+      <p:nvGrpSpPr>
+        <p:cNvPr id="1" name=""/>
+        <p:cNvGrpSpPr/>
+        <p:nvPr/>
+      </p:nvGrpSpPr>
+      <p:grpSpPr>
+        <a:xfrm>
+          <a:off x="0" y="0"/>
+          <a:ext cx="0" cy="0"/>
+          <a:chOff x="0" y="0"/>
+          <a:chExt cx="0" cy="0"/>
+        </a:xfrm>
+      </p:grpSpPr>
+      <p:sp>
+        <p:nvSpPr>
+          <p:cNvPr id="2" name="Título 1"/>
+          <p:cNvSpPr>
+            <a:spLocks noGrp="1"/>
+          </p:cNvSpPr>
+          <p:nvPr>
+            <p:ph type="title"/>
+          </p:nvPr>
+        </p:nvSpPr>
+        <p:spPr/>
+        <p:txBody>
+          <a:bodyPr/>
+          <a:lstStyle/>
+          <a:p>
+            <a:r>
+              <a:rPr lang="es-MX" dirty="0" smtClean="0"/>
+              <a:t/>
+            </a:r>
+            <a:br>
+              <a:rPr lang="es-MX" dirty="0" smtClean="0"/>
+            </a:br>
+            <a:endParaRPr lang="es-MX" dirty="0"/>
+          </a:p>
+        </p:txBody>
+      </p:sp>
+      <p:sp>
+        <p:nvSpPr>
+          <p:cNvPr id="3" name="Marcador de contenido 2"/>
+          <p:cNvSpPr>
+            <a:spLocks noGrp="1"/>
+          </p:cNvSpPr>
+          <p:nvPr>
+            <p:ph idx="1"/>
+          </p:nvPr>
+        </p:nvSpPr>
+        <p:spPr/>
+        <p:txBody>
+          <a:bodyPr/>
+          <a:lstStyle/>
+          <a:p>
+            <a:endParaRPr lang="es-MX" dirty="0" smtClean="0"/>
+          </a:p>
+          <a:p>
+            <a:endParaRPr lang="es-MX" dirty="0"/>
+          </a:p>
+        </p:txBody>
+      </p:sp>
+      <p:sp>
+        <p:nvSpPr>
+          <p:cNvPr id="5" name="Rectángulo 4"/>
+          <p:cNvSpPr/>
+          <p:nvPr/>
+        </p:nvSpPr>
+        <p:spPr>
+          <a:xfrm>
+            <a:off x="0" y="0"/>
+            <a:ext cx="12192000" cy="116203"/>
+          </a:xfrm>
+          <a:prstGeom prst="rect">
+            <a:avLst/>
+          </a:prstGeom>
+          <a:solidFill>
+            <a:schemeClr val="accent6">
+              <a:lumMod val="20000"/>
+              <a:lumOff val="80000"/>
+            </a:schemeClr>
+          </a:solidFill>
+          <a:ln>
+            <a:solidFill>
+              <a:schemeClr val="tx1"/>
+            </a:solidFill>
+          </a:ln>
+        </p:spPr>
+        <p:style>
+          <a:lnRef idx="2">
+            <a:schemeClr val="accent1">
+              <a:shade val="50000"/>
+            </a:schemeClr>
+          </a:lnRef>
+          <a:fillRef idx="1">
+            <a:schemeClr val="accent1"/>
+          </a:fillRef>
+          <a:effectRef idx="0">
+            <a:schemeClr val="accent1"/>
+          </a:effectRef>
+          <a:fontRef idx="minor">
+            <a:schemeClr val="lt1"/>
+          </a:fontRef>
+        </p:style>
+        <p:txBody>
+          <a:bodyPr rtlCol="0" anchor="ctr"/>
+          <a:lstStyle/>
+          <a:p>
+            <a:pPr algn="ctr"/>
+            <a:endParaRPr lang="es-MX"/>
+          </a:p>
+        </p:txBody>
+      </p:sp>
+      <p:sp>
+        <p:nvSpPr>
+          <p:cNvPr id="6" name="Rectángulo 5"/>
+          <p:cNvSpPr/>
+          <p:nvPr/>
+        </p:nvSpPr>
+        <p:spPr>
+          <a:xfrm>
+            <a:off x="0" y="6741796"/>
+            <a:ext cx="12192000" cy="116203"/>
+          </a:xfrm>
+          <a:prstGeom prst="rect">
+            <a:avLst/>
+          </a:prstGeom>
+          <a:solidFill>
+            <a:schemeClr val="accent6">
+              <a:lumMod val="20000"/>
+              <a:lumOff val="80000"/>
+            </a:schemeClr>
+          </a:solidFill>
+          <a:ln>
+            <a:solidFill>
+              <a:schemeClr val="tx1"/>
+            </a:solidFill>
+          </a:ln>
+        </p:spPr>
+        <p:style>
+          <a:lnRef idx="2">
+            <a:schemeClr val="accent1">
+              <a:shade val="50000"/>
+            </a:schemeClr>
+          </a:lnRef>
+          <a:fillRef idx="1">
+            <a:schemeClr val="accent1"/>
+          </a:fillRef>
+          <a:effectRef idx="0">
+            <a:schemeClr val="accent1"/>
+          </a:effectRef>
+          <a:fontRef idx="minor">
+            <a:schemeClr val="lt1"/>
+          </a:fontRef>
+        </p:style>
+        <p:txBody>
+          <a:bodyPr rtlCol="0" anchor="ctr"/>
+          <a:lstStyle/>
+          <a:p>
+            <a:pPr algn="ctr"/>
+            <a:endParaRPr lang="es-MX"/>
+          </a:p>
+        </p:txBody>
+      </p:sp>
+      <p:pic>
+        <p:nvPicPr>
+          <p:cNvPr id="7" name="Imagen 6"/>
+          <p:cNvPicPr>
+            <a:picLocks noChangeAspect="1"/>
+          </p:cNvPicPr>
+          <p:nvPr/>
+        </p:nvPicPr>
+        <p:blipFill>
+          <a:blip r:embed="rId2"/>
+          <a:stretch>
+            <a:fillRect/>
+          </a:stretch>
+        </p:blipFill>
+        <p:spPr>
+          <a:xfrm>
+            <a:off x="1128712" y="185737"/>
+            <a:ext cx="9934575" cy="6486525"/>
+          </a:xfrm>
+          <a:prstGeom prst="rect">
+            <a:avLst/>
+          </a:prstGeom>
+        </p:spPr>
+      </p:pic>
+    </p:spTree>
+    <p:extLst>
+      <p:ext uri="{BB962C8B-B14F-4D97-AF65-F5344CB8AC3E}">
+        <p14:creationId xmlns:p14="http://schemas.microsoft.com/office/powerpoint/2010/main" val="1823751180"/>
+      </p:ext>
+    </p:extLst>
+  </p:cSld>
+  <p:clrMapOvr>
+    <a:masterClrMapping/>
+  </p:clrMapOvr>
+</p:sld>
+</file>
+
+<file path=ppt/slides/slide12.xml><?xml version="1.0" encoding="utf-8"?>
 <p:sld xmlns:a="http://schemas.openxmlformats.org/drawingml/2006/main" xmlns:r="http://schemas.openxmlformats.org/officeDocument/2006/relationships" xmlns:p="http://schemas.openxmlformats.org/presentationml/2006/main">
   <p:cSld>
     <p:spTree>
@@ -4744,7 +5262,11 @@
           <a:p>
             <a:r>
               <a:rPr lang="es-MX" dirty="0" smtClean="0"/>
-              <a:t>2.1 A “</a:t>
+              <a:t>2.2 </a:t>
+            </a:r>
+            <a:r>
+              <a:rPr lang="es-MX" dirty="0" smtClean="0"/>
+              <a:t>A “</a:t>
             </a:r>
             <a:r>
               <a:rPr lang="es-MX" b="1" dirty="0" err="1" smtClean="0"/>
@@ -4907,58 +5429,6 @@
           </a:p>
         </p:txBody>
       </p:sp>
-      <p:sp>
-        <p:nvSpPr>
-          <p:cNvPr id="7" name="Rectángulo 6"/>
-          <p:cNvSpPr/>
-          <p:nvPr/>
-        </p:nvSpPr>
-        <p:spPr>
-          <a:xfrm rot="20196926">
-            <a:off x="991800" y="2777065"/>
-            <a:ext cx="10346266" cy="1303867"/>
-          </a:xfrm>
-          <a:prstGeom prst="rect">
-            <a:avLst/>
-          </a:prstGeom>
-        </p:spPr>
-        <p:style>
-          <a:lnRef idx="2">
-            <a:schemeClr val="accent4">
-              <a:shade val="50000"/>
-            </a:schemeClr>
-          </a:lnRef>
-          <a:fillRef idx="1">
-            <a:schemeClr val="accent4"/>
-          </a:fillRef>
-          <a:effectRef idx="0">
-            <a:schemeClr val="accent4"/>
-          </a:effectRef>
-          <a:fontRef idx="minor">
-            <a:schemeClr val="lt1"/>
-          </a:fontRef>
-        </p:style>
-        <p:txBody>
-          <a:bodyPr rtlCol="0" anchor="ctr"/>
-          <a:lstStyle/>
-          <a:p>
-            <a:pPr algn="ctr"/>
-            <a:r>
-              <a:rPr lang="es-MX" sz="6500" b="1" dirty="0" smtClean="0">
-                <a:solidFill>
-                  <a:schemeClr val="tx1"/>
-                </a:solidFill>
-              </a:rPr>
-              <a:t>PENDING</a:t>
-            </a:r>
-            <a:endParaRPr lang="es-MX" sz="6500" b="1" dirty="0">
-              <a:solidFill>
-                <a:schemeClr val="tx1"/>
-              </a:solidFill>
-            </a:endParaRPr>
-          </a:p>
-        </p:txBody>
-      </p:sp>
     </p:spTree>
     <p:extLst>
       <p:ext uri="{BB962C8B-B14F-4D97-AF65-F5344CB8AC3E}">
@@ -4972,7 +5442,7 @@
 </p:sld>
 </file>
 
-<file path=ppt/slides/slide12.xml><?xml version="1.0" encoding="utf-8"?>
+<file path=ppt/slides/slide13.xml><?xml version="1.0" encoding="utf-8"?>
 <p:sld xmlns:a="http://schemas.openxmlformats.org/drawingml/2006/main" xmlns:r="http://schemas.openxmlformats.org/officeDocument/2006/relationships" xmlns:p="http://schemas.openxmlformats.org/presentationml/2006/main">
   <p:cSld>
     <p:spTree>
@@ -5331,7 +5801,7 @@
 </p:sld>
 </file>
 
-<file path=ppt/slides/slide13.xml><?xml version="1.0" encoding="utf-8"?>
+<file path=ppt/slides/slide14.xml><?xml version="1.0" encoding="utf-8"?>
 <p:sld xmlns:a="http://schemas.openxmlformats.org/drawingml/2006/main" xmlns:r="http://schemas.openxmlformats.org/officeDocument/2006/relationships" xmlns:p="http://schemas.openxmlformats.org/presentationml/2006/main">
   <p:cSld>
     <p:spTree>
@@ -5517,7 +5987,7 @@
 </p:sld>
 </file>
 
-<file path=ppt/slides/slide14.xml><?xml version="1.0" encoding="utf-8"?>
+<file path=ppt/slides/slide15.xml><?xml version="1.0" encoding="utf-8"?>
 <p:sld xmlns:a="http://schemas.openxmlformats.org/drawingml/2006/main" xmlns:r="http://schemas.openxmlformats.org/officeDocument/2006/relationships" xmlns:p="http://schemas.openxmlformats.org/presentationml/2006/main">
   <p:cSld>
     <p:spTree>
@@ -5572,30 +6042,6 @@
           </a:p>
         </p:txBody>
       </p:sp>
-      <p:pic>
-        <p:nvPicPr>
-          <p:cNvPr id="4" name="Imagen 3"/>
-          <p:cNvPicPr>
-            <a:picLocks noChangeAspect="1"/>
-          </p:cNvPicPr>
-          <p:nvPr/>
-        </p:nvPicPr>
-        <p:blipFill>
-          <a:blip r:embed="rId2"/>
-          <a:stretch>
-            <a:fillRect/>
-          </a:stretch>
-        </p:blipFill>
-        <p:spPr>
-          <a:xfrm>
-            <a:off x="1727199" y="116204"/>
-            <a:ext cx="8285385" cy="6683694"/>
-          </a:xfrm>
-          <a:prstGeom prst="rect">
-            <a:avLst/>
-          </a:prstGeom>
-        </p:spPr>
-      </p:pic>
       <p:sp>
         <p:nvSpPr>
           <p:cNvPr id="5" name="Rectángulo 4"/>
@@ -5698,6 +6144,30 @@
           </a:p>
         </p:txBody>
       </p:sp>
+      <p:pic>
+        <p:nvPicPr>
+          <p:cNvPr id="8" name="Imagen 7"/>
+          <p:cNvPicPr>
+            <a:picLocks noChangeAspect="1"/>
+          </p:cNvPicPr>
+          <p:nvPr/>
+        </p:nvPicPr>
+        <p:blipFill>
+          <a:blip r:embed="rId2"/>
+          <a:stretch>
+            <a:fillRect/>
+          </a:stretch>
+        </p:blipFill>
+        <p:spPr>
+          <a:xfrm>
+            <a:off x="1667933" y="150070"/>
+            <a:ext cx="8239658" cy="6591726"/>
+          </a:xfrm>
+          <a:prstGeom prst="rect">
+            <a:avLst/>
+          </a:prstGeom>
+        </p:spPr>
+      </p:pic>
     </p:spTree>
     <p:extLst>
       <p:ext uri="{BB962C8B-B14F-4D97-AF65-F5344CB8AC3E}">
@@ -5711,7 +6181,7 @@
 </p:sld>
 </file>
 
-<file path=ppt/slides/slide15.xml><?xml version="1.0" encoding="utf-8"?>
+<file path=ppt/slides/slide16.xml><?xml version="1.0" encoding="utf-8"?>
 <p:sld xmlns:a="http://schemas.openxmlformats.org/drawingml/2006/main" xmlns:r="http://schemas.openxmlformats.org/officeDocument/2006/relationships" xmlns:p="http://schemas.openxmlformats.org/presentationml/2006/main">
   <p:cSld>
     <p:spTree>
@@ -6103,7 +6573,7 @@
 </p:sld>
 </file>
 
-<file path=ppt/slides/slide16.xml><?xml version="1.0" encoding="utf-8"?>
+<file path=ppt/slides/slide17.xml><?xml version="1.0" encoding="utf-8"?>
 <p:sld xmlns:a="http://schemas.openxmlformats.org/drawingml/2006/main" xmlns:r="http://schemas.openxmlformats.org/officeDocument/2006/relationships" xmlns:p="http://schemas.openxmlformats.org/presentationml/2006/main">
   <p:cSld>
     <p:spTree>
@@ -6345,7 +6815,7 @@
 </p:sld>
 </file>
 
-<file path=ppt/slides/slide17.xml><?xml version="1.0" encoding="utf-8"?>
+<file path=ppt/slides/slide18.xml><?xml version="1.0" encoding="utf-8"?>
 <p:sld xmlns:a="http://schemas.openxmlformats.org/drawingml/2006/main" xmlns:r="http://schemas.openxmlformats.org/officeDocument/2006/relationships" xmlns:p="http://schemas.openxmlformats.org/presentationml/2006/main">
   <p:cSld>
     <p:spTree>
@@ -6843,7 +7313,7 @@
 </p:sld>
 </file>
 
-<file path=ppt/slides/slide18.xml><?xml version="1.0" encoding="utf-8"?>
+<file path=ppt/slides/slide19.xml><?xml version="1.0" encoding="utf-8"?>
 <p:sld xmlns:a="http://schemas.openxmlformats.org/drawingml/2006/main" xmlns:r="http://schemas.openxmlformats.org/officeDocument/2006/relationships" xmlns:p="http://schemas.openxmlformats.org/presentationml/2006/main">
   <p:cSld>
     <p:spTree>
@@ -7516,7 +7986,636 @@
 </p:sld>
 </file>
 
-<file path=ppt/slides/slide19.xml><?xml version="1.0" encoding="utf-8"?>
+<file path=ppt/slides/slide2.xml><?xml version="1.0" encoding="utf-8"?>
+<p:sld xmlns:a="http://schemas.openxmlformats.org/drawingml/2006/main" xmlns:r="http://schemas.openxmlformats.org/officeDocument/2006/relationships" xmlns:p="http://schemas.openxmlformats.org/presentationml/2006/main">
+  <p:cSld>
+    <p:spTree>
+      <p:nvGrpSpPr>
+        <p:cNvPr id="1" name=""/>
+        <p:cNvGrpSpPr/>
+        <p:nvPr/>
+      </p:nvGrpSpPr>
+      <p:grpSpPr>
+        <a:xfrm>
+          <a:off x="0" y="0"/>
+          <a:ext cx="0" cy="0"/>
+          <a:chOff x="0" y="0"/>
+          <a:chExt cx="0" cy="0"/>
+        </a:xfrm>
+      </p:grpSpPr>
+      <p:sp>
+        <p:nvSpPr>
+          <p:cNvPr id="2" name="Título 1"/>
+          <p:cNvSpPr>
+            <a:spLocks noGrp="1"/>
+          </p:cNvSpPr>
+          <p:nvPr>
+            <p:ph type="title"/>
+          </p:nvPr>
+        </p:nvSpPr>
+        <p:spPr/>
+        <p:txBody>
+          <a:bodyPr/>
+          <a:lstStyle/>
+          <a:p>
+            <a:r>
+              <a:rPr lang="es-MX" dirty="0" smtClean="0"/>
+              <a:t/>
+            </a:r>
+            <a:br>
+              <a:rPr lang="es-MX" dirty="0" smtClean="0"/>
+            </a:br>
+            <a:endParaRPr lang="es-MX" dirty="0"/>
+          </a:p>
+        </p:txBody>
+      </p:sp>
+      <p:sp>
+        <p:nvSpPr>
+          <p:cNvPr id="3" name="Marcador de contenido 2"/>
+          <p:cNvSpPr>
+            <a:spLocks noGrp="1"/>
+          </p:cNvSpPr>
+          <p:nvPr>
+            <p:ph idx="1"/>
+          </p:nvPr>
+        </p:nvSpPr>
+        <p:spPr>
+          <a:xfrm>
+            <a:off x="2472267" y="1478491"/>
+            <a:ext cx="7603067" cy="3593042"/>
+          </a:xfrm>
+          <a:ln>
+            <a:solidFill>
+              <a:schemeClr val="tx1"/>
+            </a:solidFill>
+          </a:ln>
+        </p:spPr>
+        <p:txBody>
+          <a:bodyPr>
+            <a:normAutofit/>
+          </a:bodyPr>
+          <a:lstStyle/>
+          <a:p>
+            <a:pPr marL="0" indent="0" algn="just">
+              <a:buNone/>
+            </a:pPr>
+            <a:r>
+              <a:rPr lang="es-MX" sz="2000" dirty="0" err="1" smtClean="0"/>
+              <a:t>Disclaimer</a:t>
+            </a:r>
+            <a:r>
+              <a:rPr lang="es-MX" sz="2000" dirty="0" smtClean="0"/>
+              <a:t>:</a:t>
+            </a:r>
+          </a:p>
+          <a:p>
+            <a:pPr marL="0" indent="0" algn="just">
+              <a:buNone/>
+            </a:pPr>
+            <a:r>
+              <a:rPr lang="es-MX" sz="2000" dirty="0" err="1" smtClean="0"/>
+              <a:t>This</a:t>
+            </a:r>
+            <a:r>
+              <a:rPr lang="es-MX" sz="2000" dirty="0" smtClean="0"/>
+              <a:t> </a:t>
+            </a:r>
+            <a:r>
+              <a:rPr lang="es-MX" sz="2000" dirty="0" err="1" smtClean="0"/>
+              <a:t>presentation</a:t>
+            </a:r>
+            <a:r>
+              <a:rPr lang="es-MX" sz="2000" dirty="0" smtClean="0"/>
+              <a:t> </a:t>
+            </a:r>
+            <a:r>
+              <a:rPr lang="es-MX" sz="2000" dirty="0" err="1" smtClean="0"/>
+              <a:t>was</a:t>
+            </a:r>
+            <a:r>
+              <a:rPr lang="es-MX" sz="2000" dirty="0" smtClean="0"/>
+              <a:t> </a:t>
+            </a:r>
+            <a:r>
+              <a:rPr lang="es-MX" sz="2000" dirty="0" err="1" smtClean="0"/>
+              <a:t>made</a:t>
+            </a:r>
+            <a:r>
+              <a:rPr lang="es-MX" sz="2000" dirty="0" smtClean="0"/>
+              <a:t> as a </a:t>
+            </a:r>
+            <a:r>
+              <a:rPr lang="es-MX" sz="2000" dirty="0" err="1" smtClean="0"/>
+              <a:t>tool</a:t>
+            </a:r>
+            <a:r>
+              <a:rPr lang="es-MX" sz="2000" dirty="0" smtClean="0"/>
+              <a:t> </a:t>
+            </a:r>
+            <a:r>
+              <a:rPr lang="es-MX" sz="2000" dirty="0" err="1" smtClean="0"/>
+              <a:t>to</a:t>
+            </a:r>
+            <a:r>
+              <a:rPr lang="es-MX" sz="2000" dirty="0" smtClean="0"/>
+              <a:t> “</a:t>
+            </a:r>
+            <a:r>
+              <a:rPr lang="es-MX" sz="2000" dirty="0" err="1" smtClean="0"/>
+              <a:t>put</a:t>
+            </a:r>
+            <a:r>
+              <a:rPr lang="es-MX" sz="2000" dirty="0" smtClean="0"/>
+              <a:t> </a:t>
+            </a:r>
+            <a:r>
+              <a:rPr lang="es-MX" sz="2000" dirty="0" err="1" smtClean="0"/>
+              <a:t>things</a:t>
+            </a:r>
+            <a:r>
+              <a:rPr lang="es-MX" sz="2000" dirty="0" smtClean="0"/>
+              <a:t> </a:t>
+            </a:r>
+            <a:r>
+              <a:rPr lang="es-MX" sz="2000" dirty="0" err="1" smtClean="0"/>
+              <a:t>together</a:t>
+            </a:r>
+            <a:r>
+              <a:rPr lang="es-MX" sz="2000" dirty="0" smtClean="0"/>
+              <a:t>” and </a:t>
+            </a:r>
+            <a:r>
+              <a:rPr lang="es-MX" sz="2000" dirty="0" err="1" smtClean="0"/>
+              <a:t>begin</a:t>
+            </a:r>
+            <a:r>
+              <a:rPr lang="es-MX" sz="2000" dirty="0" smtClean="0"/>
+              <a:t> </a:t>
+            </a:r>
+            <a:r>
+              <a:rPr lang="es-MX" sz="2000" dirty="0" err="1" smtClean="0"/>
+              <a:t>to</a:t>
+            </a:r>
+            <a:r>
+              <a:rPr lang="es-MX" sz="2000" dirty="0" smtClean="0"/>
+              <a:t> </a:t>
+            </a:r>
+            <a:r>
+              <a:rPr lang="es-MX" sz="2000" dirty="0" err="1" smtClean="0"/>
+              <a:t>fix</a:t>
+            </a:r>
+            <a:r>
+              <a:rPr lang="es-MX" sz="2000" dirty="0" smtClean="0"/>
+              <a:t>/set </a:t>
+            </a:r>
+            <a:r>
+              <a:rPr lang="es-MX" sz="2000" dirty="0" err="1" smtClean="0"/>
+              <a:t>the</a:t>
+            </a:r>
+            <a:r>
+              <a:rPr lang="es-MX" sz="2000" dirty="0" smtClean="0"/>
+              <a:t> “</a:t>
+            </a:r>
+            <a:r>
+              <a:rPr lang="es-MX" sz="2000" dirty="0" err="1" smtClean="0"/>
+              <a:t>story</a:t>
+            </a:r>
+            <a:r>
+              <a:rPr lang="es-MX" sz="2000" dirty="0" smtClean="0"/>
+              <a:t>” </a:t>
+            </a:r>
+            <a:r>
+              <a:rPr lang="es-MX" sz="2000" dirty="0" err="1" smtClean="0"/>
+              <a:t>or</a:t>
+            </a:r>
+            <a:r>
+              <a:rPr lang="es-MX" sz="2000" dirty="0" smtClean="0"/>
+              <a:t> </a:t>
+            </a:r>
+            <a:r>
+              <a:rPr lang="es-MX" sz="2000" dirty="0" err="1" smtClean="0"/>
+              <a:t>the</a:t>
+            </a:r>
+            <a:r>
+              <a:rPr lang="es-MX" sz="2000" dirty="0" smtClean="0"/>
+              <a:t> “</a:t>
+            </a:r>
+            <a:r>
+              <a:rPr lang="es-MX" sz="2000" dirty="0" err="1" smtClean="0"/>
+              <a:t>main</a:t>
+            </a:r>
+            <a:r>
+              <a:rPr lang="es-MX" sz="2000" dirty="0" smtClean="0"/>
+              <a:t> </a:t>
+            </a:r>
+            <a:r>
+              <a:rPr lang="es-MX" sz="2000" dirty="0" err="1" smtClean="0"/>
+              <a:t>course</a:t>
+            </a:r>
+            <a:r>
+              <a:rPr lang="es-MX" sz="2000" dirty="0" smtClean="0"/>
+              <a:t>” </a:t>
+            </a:r>
+            <a:r>
+              <a:rPr lang="es-MX" sz="2000" dirty="0" err="1" smtClean="0"/>
+              <a:t>that</a:t>
+            </a:r>
+            <a:r>
+              <a:rPr lang="es-MX" sz="2000" dirty="0" smtClean="0"/>
+              <a:t> </a:t>
+            </a:r>
+            <a:r>
+              <a:rPr lang="es-MX" sz="2000" dirty="0" err="1" smtClean="0"/>
+              <a:t>I’m</a:t>
+            </a:r>
+            <a:r>
+              <a:rPr lang="es-MX" sz="2000" dirty="0" smtClean="0"/>
+              <a:t> </a:t>
+            </a:r>
+            <a:r>
+              <a:rPr lang="es-MX" sz="2000" dirty="0" err="1" smtClean="0"/>
+              <a:t>planning</a:t>
+            </a:r>
+            <a:r>
+              <a:rPr lang="es-MX" sz="2000" dirty="0" smtClean="0"/>
+              <a:t> </a:t>
+            </a:r>
+            <a:r>
+              <a:rPr lang="es-MX" sz="2000" dirty="0" err="1" smtClean="0"/>
+              <a:t>to</a:t>
+            </a:r>
+            <a:r>
+              <a:rPr lang="es-MX" sz="2000" dirty="0" smtClean="0"/>
+              <a:t> </a:t>
+            </a:r>
+            <a:r>
+              <a:rPr lang="es-MX" sz="2000" dirty="0" err="1" smtClean="0"/>
+              <a:t>cover</a:t>
+            </a:r>
+            <a:r>
+              <a:rPr lang="es-MX" sz="2000" dirty="0" smtClean="0"/>
+              <a:t> </a:t>
+            </a:r>
+            <a:r>
+              <a:rPr lang="es-MX" sz="2000" dirty="0" err="1" smtClean="0"/>
+              <a:t>with</a:t>
+            </a:r>
+            <a:r>
+              <a:rPr lang="es-MX" sz="2000" dirty="0" smtClean="0"/>
+              <a:t> </a:t>
+            </a:r>
+            <a:r>
+              <a:rPr lang="es-MX" sz="2000" dirty="0" err="1" smtClean="0"/>
+              <a:t>my</a:t>
+            </a:r>
+            <a:r>
+              <a:rPr lang="es-MX" sz="2000" dirty="0" smtClean="0"/>
+              <a:t> SDT </a:t>
+            </a:r>
+            <a:r>
+              <a:rPr lang="es-MX" sz="2000" dirty="0" err="1" smtClean="0"/>
+              <a:t>study</a:t>
+            </a:r>
+            <a:r>
+              <a:rPr lang="es-MX" sz="2000" dirty="0" smtClean="0"/>
+              <a:t>/</a:t>
+            </a:r>
+            <a:r>
+              <a:rPr lang="es-MX" sz="2000" dirty="0" err="1" smtClean="0"/>
+              <a:t>paper</a:t>
+            </a:r>
+            <a:r>
+              <a:rPr lang="es-MX" sz="2000" dirty="0" smtClean="0"/>
+              <a:t>/</a:t>
+            </a:r>
+            <a:r>
+              <a:rPr lang="es-MX" sz="2000" dirty="0" err="1" smtClean="0"/>
+              <a:t>presentation</a:t>
+            </a:r>
+            <a:r>
+              <a:rPr lang="es-MX" sz="2000" dirty="0" smtClean="0"/>
+              <a:t>.</a:t>
+            </a:r>
+          </a:p>
+          <a:p>
+            <a:pPr marL="0" indent="0" algn="just">
+              <a:buNone/>
+            </a:pPr>
+            <a:endParaRPr lang="es-MX" sz="2000" dirty="0"/>
+          </a:p>
+          <a:p>
+            <a:pPr marL="0" indent="0" algn="just">
+              <a:buNone/>
+            </a:pPr>
+            <a:r>
+              <a:rPr lang="es-MX" sz="2000" dirty="0" err="1" smtClean="0"/>
+              <a:t>It’s</a:t>
+            </a:r>
+            <a:r>
+              <a:rPr lang="es-MX" sz="2000" dirty="0" smtClean="0"/>
+              <a:t> </a:t>
+            </a:r>
+            <a:r>
+              <a:rPr lang="es-MX" sz="2000" dirty="0" err="1" smtClean="0"/>
+              <a:t>meant</a:t>
+            </a:r>
+            <a:r>
+              <a:rPr lang="es-MX" sz="2000" dirty="0" smtClean="0"/>
+              <a:t> </a:t>
+            </a:r>
+            <a:r>
+              <a:rPr lang="es-MX" sz="2000" dirty="0" err="1" smtClean="0"/>
+              <a:t>to</a:t>
+            </a:r>
+            <a:r>
+              <a:rPr lang="es-MX" sz="2000" dirty="0" smtClean="0"/>
+              <a:t> </a:t>
+            </a:r>
+            <a:r>
+              <a:rPr lang="es-MX" sz="2000" dirty="0" err="1" smtClean="0"/>
+              <a:t>present</a:t>
+            </a:r>
+            <a:r>
+              <a:rPr lang="es-MX" sz="2000" dirty="0" smtClean="0"/>
+              <a:t>, </a:t>
+            </a:r>
+            <a:r>
+              <a:rPr lang="es-MX" sz="2000" dirty="0" err="1" smtClean="0"/>
+              <a:t>step</a:t>
+            </a:r>
+            <a:r>
+              <a:rPr lang="es-MX" sz="2000" dirty="0" smtClean="0"/>
+              <a:t> </a:t>
+            </a:r>
+            <a:r>
+              <a:rPr lang="es-MX" sz="2000" dirty="0" err="1" smtClean="0"/>
+              <a:t>by</a:t>
+            </a:r>
+            <a:r>
+              <a:rPr lang="es-MX" sz="2000" dirty="0" smtClean="0"/>
+              <a:t> </a:t>
+            </a:r>
+            <a:r>
+              <a:rPr lang="es-MX" sz="2000" dirty="0" err="1" smtClean="0"/>
+              <a:t>step</a:t>
+            </a:r>
+            <a:r>
+              <a:rPr lang="es-MX" sz="2000" dirty="0" smtClean="0"/>
+              <a:t> </a:t>
+            </a:r>
+            <a:r>
+              <a:rPr lang="es-MX" sz="2000" dirty="0" err="1" smtClean="0"/>
+              <a:t>what’s</a:t>
+            </a:r>
+            <a:r>
+              <a:rPr lang="es-MX" sz="2000" dirty="0" smtClean="0"/>
+              <a:t> </a:t>
+            </a:r>
+            <a:r>
+              <a:rPr lang="es-MX" sz="2000" dirty="0" err="1" smtClean="0"/>
+              <a:t>planned</a:t>
+            </a:r>
+            <a:r>
+              <a:rPr lang="es-MX" sz="2000" dirty="0" smtClean="0"/>
+              <a:t> </a:t>
+            </a:r>
+            <a:r>
+              <a:rPr lang="es-MX" sz="2000" dirty="0" err="1" smtClean="0"/>
+              <a:t>to</a:t>
+            </a:r>
+            <a:r>
+              <a:rPr lang="es-MX" sz="2000" dirty="0" smtClean="0"/>
+              <a:t> be done and </a:t>
+            </a:r>
+            <a:r>
+              <a:rPr lang="es-MX" sz="2000" dirty="0" err="1" smtClean="0"/>
+              <a:t>the</a:t>
+            </a:r>
+            <a:r>
+              <a:rPr lang="es-MX" sz="2000" dirty="0" smtClean="0"/>
+              <a:t> </a:t>
+            </a:r>
+            <a:r>
+              <a:rPr lang="es-MX" sz="2000" dirty="0" err="1" smtClean="0"/>
+              <a:t>main</a:t>
+            </a:r>
+            <a:r>
+              <a:rPr lang="es-MX" sz="2000" dirty="0" smtClean="0"/>
+              <a:t> </a:t>
+            </a:r>
+            <a:r>
+              <a:rPr lang="es-MX" sz="2000" dirty="0" err="1" smtClean="0"/>
+              <a:t>findings</a:t>
+            </a:r>
+            <a:r>
+              <a:rPr lang="es-MX" sz="2000" dirty="0" smtClean="0"/>
+              <a:t>/</a:t>
+            </a:r>
+            <a:r>
+              <a:rPr lang="es-MX" sz="2000" dirty="0" err="1" smtClean="0"/>
+              <a:t>plots</a:t>
+            </a:r>
+            <a:r>
+              <a:rPr lang="es-MX" sz="2000" dirty="0" smtClean="0"/>
+              <a:t>/</a:t>
+            </a:r>
+            <a:r>
+              <a:rPr lang="es-MX" sz="2000" dirty="0" err="1" smtClean="0"/>
+              <a:t>estimations</a:t>
+            </a:r>
+            <a:r>
+              <a:rPr lang="es-MX" sz="2000" dirty="0" smtClean="0"/>
+              <a:t> </a:t>
+            </a:r>
+            <a:r>
+              <a:rPr lang="es-MX" sz="2000" dirty="0" err="1" smtClean="0"/>
+              <a:t>to</a:t>
+            </a:r>
+            <a:r>
+              <a:rPr lang="es-MX" sz="2000" dirty="0" smtClean="0"/>
+              <a:t> </a:t>
+            </a:r>
+            <a:r>
+              <a:rPr lang="es-MX" sz="2000" dirty="0" err="1" smtClean="0"/>
+              <a:t>report</a:t>
+            </a:r>
+            <a:r>
+              <a:rPr lang="es-MX" sz="2000" dirty="0" smtClean="0"/>
+              <a:t> as a </a:t>
+            </a:r>
+            <a:r>
+              <a:rPr lang="es-MX" sz="2000" dirty="0" err="1" smtClean="0"/>
+              <a:t>result</a:t>
+            </a:r>
+            <a:r>
+              <a:rPr lang="es-MX" sz="2000" dirty="0" smtClean="0"/>
+              <a:t> of </a:t>
+            </a:r>
+            <a:r>
+              <a:rPr lang="es-MX" sz="2000" dirty="0" err="1" smtClean="0"/>
+              <a:t>each</a:t>
+            </a:r>
+            <a:r>
+              <a:rPr lang="es-MX" sz="2000" dirty="0" smtClean="0"/>
+              <a:t> </a:t>
+            </a:r>
+            <a:r>
+              <a:rPr lang="es-MX" sz="2000" dirty="0" err="1" smtClean="0"/>
+              <a:t>step</a:t>
+            </a:r>
+            <a:r>
+              <a:rPr lang="es-MX" sz="2000" dirty="0" smtClean="0"/>
+              <a:t>.</a:t>
+            </a:r>
+          </a:p>
+          <a:p>
+            <a:pPr marL="0" indent="0" algn="just">
+              <a:buNone/>
+            </a:pPr>
+            <a:endParaRPr lang="es-MX" sz="2000" dirty="0"/>
+          </a:p>
+          <a:p>
+            <a:pPr marL="0" indent="0" algn="just">
+              <a:buNone/>
+            </a:pPr>
+            <a:r>
+              <a:rPr lang="es-MX" sz="2000" dirty="0" err="1" smtClean="0"/>
+              <a:t>Also</a:t>
+            </a:r>
+            <a:r>
+              <a:rPr lang="es-MX" sz="2000" dirty="0" smtClean="0"/>
+              <a:t>, </a:t>
+            </a:r>
+            <a:r>
+              <a:rPr lang="es-MX" sz="2000" dirty="0" err="1" smtClean="0"/>
+              <a:t>this</a:t>
+            </a:r>
+            <a:r>
+              <a:rPr lang="es-MX" sz="2000" dirty="0" smtClean="0"/>
+              <a:t> </a:t>
+            </a:r>
+            <a:r>
+              <a:rPr lang="es-MX" sz="2000" dirty="0" err="1" smtClean="0"/>
+              <a:t>could</a:t>
+            </a:r>
+            <a:r>
+              <a:rPr lang="es-MX" sz="2000" dirty="0" smtClean="0"/>
+              <a:t> be </a:t>
+            </a:r>
+            <a:r>
+              <a:rPr lang="es-MX" sz="2000" dirty="0" err="1" smtClean="0"/>
+              <a:t>consider</a:t>
+            </a:r>
+            <a:r>
+              <a:rPr lang="es-MX" sz="2000" dirty="0" smtClean="0"/>
+              <a:t> a </a:t>
+            </a:r>
+            <a:r>
+              <a:rPr lang="es-MX" sz="2000" dirty="0" err="1" smtClean="0"/>
+              <a:t>draw</a:t>
+            </a:r>
+            <a:r>
+              <a:rPr lang="es-MX" sz="2000" dirty="0" smtClean="0"/>
+              <a:t> </a:t>
+            </a:r>
+            <a:r>
+              <a:rPr lang="es-MX" sz="2000" dirty="0" err="1" smtClean="0"/>
+              <a:t>for</a:t>
+            </a:r>
+            <a:r>
+              <a:rPr lang="es-MX" sz="2000" dirty="0" smtClean="0"/>
+              <a:t> </a:t>
+            </a:r>
+            <a:r>
+              <a:rPr lang="es-MX" sz="2000" dirty="0" err="1" smtClean="0"/>
+              <a:t>any</a:t>
+            </a:r>
+            <a:r>
+              <a:rPr lang="es-MX" sz="2000" dirty="0" smtClean="0"/>
+              <a:t> </a:t>
+            </a:r>
+            <a:r>
+              <a:rPr lang="es-MX" sz="2000" dirty="0" err="1" smtClean="0"/>
+              <a:t>Talk</a:t>
+            </a:r>
+            <a:r>
+              <a:rPr lang="es-MX" sz="2000" dirty="0" smtClean="0"/>
+              <a:t> </a:t>
+            </a:r>
+            <a:r>
+              <a:rPr lang="es-MX" sz="2000" dirty="0" err="1" smtClean="0"/>
+              <a:t>or</a:t>
+            </a:r>
+            <a:r>
+              <a:rPr lang="es-MX" sz="2000" dirty="0" smtClean="0"/>
+              <a:t> </a:t>
+            </a:r>
+            <a:r>
+              <a:rPr lang="es-MX" sz="2000" dirty="0" err="1" smtClean="0"/>
+              <a:t>presentation</a:t>
+            </a:r>
+            <a:r>
+              <a:rPr lang="es-MX" sz="2000" dirty="0" smtClean="0"/>
+              <a:t> </a:t>
+            </a:r>
+            <a:r>
+              <a:rPr lang="es-MX" sz="2000" dirty="0" err="1" smtClean="0"/>
+              <a:t>derived</a:t>
+            </a:r>
+            <a:r>
+              <a:rPr lang="es-MX" sz="2000" dirty="0" smtClean="0"/>
+              <a:t> </a:t>
+            </a:r>
+            <a:r>
+              <a:rPr lang="es-MX" sz="2000" dirty="0" err="1" smtClean="0"/>
+              <a:t>from</a:t>
+            </a:r>
+            <a:r>
+              <a:rPr lang="es-MX" sz="2000" dirty="0" smtClean="0"/>
+              <a:t> </a:t>
+            </a:r>
+            <a:r>
+              <a:rPr lang="es-MX" sz="2000" dirty="0" err="1" smtClean="0"/>
+              <a:t>this</a:t>
+            </a:r>
+            <a:r>
+              <a:rPr lang="es-MX" sz="2000" dirty="0" smtClean="0"/>
+              <a:t> </a:t>
+            </a:r>
+            <a:r>
+              <a:rPr lang="es-MX" sz="2000" dirty="0" err="1" smtClean="0"/>
+              <a:t>research</a:t>
+            </a:r>
+            <a:r>
+              <a:rPr lang="es-MX" sz="2000" dirty="0" smtClean="0"/>
+              <a:t> </a:t>
+            </a:r>
+            <a:r>
+              <a:rPr lang="es-MX" sz="2000" dirty="0" err="1" smtClean="0"/>
+              <a:t>project</a:t>
+            </a:r>
+            <a:r>
+              <a:rPr lang="es-MX" sz="2000" dirty="0" smtClean="0"/>
+              <a:t>.</a:t>
+            </a:r>
+            <a:endParaRPr lang="es-MX" sz="2000" dirty="0"/>
+          </a:p>
+        </p:txBody>
+      </p:sp>
+    </p:spTree>
+    <p:extLst>
+      <p:ext uri="{BB962C8B-B14F-4D97-AF65-F5344CB8AC3E}">
+        <p14:creationId xmlns:p14="http://schemas.microsoft.com/office/powerpoint/2010/main" val="320968942"/>
+      </p:ext>
+    </p:extLst>
+  </p:cSld>
+  <p:clrMapOvr>
+    <a:masterClrMapping/>
+  </p:clrMapOvr>
+</p:sld>
+</file>
+
+<file path=ppt/slides/slide20.xml><?xml version="1.0" encoding="utf-8"?>
 <p:sld xmlns:a="http://schemas.openxmlformats.org/drawingml/2006/main" xmlns:r="http://schemas.openxmlformats.org/officeDocument/2006/relationships" xmlns:p="http://schemas.openxmlformats.org/presentationml/2006/main">
   <p:cSld>
     <p:spTree>
@@ -7722,7 +8821,7 @@
                       <m:sSubSupPr>
                         <m:ctrlPr>
                           <a:rPr lang="es-MX" i="1" smtClean="0">
-                            <a:latin typeface="Cambria Math"/>
+                            <a:latin typeface="Cambria Math" panose="02040503050406030204" pitchFamily="18" charset="0"/>
                           </a:rPr>
                         </m:ctrlPr>
                       </m:sSubSupPr>
@@ -7764,7 +8863,7 @@
                       <m:sSubSupPr>
                         <m:ctrlPr>
                           <a:rPr lang="es-MX" i="1">
-                            <a:latin typeface="Cambria Math"/>
+                            <a:latin typeface="Cambria Math" panose="02040503050406030204" pitchFamily="18" charset="0"/>
                           </a:rPr>
                         </m:ctrlPr>
                       </m:sSubSupPr>
@@ -8099,636 +9198,7 @@
 </p:sld>
 </file>
 
-<file path=ppt/slides/slide2.xml><?xml version="1.0" encoding="utf-8"?>
-<p:sld xmlns:a="http://schemas.openxmlformats.org/drawingml/2006/main" xmlns:r="http://schemas.openxmlformats.org/officeDocument/2006/relationships" xmlns:p="http://schemas.openxmlformats.org/presentationml/2006/main">
-  <p:cSld>
-    <p:spTree>
-      <p:nvGrpSpPr>
-        <p:cNvPr id="1" name=""/>
-        <p:cNvGrpSpPr/>
-        <p:nvPr/>
-      </p:nvGrpSpPr>
-      <p:grpSpPr>
-        <a:xfrm>
-          <a:off x="0" y="0"/>
-          <a:ext cx="0" cy="0"/>
-          <a:chOff x="0" y="0"/>
-          <a:chExt cx="0" cy="0"/>
-        </a:xfrm>
-      </p:grpSpPr>
-      <p:sp>
-        <p:nvSpPr>
-          <p:cNvPr id="2" name="Título 1"/>
-          <p:cNvSpPr>
-            <a:spLocks noGrp="1"/>
-          </p:cNvSpPr>
-          <p:nvPr>
-            <p:ph type="title"/>
-          </p:nvPr>
-        </p:nvSpPr>
-        <p:spPr/>
-        <p:txBody>
-          <a:bodyPr/>
-          <a:lstStyle/>
-          <a:p>
-            <a:r>
-              <a:rPr lang="es-MX" dirty="0" smtClean="0"/>
-              <a:t/>
-            </a:r>
-            <a:br>
-              <a:rPr lang="es-MX" dirty="0" smtClean="0"/>
-            </a:br>
-            <a:endParaRPr lang="es-MX" dirty="0"/>
-          </a:p>
-        </p:txBody>
-      </p:sp>
-      <p:sp>
-        <p:nvSpPr>
-          <p:cNvPr id="3" name="Marcador de contenido 2"/>
-          <p:cNvSpPr>
-            <a:spLocks noGrp="1"/>
-          </p:cNvSpPr>
-          <p:nvPr>
-            <p:ph idx="1"/>
-          </p:nvPr>
-        </p:nvSpPr>
-        <p:spPr>
-          <a:xfrm>
-            <a:off x="2472267" y="1478491"/>
-            <a:ext cx="7603067" cy="3593042"/>
-          </a:xfrm>
-          <a:ln>
-            <a:solidFill>
-              <a:schemeClr val="tx1"/>
-            </a:solidFill>
-          </a:ln>
-        </p:spPr>
-        <p:txBody>
-          <a:bodyPr>
-            <a:normAutofit/>
-          </a:bodyPr>
-          <a:lstStyle/>
-          <a:p>
-            <a:pPr marL="0" indent="0" algn="just">
-              <a:buNone/>
-            </a:pPr>
-            <a:r>
-              <a:rPr lang="es-MX" sz="2000" dirty="0" err="1" smtClean="0"/>
-              <a:t>Disclaimer</a:t>
-            </a:r>
-            <a:r>
-              <a:rPr lang="es-MX" sz="2000" dirty="0" smtClean="0"/>
-              <a:t>:</a:t>
-            </a:r>
-          </a:p>
-          <a:p>
-            <a:pPr marL="0" indent="0" algn="just">
-              <a:buNone/>
-            </a:pPr>
-            <a:r>
-              <a:rPr lang="es-MX" sz="2000" dirty="0" err="1" smtClean="0"/>
-              <a:t>This</a:t>
-            </a:r>
-            <a:r>
-              <a:rPr lang="es-MX" sz="2000" dirty="0" smtClean="0"/>
-              <a:t> </a:t>
-            </a:r>
-            <a:r>
-              <a:rPr lang="es-MX" sz="2000" dirty="0" err="1" smtClean="0"/>
-              <a:t>presentation</a:t>
-            </a:r>
-            <a:r>
-              <a:rPr lang="es-MX" sz="2000" dirty="0" smtClean="0"/>
-              <a:t> </a:t>
-            </a:r>
-            <a:r>
-              <a:rPr lang="es-MX" sz="2000" dirty="0" err="1" smtClean="0"/>
-              <a:t>was</a:t>
-            </a:r>
-            <a:r>
-              <a:rPr lang="es-MX" sz="2000" dirty="0" smtClean="0"/>
-              <a:t> </a:t>
-            </a:r>
-            <a:r>
-              <a:rPr lang="es-MX" sz="2000" dirty="0" err="1" smtClean="0"/>
-              <a:t>made</a:t>
-            </a:r>
-            <a:r>
-              <a:rPr lang="es-MX" sz="2000" dirty="0" smtClean="0"/>
-              <a:t> as a </a:t>
-            </a:r>
-            <a:r>
-              <a:rPr lang="es-MX" sz="2000" dirty="0" err="1" smtClean="0"/>
-              <a:t>tool</a:t>
-            </a:r>
-            <a:r>
-              <a:rPr lang="es-MX" sz="2000" dirty="0" smtClean="0"/>
-              <a:t> </a:t>
-            </a:r>
-            <a:r>
-              <a:rPr lang="es-MX" sz="2000" dirty="0" err="1" smtClean="0"/>
-              <a:t>to</a:t>
-            </a:r>
-            <a:r>
-              <a:rPr lang="es-MX" sz="2000" dirty="0" smtClean="0"/>
-              <a:t> “</a:t>
-            </a:r>
-            <a:r>
-              <a:rPr lang="es-MX" sz="2000" dirty="0" err="1" smtClean="0"/>
-              <a:t>put</a:t>
-            </a:r>
-            <a:r>
-              <a:rPr lang="es-MX" sz="2000" dirty="0" smtClean="0"/>
-              <a:t> </a:t>
-            </a:r>
-            <a:r>
-              <a:rPr lang="es-MX" sz="2000" dirty="0" err="1" smtClean="0"/>
-              <a:t>things</a:t>
-            </a:r>
-            <a:r>
-              <a:rPr lang="es-MX" sz="2000" dirty="0" smtClean="0"/>
-              <a:t> </a:t>
-            </a:r>
-            <a:r>
-              <a:rPr lang="es-MX" sz="2000" dirty="0" err="1" smtClean="0"/>
-              <a:t>together</a:t>
-            </a:r>
-            <a:r>
-              <a:rPr lang="es-MX" sz="2000" dirty="0" smtClean="0"/>
-              <a:t>” and </a:t>
-            </a:r>
-            <a:r>
-              <a:rPr lang="es-MX" sz="2000" dirty="0" err="1" smtClean="0"/>
-              <a:t>begin</a:t>
-            </a:r>
-            <a:r>
-              <a:rPr lang="es-MX" sz="2000" dirty="0" smtClean="0"/>
-              <a:t> </a:t>
-            </a:r>
-            <a:r>
-              <a:rPr lang="es-MX" sz="2000" dirty="0" err="1" smtClean="0"/>
-              <a:t>to</a:t>
-            </a:r>
-            <a:r>
-              <a:rPr lang="es-MX" sz="2000" dirty="0" smtClean="0"/>
-              <a:t> </a:t>
-            </a:r>
-            <a:r>
-              <a:rPr lang="es-MX" sz="2000" dirty="0" err="1" smtClean="0"/>
-              <a:t>fix</a:t>
-            </a:r>
-            <a:r>
-              <a:rPr lang="es-MX" sz="2000" dirty="0" smtClean="0"/>
-              <a:t>/set </a:t>
-            </a:r>
-            <a:r>
-              <a:rPr lang="es-MX" sz="2000" dirty="0" err="1" smtClean="0"/>
-              <a:t>the</a:t>
-            </a:r>
-            <a:r>
-              <a:rPr lang="es-MX" sz="2000" dirty="0" smtClean="0"/>
-              <a:t> “</a:t>
-            </a:r>
-            <a:r>
-              <a:rPr lang="es-MX" sz="2000" dirty="0" err="1" smtClean="0"/>
-              <a:t>story</a:t>
-            </a:r>
-            <a:r>
-              <a:rPr lang="es-MX" sz="2000" dirty="0" smtClean="0"/>
-              <a:t>” </a:t>
-            </a:r>
-            <a:r>
-              <a:rPr lang="es-MX" sz="2000" dirty="0" err="1" smtClean="0"/>
-              <a:t>or</a:t>
-            </a:r>
-            <a:r>
-              <a:rPr lang="es-MX" sz="2000" dirty="0" smtClean="0"/>
-              <a:t> </a:t>
-            </a:r>
-            <a:r>
-              <a:rPr lang="es-MX" sz="2000" dirty="0" err="1" smtClean="0"/>
-              <a:t>the</a:t>
-            </a:r>
-            <a:r>
-              <a:rPr lang="es-MX" sz="2000" dirty="0" smtClean="0"/>
-              <a:t> “</a:t>
-            </a:r>
-            <a:r>
-              <a:rPr lang="es-MX" sz="2000" dirty="0" err="1" smtClean="0"/>
-              <a:t>main</a:t>
-            </a:r>
-            <a:r>
-              <a:rPr lang="es-MX" sz="2000" dirty="0" smtClean="0"/>
-              <a:t> </a:t>
-            </a:r>
-            <a:r>
-              <a:rPr lang="es-MX" sz="2000" dirty="0" err="1" smtClean="0"/>
-              <a:t>course</a:t>
-            </a:r>
-            <a:r>
-              <a:rPr lang="es-MX" sz="2000" dirty="0" smtClean="0"/>
-              <a:t>” </a:t>
-            </a:r>
-            <a:r>
-              <a:rPr lang="es-MX" sz="2000" dirty="0" err="1" smtClean="0"/>
-              <a:t>that</a:t>
-            </a:r>
-            <a:r>
-              <a:rPr lang="es-MX" sz="2000" dirty="0" smtClean="0"/>
-              <a:t> </a:t>
-            </a:r>
-            <a:r>
-              <a:rPr lang="es-MX" sz="2000" dirty="0" err="1" smtClean="0"/>
-              <a:t>I’m</a:t>
-            </a:r>
-            <a:r>
-              <a:rPr lang="es-MX" sz="2000" dirty="0" smtClean="0"/>
-              <a:t> </a:t>
-            </a:r>
-            <a:r>
-              <a:rPr lang="es-MX" sz="2000" dirty="0" err="1" smtClean="0"/>
-              <a:t>planning</a:t>
-            </a:r>
-            <a:r>
-              <a:rPr lang="es-MX" sz="2000" dirty="0" smtClean="0"/>
-              <a:t> </a:t>
-            </a:r>
-            <a:r>
-              <a:rPr lang="es-MX" sz="2000" dirty="0" err="1" smtClean="0"/>
-              <a:t>to</a:t>
-            </a:r>
-            <a:r>
-              <a:rPr lang="es-MX" sz="2000" dirty="0" smtClean="0"/>
-              <a:t> </a:t>
-            </a:r>
-            <a:r>
-              <a:rPr lang="es-MX" sz="2000" dirty="0" err="1" smtClean="0"/>
-              <a:t>cover</a:t>
-            </a:r>
-            <a:r>
-              <a:rPr lang="es-MX" sz="2000" dirty="0" smtClean="0"/>
-              <a:t> </a:t>
-            </a:r>
-            <a:r>
-              <a:rPr lang="es-MX" sz="2000" dirty="0" err="1" smtClean="0"/>
-              <a:t>with</a:t>
-            </a:r>
-            <a:r>
-              <a:rPr lang="es-MX" sz="2000" dirty="0" smtClean="0"/>
-              <a:t> </a:t>
-            </a:r>
-            <a:r>
-              <a:rPr lang="es-MX" sz="2000" dirty="0" err="1" smtClean="0"/>
-              <a:t>my</a:t>
-            </a:r>
-            <a:r>
-              <a:rPr lang="es-MX" sz="2000" dirty="0" smtClean="0"/>
-              <a:t> SDT </a:t>
-            </a:r>
-            <a:r>
-              <a:rPr lang="es-MX" sz="2000" dirty="0" err="1" smtClean="0"/>
-              <a:t>study</a:t>
-            </a:r>
-            <a:r>
-              <a:rPr lang="es-MX" sz="2000" dirty="0" smtClean="0"/>
-              <a:t>/</a:t>
-            </a:r>
-            <a:r>
-              <a:rPr lang="es-MX" sz="2000" dirty="0" err="1" smtClean="0"/>
-              <a:t>paper</a:t>
-            </a:r>
-            <a:r>
-              <a:rPr lang="es-MX" sz="2000" dirty="0" smtClean="0"/>
-              <a:t>/</a:t>
-            </a:r>
-            <a:r>
-              <a:rPr lang="es-MX" sz="2000" dirty="0" err="1" smtClean="0"/>
-              <a:t>presentation</a:t>
-            </a:r>
-            <a:r>
-              <a:rPr lang="es-MX" sz="2000" dirty="0" smtClean="0"/>
-              <a:t>.</a:t>
-            </a:r>
-          </a:p>
-          <a:p>
-            <a:pPr marL="0" indent="0" algn="just">
-              <a:buNone/>
-            </a:pPr>
-            <a:endParaRPr lang="es-MX" sz="2000" dirty="0"/>
-          </a:p>
-          <a:p>
-            <a:pPr marL="0" indent="0" algn="just">
-              <a:buNone/>
-            </a:pPr>
-            <a:r>
-              <a:rPr lang="es-MX" sz="2000" dirty="0" err="1" smtClean="0"/>
-              <a:t>It’s</a:t>
-            </a:r>
-            <a:r>
-              <a:rPr lang="es-MX" sz="2000" dirty="0" smtClean="0"/>
-              <a:t> </a:t>
-            </a:r>
-            <a:r>
-              <a:rPr lang="es-MX" sz="2000" dirty="0" err="1" smtClean="0"/>
-              <a:t>meant</a:t>
-            </a:r>
-            <a:r>
-              <a:rPr lang="es-MX" sz="2000" dirty="0" smtClean="0"/>
-              <a:t> </a:t>
-            </a:r>
-            <a:r>
-              <a:rPr lang="es-MX" sz="2000" dirty="0" err="1" smtClean="0"/>
-              <a:t>to</a:t>
-            </a:r>
-            <a:r>
-              <a:rPr lang="es-MX" sz="2000" dirty="0" smtClean="0"/>
-              <a:t> </a:t>
-            </a:r>
-            <a:r>
-              <a:rPr lang="es-MX" sz="2000" dirty="0" err="1" smtClean="0"/>
-              <a:t>present</a:t>
-            </a:r>
-            <a:r>
-              <a:rPr lang="es-MX" sz="2000" dirty="0" smtClean="0"/>
-              <a:t>, </a:t>
-            </a:r>
-            <a:r>
-              <a:rPr lang="es-MX" sz="2000" dirty="0" err="1" smtClean="0"/>
-              <a:t>step</a:t>
-            </a:r>
-            <a:r>
-              <a:rPr lang="es-MX" sz="2000" dirty="0" smtClean="0"/>
-              <a:t> </a:t>
-            </a:r>
-            <a:r>
-              <a:rPr lang="es-MX" sz="2000" dirty="0" err="1" smtClean="0"/>
-              <a:t>by</a:t>
-            </a:r>
-            <a:r>
-              <a:rPr lang="es-MX" sz="2000" dirty="0" smtClean="0"/>
-              <a:t> </a:t>
-            </a:r>
-            <a:r>
-              <a:rPr lang="es-MX" sz="2000" dirty="0" err="1" smtClean="0"/>
-              <a:t>step</a:t>
-            </a:r>
-            <a:r>
-              <a:rPr lang="es-MX" sz="2000" dirty="0" smtClean="0"/>
-              <a:t> </a:t>
-            </a:r>
-            <a:r>
-              <a:rPr lang="es-MX" sz="2000" dirty="0" err="1" smtClean="0"/>
-              <a:t>what’s</a:t>
-            </a:r>
-            <a:r>
-              <a:rPr lang="es-MX" sz="2000" dirty="0" smtClean="0"/>
-              <a:t> </a:t>
-            </a:r>
-            <a:r>
-              <a:rPr lang="es-MX" sz="2000" dirty="0" err="1" smtClean="0"/>
-              <a:t>planned</a:t>
-            </a:r>
-            <a:r>
-              <a:rPr lang="es-MX" sz="2000" dirty="0" smtClean="0"/>
-              <a:t> </a:t>
-            </a:r>
-            <a:r>
-              <a:rPr lang="es-MX" sz="2000" dirty="0" err="1" smtClean="0"/>
-              <a:t>to</a:t>
-            </a:r>
-            <a:r>
-              <a:rPr lang="es-MX" sz="2000" dirty="0" smtClean="0"/>
-              <a:t> be done and </a:t>
-            </a:r>
-            <a:r>
-              <a:rPr lang="es-MX" sz="2000" dirty="0" err="1" smtClean="0"/>
-              <a:t>the</a:t>
-            </a:r>
-            <a:r>
-              <a:rPr lang="es-MX" sz="2000" dirty="0" smtClean="0"/>
-              <a:t> </a:t>
-            </a:r>
-            <a:r>
-              <a:rPr lang="es-MX" sz="2000" dirty="0" err="1" smtClean="0"/>
-              <a:t>main</a:t>
-            </a:r>
-            <a:r>
-              <a:rPr lang="es-MX" sz="2000" dirty="0" smtClean="0"/>
-              <a:t> </a:t>
-            </a:r>
-            <a:r>
-              <a:rPr lang="es-MX" sz="2000" dirty="0" err="1" smtClean="0"/>
-              <a:t>findings</a:t>
-            </a:r>
-            <a:r>
-              <a:rPr lang="es-MX" sz="2000" dirty="0" smtClean="0"/>
-              <a:t>/</a:t>
-            </a:r>
-            <a:r>
-              <a:rPr lang="es-MX" sz="2000" dirty="0" err="1" smtClean="0"/>
-              <a:t>plots</a:t>
-            </a:r>
-            <a:r>
-              <a:rPr lang="es-MX" sz="2000" dirty="0" smtClean="0"/>
-              <a:t>/</a:t>
-            </a:r>
-            <a:r>
-              <a:rPr lang="es-MX" sz="2000" dirty="0" err="1" smtClean="0"/>
-              <a:t>estimations</a:t>
-            </a:r>
-            <a:r>
-              <a:rPr lang="es-MX" sz="2000" dirty="0" smtClean="0"/>
-              <a:t> </a:t>
-            </a:r>
-            <a:r>
-              <a:rPr lang="es-MX" sz="2000" dirty="0" err="1" smtClean="0"/>
-              <a:t>to</a:t>
-            </a:r>
-            <a:r>
-              <a:rPr lang="es-MX" sz="2000" dirty="0" smtClean="0"/>
-              <a:t> </a:t>
-            </a:r>
-            <a:r>
-              <a:rPr lang="es-MX" sz="2000" dirty="0" err="1" smtClean="0"/>
-              <a:t>report</a:t>
-            </a:r>
-            <a:r>
-              <a:rPr lang="es-MX" sz="2000" dirty="0" smtClean="0"/>
-              <a:t> as a </a:t>
-            </a:r>
-            <a:r>
-              <a:rPr lang="es-MX" sz="2000" dirty="0" err="1" smtClean="0"/>
-              <a:t>result</a:t>
-            </a:r>
-            <a:r>
-              <a:rPr lang="es-MX" sz="2000" dirty="0" smtClean="0"/>
-              <a:t> of </a:t>
-            </a:r>
-            <a:r>
-              <a:rPr lang="es-MX" sz="2000" dirty="0" err="1" smtClean="0"/>
-              <a:t>each</a:t>
-            </a:r>
-            <a:r>
-              <a:rPr lang="es-MX" sz="2000" dirty="0" smtClean="0"/>
-              <a:t> </a:t>
-            </a:r>
-            <a:r>
-              <a:rPr lang="es-MX" sz="2000" dirty="0" err="1" smtClean="0"/>
-              <a:t>step</a:t>
-            </a:r>
-            <a:r>
-              <a:rPr lang="es-MX" sz="2000" dirty="0" smtClean="0"/>
-              <a:t>.</a:t>
-            </a:r>
-          </a:p>
-          <a:p>
-            <a:pPr marL="0" indent="0" algn="just">
-              <a:buNone/>
-            </a:pPr>
-            <a:endParaRPr lang="es-MX" sz="2000" dirty="0"/>
-          </a:p>
-          <a:p>
-            <a:pPr marL="0" indent="0" algn="just">
-              <a:buNone/>
-            </a:pPr>
-            <a:r>
-              <a:rPr lang="es-MX" sz="2000" dirty="0" err="1" smtClean="0"/>
-              <a:t>Also</a:t>
-            </a:r>
-            <a:r>
-              <a:rPr lang="es-MX" sz="2000" dirty="0" smtClean="0"/>
-              <a:t>, </a:t>
-            </a:r>
-            <a:r>
-              <a:rPr lang="es-MX" sz="2000" dirty="0" err="1" smtClean="0"/>
-              <a:t>this</a:t>
-            </a:r>
-            <a:r>
-              <a:rPr lang="es-MX" sz="2000" dirty="0" smtClean="0"/>
-              <a:t> </a:t>
-            </a:r>
-            <a:r>
-              <a:rPr lang="es-MX" sz="2000" dirty="0" err="1" smtClean="0"/>
-              <a:t>could</a:t>
-            </a:r>
-            <a:r>
-              <a:rPr lang="es-MX" sz="2000" dirty="0" smtClean="0"/>
-              <a:t> be </a:t>
-            </a:r>
-            <a:r>
-              <a:rPr lang="es-MX" sz="2000" dirty="0" err="1" smtClean="0"/>
-              <a:t>consider</a:t>
-            </a:r>
-            <a:r>
-              <a:rPr lang="es-MX" sz="2000" dirty="0" smtClean="0"/>
-              <a:t> a </a:t>
-            </a:r>
-            <a:r>
-              <a:rPr lang="es-MX" sz="2000" dirty="0" err="1" smtClean="0"/>
-              <a:t>draw</a:t>
-            </a:r>
-            <a:r>
-              <a:rPr lang="es-MX" sz="2000" dirty="0" smtClean="0"/>
-              <a:t> </a:t>
-            </a:r>
-            <a:r>
-              <a:rPr lang="es-MX" sz="2000" dirty="0" err="1" smtClean="0"/>
-              <a:t>for</a:t>
-            </a:r>
-            <a:r>
-              <a:rPr lang="es-MX" sz="2000" dirty="0" smtClean="0"/>
-              <a:t> </a:t>
-            </a:r>
-            <a:r>
-              <a:rPr lang="es-MX" sz="2000" dirty="0" err="1" smtClean="0"/>
-              <a:t>any</a:t>
-            </a:r>
-            <a:r>
-              <a:rPr lang="es-MX" sz="2000" dirty="0" smtClean="0"/>
-              <a:t> </a:t>
-            </a:r>
-            <a:r>
-              <a:rPr lang="es-MX" sz="2000" dirty="0" err="1" smtClean="0"/>
-              <a:t>Talk</a:t>
-            </a:r>
-            <a:r>
-              <a:rPr lang="es-MX" sz="2000" dirty="0" smtClean="0"/>
-              <a:t> </a:t>
-            </a:r>
-            <a:r>
-              <a:rPr lang="es-MX" sz="2000" dirty="0" err="1" smtClean="0"/>
-              <a:t>or</a:t>
-            </a:r>
-            <a:r>
-              <a:rPr lang="es-MX" sz="2000" dirty="0" smtClean="0"/>
-              <a:t> </a:t>
-            </a:r>
-            <a:r>
-              <a:rPr lang="es-MX" sz="2000" dirty="0" err="1" smtClean="0"/>
-              <a:t>presentation</a:t>
-            </a:r>
-            <a:r>
-              <a:rPr lang="es-MX" sz="2000" dirty="0" smtClean="0"/>
-              <a:t> </a:t>
-            </a:r>
-            <a:r>
-              <a:rPr lang="es-MX" sz="2000" dirty="0" err="1" smtClean="0"/>
-              <a:t>derived</a:t>
-            </a:r>
-            <a:r>
-              <a:rPr lang="es-MX" sz="2000" dirty="0" smtClean="0"/>
-              <a:t> </a:t>
-            </a:r>
-            <a:r>
-              <a:rPr lang="es-MX" sz="2000" dirty="0" err="1" smtClean="0"/>
-              <a:t>from</a:t>
-            </a:r>
-            <a:r>
-              <a:rPr lang="es-MX" sz="2000" dirty="0" smtClean="0"/>
-              <a:t> </a:t>
-            </a:r>
-            <a:r>
-              <a:rPr lang="es-MX" sz="2000" dirty="0" err="1" smtClean="0"/>
-              <a:t>this</a:t>
-            </a:r>
-            <a:r>
-              <a:rPr lang="es-MX" sz="2000" dirty="0" smtClean="0"/>
-              <a:t> </a:t>
-            </a:r>
-            <a:r>
-              <a:rPr lang="es-MX" sz="2000" dirty="0" err="1" smtClean="0"/>
-              <a:t>research</a:t>
-            </a:r>
-            <a:r>
-              <a:rPr lang="es-MX" sz="2000" dirty="0" smtClean="0"/>
-              <a:t> </a:t>
-            </a:r>
-            <a:r>
-              <a:rPr lang="es-MX" sz="2000" dirty="0" err="1" smtClean="0"/>
-              <a:t>project</a:t>
-            </a:r>
-            <a:r>
-              <a:rPr lang="es-MX" sz="2000" dirty="0" smtClean="0"/>
-              <a:t>.</a:t>
-            </a:r>
-            <a:endParaRPr lang="es-MX" sz="2000" dirty="0"/>
-          </a:p>
-        </p:txBody>
-      </p:sp>
-    </p:spTree>
-    <p:extLst>
-      <p:ext uri="{BB962C8B-B14F-4D97-AF65-F5344CB8AC3E}">
-        <p14:creationId xmlns:p14="http://schemas.microsoft.com/office/powerpoint/2010/main" val="320968942"/>
-      </p:ext>
-    </p:extLst>
-  </p:cSld>
-  <p:clrMapOvr>
-    <a:masterClrMapping/>
-  </p:clrMapOvr>
-</p:sld>
-</file>
-
-<file path=ppt/slides/slide20.xml><?xml version="1.0" encoding="utf-8"?>
+<file path=ppt/slides/slide21.xml><?xml version="1.0" encoding="utf-8"?>
 <p:sld xmlns:a="http://schemas.openxmlformats.org/drawingml/2006/main" xmlns:r="http://schemas.openxmlformats.org/officeDocument/2006/relationships" xmlns:p="http://schemas.openxmlformats.org/presentationml/2006/main">
   <p:cSld>
     <p:spTree>
@@ -8934,7 +9404,7 @@
                       <m:sSubSupPr>
                         <m:ctrlPr>
                           <a:rPr lang="es-MX" i="1" smtClean="0">
-                            <a:latin typeface="Cambria Math"/>
+                            <a:latin typeface="Cambria Math" panose="02040503050406030204" pitchFamily="18" charset="0"/>
                           </a:rPr>
                         </m:ctrlPr>
                       </m:sSubSupPr>
@@ -8976,7 +9446,7 @@
                       <m:sSubSupPr>
                         <m:ctrlPr>
                           <a:rPr lang="es-MX" i="1">
-                            <a:latin typeface="Cambria Math"/>
+                            <a:latin typeface="Cambria Math" panose="02040503050406030204" pitchFamily="18" charset="0"/>
                           </a:rPr>
                         </m:ctrlPr>
                       </m:sSubSupPr>
@@ -9483,7 +9953,7 @@
                               <a:solidFill>
                                 <a:srgbClr val="FF0000"/>
                               </a:solidFill>
-                              <a:latin typeface="Cambria Math"/>
+                              <a:latin typeface="Cambria Math" panose="02040503050406030204" pitchFamily="18" charset="0"/>
                             </a:rPr>
                           </m:ctrlPr>
                         </m:sSubSupPr>
@@ -9709,7 +10179,7 @@
           <p:nvPr/>
         </p:nvPicPr>
         <p:blipFill>
-          <a:blip r:embed="rId3"/>
+          <a:blip r:embed="rId2"/>
           <a:stretch>
             <a:fillRect/>
           </a:stretch>
@@ -9737,7 +10207,7 @@
 </p:sld>
 </file>
 
-<file path=ppt/slides/slide21.xml><?xml version="1.0" encoding="utf-8"?>
+<file path=ppt/slides/slide22.xml><?xml version="1.0" encoding="utf-8"?>
 <p:sld xmlns:a="http://schemas.openxmlformats.org/drawingml/2006/main" xmlns:r="http://schemas.openxmlformats.org/officeDocument/2006/relationships" xmlns:p="http://schemas.openxmlformats.org/presentationml/2006/main">
   <p:cSld>
     <p:spTree>
@@ -9967,7 +10437,7 @@
                       <m:sSubSupPr>
                         <m:ctrlPr>
                           <a:rPr lang="es-MX" i="1" smtClean="0">
-                            <a:latin typeface="Cambria Math"/>
+                            <a:latin typeface="Cambria Math" panose="02040503050406030204" pitchFamily="18" charset="0"/>
                           </a:rPr>
                         </m:ctrlPr>
                       </m:sSubSupPr>
@@ -10009,7 +10479,7 @@
                       <m:sSubSupPr>
                         <m:ctrlPr>
                           <a:rPr lang="es-MX" i="1">
-                            <a:latin typeface="Cambria Math"/>
+                            <a:latin typeface="Cambria Math" panose="02040503050406030204" pitchFamily="18" charset="0"/>
                           </a:rPr>
                         </m:ctrlPr>
                       </m:sSubSupPr>
@@ -10516,7 +10986,7 @@
                               <a:solidFill>
                                 <a:srgbClr val="0070C0"/>
                               </a:solidFill>
-                              <a:latin typeface="Cambria Math"/>
+                              <a:latin typeface="Cambria Math" panose="02040503050406030204" pitchFamily="18" charset="0"/>
                             </a:rPr>
                           </m:ctrlPr>
                         </m:sSubSupPr>
@@ -10900,7 +11370,7 @@
 </p:sld>
 </file>
 
-<file path=ppt/slides/slide22.xml><?xml version="1.0" encoding="utf-8"?>
+<file path=ppt/slides/slide23.xml><?xml version="1.0" encoding="utf-8"?>
 <p:sld xmlns:a="http://schemas.openxmlformats.org/drawingml/2006/main" xmlns:r="http://schemas.openxmlformats.org/officeDocument/2006/relationships" xmlns:p="http://schemas.openxmlformats.org/presentationml/2006/main">
   <p:cSld>
     <p:spTree>
@@ -11341,7 +11811,7 @@
 </p:sld>
 </file>
 
-<file path=ppt/slides/slide23.xml><?xml version="1.0" encoding="utf-8"?>
+<file path=ppt/slides/slide24.xml><?xml version="1.0" encoding="utf-8"?>
 <p:sld xmlns:a="http://schemas.openxmlformats.org/drawingml/2006/main" xmlns:r="http://schemas.openxmlformats.org/officeDocument/2006/relationships" xmlns:p="http://schemas.openxmlformats.org/presentationml/2006/main">
   <p:cSld>
     <p:spTree>
@@ -11790,7 +12260,7 @@
 </p:sld>
 </file>
 
-<file path=ppt/slides/slide24.xml><?xml version="1.0" encoding="utf-8"?>
+<file path=ppt/slides/slide25.xml><?xml version="1.0" encoding="utf-8"?>
 <p:sld xmlns:a="http://schemas.openxmlformats.org/drawingml/2006/main" xmlns:r="http://schemas.openxmlformats.org/officeDocument/2006/relationships" xmlns:p="http://schemas.openxmlformats.org/presentationml/2006/main">
   <p:cSld>
     <p:spTree>
@@ -12311,7 +12781,7 @@
 </p:sld>
 </file>
 
-<file path=ppt/slides/slide25.xml><?xml version="1.0" encoding="utf-8"?>
+<file path=ppt/slides/slide26.xml><?xml version="1.0" encoding="utf-8"?>
 <p:sld xmlns:a="http://schemas.openxmlformats.org/drawingml/2006/main" xmlns:r="http://schemas.openxmlformats.org/officeDocument/2006/relationships" xmlns:p="http://schemas.openxmlformats.org/presentationml/2006/main">
   <p:cSld>
     <p:spTree>
@@ -12993,7 +13463,7 @@
 </p:sld>
 </file>
 
-<file path=ppt/slides/slide26.xml><?xml version="1.0" encoding="utf-8"?>
+<file path=ppt/slides/slide27.xml><?xml version="1.0" encoding="utf-8"?>
 <p:sld xmlns:a="http://schemas.openxmlformats.org/drawingml/2006/main" xmlns:r="http://schemas.openxmlformats.org/officeDocument/2006/relationships" xmlns:p="http://schemas.openxmlformats.org/presentationml/2006/main">
   <p:cSld>
     <p:spTree>
@@ -13423,7 +13893,7 @@
 </p:sld>
 </file>
 
-<file path=ppt/slides/slide27.xml><?xml version="1.0" encoding="utf-8"?>
+<file path=ppt/slides/slide28.xml><?xml version="1.0" encoding="utf-8"?>
 <p:sld xmlns:a="http://schemas.openxmlformats.org/drawingml/2006/main" xmlns:r="http://schemas.openxmlformats.org/officeDocument/2006/relationships" xmlns:p="http://schemas.openxmlformats.org/presentationml/2006/main">
   <p:cSld>
     <p:spTree>
@@ -13826,7 +14296,7 @@
 </p:sld>
 </file>
 
-<file path=ppt/slides/slide28.xml><?xml version="1.0" encoding="utf-8"?>
+<file path=ppt/slides/slide29.xml><?xml version="1.0" encoding="utf-8"?>
 <p:sld xmlns:a="http://schemas.openxmlformats.org/drawingml/2006/main" xmlns:r="http://schemas.openxmlformats.org/officeDocument/2006/relationships" xmlns:p="http://schemas.openxmlformats.org/presentationml/2006/main">
   <p:cSld>
     <p:spTree>
@@ -14469,7 +14939,422 @@
 </p:sld>
 </file>
 
-<file path=ppt/slides/slide29.xml><?xml version="1.0" encoding="utf-8"?>
+<file path=ppt/slides/slide3.xml><?xml version="1.0" encoding="utf-8"?>
+<p:sld xmlns:a="http://schemas.openxmlformats.org/drawingml/2006/main" xmlns:r="http://schemas.openxmlformats.org/officeDocument/2006/relationships" xmlns:p="http://schemas.openxmlformats.org/presentationml/2006/main">
+  <p:cSld>
+    <p:spTree>
+      <p:nvGrpSpPr>
+        <p:cNvPr id="1" name=""/>
+        <p:cNvGrpSpPr/>
+        <p:nvPr/>
+      </p:nvGrpSpPr>
+      <p:grpSpPr>
+        <a:xfrm>
+          <a:off x="0" y="0"/>
+          <a:ext cx="0" cy="0"/>
+          <a:chOff x="0" y="0"/>
+          <a:chExt cx="0" cy="0"/>
+        </a:xfrm>
+      </p:grpSpPr>
+      <p:sp>
+        <p:nvSpPr>
+          <p:cNvPr id="4" name="Rectángulo 3"/>
+          <p:cNvSpPr/>
+          <p:nvPr/>
+        </p:nvSpPr>
+        <p:spPr>
+          <a:xfrm>
+            <a:off x="0" y="0"/>
+            <a:ext cx="12192000" cy="6858000"/>
+          </a:xfrm>
+          <a:prstGeom prst="rect">
+            <a:avLst/>
+          </a:prstGeom>
+          <a:solidFill>
+            <a:schemeClr val="accent3">
+              <a:lumMod val="20000"/>
+              <a:lumOff val="80000"/>
+            </a:schemeClr>
+          </a:solidFill>
+          <a:ln>
+            <a:solidFill>
+              <a:schemeClr val="tx1"/>
+            </a:solidFill>
+          </a:ln>
+        </p:spPr>
+        <p:style>
+          <a:lnRef idx="2">
+            <a:schemeClr val="accent1">
+              <a:shade val="50000"/>
+            </a:schemeClr>
+          </a:lnRef>
+          <a:fillRef idx="1">
+            <a:schemeClr val="accent1"/>
+          </a:fillRef>
+          <a:effectRef idx="0">
+            <a:schemeClr val="accent1"/>
+          </a:effectRef>
+          <a:fontRef idx="minor">
+            <a:schemeClr val="lt1"/>
+          </a:fontRef>
+        </p:style>
+        <p:txBody>
+          <a:bodyPr rtlCol="0" anchor="ctr"/>
+          <a:lstStyle/>
+          <a:p>
+            <a:pPr algn="ctr"/>
+            <a:endParaRPr lang="es-MX"/>
+          </a:p>
+        </p:txBody>
+      </p:sp>
+      <p:sp>
+        <p:nvSpPr>
+          <p:cNvPr id="2" name="Título 1"/>
+          <p:cNvSpPr>
+            <a:spLocks noGrp="1"/>
+          </p:cNvSpPr>
+          <p:nvPr>
+            <p:ph type="ctrTitle"/>
+          </p:nvPr>
+        </p:nvSpPr>
+        <p:spPr/>
+        <p:txBody>
+          <a:bodyPr/>
+          <a:lstStyle/>
+          <a:p>
+            <a:r>
+              <a:rPr lang="es-MX" dirty="0" smtClean="0"/>
+              <a:t>1. </a:t>
+            </a:r>
+            <a:r>
+              <a:rPr lang="es-MX" dirty="0" err="1" smtClean="0"/>
+              <a:t>Making</a:t>
+            </a:r>
+            <a:r>
+              <a:rPr lang="es-MX" dirty="0" smtClean="0"/>
+              <a:t> </a:t>
+            </a:r>
+            <a:r>
+              <a:rPr lang="es-MX" dirty="0" err="1" smtClean="0"/>
+              <a:t>sure</a:t>
+            </a:r>
+            <a:r>
+              <a:rPr lang="es-MX" dirty="0" smtClean="0"/>
+              <a:t> d’(A) &gt; d’(B)</a:t>
+            </a:r>
+            <a:endParaRPr lang="es-MX" dirty="0"/>
+          </a:p>
+        </p:txBody>
+      </p:sp>
+      <p:sp>
+        <p:nvSpPr>
+          <p:cNvPr id="3" name="Subtítulo 2"/>
+          <p:cNvSpPr>
+            <a:spLocks noGrp="1"/>
+          </p:cNvSpPr>
+          <p:nvPr>
+            <p:ph type="subTitle" idx="1"/>
+          </p:nvPr>
+        </p:nvSpPr>
+        <p:spPr/>
+        <p:txBody>
+          <a:bodyPr/>
+          <a:lstStyle/>
+          <a:p>
+            <a:r>
+              <a:rPr lang="es-MX" dirty="0" smtClean="0"/>
+              <a:t>In </a:t>
+            </a:r>
+            <a:r>
+              <a:rPr lang="es-MX" dirty="0" err="1" smtClean="0"/>
+              <a:t>order</a:t>
+            </a:r>
+            <a:r>
+              <a:rPr lang="es-MX" dirty="0" smtClean="0"/>
+              <a:t> </a:t>
+            </a:r>
+            <a:r>
+              <a:rPr lang="es-MX" dirty="0" err="1" smtClean="0"/>
+              <a:t>to</a:t>
+            </a:r>
+            <a:r>
+              <a:rPr lang="es-MX" dirty="0" smtClean="0"/>
+              <a:t> </a:t>
+            </a:r>
+            <a:r>
+              <a:rPr lang="es-MX" dirty="0" err="1" smtClean="0"/>
+              <a:t>make</a:t>
+            </a:r>
+            <a:r>
+              <a:rPr lang="es-MX" dirty="0" smtClean="0"/>
+              <a:t> </a:t>
+            </a:r>
+            <a:r>
+              <a:rPr lang="es-MX" dirty="0" err="1" smtClean="0"/>
+              <a:t>our</a:t>
+            </a:r>
+            <a:r>
+              <a:rPr lang="es-MX" dirty="0" smtClean="0"/>
+              <a:t> </a:t>
+            </a:r>
+            <a:r>
+              <a:rPr lang="es-MX" dirty="0" err="1" smtClean="0"/>
+              <a:t>results</a:t>
+            </a:r>
+            <a:r>
+              <a:rPr lang="es-MX" dirty="0" smtClean="0"/>
+              <a:t> comparable </a:t>
+            </a:r>
+            <a:r>
+              <a:rPr lang="es-MX" dirty="0" err="1" smtClean="0"/>
+              <a:t>to</a:t>
+            </a:r>
+            <a:r>
+              <a:rPr lang="es-MX" dirty="0" smtClean="0"/>
+              <a:t> </a:t>
+            </a:r>
+            <a:r>
+              <a:rPr lang="es-MX" dirty="0" err="1" smtClean="0"/>
+              <a:t>what</a:t>
+            </a:r>
+            <a:r>
+              <a:rPr lang="es-MX" dirty="0" smtClean="0"/>
+              <a:t> has </a:t>
+            </a:r>
+            <a:r>
+              <a:rPr lang="es-MX" dirty="0" err="1" smtClean="0"/>
+              <a:t>been</a:t>
+            </a:r>
+            <a:r>
+              <a:rPr lang="es-MX" dirty="0" smtClean="0"/>
+              <a:t> </a:t>
+            </a:r>
+            <a:r>
+              <a:rPr lang="es-MX" dirty="0" err="1" smtClean="0"/>
+              <a:t>reported</a:t>
+            </a:r>
+            <a:r>
+              <a:rPr lang="es-MX" dirty="0" smtClean="0"/>
+              <a:t> </a:t>
+            </a:r>
+            <a:r>
+              <a:rPr lang="es-MX" dirty="0" err="1" smtClean="0"/>
+              <a:t>on</a:t>
+            </a:r>
+            <a:r>
+              <a:rPr lang="es-MX" dirty="0" smtClean="0"/>
+              <a:t> </a:t>
+            </a:r>
+            <a:r>
+              <a:rPr lang="es-MX" dirty="0" err="1" smtClean="0"/>
+              <a:t>the</a:t>
+            </a:r>
+            <a:r>
+              <a:rPr lang="es-MX" dirty="0" smtClean="0"/>
+              <a:t> </a:t>
+            </a:r>
+            <a:r>
+              <a:rPr lang="es-MX" dirty="0" err="1" smtClean="0"/>
+              <a:t>literature</a:t>
+            </a:r>
+            <a:r>
+              <a:rPr lang="es-MX" dirty="0" smtClean="0"/>
+              <a:t> of </a:t>
+            </a:r>
+            <a:r>
+              <a:rPr lang="es-MX" dirty="0" err="1" smtClean="0"/>
+              <a:t>the</a:t>
+            </a:r>
+            <a:r>
+              <a:rPr lang="es-MX" dirty="0" smtClean="0"/>
+              <a:t> </a:t>
+            </a:r>
+            <a:r>
+              <a:rPr lang="es-MX" dirty="0" err="1" smtClean="0"/>
+              <a:t>Mirror</a:t>
+            </a:r>
+            <a:r>
+              <a:rPr lang="es-MX" dirty="0" smtClean="0"/>
+              <a:t> </a:t>
+            </a:r>
+            <a:r>
+              <a:rPr lang="es-MX" dirty="0" err="1" smtClean="0"/>
+              <a:t>Effect</a:t>
+            </a:r>
+            <a:r>
+              <a:rPr lang="es-MX" dirty="0" smtClean="0"/>
+              <a:t> </a:t>
+            </a:r>
+            <a:r>
+              <a:rPr lang="es-MX" dirty="0" err="1" smtClean="0"/>
+              <a:t>withing</a:t>
+            </a:r>
+            <a:r>
+              <a:rPr lang="es-MX" dirty="0" smtClean="0"/>
+              <a:t> </a:t>
+            </a:r>
+            <a:r>
+              <a:rPr lang="es-MX" dirty="0" err="1" smtClean="0"/>
+              <a:t>Recognition</a:t>
+            </a:r>
+            <a:r>
+              <a:rPr lang="es-MX" dirty="0" smtClean="0"/>
+              <a:t> </a:t>
+            </a:r>
+            <a:r>
+              <a:rPr lang="es-MX" dirty="0" err="1" smtClean="0"/>
+              <a:t>Memory</a:t>
+            </a:r>
+            <a:r>
+              <a:rPr lang="es-MX" dirty="0" smtClean="0"/>
+              <a:t>, </a:t>
+            </a:r>
+            <a:r>
+              <a:rPr lang="es-MX" dirty="0" err="1" smtClean="0"/>
+              <a:t>we</a:t>
+            </a:r>
+            <a:r>
+              <a:rPr lang="es-MX" dirty="0" smtClean="0"/>
+              <a:t> </a:t>
+            </a:r>
+            <a:r>
+              <a:rPr lang="es-MX" dirty="0" err="1" smtClean="0"/>
+              <a:t>have</a:t>
+            </a:r>
+            <a:r>
+              <a:rPr lang="es-MX" dirty="0" smtClean="0"/>
+              <a:t> </a:t>
+            </a:r>
+            <a:r>
+              <a:rPr lang="es-MX" dirty="0" err="1" smtClean="0"/>
+              <a:t>to</a:t>
+            </a:r>
+            <a:r>
+              <a:rPr lang="es-MX" dirty="0" smtClean="0"/>
+              <a:t> be </a:t>
+            </a:r>
+            <a:r>
+              <a:rPr lang="es-MX" dirty="0" err="1" smtClean="0"/>
+              <a:t>able</a:t>
+            </a:r>
+            <a:r>
+              <a:rPr lang="es-MX" dirty="0" smtClean="0"/>
+              <a:t> </a:t>
+            </a:r>
+            <a:r>
+              <a:rPr lang="es-MX" dirty="0" err="1" smtClean="0"/>
+              <a:t>to</a:t>
+            </a:r>
+            <a:r>
+              <a:rPr lang="es-MX" dirty="0" smtClean="0"/>
+              <a:t> </a:t>
+            </a:r>
+            <a:r>
+              <a:rPr lang="es-MX" dirty="0" err="1" smtClean="0"/>
+              <a:t>guarantee</a:t>
+            </a:r>
+            <a:r>
+              <a:rPr lang="es-MX" dirty="0" smtClean="0"/>
+              <a:t> </a:t>
+            </a:r>
+            <a:r>
+              <a:rPr lang="es-MX" dirty="0" err="1" smtClean="0"/>
+              <a:t>that</a:t>
+            </a:r>
+            <a:r>
+              <a:rPr lang="es-MX" dirty="0" smtClean="0"/>
+              <a:t> </a:t>
+            </a:r>
+            <a:r>
+              <a:rPr lang="es-MX" dirty="0" err="1" smtClean="0"/>
+              <a:t>our</a:t>
+            </a:r>
+            <a:r>
+              <a:rPr lang="es-MX" dirty="0" smtClean="0"/>
+              <a:t> </a:t>
+            </a:r>
+            <a:r>
+              <a:rPr lang="es-MX" dirty="0" err="1" smtClean="0"/>
+              <a:t>two</a:t>
+            </a:r>
+            <a:r>
+              <a:rPr lang="es-MX" dirty="0" smtClean="0"/>
+              <a:t> clases of </a:t>
+            </a:r>
+            <a:r>
+              <a:rPr lang="es-MX" dirty="0" err="1" smtClean="0"/>
+              <a:t>stimuli</a:t>
+            </a:r>
+            <a:r>
+              <a:rPr lang="es-MX" dirty="0" smtClean="0"/>
+              <a:t> are </a:t>
+            </a:r>
+            <a:r>
+              <a:rPr lang="es-MX" dirty="0" err="1" smtClean="0"/>
+              <a:t>indeed</a:t>
+            </a:r>
+            <a:r>
+              <a:rPr lang="es-MX" dirty="0" smtClean="0"/>
+              <a:t> </a:t>
+            </a:r>
+            <a:r>
+              <a:rPr lang="es-MX" dirty="0" err="1" smtClean="0"/>
+              <a:t>different</a:t>
+            </a:r>
+            <a:r>
+              <a:rPr lang="es-MX" dirty="0" smtClean="0"/>
+              <a:t> in </a:t>
+            </a:r>
+            <a:r>
+              <a:rPr lang="es-MX" dirty="0" err="1" smtClean="0"/>
+              <a:t>terms</a:t>
+            </a:r>
+            <a:r>
+              <a:rPr lang="es-MX" dirty="0" smtClean="0"/>
+              <a:t> of </a:t>
+            </a:r>
+            <a:r>
+              <a:rPr lang="es-MX" dirty="0" err="1" smtClean="0"/>
+              <a:t>how</a:t>
+            </a:r>
+            <a:r>
+              <a:rPr lang="es-MX" dirty="0" smtClean="0"/>
+              <a:t> “</a:t>
+            </a:r>
+            <a:r>
+              <a:rPr lang="es-MX" dirty="0" err="1" smtClean="0"/>
+              <a:t>difficult</a:t>
+            </a:r>
+            <a:r>
+              <a:rPr lang="es-MX" dirty="0" smtClean="0"/>
+              <a:t>” </a:t>
+            </a:r>
+            <a:r>
+              <a:rPr lang="es-MX" dirty="0" err="1" smtClean="0"/>
+              <a:t>they</a:t>
+            </a:r>
+            <a:r>
+              <a:rPr lang="es-MX" dirty="0" smtClean="0"/>
+              <a:t> are.</a:t>
+            </a:r>
+            <a:endParaRPr lang="es-MX" dirty="0"/>
+          </a:p>
+        </p:txBody>
+      </p:sp>
+    </p:spTree>
+    <p:extLst>
+      <p:ext uri="{BB962C8B-B14F-4D97-AF65-F5344CB8AC3E}">
+        <p14:creationId xmlns:p14="http://schemas.microsoft.com/office/powerpoint/2010/main" val="4133085288"/>
+      </p:ext>
+    </p:extLst>
+  </p:cSld>
+  <p:clrMapOvr>
+    <a:masterClrMapping/>
+  </p:clrMapOvr>
+</p:sld>
+</file>
+
+<file path=ppt/slides/slide30.xml><?xml version="1.0" encoding="utf-8"?>
 <p:sld xmlns:a="http://schemas.openxmlformats.org/drawingml/2006/main" xmlns:r="http://schemas.openxmlformats.org/officeDocument/2006/relationships" xmlns:p="http://schemas.openxmlformats.org/presentationml/2006/main">
   <p:cSld>
     <p:spTree>
@@ -14978,422 +15863,7 @@
 </p:sld>
 </file>
 
-<file path=ppt/slides/slide3.xml><?xml version="1.0" encoding="utf-8"?>
-<p:sld xmlns:a="http://schemas.openxmlformats.org/drawingml/2006/main" xmlns:r="http://schemas.openxmlformats.org/officeDocument/2006/relationships" xmlns:p="http://schemas.openxmlformats.org/presentationml/2006/main">
-  <p:cSld>
-    <p:spTree>
-      <p:nvGrpSpPr>
-        <p:cNvPr id="1" name=""/>
-        <p:cNvGrpSpPr/>
-        <p:nvPr/>
-      </p:nvGrpSpPr>
-      <p:grpSpPr>
-        <a:xfrm>
-          <a:off x="0" y="0"/>
-          <a:ext cx="0" cy="0"/>
-          <a:chOff x="0" y="0"/>
-          <a:chExt cx="0" cy="0"/>
-        </a:xfrm>
-      </p:grpSpPr>
-      <p:sp>
-        <p:nvSpPr>
-          <p:cNvPr id="4" name="Rectángulo 3"/>
-          <p:cNvSpPr/>
-          <p:nvPr/>
-        </p:nvSpPr>
-        <p:spPr>
-          <a:xfrm>
-            <a:off x="0" y="0"/>
-            <a:ext cx="12192000" cy="6858000"/>
-          </a:xfrm>
-          <a:prstGeom prst="rect">
-            <a:avLst/>
-          </a:prstGeom>
-          <a:solidFill>
-            <a:schemeClr val="accent3">
-              <a:lumMod val="20000"/>
-              <a:lumOff val="80000"/>
-            </a:schemeClr>
-          </a:solidFill>
-          <a:ln>
-            <a:solidFill>
-              <a:schemeClr val="tx1"/>
-            </a:solidFill>
-          </a:ln>
-        </p:spPr>
-        <p:style>
-          <a:lnRef idx="2">
-            <a:schemeClr val="accent1">
-              <a:shade val="50000"/>
-            </a:schemeClr>
-          </a:lnRef>
-          <a:fillRef idx="1">
-            <a:schemeClr val="accent1"/>
-          </a:fillRef>
-          <a:effectRef idx="0">
-            <a:schemeClr val="accent1"/>
-          </a:effectRef>
-          <a:fontRef idx="minor">
-            <a:schemeClr val="lt1"/>
-          </a:fontRef>
-        </p:style>
-        <p:txBody>
-          <a:bodyPr rtlCol="0" anchor="ctr"/>
-          <a:lstStyle/>
-          <a:p>
-            <a:pPr algn="ctr"/>
-            <a:endParaRPr lang="es-MX"/>
-          </a:p>
-        </p:txBody>
-      </p:sp>
-      <p:sp>
-        <p:nvSpPr>
-          <p:cNvPr id="2" name="Título 1"/>
-          <p:cNvSpPr>
-            <a:spLocks noGrp="1"/>
-          </p:cNvSpPr>
-          <p:nvPr>
-            <p:ph type="ctrTitle"/>
-          </p:nvPr>
-        </p:nvSpPr>
-        <p:spPr/>
-        <p:txBody>
-          <a:bodyPr/>
-          <a:lstStyle/>
-          <a:p>
-            <a:r>
-              <a:rPr lang="es-MX" dirty="0" smtClean="0"/>
-              <a:t>1. </a:t>
-            </a:r>
-            <a:r>
-              <a:rPr lang="es-MX" dirty="0" err="1" smtClean="0"/>
-              <a:t>Making</a:t>
-            </a:r>
-            <a:r>
-              <a:rPr lang="es-MX" dirty="0" smtClean="0"/>
-              <a:t> </a:t>
-            </a:r>
-            <a:r>
-              <a:rPr lang="es-MX" dirty="0" err="1" smtClean="0"/>
-              <a:t>sure</a:t>
-            </a:r>
-            <a:r>
-              <a:rPr lang="es-MX" dirty="0" smtClean="0"/>
-              <a:t> d’(A) &gt; d’(B)</a:t>
-            </a:r>
-            <a:endParaRPr lang="es-MX" dirty="0"/>
-          </a:p>
-        </p:txBody>
-      </p:sp>
-      <p:sp>
-        <p:nvSpPr>
-          <p:cNvPr id="3" name="Subtítulo 2"/>
-          <p:cNvSpPr>
-            <a:spLocks noGrp="1"/>
-          </p:cNvSpPr>
-          <p:nvPr>
-            <p:ph type="subTitle" idx="1"/>
-          </p:nvPr>
-        </p:nvSpPr>
-        <p:spPr/>
-        <p:txBody>
-          <a:bodyPr/>
-          <a:lstStyle/>
-          <a:p>
-            <a:r>
-              <a:rPr lang="es-MX" dirty="0" smtClean="0"/>
-              <a:t>In </a:t>
-            </a:r>
-            <a:r>
-              <a:rPr lang="es-MX" dirty="0" err="1" smtClean="0"/>
-              <a:t>order</a:t>
-            </a:r>
-            <a:r>
-              <a:rPr lang="es-MX" dirty="0" smtClean="0"/>
-              <a:t> </a:t>
-            </a:r>
-            <a:r>
-              <a:rPr lang="es-MX" dirty="0" err="1" smtClean="0"/>
-              <a:t>to</a:t>
-            </a:r>
-            <a:r>
-              <a:rPr lang="es-MX" dirty="0" smtClean="0"/>
-              <a:t> </a:t>
-            </a:r>
-            <a:r>
-              <a:rPr lang="es-MX" dirty="0" err="1" smtClean="0"/>
-              <a:t>make</a:t>
-            </a:r>
-            <a:r>
-              <a:rPr lang="es-MX" dirty="0" smtClean="0"/>
-              <a:t> </a:t>
-            </a:r>
-            <a:r>
-              <a:rPr lang="es-MX" dirty="0" err="1" smtClean="0"/>
-              <a:t>our</a:t>
-            </a:r>
-            <a:r>
-              <a:rPr lang="es-MX" dirty="0" smtClean="0"/>
-              <a:t> </a:t>
-            </a:r>
-            <a:r>
-              <a:rPr lang="es-MX" dirty="0" err="1" smtClean="0"/>
-              <a:t>results</a:t>
-            </a:r>
-            <a:r>
-              <a:rPr lang="es-MX" dirty="0" smtClean="0"/>
-              <a:t> comparable </a:t>
-            </a:r>
-            <a:r>
-              <a:rPr lang="es-MX" dirty="0" err="1" smtClean="0"/>
-              <a:t>to</a:t>
-            </a:r>
-            <a:r>
-              <a:rPr lang="es-MX" dirty="0" smtClean="0"/>
-              <a:t> </a:t>
-            </a:r>
-            <a:r>
-              <a:rPr lang="es-MX" dirty="0" err="1" smtClean="0"/>
-              <a:t>what</a:t>
-            </a:r>
-            <a:r>
-              <a:rPr lang="es-MX" dirty="0" smtClean="0"/>
-              <a:t> has </a:t>
-            </a:r>
-            <a:r>
-              <a:rPr lang="es-MX" dirty="0" err="1" smtClean="0"/>
-              <a:t>been</a:t>
-            </a:r>
-            <a:r>
-              <a:rPr lang="es-MX" dirty="0" smtClean="0"/>
-              <a:t> </a:t>
-            </a:r>
-            <a:r>
-              <a:rPr lang="es-MX" dirty="0" err="1" smtClean="0"/>
-              <a:t>reported</a:t>
-            </a:r>
-            <a:r>
-              <a:rPr lang="es-MX" dirty="0" smtClean="0"/>
-              <a:t> </a:t>
-            </a:r>
-            <a:r>
-              <a:rPr lang="es-MX" dirty="0" err="1" smtClean="0"/>
-              <a:t>on</a:t>
-            </a:r>
-            <a:r>
-              <a:rPr lang="es-MX" dirty="0" smtClean="0"/>
-              <a:t> </a:t>
-            </a:r>
-            <a:r>
-              <a:rPr lang="es-MX" dirty="0" err="1" smtClean="0"/>
-              <a:t>the</a:t>
-            </a:r>
-            <a:r>
-              <a:rPr lang="es-MX" dirty="0" smtClean="0"/>
-              <a:t> </a:t>
-            </a:r>
-            <a:r>
-              <a:rPr lang="es-MX" dirty="0" err="1" smtClean="0"/>
-              <a:t>literature</a:t>
-            </a:r>
-            <a:r>
-              <a:rPr lang="es-MX" dirty="0" smtClean="0"/>
-              <a:t> of </a:t>
-            </a:r>
-            <a:r>
-              <a:rPr lang="es-MX" dirty="0" err="1" smtClean="0"/>
-              <a:t>the</a:t>
-            </a:r>
-            <a:r>
-              <a:rPr lang="es-MX" dirty="0" smtClean="0"/>
-              <a:t> </a:t>
-            </a:r>
-            <a:r>
-              <a:rPr lang="es-MX" dirty="0" err="1" smtClean="0"/>
-              <a:t>Mirror</a:t>
-            </a:r>
-            <a:r>
-              <a:rPr lang="es-MX" dirty="0" smtClean="0"/>
-              <a:t> </a:t>
-            </a:r>
-            <a:r>
-              <a:rPr lang="es-MX" dirty="0" err="1" smtClean="0"/>
-              <a:t>Effect</a:t>
-            </a:r>
-            <a:r>
-              <a:rPr lang="es-MX" dirty="0" smtClean="0"/>
-              <a:t> </a:t>
-            </a:r>
-            <a:r>
-              <a:rPr lang="es-MX" dirty="0" err="1" smtClean="0"/>
-              <a:t>withing</a:t>
-            </a:r>
-            <a:r>
-              <a:rPr lang="es-MX" dirty="0" smtClean="0"/>
-              <a:t> </a:t>
-            </a:r>
-            <a:r>
-              <a:rPr lang="es-MX" dirty="0" err="1" smtClean="0"/>
-              <a:t>Recognition</a:t>
-            </a:r>
-            <a:r>
-              <a:rPr lang="es-MX" dirty="0" smtClean="0"/>
-              <a:t> </a:t>
-            </a:r>
-            <a:r>
-              <a:rPr lang="es-MX" dirty="0" err="1" smtClean="0"/>
-              <a:t>Memory</a:t>
-            </a:r>
-            <a:r>
-              <a:rPr lang="es-MX" dirty="0" smtClean="0"/>
-              <a:t>, </a:t>
-            </a:r>
-            <a:r>
-              <a:rPr lang="es-MX" dirty="0" err="1" smtClean="0"/>
-              <a:t>we</a:t>
-            </a:r>
-            <a:r>
-              <a:rPr lang="es-MX" dirty="0" smtClean="0"/>
-              <a:t> </a:t>
-            </a:r>
-            <a:r>
-              <a:rPr lang="es-MX" dirty="0" err="1" smtClean="0"/>
-              <a:t>have</a:t>
-            </a:r>
-            <a:r>
-              <a:rPr lang="es-MX" dirty="0" smtClean="0"/>
-              <a:t> </a:t>
-            </a:r>
-            <a:r>
-              <a:rPr lang="es-MX" dirty="0" err="1" smtClean="0"/>
-              <a:t>to</a:t>
-            </a:r>
-            <a:r>
-              <a:rPr lang="es-MX" dirty="0" smtClean="0"/>
-              <a:t> be </a:t>
-            </a:r>
-            <a:r>
-              <a:rPr lang="es-MX" dirty="0" err="1" smtClean="0"/>
-              <a:t>able</a:t>
-            </a:r>
-            <a:r>
-              <a:rPr lang="es-MX" dirty="0" smtClean="0"/>
-              <a:t> </a:t>
-            </a:r>
-            <a:r>
-              <a:rPr lang="es-MX" dirty="0" err="1" smtClean="0"/>
-              <a:t>to</a:t>
-            </a:r>
-            <a:r>
-              <a:rPr lang="es-MX" dirty="0" smtClean="0"/>
-              <a:t> </a:t>
-            </a:r>
-            <a:r>
-              <a:rPr lang="es-MX" dirty="0" err="1" smtClean="0"/>
-              <a:t>guarantee</a:t>
-            </a:r>
-            <a:r>
-              <a:rPr lang="es-MX" dirty="0" smtClean="0"/>
-              <a:t> </a:t>
-            </a:r>
-            <a:r>
-              <a:rPr lang="es-MX" dirty="0" err="1" smtClean="0"/>
-              <a:t>that</a:t>
-            </a:r>
-            <a:r>
-              <a:rPr lang="es-MX" dirty="0" smtClean="0"/>
-              <a:t> </a:t>
-            </a:r>
-            <a:r>
-              <a:rPr lang="es-MX" dirty="0" err="1" smtClean="0"/>
-              <a:t>our</a:t>
-            </a:r>
-            <a:r>
-              <a:rPr lang="es-MX" dirty="0" smtClean="0"/>
-              <a:t> </a:t>
-            </a:r>
-            <a:r>
-              <a:rPr lang="es-MX" dirty="0" err="1" smtClean="0"/>
-              <a:t>two</a:t>
-            </a:r>
-            <a:r>
-              <a:rPr lang="es-MX" dirty="0" smtClean="0"/>
-              <a:t> clases of </a:t>
-            </a:r>
-            <a:r>
-              <a:rPr lang="es-MX" dirty="0" err="1" smtClean="0"/>
-              <a:t>stimuli</a:t>
-            </a:r>
-            <a:r>
-              <a:rPr lang="es-MX" dirty="0" smtClean="0"/>
-              <a:t> are </a:t>
-            </a:r>
-            <a:r>
-              <a:rPr lang="es-MX" dirty="0" err="1" smtClean="0"/>
-              <a:t>indeed</a:t>
-            </a:r>
-            <a:r>
-              <a:rPr lang="es-MX" dirty="0" smtClean="0"/>
-              <a:t> </a:t>
-            </a:r>
-            <a:r>
-              <a:rPr lang="es-MX" dirty="0" err="1" smtClean="0"/>
-              <a:t>different</a:t>
-            </a:r>
-            <a:r>
-              <a:rPr lang="es-MX" dirty="0" smtClean="0"/>
-              <a:t> in </a:t>
-            </a:r>
-            <a:r>
-              <a:rPr lang="es-MX" dirty="0" err="1" smtClean="0"/>
-              <a:t>terms</a:t>
-            </a:r>
-            <a:r>
-              <a:rPr lang="es-MX" dirty="0" smtClean="0"/>
-              <a:t> of </a:t>
-            </a:r>
-            <a:r>
-              <a:rPr lang="es-MX" dirty="0" err="1" smtClean="0"/>
-              <a:t>how</a:t>
-            </a:r>
-            <a:r>
-              <a:rPr lang="es-MX" dirty="0" smtClean="0"/>
-              <a:t> “</a:t>
-            </a:r>
-            <a:r>
-              <a:rPr lang="es-MX" dirty="0" err="1" smtClean="0"/>
-              <a:t>difficult</a:t>
-            </a:r>
-            <a:r>
-              <a:rPr lang="es-MX" dirty="0" smtClean="0"/>
-              <a:t>” </a:t>
-            </a:r>
-            <a:r>
-              <a:rPr lang="es-MX" dirty="0" err="1" smtClean="0"/>
-              <a:t>they</a:t>
-            </a:r>
-            <a:r>
-              <a:rPr lang="es-MX" dirty="0" smtClean="0"/>
-              <a:t> are.</a:t>
-            </a:r>
-            <a:endParaRPr lang="es-MX" dirty="0"/>
-          </a:p>
-        </p:txBody>
-      </p:sp>
-    </p:spTree>
-    <p:extLst>
-      <p:ext uri="{BB962C8B-B14F-4D97-AF65-F5344CB8AC3E}">
-        <p14:creationId xmlns:p14="http://schemas.microsoft.com/office/powerpoint/2010/main" val="4133085288"/>
-      </p:ext>
-    </p:extLst>
-  </p:cSld>
-  <p:clrMapOvr>
-    <a:masterClrMapping/>
-  </p:clrMapOvr>
-</p:sld>
-</file>
-
-<file path=ppt/slides/slide30.xml><?xml version="1.0" encoding="utf-8"?>
+<file path=ppt/slides/slide31.xml><?xml version="1.0" encoding="utf-8"?>
 <p:sld xmlns:a="http://schemas.openxmlformats.org/drawingml/2006/main" xmlns:r="http://schemas.openxmlformats.org/officeDocument/2006/relationships" xmlns:p="http://schemas.openxmlformats.org/presentationml/2006/main">
   <p:cSld>
     <p:spTree>
@@ -16141,7 +16611,7 @@
 </p:sld>
 </file>
 
-<file path=ppt/slides/slide31.xml><?xml version="1.0" encoding="utf-8"?>
+<file path=ppt/slides/slide32.xml><?xml version="1.0" encoding="utf-8"?>
 <p:sld xmlns:a="http://schemas.openxmlformats.org/drawingml/2006/main" xmlns:r="http://schemas.openxmlformats.org/officeDocument/2006/relationships" xmlns:p="http://schemas.openxmlformats.org/presentationml/2006/main">
   <p:cSld>
     <p:spTree>
@@ -17317,7 +17787,7 @@
 </p:sld>
 </file>
 
-<file path=ppt/slides/slide32.xml><?xml version="1.0" encoding="utf-8"?>
+<file path=ppt/slides/slide33.xml><?xml version="1.0" encoding="utf-8"?>
 <p:sld xmlns:a="http://schemas.openxmlformats.org/drawingml/2006/main" xmlns:r="http://schemas.openxmlformats.org/officeDocument/2006/relationships" xmlns:p="http://schemas.openxmlformats.org/presentationml/2006/main">
   <p:cSld>
     <p:spTree>
@@ -18169,7 +18639,7 @@
 </p:sld>
 </file>
 
-<file path=ppt/slides/slide33.xml><?xml version="1.0" encoding="utf-8"?>
+<file path=ppt/slides/slide34.xml><?xml version="1.0" encoding="utf-8"?>
 <p:sld xmlns:a="http://schemas.openxmlformats.org/drawingml/2006/main" xmlns:r="http://schemas.openxmlformats.org/officeDocument/2006/relationships" xmlns:p="http://schemas.openxmlformats.org/presentationml/2006/main">
   <p:cSld>
     <p:spTree>
@@ -18473,7 +18943,7 @@
 </p:sld>
 </file>
 
-<file path=ppt/slides/slide34.xml><?xml version="1.0" encoding="utf-8"?>
+<file path=ppt/slides/slide35.xml><?xml version="1.0" encoding="utf-8"?>
 <p:sld xmlns:a="http://schemas.openxmlformats.org/drawingml/2006/main" xmlns:r="http://schemas.openxmlformats.org/officeDocument/2006/relationships" xmlns:p="http://schemas.openxmlformats.org/presentationml/2006/main">
   <p:cSld>
     <p:spTree>
@@ -18667,7 +19137,7 @@
 </p:sld>
 </file>
 
-<file path=ppt/slides/slide35.xml><?xml version="1.0" encoding="utf-8"?>
+<file path=ppt/slides/slide36.xml><?xml version="1.0" encoding="utf-8"?>
 <p:sld xmlns:a="http://schemas.openxmlformats.org/drawingml/2006/main" xmlns:r="http://schemas.openxmlformats.org/officeDocument/2006/relationships" xmlns:p="http://schemas.openxmlformats.org/presentationml/2006/main">
   <p:cSld>
     <p:spTree>
@@ -19200,7 +19670,7 @@
 </p:sld>
 </file>
 
-<file path=ppt/slides/slide36.xml><?xml version="1.0" encoding="utf-8"?>
+<file path=ppt/slides/slide37.xml><?xml version="1.0" encoding="utf-8"?>
 <p:sld xmlns:a="http://schemas.openxmlformats.org/drawingml/2006/main" xmlns:r="http://schemas.openxmlformats.org/officeDocument/2006/relationships" xmlns:p="http://schemas.openxmlformats.org/presentationml/2006/main">
   <p:cSld>
     <p:spTree>
@@ -19486,15 +19956,7 @@
             </a:r>
             <a:r>
               <a:rPr lang="es-ES" b="1" dirty="0" smtClean="0"/>
-              <a:t> No. </a:t>
-            </a:r>
-            <a:r>
-              <a:rPr lang="es-ES" b="1" dirty="0" smtClean="0"/>
-              <a:t>2,</a:t>
-            </a:r>
-            <a:r>
-              <a:rPr lang="es-ES" b="1" dirty="0" smtClean="0"/>
-              <a:t> </a:t>
+              <a:t> No. 2, </a:t>
             </a:r>
             <a:r>
               <a:rPr lang="es-ES" dirty="0" err="1" smtClean="0"/>
@@ -19577,7 +20039,7 @@
 </p:sld>
 </file>
 
-<file path=ppt/slides/slide37.xml><?xml version="1.0" encoding="utf-8"?>
+<file path=ppt/slides/slide38.xml><?xml version="1.0" encoding="utf-8"?>
 <p:sld xmlns:a="http://schemas.openxmlformats.org/drawingml/2006/main" xmlns:r="http://schemas.openxmlformats.org/officeDocument/2006/relationships" xmlns:p="http://schemas.openxmlformats.org/presentationml/2006/main">
   <p:cSld>
     <p:spTree>
@@ -19834,7 +20296,7 @@
 </p:sld>
 </file>
 
-<file path=ppt/slides/slide38.xml><?xml version="1.0" encoding="utf-8"?>
+<file path=ppt/slides/slide39.xml><?xml version="1.0" encoding="utf-8"?>
 <p:sld xmlns:a="http://schemas.openxmlformats.org/drawingml/2006/main" xmlns:r="http://schemas.openxmlformats.org/officeDocument/2006/relationships" xmlns:p="http://schemas.openxmlformats.org/presentationml/2006/main">
   <p:cSld>
     <p:spTree>
@@ -20091,176 +20553,6 @@
 </p:sld>
 </file>
 
-<file path=ppt/slides/slide39.xml><?xml version="1.0" encoding="utf-8"?>
-<p:sld xmlns:a="http://schemas.openxmlformats.org/drawingml/2006/main" xmlns:r="http://schemas.openxmlformats.org/officeDocument/2006/relationships" xmlns:p="http://schemas.openxmlformats.org/presentationml/2006/main">
-  <p:cSld>
-    <p:spTree>
-      <p:nvGrpSpPr>
-        <p:cNvPr id="1" name=""/>
-        <p:cNvGrpSpPr/>
-        <p:nvPr/>
-      </p:nvGrpSpPr>
-      <p:grpSpPr>
-        <a:xfrm>
-          <a:off x="0" y="0"/>
-          <a:ext cx="0" cy="0"/>
-          <a:chOff x="0" y="0"/>
-          <a:chExt cx="0" cy="0"/>
-        </a:xfrm>
-      </p:grpSpPr>
-      <p:sp>
-        <p:nvSpPr>
-          <p:cNvPr id="2" name="Título 1"/>
-          <p:cNvSpPr>
-            <a:spLocks noGrp="1"/>
-          </p:cNvSpPr>
-          <p:nvPr>
-            <p:ph type="ctrTitle"/>
-          </p:nvPr>
-        </p:nvSpPr>
-        <p:spPr/>
-        <p:txBody>
-          <a:bodyPr>
-            <a:normAutofit/>
-          </a:bodyPr>
-          <a:lstStyle/>
-          <a:p>
-            <a:r>
-              <a:rPr lang="es-MX" dirty="0"/>
-              <a:t>5</a:t>
-            </a:r>
-            <a:r>
-              <a:rPr lang="es-MX" dirty="0" smtClean="0"/>
-              <a:t>.1 Are </a:t>
-            </a:r>
-            <a:r>
-              <a:rPr lang="es-MX" dirty="0" err="1" smtClean="0"/>
-              <a:t>participants</a:t>
-            </a:r>
-            <a:r>
-              <a:rPr lang="es-MX" dirty="0" smtClean="0"/>
-              <a:t> </a:t>
-            </a:r>
-            <a:r>
-              <a:rPr lang="es-MX" dirty="0" err="1" smtClean="0"/>
-              <a:t>using</a:t>
-            </a:r>
-            <a:r>
-              <a:rPr lang="es-MX" dirty="0" smtClean="0"/>
-              <a:t> </a:t>
-            </a:r>
-            <a:r>
-              <a:rPr lang="es-MX" dirty="0" err="1" smtClean="0"/>
-              <a:t>all</a:t>
-            </a:r>
-            <a:r>
-              <a:rPr lang="es-MX" dirty="0" smtClean="0"/>
-              <a:t> of </a:t>
-            </a:r>
-            <a:r>
-              <a:rPr lang="es-MX" dirty="0" err="1" smtClean="0"/>
-              <a:t>the</a:t>
-            </a:r>
-            <a:r>
-              <a:rPr lang="es-MX" dirty="0" smtClean="0"/>
-              <a:t> </a:t>
-            </a:r>
-            <a:r>
-              <a:rPr lang="es-MX" dirty="0" err="1" smtClean="0"/>
-              <a:t>Confidence</a:t>
-            </a:r>
-            <a:r>
-              <a:rPr lang="es-MX" dirty="0" smtClean="0"/>
-              <a:t> Ratings ?</a:t>
-            </a:r>
-            <a:endParaRPr lang="es-MX" dirty="0"/>
-          </a:p>
-        </p:txBody>
-      </p:sp>
-      <p:sp>
-        <p:nvSpPr>
-          <p:cNvPr id="6" name="Rectángulo 5"/>
-          <p:cNvSpPr/>
-          <p:nvPr/>
-        </p:nvSpPr>
-        <p:spPr>
-          <a:xfrm rot="20196926">
-            <a:off x="991800" y="2777065"/>
-            <a:ext cx="10346266" cy="1303867"/>
-          </a:xfrm>
-          <a:prstGeom prst="rect">
-            <a:avLst/>
-          </a:prstGeom>
-        </p:spPr>
-        <p:style>
-          <a:lnRef idx="2">
-            <a:schemeClr val="accent4">
-              <a:shade val="50000"/>
-            </a:schemeClr>
-          </a:lnRef>
-          <a:fillRef idx="1">
-            <a:schemeClr val="accent4"/>
-          </a:fillRef>
-          <a:effectRef idx="0">
-            <a:schemeClr val="accent4"/>
-          </a:effectRef>
-          <a:fontRef idx="minor">
-            <a:schemeClr val="lt1"/>
-          </a:fontRef>
-        </p:style>
-        <p:txBody>
-          <a:bodyPr rtlCol="0" anchor="ctr"/>
-          <a:lstStyle/>
-          <a:p>
-            <a:pPr algn="ctr"/>
-            <a:r>
-              <a:rPr lang="es-MX" sz="6500" b="1" dirty="0" smtClean="0">
-                <a:solidFill>
-                  <a:schemeClr val="tx1"/>
-                </a:solidFill>
-              </a:rPr>
-              <a:t>PENDING</a:t>
-            </a:r>
-            <a:endParaRPr lang="es-MX" sz="6500" b="1" dirty="0">
-              <a:solidFill>
-                <a:schemeClr val="tx1"/>
-              </a:solidFill>
-            </a:endParaRPr>
-          </a:p>
-        </p:txBody>
-      </p:sp>
-      <p:sp>
-        <p:nvSpPr>
-          <p:cNvPr id="4" name="Subtítulo 3"/>
-          <p:cNvSpPr>
-            <a:spLocks noGrp="1"/>
-          </p:cNvSpPr>
-          <p:nvPr>
-            <p:ph type="subTitle" idx="1"/>
-          </p:nvPr>
-        </p:nvSpPr>
-        <p:spPr/>
-        <p:txBody>
-          <a:bodyPr/>
-          <a:lstStyle/>
-          <a:p>
-            <a:endParaRPr lang="es-MX"/>
-          </a:p>
-        </p:txBody>
-      </p:sp>
-    </p:spTree>
-    <p:extLst>
-      <p:ext uri="{BB962C8B-B14F-4D97-AF65-F5344CB8AC3E}">
-        <p14:creationId xmlns:p14="http://schemas.microsoft.com/office/powerpoint/2010/main" val="4063983203"/>
-      </p:ext>
-    </p:extLst>
-  </p:cSld>
-  <p:clrMapOvr>
-    <a:masterClrMapping/>
-  </p:clrMapOvr>
-</p:sld>
-</file>
-
 <file path=ppt/slides/slide4.xml><?xml version="1.0" encoding="utf-8"?>
 <p:sld xmlns:a="http://schemas.openxmlformats.org/drawingml/2006/main" xmlns:r="http://schemas.openxmlformats.org/officeDocument/2006/relationships" xmlns:p="http://schemas.openxmlformats.org/presentationml/2006/main">
   <p:cSld>
@@ -20446,6 +20738,176 @@
     <p:extLst>
       <p:ext uri="{BB962C8B-B14F-4D97-AF65-F5344CB8AC3E}">
         <p14:creationId xmlns:p14="http://schemas.microsoft.com/office/powerpoint/2010/main" val="933523572"/>
+      </p:ext>
+    </p:extLst>
+  </p:cSld>
+  <p:clrMapOvr>
+    <a:masterClrMapping/>
+  </p:clrMapOvr>
+</p:sld>
+</file>
+
+<file path=ppt/slides/slide40.xml><?xml version="1.0" encoding="utf-8"?>
+<p:sld xmlns:a="http://schemas.openxmlformats.org/drawingml/2006/main" xmlns:r="http://schemas.openxmlformats.org/officeDocument/2006/relationships" xmlns:p="http://schemas.openxmlformats.org/presentationml/2006/main">
+  <p:cSld>
+    <p:spTree>
+      <p:nvGrpSpPr>
+        <p:cNvPr id="1" name=""/>
+        <p:cNvGrpSpPr/>
+        <p:nvPr/>
+      </p:nvGrpSpPr>
+      <p:grpSpPr>
+        <a:xfrm>
+          <a:off x="0" y="0"/>
+          <a:ext cx="0" cy="0"/>
+          <a:chOff x="0" y="0"/>
+          <a:chExt cx="0" cy="0"/>
+        </a:xfrm>
+      </p:grpSpPr>
+      <p:sp>
+        <p:nvSpPr>
+          <p:cNvPr id="2" name="Título 1"/>
+          <p:cNvSpPr>
+            <a:spLocks noGrp="1"/>
+          </p:cNvSpPr>
+          <p:nvPr>
+            <p:ph type="ctrTitle"/>
+          </p:nvPr>
+        </p:nvSpPr>
+        <p:spPr/>
+        <p:txBody>
+          <a:bodyPr>
+            <a:normAutofit/>
+          </a:bodyPr>
+          <a:lstStyle/>
+          <a:p>
+            <a:r>
+              <a:rPr lang="es-MX" dirty="0"/>
+              <a:t>5</a:t>
+            </a:r>
+            <a:r>
+              <a:rPr lang="es-MX" dirty="0" smtClean="0"/>
+              <a:t>.1 Are </a:t>
+            </a:r>
+            <a:r>
+              <a:rPr lang="es-MX" dirty="0" err="1" smtClean="0"/>
+              <a:t>participants</a:t>
+            </a:r>
+            <a:r>
+              <a:rPr lang="es-MX" dirty="0" smtClean="0"/>
+              <a:t> </a:t>
+            </a:r>
+            <a:r>
+              <a:rPr lang="es-MX" dirty="0" err="1" smtClean="0"/>
+              <a:t>using</a:t>
+            </a:r>
+            <a:r>
+              <a:rPr lang="es-MX" dirty="0" smtClean="0"/>
+              <a:t> </a:t>
+            </a:r>
+            <a:r>
+              <a:rPr lang="es-MX" dirty="0" err="1" smtClean="0"/>
+              <a:t>all</a:t>
+            </a:r>
+            <a:r>
+              <a:rPr lang="es-MX" dirty="0" smtClean="0"/>
+              <a:t> of </a:t>
+            </a:r>
+            <a:r>
+              <a:rPr lang="es-MX" dirty="0" err="1" smtClean="0"/>
+              <a:t>the</a:t>
+            </a:r>
+            <a:r>
+              <a:rPr lang="es-MX" dirty="0" smtClean="0"/>
+              <a:t> </a:t>
+            </a:r>
+            <a:r>
+              <a:rPr lang="es-MX" dirty="0" err="1" smtClean="0"/>
+              <a:t>Confidence</a:t>
+            </a:r>
+            <a:r>
+              <a:rPr lang="es-MX" dirty="0" smtClean="0"/>
+              <a:t> Ratings ?</a:t>
+            </a:r>
+            <a:endParaRPr lang="es-MX" dirty="0"/>
+          </a:p>
+        </p:txBody>
+      </p:sp>
+      <p:sp>
+        <p:nvSpPr>
+          <p:cNvPr id="6" name="Rectángulo 5"/>
+          <p:cNvSpPr/>
+          <p:nvPr/>
+        </p:nvSpPr>
+        <p:spPr>
+          <a:xfrm rot="20196926">
+            <a:off x="991800" y="2777065"/>
+            <a:ext cx="10346266" cy="1303867"/>
+          </a:xfrm>
+          <a:prstGeom prst="rect">
+            <a:avLst/>
+          </a:prstGeom>
+        </p:spPr>
+        <p:style>
+          <a:lnRef idx="2">
+            <a:schemeClr val="accent4">
+              <a:shade val="50000"/>
+            </a:schemeClr>
+          </a:lnRef>
+          <a:fillRef idx="1">
+            <a:schemeClr val="accent4"/>
+          </a:fillRef>
+          <a:effectRef idx="0">
+            <a:schemeClr val="accent4"/>
+          </a:effectRef>
+          <a:fontRef idx="minor">
+            <a:schemeClr val="lt1"/>
+          </a:fontRef>
+        </p:style>
+        <p:txBody>
+          <a:bodyPr rtlCol="0" anchor="ctr"/>
+          <a:lstStyle/>
+          <a:p>
+            <a:pPr algn="ctr"/>
+            <a:r>
+              <a:rPr lang="es-MX" sz="6500" b="1" dirty="0" smtClean="0">
+                <a:solidFill>
+                  <a:schemeClr val="tx1"/>
+                </a:solidFill>
+              </a:rPr>
+              <a:t>PENDING</a:t>
+            </a:r>
+            <a:endParaRPr lang="es-MX" sz="6500" b="1" dirty="0">
+              <a:solidFill>
+                <a:schemeClr val="tx1"/>
+              </a:solidFill>
+            </a:endParaRPr>
+          </a:p>
+        </p:txBody>
+      </p:sp>
+      <p:sp>
+        <p:nvSpPr>
+          <p:cNvPr id="4" name="Subtítulo 3"/>
+          <p:cNvSpPr>
+            <a:spLocks noGrp="1"/>
+          </p:cNvSpPr>
+          <p:nvPr>
+            <p:ph type="subTitle" idx="1"/>
+          </p:nvPr>
+        </p:nvSpPr>
+        <p:spPr/>
+        <p:txBody>
+          <a:bodyPr/>
+          <a:lstStyle/>
+          <a:p>
+            <a:endParaRPr lang="es-MX"/>
+          </a:p>
+        </p:txBody>
+      </p:sp>
+    </p:spTree>
+    <p:extLst>
+      <p:ext uri="{BB962C8B-B14F-4D97-AF65-F5344CB8AC3E}">
+        <p14:creationId xmlns:p14="http://schemas.microsoft.com/office/powerpoint/2010/main" val="4063983203"/>
       </p:ext>
     </p:extLst>
   </p:cSld>
@@ -22718,58 +23180,6 @@
               <a:t> are.</a:t>
             </a:r>
             <a:endParaRPr lang="es-MX" dirty="0"/>
-          </a:p>
-        </p:txBody>
-      </p:sp>
-      <p:sp>
-        <p:nvSpPr>
-          <p:cNvPr id="5" name="Rectángulo 4"/>
-          <p:cNvSpPr/>
-          <p:nvPr/>
-        </p:nvSpPr>
-        <p:spPr>
-          <a:xfrm rot="20196926">
-            <a:off x="991800" y="2777065"/>
-            <a:ext cx="10346266" cy="1303867"/>
-          </a:xfrm>
-          <a:prstGeom prst="rect">
-            <a:avLst/>
-          </a:prstGeom>
-        </p:spPr>
-        <p:style>
-          <a:lnRef idx="2">
-            <a:schemeClr val="accent4">
-              <a:shade val="50000"/>
-            </a:schemeClr>
-          </a:lnRef>
-          <a:fillRef idx="1">
-            <a:schemeClr val="accent4"/>
-          </a:fillRef>
-          <a:effectRef idx="0">
-            <a:schemeClr val="accent4"/>
-          </a:effectRef>
-          <a:fontRef idx="minor">
-            <a:schemeClr val="lt1"/>
-          </a:fontRef>
-        </p:style>
-        <p:txBody>
-          <a:bodyPr rtlCol="0" anchor="ctr"/>
-          <a:lstStyle/>
-          <a:p>
-            <a:pPr algn="ctr"/>
-            <a:r>
-              <a:rPr lang="es-MX" sz="6500" b="1" dirty="0" smtClean="0">
-                <a:solidFill>
-                  <a:schemeClr val="tx1"/>
-                </a:solidFill>
-              </a:rPr>
-              <a:t>PENDING</a:t>
-            </a:r>
-            <a:endParaRPr lang="es-MX" sz="6500" b="1" dirty="0">
-              <a:solidFill>
-                <a:schemeClr val="tx1"/>
-              </a:solidFill>
-            </a:endParaRPr>
           </a:p>
         </p:txBody>
       </p:sp>
@@ -23041,7 +23451,7 @@
   <a:extraClrSchemeLst/>
   <a:extLst>
     <a:ext uri="{05A4C25C-085E-4340-85A3-A5531E510DB2}">
-      <thm15:themeFamily xmlns:thm15="http://schemas.microsoft.com/office/thememl/2012/main" xmlns="" name="Office Theme" id="{62F939B6-93AF-4DB8-9C6B-D6C7DFDC589F}" vid="{4A3C46E8-61CC-4603-A589-7422A47A8E4A}"/>
+      <thm15:themeFamily xmlns:thm15="http://schemas.microsoft.com/office/thememl/2012/main" name="Office Theme" id="{62F939B6-93AF-4DB8-9C6B-D6C7DFDC589F}" vid="{4A3C46E8-61CC-4603-A589-7422A47A8E4A}"/>
     </a:ext>
   </a:extLst>
 </a:theme>
@@ -23302,7 +23712,7 @@
   <a:extraClrSchemeLst/>
   <a:extLst>
     <a:ext uri="{05A4C25C-085E-4340-85A3-A5531E510DB2}">
-      <thm15:themeFamily xmlns:thm15="http://schemas.microsoft.com/office/thememl/2012/main" xmlns="" name="Office Theme" id="{62F939B6-93AF-4DB8-9C6B-D6C7DFDC589F}" vid="{4A3C46E8-61CC-4603-A589-7422A47A8E4A}"/>
+      <thm15:themeFamily xmlns:thm15="http://schemas.microsoft.com/office/thememl/2012/main" name="Office Theme" id="{62F939B6-93AF-4DB8-9C6B-D6C7DFDC589F}" vid="{4A3C46E8-61CC-4603-A589-7422A47A8E4A}"/>
     </a:ext>
   </a:extLst>
 </a:theme>

--- a/MichaelLee/SDT Mirror Effect/Paper 1/BayesianSDTmodeling_Overview.pptx
+++ b/MichaelLee/SDT Mirror Effect/Paper 1/BayesianSDTmodeling_Overview.pptx
@@ -5,7 +5,7 @@
     <p:sldMasterId id="2147483648" r:id="rId1"/>
   </p:sldMasterIdLst>
   <p:notesMasterIdLst>
-    <p:notesMasterId r:id="rId57"/>
+    <p:notesMasterId r:id="rId62"/>
   </p:notesMasterIdLst>
   <p:sldIdLst>
     <p:sldId id="256" r:id="rId2"/>
@@ -13,56 +13,61 @@
     <p:sldId id="311" r:id="rId4"/>
     <p:sldId id="316" r:id="rId5"/>
     <p:sldId id="317" r:id="rId6"/>
-    <p:sldId id="318" r:id="rId7"/>
-    <p:sldId id="313" r:id="rId8"/>
-    <p:sldId id="314" r:id="rId9"/>
-    <p:sldId id="319" r:id="rId10"/>
-    <p:sldId id="321" r:id="rId11"/>
-    <p:sldId id="320" r:id="rId12"/>
-    <p:sldId id="323" r:id="rId13"/>
-    <p:sldId id="322" r:id="rId14"/>
-    <p:sldId id="325" r:id="rId15"/>
-    <p:sldId id="324" r:id="rId16"/>
-    <p:sldId id="326" r:id="rId17"/>
-    <p:sldId id="327" r:id="rId18"/>
-    <p:sldId id="257" r:id="rId19"/>
-    <p:sldId id="259" r:id="rId20"/>
-    <p:sldId id="258" r:id="rId21"/>
-    <p:sldId id="270" r:id="rId22"/>
-    <p:sldId id="271" r:id="rId23"/>
-    <p:sldId id="272" r:id="rId24"/>
-    <p:sldId id="261" r:id="rId25"/>
-    <p:sldId id="263" r:id="rId26"/>
-    <p:sldId id="310" r:id="rId27"/>
-    <p:sldId id="265" r:id="rId28"/>
-    <p:sldId id="262" r:id="rId29"/>
-    <p:sldId id="266" r:id="rId30"/>
-    <p:sldId id="287" r:id="rId31"/>
-    <p:sldId id="267" r:id="rId32"/>
-    <p:sldId id="275" r:id="rId33"/>
-    <p:sldId id="277" r:id="rId34"/>
-    <p:sldId id="283" r:id="rId35"/>
-    <p:sldId id="284" r:id="rId36"/>
-    <p:sldId id="285" r:id="rId37"/>
-    <p:sldId id="286" r:id="rId38"/>
-    <p:sldId id="294" r:id="rId39"/>
-    <p:sldId id="298" r:id="rId40"/>
-    <p:sldId id="302" r:id="rId41"/>
-    <p:sldId id="299" r:id="rId42"/>
-    <p:sldId id="300" r:id="rId43"/>
-    <p:sldId id="282" r:id="rId44"/>
-    <p:sldId id="292" r:id="rId45"/>
-    <p:sldId id="278" r:id="rId46"/>
-    <p:sldId id="291" r:id="rId47"/>
-    <p:sldId id="303" r:id="rId48"/>
-    <p:sldId id="304" r:id="rId49"/>
-    <p:sldId id="273" r:id="rId50"/>
-    <p:sldId id="288" r:id="rId51"/>
-    <p:sldId id="289" r:id="rId52"/>
-    <p:sldId id="309" r:id="rId53"/>
-    <p:sldId id="305" r:id="rId54"/>
-    <p:sldId id="308" r:id="rId55"/>
-    <p:sldId id="307" r:id="rId56"/>
+    <p:sldId id="331" r:id="rId7"/>
+    <p:sldId id="318" r:id="rId8"/>
+    <p:sldId id="313" r:id="rId9"/>
+    <p:sldId id="314" r:id="rId10"/>
+    <p:sldId id="319" r:id="rId11"/>
+    <p:sldId id="321" r:id="rId12"/>
+    <p:sldId id="320" r:id="rId13"/>
+    <p:sldId id="323" r:id="rId14"/>
+    <p:sldId id="322" r:id="rId15"/>
+    <p:sldId id="325" r:id="rId16"/>
+    <p:sldId id="324" r:id="rId17"/>
+    <p:sldId id="326" r:id="rId18"/>
+    <p:sldId id="327" r:id="rId19"/>
+    <p:sldId id="257" r:id="rId20"/>
+    <p:sldId id="259" r:id="rId21"/>
+    <p:sldId id="258" r:id="rId22"/>
+    <p:sldId id="270" r:id="rId23"/>
+    <p:sldId id="271" r:id="rId24"/>
+    <p:sldId id="272" r:id="rId25"/>
+    <p:sldId id="261" r:id="rId26"/>
+    <p:sldId id="263" r:id="rId27"/>
+    <p:sldId id="310" r:id="rId28"/>
+    <p:sldId id="265" r:id="rId29"/>
+    <p:sldId id="262" r:id="rId30"/>
+    <p:sldId id="266" r:id="rId31"/>
+    <p:sldId id="287" r:id="rId32"/>
+    <p:sldId id="267" r:id="rId33"/>
+    <p:sldId id="275" r:id="rId34"/>
+    <p:sldId id="277" r:id="rId35"/>
+    <p:sldId id="283" r:id="rId36"/>
+    <p:sldId id="284" r:id="rId37"/>
+    <p:sldId id="285" r:id="rId38"/>
+    <p:sldId id="286" r:id="rId39"/>
+    <p:sldId id="294" r:id="rId40"/>
+    <p:sldId id="298" r:id="rId41"/>
+    <p:sldId id="302" r:id="rId42"/>
+    <p:sldId id="299" r:id="rId43"/>
+    <p:sldId id="300" r:id="rId44"/>
+    <p:sldId id="282" r:id="rId45"/>
+    <p:sldId id="292" r:id="rId46"/>
+    <p:sldId id="278" r:id="rId47"/>
+    <p:sldId id="291" r:id="rId48"/>
+    <p:sldId id="303" r:id="rId49"/>
+    <p:sldId id="304" r:id="rId50"/>
+    <p:sldId id="273" r:id="rId51"/>
+    <p:sldId id="328" r:id="rId52"/>
+    <p:sldId id="332" r:id="rId53"/>
+    <p:sldId id="329" r:id="rId54"/>
+    <p:sldId id="330" r:id="rId55"/>
+    <p:sldId id="288" r:id="rId56"/>
+    <p:sldId id="289" r:id="rId57"/>
+    <p:sldId id="309" r:id="rId58"/>
+    <p:sldId id="305" r:id="rId59"/>
+    <p:sldId id="308" r:id="rId60"/>
+    <p:sldId id="307" r:id="rId61"/>
   </p:sldIdLst>
   <p:sldSz cx="12192000" cy="6858000"/>
   <p:notesSz cx="6858000" cy="9144000"/>
@@ -262,7 +267,7 @@
           <a:p>
             <a:fld id="{C3091E62-F7F0-4719-84D5-9FBBF89A9F5A}" type="datetimeFigureOut">
               <a:rPr lang="es-MX" smtClean="0"/>
-              <a:t>23/04/2019</a:t>
+              <a:t>25/04/2019</a:t>
             </a:fld>
             <a:endParaRPr lang="es-MX"/>
           </a:p>
@@ -663,7 +668,7 @@
           <a:p>
             <a:fld id="{EC131B88-02BD-41FD-A888-9BC0AEE43725}" type="slidenum">
               <a:rPr lang="es-MX" smtClean="0"/>
-              <a:t>20</a:t>
+              <a:t>21</a:t>
             </a:fld>
             <a:endParaRPr lang="es-MX"/>
           </a:p>
@@ -815,7 +820,7 @@
           <a:p>
             <a:fld id="{EC131B88-02BD-41FD-A888-9BC0AEE43725}" type="slidenum">
               <a:rPr lang="es-MX" smtClean="0"/>
-              <a:t>21</a:t>
+              <a:t>22</a:t>
             </a:fld>
             <a:endParaRPr lang="es-MX"/>
           </a:p>
@@ -967,7 +972,7 @@
           <a:p>
             <a:fld id="{EC131B88-02BD-41FD-A888-9BC0AEE43725}" type="slidenum">
               <a:rPr lang="es-MX" smtClean="0"/>
-              <a:t>22</a:t>
+              <a:t>23</a:t>
             </a:fld>
             <a:endParaRPr lang="es-MX"/>
           </a:p>
@@ -1117,7 +1122,7 @@
           <a:p>
             <a:fld id="{ABD75D52-72DB-49EB-97D1-74999CC14CB1}" type="datetimeFigureOut">
               <a:rPr lang="es-MX" smtClean="0"/>
-              <a:t>23/04/2019</a:t>
+              <a:t>25/04/2019</a:t>
             </a:fld>
             <a:endParaRPr lang="es-MX"/>
           </a:p>
@@ -1287,7 +1292,7 @@
           <a:p>
             <a:fld id="{ABD75D52-72DB-49EB-97D1-74999CC14CB1}" type="datetimeFigureOut">
               <a:rPr lang="es-MX" smtClean="0"/>
-              <a:t>23/04/2019</a:t>
+              <a:t>25/04/2019</a:t>
             </a:fld>
             <a:endParaRPr lang="es-MX"/>
           </a:p>
@@ -1467,7 +1472,7 @@
           <a:p>
             <a:fld id="{ABD75D52-72DB-49EB-97D1-74999CC14CB1}" type="datetimeFigureOut">
               <a:rPr lang="es-MX" smtClean="0"/>
-              <a:t>23/04/2019</a:t>
+              <a:t>25/04/2019</a:t>
             </a:fld>
             <a:endParaRPr lang="es-MX"/>
           </a:p>
@@ -1637,7 +1642,7 @@
           <a:p>
             <a:fld id="{ABD75D52-72DB-49EB-97D1-74999CC14CB1}" type="datetimeFigureOut">
               <a:rPr lang="es-MX" smtClean="0"/>
-              <a:t>23/04/2019</a:t>
+              <a:t>25/04/2019</a:t>
             </a:fld>
             <a:endParaRPr lang="es-MX"/>
           </a:p>
@@ -1883,7 +1888,7 @@
           <a:p>
             <a:fld id="{ABD75D52-72DB-49EB-97D1-74999CC14CB1}" type="datetimeFigureOut">
               <a:rPr lang="es-MX" smtClean="0"/>
-              <a:t>23/04/2019</a:t>
+              <a:t>25/04/2019</a:t>
             </a:fld>
             <a:endParaRPr lang="es-MX"/>
           </a:p>
@@ -2115,7 +2120,7 @@
           <a:p>
             <a:fld id="{ABD75D52-72DB-49EB-97D1-74999CC14CB1}" type="datetimeFigureOut">
               <a:rPr lang="es-MX" smtClean="0"/>
-              <a:t>23/04/2019</a:t>
+              <a:t>25/04/2019</a:t>
             </a:fld>
             <a:endParaRPr lang="es-MX"/>
           </a:p>
@@ -2482,7 +2487,7 @@
           <a:p>
             <a:fld id="{ABD75D52-72DB-49EB-97D1-74999CC14CB1}" type="datetimeFigureOut">
               <a:rPr lang="es-MX" smtClean="0"/>
-              <a:t>23/04/2019</a:t>
+              <a:t>25/04/2019</a:t>
             </a:fld>
             <a:endParaRPr lang="es-MX"/>
           </a:p>
@@ -2600,7 +2605,7 @@
           <a:p>
             <a:fld id="{ABD75D52-72DB-49EB-97D1-74999CC14CB1}" type="datetimeFigureOut">
               <a:rPr lang="es-MX" smtClean="0"/>
-              <a:t>23/04/2019</a:t>
+              <a:t>25/04/2019</a:t>
             </a:fld>
             <a:endParaRPr lang="es-MX"/>
           </a:p>
@@ -2695,7 +2700,7 @@
           <a:p>
             <a:fld id="{ABD75D52-72DB-49EB-97D1-74999CC14CB1}" type="datetimeFigureOut">
               <a:rPr lang="es-MX" smtClean="0"/>
-              <a:t>23/04/2019</a:t>
+              <a:t>25/04/2019</a:t>
             </a:fld>
             <a:endParaRPr lang="es-MX"/>
           </a:p>
@@ -2972,7 +2977,7 @@
           <a:p>
             <a:fld id="{ABD75D52-72DB-49EB-97D1-74999CC14CB1}" type="datetimeFigureOut">
               <a:rPr lang="es-MX" smtClean="0"/>
-              <a:t>23/04/2019</a:t>
+              <a:t>25/04/2019</a:t>
             </a:fld>
             <a:endParaRPr lang="es-MX"/>
           </a:p>
@@ -3225,7 +3230,7 @@
           <a:p>
             <a:fld id="{ABD75D52-72DB-49EB-97D1-74999CC14CB1}" type="datetimeFigureOut">
               <a:rPr lang="es-MX" smtClean="0"/>
-              <a:t>23/04/2019</a:t>
+              <a:t>25/04/2019</a:t>
             </a:fld>
             <a:endParaRPr lang="es-MX"/>
           </a:p>
@@ -3438,7 +3443,7 @@
           <a:p>
             <a:fld id="{ABD75D52-72DB-49EB-97D1-74999CC14CB1}" type="datetimeFigureOut">
               <a:rPr lang="es-MX" smtClean="0"/>
-              <a:t>23/04/2019</a:t>
+              <a:t>25/04/2019</a:t>
             </a:fld>
             <a:endParaRPr lang="es-MX"/>
           </a:p>
@@ -4095,6 +4100,549 @@
         </p:nvSpPr>
         <p:spPr>
           <a:xfrm>
+            <a:off x="373487" y="1690688"/>
+            <a:ext cx="11397803" cy="4941932"/>
+          </a:xfrm>
+          <a:prstGeom prst="rect">
+            <a:avLst/>
+          </a:prstGeom>
+        </p:spPr>
+        <p:txBody>
+          <a:bodyPr vert="horz" lIns="91440" tIns="45720" rIns="91440" bIns="45720" rtlCol="0">
+            <a:normAutofit/>
+          </a:bodyPr>
+          <a:lstStyle>
+            <a:lvl1pPr marL="228600" indent="-228600" algn="l" defTabSz="914400" rtl="0" eaLnBrk="1" latinLnBrk="0" hangingPunct="1">
+              <a:lnSpc>
+                <a:spcPct val="90000"/>
+              </a:lnSpc>
+              <a:spcBef>
+                <a:spcPts val="1000"/>
+              </a:spcBef>
+              <a:buFont typeface="Arial" panose="020B0604020202020204" pitchFamily="34" charset="0"/>
+              <a:buChar char="•"/>
+              <a:defRPr sz="2800" kern="1200">
+                <a:solidFill>
+                  <a:schemeClr val="tx1"/>
+                </a:solidFill>
+                <a:latin typeface="+mn-lt"/>
+                <a:ea typeface="+mn-ea"/>
+                <a:cs typeface="+mn-cs"/>
+              </a:defRPr>
+            </a:lvl1pPr>
+            <a:lvl2pPr marL="685800" indent="-228600" algn="l" defTabSz="914400" rtl="0" eaLnBrk="1" latinLnBrk="0" hangingPunct="1">
+              <a:lnSpc>
+                <a:spcPct val="90000"/>
+              </a:lnSpc>
+              <a:spcBef>
+                <a:spcPts val="500"/>
+              </a:spcBef>
+              <a:buFont typeface="Arial" panose="020B0604020202020204" pitchFamily="34" charset="0"/>
+              <a:buChar char="•"/>
+              <a:defRPr sz="2400" kern="1200">
+                <a:solidFill>
+                  <a:schemeClr val="tx1"/>
+                </a:solidFill>
+                <a:latin typeface="+mn-lt"/>
+                <a:ea typeface="+mn-ea"/>
+                <a:cs typeface="+mn-cs"/>
+              </a:defRPr>
+            </a:lvl2pPr>
+            <a:lvl3pPr marL="1143000" indent="-228600" algn="l" defTabSz="914400" rtl="0" eaLnBrk="1" latinLnBrk="0" hangingPunct="1">
+              <a:lnSpc>
+                <a:spcPct val="90000"/>
+              </a:lnSpc>
+              <a:spcBef>
+                <a:spcPts val="500"/>
+              </a:spcBef>
+              <a:buFont typeface="Arial" panose="020B0604020202020204" pitchFamily="34" charset="0"/>
+              <a:buChar char="•"/>
+              <a:defRPr sz="2000" kern="1200">
+                <a:solidFill>
+                  <a:schemeClr val="tx1"/>
+                </a:solidFill>
+                <a:latin typeface="+mn-lt"/>
+                <a:ea typeface="+mn-ea"/>
+                <a:cs typeface="+mn-cs"/>
+              </a:defRPr>
+            </a:lvl3pPr>
+            <a:lvl4pPr marL="1600200" indent="-228600" algn="l" defTabSz="914400" rtl="0" eaLnBrk="1" latinLnBrk="0" hangingPunct="1">
+              <a:lnSpc>
+                <a:spcPct val="90000"/>
+              </a:lnSpc>
+              <a:spcBef>
+                <a:spcPts val="500"/>
+              </a:spcBef>
+              <a:buFont typeface="Arial" panose="020B0604020202020204" pitchFamily="34" charset="0"/>
+              <a:buChar char="•"/>
+              <a:defRPr sz="1800" kern="1200">
+                <a:solidFill>
+                  <a:schemeClr val="tx1"/>
+                </a:solidFill>
+                <a:latin typeface="+mn-lt"/>
+                <a:ea typeface="+mn-ea"/>
+                <a:cs typeface="+mn-cs"/>
+              </a:defRPr>
+            </a:lvl4pPr>
+            <a:lvl5pPr marL="2057400" indent="-228600" algn="l" defTabSz="914400" rtl="0" eaLnBrk="1" latinLnBrk="0" hangingPunct="1">
+              <a:lnSpc>
+                <a:spcPct val="90000"/>
+              </a:lnSpc>
+              <a:spcBef>
+                <a:spcPts val="500"/>
+              </a:spcBef>
+              <a:buFont typeface="Arial" panose="020B0604020202020204" pitchFamily="34" charset="0"/>
+              <a:buChar char="•"/>
+              <a:defRPr sz="1800" kern="1200">
+                <a:solidFill>
+                  <a:schemeClr val="tx1"/>
+                </a:solidFill>
+                <a:latin typeface="+mn-lt"/>
+                <a:ea typeface="+mn-ea"/>
+                <a:cs typeface="+mn-cs"/>
+              </a:defRPr>
+            </a:lvl5pPr>
+            <a:lvl6pPr marL="2514600" indent="-228600" algn="l" defTabSz="914400" rtl="0" eaLnBrk="1" latinLnBrk="0" hangingPunct="1">
+              <a:lnSpc>
+                <a:spcPct val="90000"/>
+              </a:lnSpc>
+              <a:spcBef>
+                <a:spcPts val="500"/>
+              </a:spcBef>
+              <a:buFont typeface="Arial" panose="020B0604020202020204" pitchFamily="34" charset="0"/>
+              <a:buChar char="•"/>
+              <a:defRPr sz="1800" kern="1200">
+                <a:solidFill>
+                  <a:schemeClr val="tx1"/>
+                </a:solidFill>
+                <a:latin typeface="+mn-lt"/>
+                <a:ea typeface="+mn-ea"/>
+                <a:cs typeface="+mn-cs"/>
+              </a:defRPr>
+            </a:lvl6pPr>
+            <a:lvl7pPr marL="2971800" indent="-228600" algn="l" defTabSz="914400" rtl="0" eaLnBrk="1" latinLnBrk="0" hangingPunct="1">
+              <a:lnSpc>
+                <a:spcPct val="90000"/>
+              </a:lnSpc>
+              <a:spcBef>
+                <a:spcPts val="500"/>
+              </a:spcBef>
+              <a:buFont typeface="Arial" panose="020B0604020202020204" pitchFamily="34" charset="0"/>
+              <a:buChar char="•"/>
+              <a:defRPr sz="1800" kern="1200">
+                <a:solidFill>
+                  <a:schemeClr val="tx1"/>
+                </a:solidFill>
+                <a:latin typeface="+mn-lt"/>
+                <a:ea typeface="+mn-ea"/>
+                <a:cs typeface="+mn-cs"/>
+              </a:defRPr>
+            </a:lvl7pPr>
+            <a:lvl8pPr marL="3429000" indent="-228600" algn="l" defTabSz="914400" rtl="0" eaLnBrk="1" latinLnBrk="0" hangingPunct="1">
+              <a:lnSpc>
+                <a:spcPct val="90000"/>
+              </a:lnSpc>
+              <a:spcBef>
+                <a:spcPts val="500"/>
+              </a:spcBef>
+              <a:buFont typeface="Arial" panose="020B0604020202020204" pitchFamily="34" charset="0"/>
+              <a:buChar char="•"/>
+              <a:defRPr sz="1800" kern="1200">
+                <a:solidFill>
+                  <a:schemeClr val="tx1"/>
+                </a:solidFill>
+                <a:latin typeface="+mn-lt"/>
+                <a:ea typeface="+mn-ea"/>
+                <a:cs typeface="+mn-cs"/>
+              </a:defRPr>
+            </a:lvl8pPr>
+            <a:lvl9pPr marL="3886200" indent="-228600" algn="l" defTabSz="914400" rtl="0" eaLnBrk="1" latinLnBrk="0" hangingPunct="1">
+              <a:lnSpc>
+                <a:spcPct val="90000"/>
+              </a:lnSpc>
+              <a:spcBef>
+                <a:spcPts val="500"/>
+              </a:spcBef>
+              <a:buFont typeface="Arial" panose="020B0604020202020204" pitchFamily="34" charset="0"/>
+              <a:buChar char="•"/>
+              <a:defRPr sz="1800" kern="1200">
+                <a:solidFill>
+                  <a:schemeClr val="tx1"/>
+                </a:solidFill>
+                <a:latin typeface="+mn-lt"/>
+                <a:ea typeface="+mn-ea"/>
+                <a:cs typeface="+mn-cs"/>
+              </a:defRPr>
+            </a:lvl9pPr>
+          </a:lstStyle>
+          <a:p>
+            <a:pPr marL="0" indent="0">
+              <a:buNone/>
+            </a:pPr>
+            <a:r>
+              <a:rPr lang="es-MX" dirty="0" smtClean="0"/>
+              <a:t>1.- </a:t>
+            </a:r>
+            <a:r>
+              <a:rPr lang="es-MX" dirty="0" err="1" smtClean="0"/>
+              <a:t>Make</a:t>
+            </a:r>
+            <a:r>
+              <a:rPr lang="es-MX" dirty="0" smtClean="0"/>
+              <a:t> </a:t>
+            </a:r>
+            <a:r>
+              <a:rPr lang="es-MX" dirty="0" err="1" smtClean="0"/>
+              <a:t>sure</a:t>
+            </a:r>
+            <a:r>
+              <a:rPr lang="es-MX" dirty="0" smtClean="0"/>
+              <a:t> </a:t>
+            </a:r>
+            <a:r>
+              <a:rPr lang="es-MX" dirty="0" err="1" smtClean="0"/>
+              <a:t>that</a:t>
+            </a:r>
+            <a:r>
+              <a:rPr lang="es-MX" dirty="0"/>
+              <a:t> 	</a:t>
+            </a:r>
+            <a:r>
+              <a:rPr lang="es-MX" dirty="0" smtClean="0"/>
+              <a:t>d’(A) &gt; d’(B)</a:t>
+            </a:r>
+          </a:p>
+          <a:p>
+            <a:pPr marL="0" indent="0" algn="ctr">
+              <a:buNone/>
+            </a:pPr>
+            <a:endParaRPr lang="es-MX" dirty="0" smtClean="0"/>
+          </a:p>
+          <a:p>
+            <a:pPr marL="0" indent="0" algn="ctr">
+              <a:buNone/>
+            </a:pPr>
+            <a:endParaRPr lang="es-MX" dirty="0" smtClean="0"/>
+          </a:p>
+          <a:p>
+            <a:pPr marL="0" indent="0">
+              <a:buNone/>
+            </a:pPr>
+            <a:r>
+              <a:rPr lang="es-MX" dirty="0" smtClean="0"/>
+              <a:t>2.- </a:t>
+            </a:r>
+            <a:r>
+              <a:rPr lang="es-MX" dirty="0" err="1" smtClean="0"/>
+              <a:t>Comparing</a:t>
+            </a:r>
+            <a:r>
+              <a:rPr lang="es-MX" dirty="0" smtClean="0"/>
+              <a:t> </a:t>
+            </a:r>
+            <a:r>
+              <a:rPr lang="es-MX" dirty="0" err="1" smtClean="0"/>
+              <a:t>the</a:t>
+            </a:r>
+            <a:r>
+              <a:rPr lang="es-MX" dirty="0" smtClean="0"/>
+              <a:t> Hit and F.A. </a:t>
+            </a:r>
+            <a:r>
+              <a:rPr lang="es-MX" dirty="0" err="1" smtClean="0"/>
+              <a:t>rates</a:t>
+            </a:r>
+            <a:r>
+              <a:rPr lang="es-MX" dirty="0" smtClean="0"/>
+              <a:t> </a:t>
+            </a:r>
+            <a:r>
+              <a:rPr lang="es-MX" dirty="0" err="1" smtClean="0"/>
+              <a:t>to</a:t>
+            </a:r>
+            <a:r>
+              <a:rPr lang="es-MX" dirty="0" smtClean="0"/>
+              <a:t> test </a:t>
+            </a:r>
+            <a:r>
+              <a:rPr lang="es-MX" dirty="0" err="1" smtClean="0"/>
+              <a:t>the</a:t>
+            </a:r>
+            <a:r>
+              <a:rPr lang="es-MX" dirty="0" smtClean="0"/>
+              <a:t> M.E. </a:t>
+            </a:r>
+            <a:r>
+              <a:rPr lang="es-MX" dirty="0" err="1" smtClean="0"/>
+              <a:t>pattern</a:t>
+            </a:r>
+            <a:r>
+              <a:rPr lang="es-MX" dirty="0" smtClean="0"/>
+              <a:t> of response</a:t>
+            </a:r>
+          </a:p>
+          <a:p>
+            <a:pPr marL="0" indent="0">
+              <a:buNone/>
+            </a:pPr>
+            <a:endParaRPr lang="es-MX" dirty="0" smtClean="0"/>
+          </a:p>
+          <a:p>
+            <a:pPr marL="0" indent="0">
+              <a:buNone/>
+            </a:pPr>
+            <a:endParaRPr lang="es-MX" dirty="0"/>
+          </a:p>
+          <a:p>
+            <a:pPr marL="0" indent="0">
+              <a:buNone/>
+            </a:pPr>
+            <a:r>
+              <a:rPr lang="es-MX" dirty="0" smtClean="0"/>
+              <a:t>3.- </a:t>
+            </a:r>
+            <a:r>
+              <a:rPr lang="es-MX" dirty="0" err="1" smtClean="0"/>
+              <a:t>Comparing</a:t>
+            </a:r>
+            <a:r>
+              <a:rPr lang="es-MX" dirty="0" smtClean="0"/>
+              <a:t> </a:t>
+            </a:r>
+            <a:r>
+              <a:rPr lang="es-MX" dirty="0" err="1" smtClean="0"/>
+              <a:t>the</a:t>
+            </a:r>
+            <a:r>
+              <a:rPr lang="es-MX" dirty="0" smtClean="0"/>
+              <a:t> Mean </a:t>
+            </a:r>
+            <a:r>
+              <a:rPr lang="es-MX" dirty="0" err="1" smtClean="0"/>
+              <a:t>confidence</a:t>
+            </a:r>
+            <a:r>
+              <a:rPr lang="es-MX" dirty="0" smtClean="0"/>
+              <a:t> ratings </a:t>
+            </a:r>
+            <a:r>
+              <a:rPr lang="es-MX" dirty="0" err="1" smtClean="0"/>
+              <a:t>assigned</a:t>
+            </a:r>
+            <a:r>
+              <a:rPr lang="es-MX" dirty="0" smtClean="0"/>
+              <a:t> </a:t>
+            </a:r>
+            <a:r>
+              <a:rPr lang="es-MX" dirty="0" err="1" smtClean="0"/>
+              <a:t>to</a:t>
+            </a:r>
+            <a:r>
+              <a:rPr lang="es-MX" dirty="0" smtClean="0"/>
+              <a:t> </a:t>
+            </a:r>
+            <a:r>
+              <a:rPr lang="es-MX" dirty="0" err="1" smtClean="0"/>
+              <a:t>each</a:t>
+            </a:r>
+            <a:r>
+              <a:rPr lang="es-MX" dirty="0" smtClean="0"/>
+              <a:t> </a:t>
+            </a:r>
+            <a:r>
+              <a:rPr lang="es-MX" dirty="0" err="1" smtClean="0"/>
+              <a:t>class</a:t>
+            </a:r>
+            <a:r>
+              <a:rPr lang="es-MX" dirty="0" smtClean="0"/>
+              <a:t> of </a:t>
+            </a:r>
+            <a:r>
+              <a:rPr lang="es-MX" dirty="0" err="1" smtClean="0"/>
+              <a:t>stimuli</a:t>
+            </a:r>
+            <a:r>
+              <a:rPr lang="es-MX" dirty="0" smtClean="0"/>
+              <a:t>.</a:t>
+            </a:r>
+            <a:endParaRPr lang="es-MX" dirty="0"/>
+          </a:p>
+        </p:txBody>
+      </p:sp>
+    </p:spTree>
+    <p:extLst>
+      <p:ext uri="{BB962C8B-B14F-4D97-AF65-F5344CB8AC3E}">
+        <p14:creationId xmlns:p14="http://schemas.microsoft.com/office/powerpoint/2010/main" val="1107917477"/>
+      </p:ext>
+    </p:extLst>
+  </p:cSld>
+  <p:clrMapOvr>
+    <a:masterClrMapping/>
+  </p:clrMapOvr>
+</p:sld>
+</file>
+
+<file path=ppt/slides/slide11.xml><?xml version="1.0" encoding="utf-8"?>
+<p:sld xmlns:a="http://schemas.openxmlformats.org/drawingml/2006/main" xmlns:r="http://schemas.openxmlformats.org/officeDocument/2006/relationships" xmlns:p="http://schemas.openxmlformats.org/presentationml/2006/main">
+  <p:cSld>
+    <p:spTree>
+      <p:nvGrpSpPr>
+        <p:cNvPr id="1" name=""/>
+        <p:cNvGrpSpPr/>
+        <p:nvPr/>
+      </p:nvGrpSpPr>
+      <p:grpSpPr>
+        <a:xfrm>
+          <a:off x="0" y="0"/>
+          <a:ext cx="0" cy="0"/>
+          <a:chOff x="0" y="0"/>
+          <a:chExt cx="0" cy="0"/>
+        </a:xfrm>
+      </p:grpSpPr>
+      <p:sp>
+        <p:nvSpPr>
+          <p:cNvPr id="2" name="Título 1"/>
+          <p:cNvSpPr>
+            <a:spLocks noGrp="1"/>
+          </p:cNvSpPr>
+          <p:nvPr>
+            <p:ph type="title"/>
+          </p:nvPr>
+        </p:nvSpPr>
+        <p:spPr>
+          <a:xfrm>
+            <a:off x="0" y="221192"/>
+            <a:ext cx="12192000" cy="887941"/>
+          </a:xfrm>
+          <a:solidFill>
+            <a:schemeClr val="tx1"/>
+          </a:solidFill>
+          <a:ln>
+            <a:solidFill>
+              <a:schemeClr val="bg1"/>
+            </a:solidFill>
+          </a:ln>
+        </p:spPr>
+        <p:txBody>
+          <a:bodyPr>
+            <a:normAutofit fontScale="90000"/>
+          </a:bodyPr>
+          <a:lstStyle/>
+          <a:p>
+            <a:r>
+              <a:rPr lang="es-MX" b="1" dirty="0" smtClean="0">
+                <a:solidFill>
+                  <a:schemeClr val="bg1"/>
+                </a:solidFill>
+              </a:rPr>
+              <a:t>A)  </a:t>
+            </a:r>
+            <a:r>
+              <a:rPr lang="es-MX" b="1" dirty="0" err="1" smtClean="0">
+                <a:solidFill>
+                  <a:schemeClr val="bg1"/>
+                </a:solidFill>
+              </a:rPr>
+              <a:t>Replication</a:t>
+            </a:r>
+            <a:r>
+              <a:rPr lang="es-MX" b="1" dirty="0" smtClean="0">
+                <a:solidFill>
+                  <a:schemeClr val="bg1"/>
+                </a:solidFill>
+              </a:rPr>
+              <a:t> of </a:t>
+            </a:r>
+            <a:r>
+              <a:rPr lang="es-MX" b="1" dirty="0" err="1" smtClean="0">
+                <a:solidFill>
+                  <a:schemeClr val="bg1"/>
+                </a:solidFill>
+              </a:rPr>
+              <a:t>the</a:t>
+            </a:r>
+            <a:r>
+              <a:rPr lang="es-MX" b="1" dirty="0" smtClean="0">
+                <a:solidFill>
+                  <a:schemeClr val="bg1"/>
+                </a:solidFill>
+              </a:rPr>
+              <a:t> </a:t>
+            </a:r>
+            <a:r>
+              <a:rPr lang="es-MX" b="1" dirty="0" err="1" smtClean="0">
+                <a:solidFill>
+                  <a:schemeClr val="bg1"/>
+                </a:solidFill>
+              </a:rPr>
+              <a:t>analysis</a:t>
+            </a:r>
+            <a:r>
+              <a:rPr lang="es-MX" b="1" dirty="0" smtClean="0">
+                <a:solidFill>
+                  <a:schemeClr val="bg1"/>
+                </a:solidFill>
+              </a:rPr>
+              <a:t> </a:t>
+            </a:r>
+            <a:r>
+              <a:rPr lang="es-MX" b="1" dirty="0" err="1" smtClean="0">
+                <a:solidFill>
+                  <a:schemeClr val="bg1"/>
+                </a:solidFill>
+              </a:rPr>
+              <a:t>reported</a:t>
+            </a:r>
+            <a:r>
+              <a:rPr lang="es-MX" b="1" dirty="0" smtClean="0">
+                <a:solidFill>
+                  <a:schemeClr val="bg1"/>
+                </a:solidFill>
+              </a:rPr>
+              <a:t> in </a:t>
+            </a:r>
+            <a:r>
+              <a:rPr lang="es-MX" b="1" dirty="0" err="1" smtClean="0">
+                <a:solidFill>
+                  <a:schemeClr val="bg1"/>
+                </a:solidFill>
+              </a:rPr>
+              <a:t>the</a:t>
+            </a:r>
+            <a:r>
+              <a:rPr lang="es-MX" b="1" dirty="0" smtClean="0">
+                <a:solidFill>
+                  <a:schemeClr val="bg1"/>
+                </a:solidFill>
+              </a:rPr>
+              <a:t> M.E. </a:t>
+            </a:r>
+            <a:r>
+              <a:rPr lang="es-MX" b="1" dirty="0" err="1" smtClean="0">
+                <a:solidFill>
+                  <a:schemeClr val="bg1"/>
+                </a:solidFill>
+              </a:rPr>
+              <a:t>literature</a:t>
+            </a:r>
+            <a:endParaRPr lang="es-MX" b="1" dirty="0">
+              <a:solidFill>
+                <a:schemeClr val="bg1"/>
+              </a:solidFill>
+            </a:endParaRPr>
+          </a:p>
+        </p:txBody>
+      </p:sp>
+      <p:sp>
+        <p:nvSpPr>
+          <p:cNvPr id="4" name="2 Marcador de contenido"/>
+          <p:cNvSpPr txBox="1">
+            <a:spLocks/>
+          </p:cNvSpPr>
+          <p:nvPr/>
+        </p:nvSpPr>
+        <p:spPr>
+          <a:xfrm>
             <a:off x="397098" y="1216555"/>
             <a:ext cx="11397803" cy="4941932"/>
           </a:xfrm>
@@ -4300,11 +4848,7 @@
             </a:r>
             <a:r>
               <a:rPr lang="es-MX" b="1" dirty="0" err="1" smtClean="0"/>
-              <a:t>step</a:t>
-            </a:r>
-            <a:r>
-              <a:rPr lang="es-MX" b="1" dirty="0" err="1" smtClean="0"/>
-              <a:t>-by-step</a:t>
+              <a:t>step-by-step</a:t>
             </a:r>
             <a:r>
               <a:rPr lang="es-MX" b="1" dirty="0" smtClean="0"/>
@@ -4318,7 +4862,6 @@
               <a:rPr lang="es-MX" b="1" dirty="0" smtClean="0"/>
               <a:t> in:</a:t>
             </a:r>
-            <a:endParaRPr lang="es-MX" b="1" dirty="0" smtClean="0"/>
           </a:p>
           <a:p>
             <a:pPr marL="0" indent="0" algn="ctr">
@@ -4676,7 +5219,7 @@
 </p:sld>
 </file>
 
-<file path=ppt/slides/slide11.xml><?xml version="1.0" encoding="utf-8"?>
+<file path=ppt/slides/slide12.xml><?xml version="1.0" encoding="utf-8"?>
 <p:sld xmlns:a="http://schemas.openxmlformats.org/drawingml/2006/main" xmlns:r="http://schemas.openxmlformats.org/officeDocument/2006/relationships" xmlns:p="http://schemas.openxmlformats.org/presentationml/2006/main">
   <p:cSld>
     <p:spTree>
@@ -5110,41 +5653,8 @@
                   </a:outerShdw>
                 </a:effectLst>
               </a:rPr>
-              <a:t>d</a:t>
-            </a:r>
-            <a:r>
-              <a:rPr lang="es-MX" b="1" dirty="0" smtClean="0">
-                <a:effectLst>
-                  <a:outerShdw blurRad="38100" dist="38100" dir="2700000" algn="tl">
-                    <a:srgbClr val="000000">
-                      <a:alpha val="43137"/>
-                    </a:srgbClr>
-                  </a:outerShdw>
-                </a:effectLst>
-              </a:rPr>
-              <a:t>’(A) &gt; d’(B</a:t>
-            </a:r>
-            <a:r>
-              <a:rPr lang="es-MX" b="1" dirty="0" smtClean="0">
-                <a:effectLst>
-                  <a:outerShdw blurRad="38100" dist="38100" dir="2700000" algn="tl">
-                    <a:srgbClr val="000000">
-                      <a:alpha val="43137"/>
-                    </a:srgbClr>
-                  </a:outerShdw>
-                </a:effectLst>
-              </a:rPr>
-              <a:t>)</a:t>
-            </a:r>
-            <a:endParaRPr lang="es-MX" b="1" dirty="0" smtClean="0">
-              <a:effectLst>
-                <a:outerShdw blurRad="38100" dist="38100" dir="2700000" algn="tl">
-                  <a:srgbClr val="000000">
-                    <a:alpha val="43137"/>
-                  </a:srgbClr>
-                </a:outerShdw>
-              </a:effectLst>
-            </a:endParaRPr>
+              <a:t>d’(A) &gt; d’(B)</a:t>
+            </a:r>
           </a:p>
           <a:p>
             <a:pPr lvl="1"/>
@@ -5372,7 +5882,7 @@
 </p:sld>
 </file>
 
-<file path=ppt/slides/slide12.xml><?xml version="1.0" encoding="utf-8"?>
+<file path=ppt/slides/slide13.xml><?xml version="1.0" encoding="utf-8"?>
 <p:sld xmlns:a="http://schemas.openxmlformats.org/drawingml/2006/main" xmlns:r="http://schemas.openxmlformats.org/officeDocument/2006/relationships" xmlns:p="http://schemas.openxmlformats.org/presentationml/2006/main">
   <p:cSld>
     <p:spTree>
@@ -5541,7 +6051,7 @@
 </p:sld>
 </file>
 
-<file path=ppt/slides/slide13.xml><?xml version="1.0" encoding="utf-8"?>
+<file path=ppt/slides/slide14.xml><?xml version="1.0" encoding="utf-8"?>
 <p:sld xmlns:a="http://schemas.openxmlformats.org/drawingml/2006/main" xmlns:r="http://schemas.openxmlformats.org/officeDocument/2006/relationships" xmlns:p="http://schemas.openxmlformats.org/presentationml/2006/main">
   <p:cSld>
     <p:spTree>
@@ -5907,11 +6417,7 @@
             </a:r>
             <a:r>
               <a:rPr lang="es-MX" dirty="0"/>
-              <a:t> </a:t>
-            </a:r>
-            <a:r>
-              <a:rPr lang="es-MX" dirty="0"/>
-              <a:t>	</a:t>
+              <a:t> 	</a:t>
             </a:r>
             <a:r>
               <a:rPr lang="es-MX" dirty="0" smtClean="0"/>
@@ -6205,7 +6711,6 @@
               <a:rPr lang="es-MX" b="1" dirty="0" smtClean="0"/>
               <a:t>!</a:t>
             </a:r>
-            <a:endParaRPr lang="es-MX" b="1" dirty="0" smtClean="0"/>
           </a:p>
           <a:p>
             <a:pPr marL="0" indent="0">
@@ -6309,7 +6814,7 @@
 </p:sld>
 </file>
 
-<file path=ppt/slides/slide14.xml><?xml version="1.0" encoding="utf-8"?>
+<file path=ppt/slides/slide15.xml><?xml version="1.0" encoding="utf-8"?>
 <p:sld xmlns:a="http://schemas.openxmlformats.org/drawingml/2006/main" xmlns:r="http://schemas.openxmlformats.org/officeDocument/2006/relationships" xmlns:p="http://schemas.openxmlformats.org/presentationml/2006/main">
   <p:cSld>
     <p:spTree>
@@ -6579,7 +7084,7 @@
 </p:sld>
 </file>
 
-<file path=ppt/slides/slide15.xml><?xml version="1.0" encoding="utf-8"?>
+<file path=ppt/slides/slide16.xml><?xml version="1.0" encoding="utf-8"?>
 <p:sld xmlns:a="http://schemas.openxmlformats.org/drawingml/2006/main" xmlns:r="http://schemas.openxmlformats.org/officeDocument/2006/relationships" xmlns:p="http://schemas.openxmlformats.org/presentationml/2006/main">
   <p:cSld>
     <p:spTree>
@@ -6945,11 +7450,7 @@
             </a:r>
             <a:r>
               <a:rPr lang="es-MX" dirty="0"/>
-              <a:t> </a:t>
-            </a:r>
-            <a:r>
-              <a:rPr lang="es-MX" dirty="0"/>
-              <a:t>	</a:t>
+              <a:t> 	</a:t>
             </a:r>
             <a:r>
               <a:rPr lang="es-MX" dirty="0" smtClean="0"/>
@@ -7180,7 +7681,7 @@
 </p:sld>
 </file>
 
-<file path=ppt/slides/slide16.xml><?xml version="1.0" encoding="utf-8"?>
+<file path=ppt/slides/slide17.xml><?xml version="1.0" encoding="utf-8"?>
 <p:sld xmlns:a="http://schemas.openxmlformats.org/drawingml/2006/main" xmlns:r="http://schemas.openxmlformats.org/officeDocument/2006/relationships" xmlns:p="http://schemas.openxmlformats.org/presentationml/2006/main">
   <p:cSld>
     <p:spTree>
@@ -7514,7 +8015,7 @@
 </p:sld>
 </file>
 
-<file path=ppt/slides/slide17.xml><?xml version="1.0" encoding="utf-8"?>
+<file path=ppt/slides/slide18.xml><?xml version="1.0" encoding="utf-8"?>
 <p:sld xmlns:a="http://schemas.openxmlformats.org/drawingml/2006/main" xmlns:r="http://schemas.openxmlformats.org/officeDocument/2006/relationships" xmlns:p="http://schemas.openxmlformats.org/presentationml/2006/main">
   <p:cSld>
     <p:spTree>
@@ -7733,7 +8234,7 @@
 </p:sld>
 </file>
 
-<file path=ppt/slides/slide18.xml><?xml version="1.0" encoding="utf-8"?>
+<file path=ppt/slides/slide19.xml><?xml version="1.0" encoding="utf-8"?>
 <p:sld xmlns:a="http://schemas.openxmlformats.org/drawingml/2006/main" xmlns:r="http://schemas.openxmlformats.org/officeDocument/2006/relationships" xmlns:p="http://schemas.openxmlformats.org/presentationml/2006/main">
   <p:cSld>
     <p:spTree>
@@ -8148,7 +8649,131 @@
 </p:sld>
 </file>
 
-<file path=ppt/slides/slide19.xml><?xml version="1.0" encoding="utf-8"?>
+<file path=ppt/slides/slide2.xml><?xml version="1.0" encoding="utf-8"?>
+<p:sld xmlns:a="http://schemas.openxmlformats.org/drawingml/2006/main" xmlns:r="http://schemas.openxmlformats.org/officeDocument/2006/relationships" xmlns:p="http://schemas.openxmlformats.org/presentationml/2006/main">
+  <p:cSld>
+    <p:spTree>
+      <p:nvGrpSpPr>
+        <p:cNvPr id="1" name=""/>
+        <p:cNvGrpSpPr/>
+        <p:nvPr/>
+      </p:nvGrpSpPr>
+      <p:grpSpPr>
+        <a:xfrm>
+          <a:off x="0" y="0"/>
+          <a:ext cx="0" cy="0"/>
+          <a:chOff x="0" y="0"/>
+          <a:chExt cx="0" cy="0"/>
+        </a:xfrm>
+      </p:grpSpPr>
+      <p:sp>
+        <p:nvSpPr>
+          <p:cNvPr id="2" name="Título 1"/>
+          <p:cNvSpPr>
+            <a:spLocks noGrp="1"/>
+          </p:cNvSpPr>
+          <p:nvPr>
+            <p:ph type="ctrTitle"/>
+          </p:nvPr>
+        </p:nvSpPr>
+        <p:spPr>
+          <a:xfrm>
+            <a:off x="0" y="2267496"/>
+            <a:ext cx="8306873" cy="1480256"/>
+          </a:xfrm>
+          <a:solidFill>
+            <a:schemeClr val="tx1"/>
+          </a:solidFill>
+        </p:spPr>
+        <p:txBody>
+          <a:bodyPr>
+            <a:normAutofit/>
+          </a:bodyPr>
+          <a:lstStyle/>
+          <a:p>
+            <a:r>
+              <a:rPr lang="es-MX" sz="6700" b="1" dirty="0" err="1" smtClean="0">
+                <a:solidFill>
+                  <a:schemeClr val="bg1"/>
+                </a:solidFill>
+              </a:rPr>
+              <a:t>Introduction</a:t>
+            </a:r>
+            <a:endParaRPr lang="es-MX" b="1" dirty="0">
+              <a:solidFill>
+                <a:schemeClr val="bg1"/>
+              </a:solidFill>
+            </a:endParaRPr>
+          </a:p>
+        </p:txBody>
+      </p:sp>
+      <p:pic>
+        <p:nvPicPr>
+          <p:cNvPr id="6" name="Imagen 5"/>
+          <p:cNvPicPr>
+            <a:picLocks noChangeAspect="1"/>
+          </p:cNvPicPr>
+          <p:nvPr/>
+        </p:nvPicPr>
+        <p:blipFill>
+          <a:blip r:embed="rId2"/>
+          <a:stretch>
+            <a:fillRect/>
+          </a:stretch>
+        </p:blipFill>
+        <p:spPr>
+          <a:xfrm>
+            <a:off x="8667480" y="1806901"/>
+            <a:ext cx="3258355" cy="2604101"/>
+          </a:xfrm>
+          <a:prstGeom prst="rect">
+            <a:avLst/>
+          </a:prstGeom>
+        </p:spPr>
+      </p:pic>
+      <p:sp>
+        <p:nvSpPr>
+          <p:cNvPr id="7" name="Subtítulo 6"/>
+          <p:cNvSpPr>
+            <a:spLocks noGrp="1"/>
+          </p:cNvSpPr>
+          <p:nvPr>
+            <p:ph type="subTitle" idx="1"/>
+          </p:nvPr>
+        </p:nvSpPr>
+        <p:spPr/>
+        <p:txBody>
+          <a:bodyPr/>
+          <a:lstStyle/>
+          <a:p>
+            <a:endParaRPr lang="es-MX" dirty="0" smtClean="0"/>
+          </a:p>
+          <a:p>
+            <a:endParaRPr lang="es-MX" dirty="0"/>
+          </a:p>
+        </p:txBody>
+      </p:sp>
+    </p:spTree>
+    <p:extLst>
+      <p:ext uri="{BB962C8B-B14F-4D97-AF65-F5344CB8AC3E}">
+        <p14:creationId xmlns:p14="http://schemas.microsoft.com/office/powerpoint/2010/main" val="808340681"/>
+      </p:ext>
+    </p:extLst>
+  </p:cSld>
+  <p:clrMapOvr>
+    <a:masterClrMapping/>
+  </p:clrMapOvr>
+  <p:timing>
+    <p:tnLst>
+      <p:par>
+        <p:cTn id="1" dur="indefinite" restart="never" nodeType="tmRoot"/>
+      </p:par>
+    </p:tnLst>
+  </p:timing>
+</p:sld>
+</file>
+
+<file path=ppt/slides/slide20.xml><?xml version="1.0" encoding="utf-8"?>
 <p:sld xmlns:a="http://schemas.openxmlformats.org/drawingml/2006/main" xmlns:r="http://schemas.openxmlformats.org/officeDocument/2006/relationships" xmlns:p="http://schemas.openxmlformats.org/presentationml/2006/main">
   <p:cSld>
     <p:spTree>
@@ -8342,131 +8967,7 @@
 </p:sld>
 </file>
 
-<file path=ppt/slides/slide2.xml><?xml version="1.0" encoding="utf-8"?>
-<p:sld xmlns:a="http://schemas.openxmlformats.org/drawingml/2006/main" xmlns:r="http://schemas.openxmlformats.org/officeDocument/2006/relationships" xmlns:p="http://schemas.openxmlformats.org/presentationml/2006/main">
-  <p:cSld>
-    <p:spTree>
-      <p:nvGrpSpPr>
-        <p:cNvPr id="1" name=""/>
-        <p:cNvGrpSpPr/>
-        <p:nvPr/>
-      </p:nvGrpSpPr>
-      <p:grpSpPr>
-        <a:xfrm>
-          <a:off x="0" y="0"/>
-          <a:ext cx="0" cy="0"/>
-          <a:chOff x="0" y="0"/>
-          <a:chExt cx="0" cy="0"/>
-        </a:xfrm>
-      </p:grpSpPr>
-      <p:sp>
-        <p:nvSpPr>
-          <p:cNvPr id="2" name="Título 1"/>
-          <p:cNvSpPr>
-            <a:spLocks noGrp="1"/>
-          </p:cNvSpPr>
-          <p:nvPr>
-            <p:ph type="ctrTitle"/>
-          </p:nvPr>
-        </p:nvSpPr>
-        <p:spPr>
-          <a:xfrm>
-            <a:off x="0" y="2267496"/>
-            <a:ext cx="8306873" cy="1480256"/>
-          </a:xfrm>
-          <a:solidFill>
-            <a:schemeClr val="tx1"/>
-          </a:solidFill>
-        </p:spPr>
-        <p:txBody>
-          <a:bodyPr>
-            <a:normAutofit/>
-          </a:bodyPr>
-          <a:lstStyle/>
-          <a:p>
-            <a:r>
-              <a:rPr lang="es-MX" sz="6700" b="1" dirty="0" err="1" smtClean="0">
-                <a:solidFill>
-                  <a:schemeClr val="bg1"/>
-                </a:solidFill>
-              </a:rPr>
-              <a:t>Introduction</a:t>
-            </a:r>
-            <a:endParaRPr lang="es-MX" b="1" dirty="0">
-              <a:solidFill>
-                <a:schemeClr val="bg1"/>
-              </a:solidFill>
-            </a:endParaRPr>
-          </a:p>
-        </p:txBody>
-      </p:sp>
-      <p:pic>
-        <p:nvPicPr>
-          <p:cNvPr id="6" name="Imagen 5"/>
-          <p:cNvPicPr>
-            <a:picLocks noChangeAspect="1"/>
-          </p:cNvPicPr>
-          <p:nvPr/>
-        </p:nvPicPr>
-        <p:blipFill>
-          <a:blip r:embed="rId2"/>
-          <a:stretch>
-            <a:fillRect/>
-          </a:stretch>
-        </p:blipFill>
-        <p:spPr>
-          <a:xfrm>
-            <a:off x="8667480" y="1806901"/>
-            <a:ext cx="3258355" cy="2604101"/>
-          </a:xfrm>
-          <a:prstGeom prst="rect">
-            <a:avLst/>
-          </a:prstGeom>
-        </p:spPr>
-      </p:pic>
-      <p:sp>
-        <p:nvSpPr>
-          <p:cNvPr id="7" name="Subtítulo 6"/>
-          <p:cNvSpPr>
-            <a:spLocks noGrp="1"/>
-          </p:cNvSpPr>
-          <p:nvPr>
-            <p:ph type="subTitle" idx="1"/>
-          </p:nvPr>
-        </p:nvSpPr>
-        <p:spPr/>
-        <p:txBody>
-          <a:bodyPr/>
-          <a:lstStyle/>
-          <a:p>
-            <a:endParaRPr lang="es-MX" dirty="0" smtClean="0"/>
-          </a:p>
-          <a:p>
-            <a:endParaRPr lang="es-MX" dirty="0"/>
-          </a:p>
-        </p:txBody>
-      </p:sp>
-    </p:spTree>
-    <p:extLst>
-      <p:ext uri="{BB962C8B-B14F-4D97-AF65-F5344CB8AC3E}">
-        <p14:creationId xmlns:p14="http://schemas.microsoft.com/office/powerpoint/2010/main" val="808340681"/>
-      </p:ext>
-    </p:extLst>
-  </p:cSld>
-  <p:clrMapOvr>
-    <a:masterClrMapping/>
-  </p:clrMapOvr>
-  <p:timing>
-    <p:tnLst>
-      <p:par>
-        <p:cTn id="1" dur="indefinite" restart="never" nodeType="tmRoot"/>
-      </p:par>
-    </p:tnLst>
-  </p:timing>
-</p:sld>
-</file>
-
-<file path=ppt/slides/slide20.xml><?xml version="1.0" encoding="utf-8"?>
+<file path=ppt/slides/slide21.xml><?xml version="1.0" encoding="utf-8"?>
 <p:sld xmlns:a="http://schemas.openxmlformats.org/drawingml/2006/main" xmlns:r="http://schemas.openxmlformats.org/officeDocument/2006/relationships" xmlns:p="http://schemas.openxmlformats.org/presentationml/2006/main">
   <p:cSld>
     <p:spTree>
@@ -8819,7 +9320,7 @@
 </p:sld>
 </file>
 
-<file path=ppt/slides/slide21.xml><?xml version="1.0" encoding="utf-8"?>
+<file path=ppt/slides/slide22.xml><?xml version="1.0" encoding="utf-8"?>
 <p:sld xmlns:a="http://schemas.openxmlformats.org/drawingml/2006/main" xmlns:r="http://schemas.openxmlformats.org/officeDocument/2006/relationships" xmlns:p="http://schemas.openxmlformats.org/presentationml/2006/main">
   <p:cSld>
     <p:spTree>
@@ -9308,7 +9809,7 @@
 </p:sld>
 </file>
 
-<file path=ppt/slides/slide22.xml><?xml version="1.0" encoding="utf-8"?>
+<file path=ppt/slides/slide23.xml><?xml version="1.0" encoding="utf-8"?>
 <p:sld xmlns:a="http://schemas.openxmlformats.org/drawingml/2006/main" xmlns:r="http://schemas.openxmlformats.org/officeDocument/2006/relationships" xmlns:p="http://schemas.openxmlformats.org/presentationml/2006/main">
   <p:cSld>
     <p:spTree>
@@ -9661,7 +10162,7 @@
 </p:sld>
 </file>
 
-<file path=ppt/slides/slide23.xml><?xml version="1.0" encoding="utf-8"?>
+<file path=ppt/slides/slide24.xml><?xml version="1.0" encoding="utf-8"?>
 <p:sld xmlns:a="http://schemas.openxmlformats.org/drawingml/2006/main" xmlns:r="http://schemas.openxmlformats.org/officeDocument/2006/relationships" xmlns:p="http://schemas.openxmlformats.org/presentationml/2006/main">
   <p:cSld>
     <p:spTree>
@@ -10330,7 +10831,7 @@
 </p:sld>
 </file>
 
-<file path=ppt/slides/slide24.xml><?xml version="1.0" encoding="utf-8"?>
+<file path=ppt/slides/slide25.xml><?xml version="1.0" encoding="utf-8"?>
 <p:sld xmlns:a="http://schemas.openxmlformats.org/drawingml/2006/main" xmlns:r="http://schemas.openxmlformats.org/officeDocument/2006/relationships" xmlns:p="http://schemas.openxmlformats.org/presentationml/2006/main">
   <p:cSld>
     <p:spTree>
@@ -10745,7 +11246,7 @@
 </p:sld>
 </file>
 
-<file path=ppt/slides/slide25.xml><?xml version="1.0" encoding="utf-8"?>
+<file path=ppt/slides/slide26.xml><?xml version="1.0" encoding="utf-8"?>
 <p:sld xmlns:a="http://schemas.openxmlformats.org/drawingml/2006/main" xmlns:r="http://schemas.openxmlformats.org/officeDocument/2006/relationships" xmlns:p="http://schemas.openxmlformats.org/presentationml/2006/main">
   <p:cSld>
     <p:spTree>
@@ -11336,7 +11837,7 @@
 </p:sld>
 </file>
 
-<file path=ppt/slides/slide26.xml><?xml version="1.0" encoding="utf-8"?>
+<file path=ppt/slides/slide27.xml><?xml version="1.0" encoding="utf-8"?>
 <p:sld xmlns:a="http://schemas.openxmlformats.org/drawingml/2006/main" xmlns:r="http://schemas.openxmlformats.org/officeDocument/2006/relationships" xmlns:p="http://schemas.openxmlformats.org/presentationml/2006/main">
   <p:cSld>
     <p:spTree>
@@ -11540,7 +12041,7 @@
 </p:sld>
 </file>
 
-<file path=ppt/slides/slide27.xml><?xml version="1.0" encoding="utf-8"?>
+<file path=ppt/slides/slide28.xml><?xml version="1.0" encoding="utf-8"?>
 <p:sld xmlns:a="http://schemas.openxmlformats.org/drawingml/2006/main" xmlns:r="http://schemas.openxmlformats.org/officeDocument/2006/relationships" xmlns:p="http://schemas.openxmlformats.org/presentationml/2006/main">
   <p:cSld>
     <p:spTree>
@@ -11798,7 +12299,7 @@
 </p:sld>
 </file>
 
-<file path=ppt/slides/slide28.xml><?xml version="1.0" encoding="utf-8"?>
+<file path=ppt/slides/slide29.xml><?xml version="1.0" encoding="utf-8"?>
 <p:sld xmlns:a="http://schemas.openxmlformats.org/drawingml/2006/main" xmlns:r="http://schemas.openxmlformats.org/officeDocument/2006/relationships" xmlns:p="http://schemas.openxmlformats.org/presentationml/2006/main">
   <p:cSld>
     <p:spTree>
@@ -12148,192 +12649,6 @@
     <p:extLst>
       <p:ext uri="{BB962C8B-B14F-4D97-AF65-F5344CB8AC3E}">
         <p14:creationId xmlns:p14="http://schemas.microsoft.com/office/powerpoint/2010/main" val="2660690742"/>
-      </p:ext>
-    </p:extLst>
-  </p:cSld>
-  <p:clrMapOvr>
-    <a:masterClrMapping/>
-  </p:clrMapOvr>
-</p:sld>
-</file>
-
-<file path=ppt/slides/slide29.xml><?xml version="1.0" encoding="utf-8"?>
-<p:sld xmlns:a="http://schemas.openxmlformats.org/drawingml/2006/main" xmlns:r="http://schemas.openxmlformats.org/officeDocument/2006/relationships" xmlns:p="http://schemas.openxmlformats.org/presentationml/2006/main">
-  <p:cSld>
-    <p:spTree>
-      <p:nvGrpSpPr>
-        <p:cNvPr id="1" name=""/>
-        <p:cNvGrpSpPr/>
-        <p:nvPr/>
-      </p:nvGrpSpPr>
-      <p:grpSpPr>
-        <a:xfrm>
-          <a:off x="0" y="0"/>
-          <a:ext cx="0" cy="0"/>
-          <a:chOff x="0" y="0"/>
-          <a:chExt cx="0" cy="0"/>
-        </a:xfrm>
-      </p:grpSpPr>
-      <p:sp>
-        <p:nvSpPr>
-          <p:cNvPr id="2" name="Título 1"/>
-          <p:cNvSpPr>
-            <a:spLocks noGrp="1"/>
-          </p:cNvSpPr>
-          <p:nvPr>
-            <p:ph type="ctrTitle"/>
-          </p:nvPr>
-        </p:nvSpPr>
-        <p:spPr/>
-        <p:txBody>
-          <a:bodyPr/>
-          <a:lstStyle/>
-          <a:p>
-            <a:r>
-              <a:rPr lang="es-MX" dirty="0" smtClean="0"/>
-              <a:t>3.1 </a:t>
-            </a:r>
-            <a:r>
-              <a:rPr lang="es-MX" dirty="0" err="1" smtClean="0"/>
-              <a:t>Comparing</a:t>
-            </a:r>
-            <a:r>
-              <a:rPr lang="es-MX" dirty="0" smtClean="0"/>
-              <a:t> binomial response </a:t>
-            </a:r>
-            <a:r>
-              <a:rPr lang="es-MX" dirty="0" err="1" smtClean="0"/>
-              <a:t>rates</a:t>
-            </a:r>
-            <a:endParaRPr lang="es-MX" dirty="0"/>
-          </a:p>
-        </p:txBody>
-      </p:sp>
-      <p:sp>
-        <p:nvSpPr>
-          <p:cNvPr id="3" name="Subtítulo 2"/>
-          <p:cNvSpPr>
-            <a:spLocks noGrp="1"/>
-          </p:cNvSpPr>
-          <p:nvPr>
-            <p:ph type="subTitle" idx="1"/>
-          </p:nvPr>
-        </p:nvSpPr>
-        <p:spPr/>
-        <p:txBody>
-          <a:bodyPr/>
-          <a:lstStyle/>
-          <a:p>
-            <a:endParaRPr lang="es-MX" dirty="0"/>
-          </a:p>
-        </p:txBody>
-      </p:sp>
-      <p:sp>
-        <p:nvSpPr>
-          <p:cNvPr id="5" name="Rectángulo 4"/>
-          <p:cNvSpPr/>
-          <p:nvPr/>
-        </p:nvSpPr>
-        <p:spPr>
-          <a:xfrm>
-            <a:off x="0" y="0"/>
-            <a:ext cx="12192000" cy="116203"/>
-          </a:xfrm>
-          <a:prstGeom prst="rect">
-            <a:avLst/>
-          </a:prstGeom>
-          <a:solidFill>
-            <a:schemeClr val="accent3">
-              <a:lumMod val="20000"/>
-              <a:lumOff val="80000"/>
-            </a:schemeClr>
-          </a:solidFill>
-          <a:ln>
-            <a:solidFill>
-              <a:schemeClr val="tx1"/>
-            </a:solidFill>
-          </a:ln>
-        </p:spPr>
-        <p:style>
-          <a:lnRef idx="2">
-            <a:schemeClr val="accent1">
-              <a:shade val="50000"/>
-            </a:schemeClr>
-          </a:lnRef>
-          <a:fillRef idx="1">
-            <a:schemeClr val="accent1"/>
-          </a:fillRef>
-          <a:effectRef idx="0">
-            <a:schemeClr val="accent1"/>
-          </a:effectRef>
-          <a:fontRef idx="minor">
-            <a:schemeClr val="lt1"/>
-          </a:fontRef>
-        </p:style>
-        <p:txBody>
-          <a:bodyPr rtlCol="0" anchor="ctr"/>
-          <a:lstStyle/>
-          <a:p>
-            <a:pPr algn="ctr"/>
-            <a:endParaRPr lang="es-MX"/>
-          </a:p>
-        </p:txBody>
-      </p:sp>
-      <p:sp>
-        <p:nvSpPr>
-          <p:cNvPr id="6" name="Rectángulo 5"/>
-          <p:cNvSpPr/>
-          <p:nvPr/>
-        </p:nvSpPr>
-        <p:spPr>
-          <a:xfrm>
-            <a:off x="0" y="6741796"/>
-            <a:ext cx="12192000" cy="116203"/>
-          </a:xfrm>
-          <a:prstGeom prst="rect">
-            <a:avLst/>
-          </a:prstGeom>
-          <a:solidFill>
-            <a:schemeClr val="accent3">
-              <a:lumMod val="20000"/>
-              <a:lumOff val="80000"/>
-            </a:schemeClr>
-          </a:solidFill>
-          <a:ln>
-            <a:solidFill>
-              <a:schemeClr val="tx1"/>
-            </a:solidFill>
-          </a:ln>
-        </p:spPr>
-        <p:style>
-          <a:lnRef idx="2">
-            <a:schemeClr val="accent1">
-              <a:shade val="50000"/>
-            </a:schemeClr>
-          </a:lnRef>
-          <a:fillRef idx="1">
-            <a:schemeClr val="accent1"/>
-          </a:fillRef>
-          <a:effectRef idx="0">
-            <a:schemeClr val="accent1"/>
-          </a:effectRef>
-          <a:fontRef idx="minor">
-            <a:schemeClr val="lt1"/>
-          </a:fontRef>
-        </p:style>
-        <p:txBody>
-          <a:bodyPr rtlCol="0" anchor="ctr"/>
-          <a:lstStyle/>
-          <a:p>
-            <a:pPr algn="ctr"/>
-            <a:endParaRPr lang="es-MX"/>
-          </a:p>
-        </p:txBody>
-      </p:sp>
-    </p:spTree>
-    <p:extLst>
-      <p:ext uri="{BB962C8B-B14F-4D97-AF65-F5344CB8AC3E}">
-        <p14:creationId xmlns:p14="http://schemas.microsoft.com/office/powerpoint/2010/main" val="520234874"/>
       </p:ext>
     </p:extLst>
   </p:cSld>
@@ -12524,7 +12839,7 @@
             <a:spLocks noGrp="1"/>
           </p:cNvSpPr>
           <p:nvPr>
-            <p:ph type="title"/>
+            <p:ph type="ctrTitle"/>
           </p:nvPr>
         </p:nvSpPr>
         <p:spPr/>
@@ -12532,18 +12847,34 @@
           <a:bodyPr/>
           <a:lstStyle/>
           <a:p>
-            <a:endParaRPr lang="es-MX"/>
+            <a:r>
+              <a:rPr lang="es-MX" dirty="0" smtClean="0"/>
+              <a:t>3.1 </a:t>
+            </a:r>
+            <a:r>
+              <a:rPr lang="es-MX" dirty="0" err="1" smtClean="0"/>
+              <a:t>Comparing</a:t>
+            </a:r>
+            <a:r>
+              <a:rPr lang="es-MX" dirty="0" smtClean="0"/>
+              <a:t> binomial response </a:t>
+            </a:r>
+            <a:r>
+              <a:rPr lang="es-MX" dirty="0" err="1" smtClean="0"/>
+              <a:t>rates</a:t>
+            </a:r>
+            <a:endParaRPr lang="es-MX" dirty="0"/>
           </a:p>
         </p:txBody>
       </p:sp>
       <p:sp>
         <p:nvSpPr>
-          <p:cNvPr id="3" name="Marcador de contenido 2"/>
+          <p:cNvPr id="3" name="Subtítulo 2"/>
           <p:cNvSpPr>
             <a:spLocks noGrp="1"/>
           </p:cNvSpPr>
           <p:nvPr>
-            <p:ph idx="1"/>
+            <p:ph type="subTitle" idx="1"/>
           </p:nvPr>
         </p:nvSpPr>
         <p:spPr/>
@@ -12551,7 +12882,7 @@
           <a:bodyPr/>
           <a:lstStyle/>
           <a:p>
-            <a:endParaRPr lang="es-MX"/>
+            <a:endParaRPr lang="es-MX" dirty="0"/>
           </a:p>
         </p:txBody>
       </p:sp>
@@ -12657,6 +12988,176 @@
           </a:p>
         </p:txBody>
       </p:sp>
+    </p:spTree>
+    <p:extLst>
+      <p:ext uri="{BB962C8B-B14F-4D97-AF65-F5344CB8AC3E}">
+        <p14:creationId xmlns:p14="http://schemas.microsoft.com/office/powerpoint/2010/main" val="520234874"/>
+      </p:ext>
+    </p:extLst>
+  </p:cSld>
+  <p:clrMapOvr>
+    <a:masterClrMapping/>
+  </p:clrMapOvr>
+</p:sld>
+</file>
+
+<file path=ppt/slides/slide31.xml><?xml version="1.0" encoding="utf-8"?>
+<p:sld xmlns:a="http://schemas.openxmlformats.org/drawingml/2006/main" xmlns:r="http://schemas.openxmlformats.org/officeDocument/2006/relationships" xmlns:p="http://schemas.openxmlformats.org/presentationml/2006/main">
+  <p:cSld>
+    <p:spTree>
+      <p:nvGrpSpPr>
+        <p:cNvPr id="1" name=""/>
+        <p:cNvGrpSpPr/>
+        <p:nvPr/>
+      </p:nvGrpSpPr>
+      <p:grpSpPr>
+        <a:xfrm>
+          <a:off x="0" y="0"/>
+          <a:ext cx="0" cy="0"/>
+          <a:chOff x="0" y="0"/>
+          <a:chExt cx="0" cy="0"/>
+        </a:xfrm>
+      </p:grpSpPr>
+      <p:sp>
+        <p:nvSpPr>
+          <p:cNvPr id="2" name="Título 1"/>
+          <p:cNvSpPr>
+            <a:spLocks noGrp="1"/>
+          </p:cNvSpPr>
+          <p:nvPr>
+            <p:ph type="title"/>
+          </p:nvPr>
+        </p:nvSpPr>
+        <p:spPr/>
+        <p:txBody>
+          <a:bodyPr/>
+          <a:lstStyle/>
+          <a:p>
+            <a:endParaRPr lang="es-MX"/>
+          </a:p>
+        </p:txBody>
+      </p:sp>
+      <p:sp>
+        <p:nvSpPr>
+          <p:cNvPr id="3" name="Marcador de contenido 2"/>
+          <p:cNvSpPr>
+            <a:spLocks noGrp="1"/>
+          </p:cNvSpPr>
+          <p:nvPr>
+            <p:ph idx="1"/>
+          </p:nvPr>
+        </p:nvSpPr>
+        <p:spPr/>
+        <p:txBody>
+          <a:bodyPr/>
+          <a:lstStyle/>
+          <a:p>
+            <a:endParaRPr lang="es-MX"/>
+          </a:p>
+        </p:txBody>
+      </p:sp>
+      <p:sp>
+        <p:nvSpPr>
+          <p:cNvPr id="5" name="Rectángulo 4"/>
+          <p:cNvSpPr/>
+          <p:nvPr/>
+        </p:nvSpPr>
+        <p:spPr>
+          <a:xfrm>
+            <a:off x="0" y="0"/>
+            <a:ext cx="12192000" cy="116203"/>
+          </a:xfrm>
+          <a:prstGeom prst="rect">
+            <a:avLst/>
+          </a:prstGeom>
+          <a:solidFill>
+            <a:schemeClr val="accent3">
+              <a:lumMod val="20000"/>
+              <a:lumOff val="80000"/>
+            </a:schemeClr>
+          </a:solidFill>
+          <a:ln>
+            <a:solidFill>
+              <a:schemeClr val="tx1"/>
+            </a:solidFill>
+          </a:ln>
+        </p:spPr>
+        <p:style>
+          <a:lnRef idx="2">
+            <a:schemeClr val="accent1">
+              <a:shade val="50000"/>
+            </a:schemeClr>
+          </a:lnRef>
+          <a:fillRef idx="1">
+            <a:schemeClr val="accent1"/>
+          </a:fillRef>
+          <a:effectRef idx="0">
+            <a:schemeClr val="accent1"/>
+          </a:effectRef>
+          <a:fontRef idx="minor">
+            <a:schemeClr val="lt1"/>
+          </a:fontRef>
+        </p:style>
+        <p:txBody>
+          <a:bodyPr rtlCol="0" anchor="ctr"/>
+          <a:lstStyle/>
+          <a:p>
+            <a:pPr algn="ctr"/>
+            <a:endParaRPr lang="es-MX"/>
+          </a:p>
+        </p:txBody>
+      </p:sp>
+      <p:sp>
+        <p:nvSpPr>
+          <p:cNvPr id="6" name="Rectángulo 5"/>
+          <p:cNvSpPr/>
+          <p:nvPr/>
+        </p:nvSpPr>
+        <p:spPr>
+          <a:xfrm>
+            <a:off x="0" y="6741796"/>
+            <a:ext cx="12192000" cy="116203"/>
+          </a:xfrm>
+          <a:prstGeom prst="rect">
+            <a:avLst/>
+          </a:prstGeom>
+          <a:solidFill>
+            <a:schemeClr val="accent3">
+              <a:lumMod val="20000"/>
+              <a:lumOff val="80000"/>
+            </a:schemeClr>
+          </a:solidFill>
+          <a:ln>
+            <a:solidFill>
+              <a:schemeClr val="tx1"/>
+            </a:solidFill>
+          </a:ln>
+        </p:spPr>
+        <p:style>
+          <a:lnRef idx="2">
+            <a:schemeClr val="accent1">
+              <a:shade val="50000"/>
+            </a:schemeClr>
+          </a:lnRef>
+          <a:fillRef idx="1">
+            <a:schemeClr val="accent1"/>
+          </a:fillRef>
+          <a:effectRef idx="0">
+            <a:schemeClr val="accent1"/>
+          </a:effectRef>
+          <a:fontRef idx="minor">
+            <a:schemeClr val="lt1"/>
+          </a:fontRef>
+        </p:style>
+        <p:txBody>
+          <a:bodyPr rtlCol="0" anchor="ctr"/>
+          <a:lstStyle/>
+          <a:p>
+            <a:pPr algn="ctr"/>
+            <a:endParaRPr lang="es-MX"/>
+          </a:p>
+        </p:txBody>
+      </p:sp>
       <p:pic>
         <p:nvPicPr>
           <p:cNvPr id="8" name="Imagen 7"/>
@@ -12694,7 +13195,7 @@
 </p:sld>
 </file>
 
-<file path=ppt/slides/slide31.xml><?xml version="1.0" encoding="utf-8"?>
+<file path=ppt/slides/slide32.xml><?xml version="1.0" encoding="utf-8"?>
 <p:sld xmlns:a="http://schemas.openxmlformats.org/drawingml/2006/main" xmlns:r="http://schemas.openxmlformats.org/officeDocument/2006/relationships" xmlns:p="http://schemas.openxmlformats.org/presentationml/2006/main">
   <p:cSld>
     <p:spTree>
@@ -13086,7 +13587,7 @@
 </p:sld>
 </file>
 
-<file path=ppt/slides/slide32.xml><?xml version="1.0" encoding="utf-8"?>
+<file path=ppt/slides/slide33.xml><?xml version="1.0" encoding="utf-8"?>
 <p:sld xmlns:a="http://schemas.openxmlformats.org/drawingml/2006/main" xmlns:r="http://schemas.openxmlformats.org/officeDocument/2006/relationships" xmlns:p="http://schemas.openxmlformats.org/presentationml/2006/main">
   <p:cSld>
     <p:spTree>
@@ -13328,7 +13829,7 @@
 </p:sld>
 </file>
 
-<file path=ppt/slides/slide33.xml><?xml version="1.0" encoding="utf-8"?>
+<file path=ppt/slides/slide34.xml><?xml version="1.0" encoding="utf-8"?>
 <p:sld xmlns:a="http://schemas.openxmlformats.org/drawingml/2006/main" xmlns:r="http://schemas.openxmlformats.org/officeDocument/2006/relationships" xmlns:p="http://schemas.openxmlformats.org/presentationml/2006/main">
   <p:cSld>
     <p:spTree>
@@ -13826,7 +14327,7 @@
 </p:sld>
 </file>
 
-<file path=ppt/slides/slide34.xml><?xml version="1.0" encoding="utf-8"?>
+<file path=ppt/slides/slide35.xml><?xml version="1.0" encoding="utf-8"?>
 <p:sld xmlns:a="http://schemas.openxmlformats.org/drawingml/2006/main" xmlns:r="http://schemas.openxmlformats.org/officeDocument/2006/relationships" xmlns:p="http://schemas.openxmlformats.org/presentationml/2006/main">
   <p:cSld>
     <p:spTree>
@@ -14499,7 +15000,7 @@
 </p:sld>
 </file>
 
-<file path=ppt/slides/slide35.xml><?xml version="1.0" encoding="utf-8"?>
+<file path=ppt/slides/slide36.xml><?xml version="1.0" encoding="utf-8"?>
 <p:sld xmlns:a="http://schemas.openxmlformats.org/drawingml/2006/main" xmlns:r="http://schemas.openxmlformats.org/officeDocument/2006/relationships" xmlns:p="http://schemas.openxmlformats.org/presentationml/2006/main">
   <p:cSld>
     <p:spTree>
@@ -15082,7 +15583,7 @@
 </p:sld>
 </file>
 
-<file path=ppt/slides/slide36.xml><?xml version="1.0" encoding="utf-8"?>
+<file path=ppt/slides/slide37.xml><?xml version="1.0" encoding="utf-8"?>
 <p:sld xmlns:a="http://schemas.openxmlformats.org/drawingml/2006/main" xmlns:r="http://schemas.openxmlformats.org/officeDocument/2006/relationships" xmlns:p="http://schemas.openxmlformats.org/presentationml/2006/main">
   <p:cSld>
     <p:spTree>
@@ -16091,7 +16592,7 @@
 </p:sld>
 </file>
 
-<file path=ppt/slides/slide37.xml><?xml version="1.0" encoding="utf-8"?>
+<file path=ppt/slides/slide38.xml><?xml version="1.0" encoding="utf-8"?>
 <p:sld xmlns:a="http://schemas.openxmlformats.org/drawingml/2006/main" xmlns:r="http://schemas.openxmlformats.org/officeDocument/2006/relationships" xmlns:p="http://schemas.openxmlformats.org/presentationml/2006/main">
   <p:cSld>
     <p:spTree>
@@ -17254,7 +17755,7 @@
 </p:sld>
 </file>
 
-<file path=ppt/slides/slide38.xml><?xml version="1.0" encoding="utf-8"?>
+<file path=ppt/slides/slide39.xml><?xml version="1.0" encoding="utf-8"?>
 <p:sld xmlns:a="http://schemas.openxmlformats.org/drawingml/2006/main" xmlns:r="http://schemas.openxmlformats.org/officeDocument/2006/relationships" xmlns:p="http://schemas.openxmlformats.org/presentationml/2006/main">
   <p:cSld>
     <p:spTree>
@@ -17686,455 +18187,6 @@
     <p:extLst>
       <p:ext uri="{BB962C8B-B14F-4D97-AF65-F5344CB8AC3E}">
         <p14:creationId xmlns:p14="http://schemas.microsoft.com/office/powerpoint/2010/main" val="826325559"/>
-      </p:ext>
-    </p:extLst>
-  </p:cSld>
-  <p:clrMapOvr>
-    <a:masterClrMapping/>
-  </p:clrMapOvr>
-</p:sld>
-</file>
-
-<file path=ppt/slides/slide39.xml><?xml version="1.0" encoding="utf-8"?>
-<p:sld xmlns:a="http://schemas.openxmlformats.org/drawingml/2006/main" xmlns:r="http://schemas.openxmlformats.org/officeDocument/2006/relationships" xmlns:p="http://schemas.openxmlformats.org/presentationml/2006/main">
-  <p:cSld>
-    <p:spTree>
-      <p:nvGrpSpPr>
-        <p:cNvPr id="1" name=""/>
-        <p:cNvGrpSpPr/>
-        <p:nvPr/>
-      </p:nvGrpSpPr>
-      <p:grpSpPr>
-        <a:xfrm>
-          <a:off x="0" y="0"/>
-          <a:ext cx="0" cy="0"/>
-          <a:chOff x="0" y="0"/>
-          <a:chExt cx="0" cy="0"/>
-        </a:xfrm>
-      </p:grpSpPr>
-      <p:sp>
-        <p:nvSpPr>
-          <p:cNvPr id="2" name="Título 1"/>
-          <p:cNvSpPr>
-            <a:spLocks noGrp="1"/>
-          </p:cNvSpPr>
-          <p:nvPr>
-            <p:ph type="title"/>
-          </p:nvPr>
-        </p:nvSpPr>
-        <p:spPr>
-          <a:xfrm>
-            <a:off x="0" y="166950"/>
-            <a:ext cx="10515600" cy="1325563"/>
-          </a:xfrm>
-        </p:spPr>
-        <p:txBody>
-          <a:bodyPr/>
-          <a:lstStyle/>
-          <a:p>
-            <a:r>
-              <a:rPr lang="es-MX" dirty="0" err="1" smtClean="0"/>
-              <a:t>Plot</a:t>
-            </a:r>
-            <a:r>
-              <a:rPr lang="es-MX" dirty="0"/>
-              <a:t> </a:t>
-            </a:r>
-            <a:r>
-              <a:rPr lang="es-MX" dirty="0" smtClean="0"/>
-              <a:t>1</a:t>
-            </a:r>
-            <a:endParaRPr lang="es-MX" dirty="0"/>
-          </a:p>
-        </p:txBody>
-      </p:sp>
-      <p:sp>
-        <p:nvSpPr>
-          <p:cNvPr id="3" name="Marcador de contenido 2"/>
-          <p:cNvSpPr>
-            <a:spLocks noGrp="1"/>
-          </p:cNvSpPr>
-          <p:nvPr>
-            <p:ph idx="1"/>
-          </p:nvPr>
-        </p:nvSpPr>
-        <p:spPr>
-          <a:xfrm>
-            <a:off x="67733" y="1302993"/>
-            <a:ext cx="4504267" cy="4351338"/>
-          </a:xfrm>
-        </p:spPr>
-        <p:txBody>
-          <a:bodyPr>
-            <a:normAutofit/>
-          </a:bodyPr>
-          <a:lstStyle/>
-          <a:p>
-            <a:pPr marL="0" indent="0" algn="just">
-              <a:buNone/>
-            </a:pPr>
-            <a:r>
-              <a:rPr lang="es-MX" sz="2500" dirty="0" err="1" smtClean="0"/>
-              <a:t>We</a:t>
-            </a:r>
-            <a:r>
-              <a:rPr lang="es-MX" sz="2500" dirty="0" smtClean="0"/>
-              <a:t> can </a:t>
-            </a:r>
-            <a:r>
-              <a:rPr lang="es-MX" sz="2500" dirty="0" err="1" smtClean="0"/>
-              <a:t>see</a:t>
-            </a:r>
-            <a:r>
-              <a:rPr lang="es-MX" sz="2500" dirty="0" smtClean="0"/>
-              <a:t> </a:t>
-            </a:r>
-            <a:r>
-              <a:rPr lang="es-MX" sz="2500" dirty="0" err="1" smtClean="0"/>
-              <a:t>that</a:t>
-            </a:r>
-            <a:r>
-              <a:rPr lang="es-MX" sz="2500" dirty="0" smtClean="0"/>
-              <a:t> </a:t>
-            </a:r>
-            <a:r>
-              <a:rPr lang="es-MX" sz="2500" dirty="0" err="1" smtClean="0"/>
-              <a:t>for</a:t>
-            </a:r>
-            <a:r>
-              <a:rPr lang="es-MX" sz="2500" dirty="0" smtClean="0"/>
-              <a:t> </a:t>
-            </a:r>
-            <a:r>
-              <a:rPr lang="es-MX" sz="2500" b="1" dirty="0" err="1" smtClean="0"/>
-              <a:t>Experiment</a:t>
-            </a:r>
-            <a:r>
-              <a:rPr lang="es-MX" sz="2500" b="1" dirty="0" smtClean="0"/>
-              <a:t> No. 1</a:t>
-            </a:r>
-            <a:r>
-              <a:rPr lang="es-MX" sz="2500" dirty="0" smtClean="0"/>
-              <a:t>, </a:t>
-            </a:r>
-            <a:r>
-              <a:rPr lang="es-MX" sz="2500" dirty="0" err="1" smtClean="0"/>
-              <a:t>there</a:t>
-            </a:r>
-            <a:r>
-              <a:rPr lang="es-MX" sz="2500" dirty="0" smtClean="0"/>
-              <a:t> are 9 </a:t>
-            </a:r>
-            <a:r>
-              <a:rPr lang="es-MX" sz="2500" dirty="0" err="1" smtClean="0"/>
-              <a:t>participants</a:t>
-            </a:r>
-            <a:r>
-              <a:rPr lang="es-MX" sz="2500" dirty="0" smtClean="0"/>
-              <a:t> (Golden color) </a:t>
-            </a:r>
-            <a:r>
-              <a:rPr lang="es-MX" sz="2500" dirty="0" err="1" smtClean="0"/>
-              <a:t>who</a:t>
-            </a:r>
-            <a:r>
-              <a:rPr lang="es-MX" sz="2500" dirty="0" smtClean="0"/>
-              <a:t> show a </a:t>
-            </a:r>
-            <a:r>
-              <a:rPr lang="es-MX" sz="2500" b="1" dirty="0" err="1" smtClean="0"/>
-              <a:t>greater</a:t>
-            </a:r>
-            <a:r>
-              <a:rPr lang="es-MX" sz="2500" b="1" dirty="0" smtClean="0"/>
-              <a:t> posterior </a:t>
-            </a:r>
-            <a:r>
-              <a:rPr lang="es-MX" sz="2500" b="1" dirty="0" err="1" smtClean="0"/>
-              <a:t>desity</a:t>
-            </a:r>
-            <a:r>
-              <a:rPr lang="es-MX" sz="2500" b="1" dirty="0" smtClean="0"/>
-              <a:t> at </a:t>
-            </a:r>
-            <a:r>
-              <a:rPr lang="es-MX" sz="2500" b="1" dirty="0" err="1" smtClean="0"/>
-              <a:t>the</a:t>
-            </a:r>
-            <a:r>
-              <a:rPr lang="es-MX" sz="2500" b="1" dirty="0" smtClean="0"/>
-              <a:t> 0 </a:t>
-            </a:r>
-            <a:r>
-              <a:rPr lang="es-MX" sz="2500" b="1" dirty="0" err="1" smtClean="0"/>
-              <a:t>difference</a:t>
-            </a:r>
-            <a:r>
-              <a:rPr lang="es-MX" sz="2500" b="1" dirty="0" smtClean="0"/>
-              <a:t> </a:t>
-            </a:r>
-            <a:r>
-              <a:rPr lang="es-MX" sz="2500" b="1" dirty="0" err="1" smtClean="0"/>
-              <a:t>point</a:t>
-            </a:r>
-            <a:r>
-              <a:rPr lang="es-MX" sz="2500" b="1" dirty="0" smtClean="0"/>
-              <a:t> </a:t>
-            </a:r>
-            <a:r>
-              <a:rPr lang="es-MX" sz="2500" b="1" dirty="0" err="1" smtClean="0"/>
-              <a:t>between</a:t>
-            </a:r>
-            <a:r>
-              <a:rPr lang="es-MX" sz="2500" b="1" dirty="0" smtClean="0"/>
-              <a:t> </a:t>
-            </a:r>
-            <a:r>
-              <a:rPr lang="es-MX" sz="2500" b="1" dirty="0" err="1" smtClean="0"/>
-              <a:t>the</a:t>
-            </a:r>
-            <a:r>
-              <a:rPr lang="es-MX" sz="2500" b="1" dirty="0" smtClean="0"/>
-              <a:t> False </a:t>
-            </a:r>
-            <a:r>
-              <a:rPr lang="es-MX" sz="2500" b="1" dirty="0" err="1" smtClean="0"/>
-              <a:t>Alarms</a:t>
-            </a:r>
-            <a:r>
-              <a:rPr lang="es-MX" sz="2500" b="1" dirty="0" smtClean="0"/>
-              <a:t> </a:t>
-            </a:r>
-            <a:r>
-              <a:rPr lang="es-MX" sz="2500" b="1" dirty="0" err="1" smtClean="0"/>
-              <a:t>rates</a:t>
-            </a:r>
-            <a:r>
-              <a:rPr lang="es-MX" sz="2500" dirty="0" smtClean="0"/>
-              <a:t> </a:t>
-            </a:r>
-            <a:r>
-              <a:rPr lang="es-MX" sz="2500" dirty="0" err="1" smtClean="0"/>
-              <a:t>for</a:t>
-            </a:r>
-            <a:r>
-              <a:rPr lang="es-MX" sz="2500" dirty="0" smtClean="0"/>
-              <a:t> </a:t>
-            </a:r>
-            <a:r>
-              <a:rPr lang="es-MX" sz="2500" dirty="0" err="1" smtClean="0"/>
-              <a:t>each</a:t>
-            </a:r>
-            <a:r>
-              <a:rPr lang="es-MX" sz="2500" dirty="0" smtClean="0"/>
-              <a:t> </a:t>
-            </a:r>
-            <a:r>
-              <a:rPr lang="es-MX" sz="2500" dirty="0" err="1" smtClean="0"/>
-              <a:t>class</a:t>
-            </a:r>
-            <a:r>
-              <a:rPr lang="es-MX" sz="2500" dirty="0" smtClean="0"/>
-              <a:t> of </a:t>
-            </a:r>
-            <a:r>
-              <a:rPr lang="es-MX" sz="2500" dirty="0" err="1" smtClean="0"/>
-              <a:t>stimuli</a:t>
-            </a:r>
-            <a:r>
-              <a:rPr lang="es-MX" sz="2500" dirty="0" smtClean="0"/>
-              <a:t>, </a:t>
-            </a:r>
-            <a:r>
-              <a:rPr lang="es-MX" sz="2500" dirty="0" err="1" smtClean="0"/>
-              <a:t>compared</a:t>
-            </a:r>
-            <a:r>
-              <a:rPr lang="es-MX" sz="2500" dirty="0" smtClean="0"/>
-              <a:t> </a:t>
-            </a:r>
-            <a:r>
-              <a:rPr lang="es-MX" sz="2500" dirty="0" err="1" smtClean="0"/>
-              <a:t>to</a:t>
-            </a:r>
-            <a:r>
-              <a:rPr lang="es-MX" sz="2500" dirty="0" smtClean="0"/>
-              <a:t> </a:t>
-            </a:r>
-            <a:r>
-              <a:rPr lang="es-MX" sz="2500" dirty="0" err="1" smtClean="0"/>
-              <a:t>the</a:t>
-            </a:r>
-            <a:r>
-              <a:rPr lang="es-MX" sz="2500" dirty="0" smtClean="0"/>
-              <a:t> artificial prior </a:t>
-            </a:r>
-            <a:r>
-              <a:rPr lang="es-MX" sz="2500" dirty="0" err="1" smtClean="0"/>
-              <a:t>distribution</a:t>
-            </a:r>
-            <a:r>
-              <a:rPr lang="es-MX" sz="2500" dirty="0"/>
-              <a:t> </a:t>
-            </a:r>
-            <a:r>
-              <a:rPr lang="es-MX" sz="2500" dirty="0" err="1" smtClean="0"/>
-              <a:t>proposed</a:t>
-            </a:r>
-            <a:r>
-              <a:rPr lang="es-MX" sz="2500" dirty="0" smtClean="0"/>
-              <a:t> </a:t>
-            </a:r>
-            <a:r>
-              <a:rPr lang="es-MX" sz="2500" dirty="0" err="1" smtClean="0"/>
-              <a:t>for</a:t>
-            </a:r>
-            <a:r>
-              <a:rPr lang="es-MX" sz="2500" dirty="0" smtClean="0"/>
-              <a:t> </a:t>
-            </a:r>
-            <a:r>
-              <a:rPr lang="es-MX" sz="2500" dirty="0" err="1" smtClean="0"/>
-              <a:t>reference</a:t>
-            </a:r>
-            <a:r>
-              <a:rPr lang="es-MX" sz="2500" dirty="0" smtClean="0"/>
-              <a:t>.</a:t>
-            </a:r>
-            <a:endParaRPr lang="es-MX" sz="2500" dirty="0"/>
-          </a:p>
-        </p:txBody>
-      </p:sp>
-      <p:sp>
-        <p:nvSpPr>
-          <p:cNvPr id="6" name="Rectángulo 5"/>
-          <p:cNvSpPr/>
-          <p:nvPr/>
-        </p:nvSpPr>
-        <p:spPr>
-          <a:xfrm>
-            <a:off x="0" y="0"/>
-            <a:ext cx="12192000" cy="116203"/>
-          </a:xfrm>
-          <a:prstGeom prst="rect">
-            <a:avLst/>
-          </a:prstGeom>
-          <a:solidFill>
-            <a:schemeClr val="accent5">
-              <a:lumMod val="20000"/>
-              <a:lumOff val="80000"/>
-            </a:schemeClr>
-          </a:solidFill>
-          <a:ln>
-            <a:solidFill>
-              <a:schemeClr val="tx1"/>
-            </a:solidFill>
-          </a:ln>
-        </p:spPr>
-        <p:style>
-          <a:lnRef idx="2">
-            <a:schemeClr val="accent1">
-              <a:shade val="50000"/>
-            </a:schemeClr>
-          </a:lnRef>
-          <a:fillRef idx="1">
-            <a:schemeClr val="accent1"/>
-          </a:fillRef>
-          <a:effectRef idx="0">
-            <a:schemeClr val="accent1"/>
-          </a:effectRef>
-          <a:fontRef idx="minor">
-            <a:schemeClr val="lt1"/>
-          </a:fontRef>
-        </p:style>
-        <p:txBody>
-          <a:bodyPr rtlCol="0" anchor="ctr"/>
-          <a:lstStyle/>
-          <a:p>
-            <a:pPr algn="ctr"/>
-            <a:endParaRPr lang="es-MX"/>
-          </a:p>
-        </p:txBody>
-      </p:sp>
-      <p:sp>
-        <p:nvSpPr>
-          <p:cNvPr id="7" name="Rectángulo 6"/>
-          <p:cNvSpPr/>
-          <p:nvPr/>
-        </p:nvSpPr>
-        <p:spPr>
-          <a:xfrm>
-            <a:off x="0" y="6741796"/>
-            <a:ext cx="12192000" cy="116203"/>
-          </a:xfrm>
-          <a:prstGeom prst="rect">
-            <a:avLst/>
-          </a:prstGeom>
-          <a:solidFill>
-            <a:schemeClr val="accent5">
-              <a:lumMod val="20000"/>
-              <a:lumOff val="80000"/>
-            </a:schemeClr>
-          </a:solidFill>
-          <a:ln>
-            <a:solidFill>
-              <a:schemeClr val="tx1"/>
-            </a:solidFill>
-          </a:ln>
-        </p:spPr>
-        <p:style>
-          <a:lnRef idx="2">
-            <a:schemeClr val="accent1">
-              <a:shade val="50000"/>
-            </a:schemeClr>
-          </a:lnRef>
-          <a:fillRef idx="1">
-            <a:schemeClr val="accent1"/>
-          </a:fillRef>
-          <a:effectRef idx="0">
-            <a:schemeClr val="accent1"/>
-          </a:effectRef>
-          <a:fontRef idx="minor">
-            <a:schemeClr val="lt1"/>
-          </a:fontRef>
-        </p:style>
-        <p:txBody>
-          <a:bodyPr rtlCol="0" anchor="ctr"/>
-          <a:lstStyle/>
-          <a:p>
-            <a:pPr algn="ctr"/>
-            <a:endParaRPr lang="es-MX"/>
-          </a:p>
-        </p:txBody>
-      </p:sp>
-      <p:pic>
-        <p:nvPicPr>
-          <p:cNvPr id="10" name="Imagen 9"/>
-          <p:cNvPicPr>
-            <a:picLocks noChangeAspect="1"/>
-          </p:cNvPicPr>
-          <p:nvPr/>
-        </p:nvPicPr>
-        <p:blipFill>
-          <a:blip r:embed="rId2"/>
-          <a:stretch>
-            <a:fillRect/>
-          </a:stretch>
-        </p:blipFill>
-        <p:spPr>
-          <a:xfrm>
-            <a:off x="4792369" y="643468"/>
-            <a:ext cx="7399631" cy="5554596"/>
-          </a:xfrm>
-          <a:prstGeom prst="rect">
-            <a:avLst/>
-          </a:prstGeom>
-        </p:spPr>
-      </p:pic>
-    </p:spTree>
-    <p:extLst>
-      <p:ext uri="{BB962C8B-B14F-4D97-AF65-F5344CB8AC3E}">
-        <p14:creationId xmlns:p14="http://schemas.microsoft.com/office/powerpoint/2010/main" val="1908374401"/>
       </p:ext>
     </p:extLst>
   </p:cSld>
@@ -18299,8 +18351,13 @@
             </a:r>
             <a:r>
               <a:rPr lang="es-MX" dirty="0"/>
-              <a:t> 2</a:t>
-            </a:r>
+              <a:t> </a:t>
+            </a:r>
+            <a:r>
+              <a:rPr lang="es-MX" dirty="0" smtClean="0"/>
+              <a:t>1</a:t>
+            </a:r>
+            <a:endParaRPr lang="es-MX" dirty="0"/>
           </a:p>
         </p:txBody>
       </p:sp>
@@ -18375,11 +18432,11 @@
             </a:r>
             <a:r>
               <a:rPr lang="es-MX" sz="2500" dirty="0" err="1" smtClean="0"/>
-              <a:t>all</a:t>
+              <a:t>there</a:t>
             </a:r>
             <a:r>
               <a:rPr lang="es-MX" sz="2500" dirty="0" smtClean="0"/>
-              <a:t> </a:t>
+              <a:t> are 9 </a:t>
             </a:r>
             <a:r>
               <a:rPr lang="es-MX" sz="2500" dirty="0" err="1" smtClean="0"/>
@@ -18387,51 +18444,131 @@
             </a:r>
             <a:r>
               <a:rPr lang="es-MX" sz="2500" dirty="0" smtClean="0"/>
-              <a:t> </a:t>
+              <a:t> (Golden color) </a:t>
             </a:r>
             <a:r>
               <a:rPr lang="es-MX" sz="2500" dirty="0" err="1" smtClean="0"/>
-              <a:t>had</a:t>
+              <a:t>who</a:t>
             </a:r>
             <a:r>
               <a:rPr lang="es-MX" sz="2500" dirty="0" smtClean="0"/>
-              <a:t> a </a:t>
+              <a:t> show a </a:t>
+            </a:r>
+            <a:r>
+              <a:rPr lang="es-MX" sz="2500" b="1" dirty="0" err="1" smtClean="0"/>
+              <a:t>greater</a:t>
+            </a:r>
+            <a:r>
+              <a:rPr lang="es-MX" sz="2500" b="1" dirty="0" smtClean="0"/>
+              <a:t> posterior </a:t>
+            </a:r>
+            <a:r>
+              <a:rPr lang="es-MX" sz="2500" b="1" dirty="0" err="1" smtClean="0"/>
+              <a:t>desity</a:t>
+            </a:r>
+            <a:r>
+              <a:rPr lang="es-MX" sz="2500" b="1" dirty="0" smtClean="0"/>
+              <a:t> at </a:t>
+            </a:r>
+            <a:r>
+              <a:rPr lang="es-MX" sz="2500" b="1" dirty="0" err="1" smtClean="0"/>
+              <a:t>the</a:t>
+            </a:r>
+            <a:r>
+              <a:rPr lang="es-MX" sz="2500" b="1" dirty="0" smtClean="0"/>
+              <a:t> 0 </a:t>
+            </a:r>
+            <a:r>
+              <a:rPr lang="es-MX" sz="2500" b="1" dirty="0" err="1" smtClean="0"/>
+              <a:t>difference</a:t>
+            </a:r>
+            <a:r>
+              <a:rPr lang="es-MX" sz="2500" b="1" dirty="0" smtClean="0"/>
+              <a:t> </a:t>
+            </a:r>
+            <a:r>
+              <a:rPr lang="es-MX" sz="2500" b="1" dirty="0" err="1" smtClean="0"/>
+              <a:t>point</a:t>
+            </a:r>
+            <a:r>
+              <a:rPr lang="es-MX" sz="2500" b="1" dirty="0" smtClean="0"/>
+              <a:t> </a:t>
+            </a:r>
+            <a:r>
+              <a:rPr lang="es-MX" sz="2500" b="1" dirty="0" err="1" smtClean="0"/>
+              <a:t>between</a:t>
+            </a:r>
+            <a:r>
+              <a:rPr lang="es-MX" sz="2500" b="1" dirty="0" smtClean="0"/>
+              <a:t> </a:t>
+            </a:r>
+            <a:r>
+              <a:rPr lang="es-MX" sz="2500" b="1" dirty="0" err="1" smtClean="0"/>
+              <a:t>the</a:t>
+            </a:r>
+            <a:r>
+              <a:rPr lang="es-MX" sz="2500" b="1" dirty="0" smtClean="0"/>
+              <a:t> False </a:t>
+            </a:r>
+            <a:r>
+              <a:rPr lang="es-MX" sz="2500" b="1" dirty="0" err="1" smtClean="0"/>
+              <a:t>Alarms</a:t>
+            </a:r>
+            <a:r>
+              <a:rPr lang="es-MX" sz="2500" b="1" dirty="0" smtClean="0"/>
+              <a:t> </a:t>
+            </a:r>
+            <a:r>
+              <a:rPr lang="es-MX" sz="2500" b="1" dirty="0" err="1" smtClean="0"/>
+              <a:t>rates</a:t>
+            </a:r>
+            <a:r>
+              <a:rPr lang="es-MX" sz="2500" dirty="0" smtClean="0"/>
+              <a:t> </a:t>
             </a:r>
             <a:r>
               <a:rPr lang="es-MX" sz="2500" dirty="0" err="1" smtClean="0"/>
-              <a:t>greater</a:t>
+              <a:t>for</a:t>
             </a:r>
             <a:r>
               <a:rPr lang="es-MX" sz="2500" dirty="0" smtClean="0"/>
-              <a:t> posterior </a:t>
+              <a:t> </a:t>
             </a:r>
             <a:r>
               <a:rPr lang="es-MX" sz="2500" dirty="0" err="1" smtClean="0"/>
-              <a:t>density</a:t>
+              <a:t>each</a:t>
             </a:r>
             <a:r>
               <a:rPr lang="es-MX" sz="2500" dirty="0" smtClean="0"/>
-              <a:t> at </a:t>
+              <a:t> </a:t>
             </a:r>
             <a:r>
               <a:rPr lang="es-MX" sz="2500" dirty="0" err="1" smtClean="0"/>
-              <a:t>their</a:t>
+              <a:t>class</a:t>
             </a:r>
             <a:r>
               <a:rPr lang="es-MX" sz="2500" dirty="0" smtClean="0"/>
-              <a:t> mean </a:t>
+              <a:t> of </a:t>
             </a:r>
             <a:r>
               <a:rPr lang="es-MX" sz="2500" dirty="0" err="1" smtClean="0"/>
-              <a:t>value</a:t>
+              <a:t>stimuli</a:t>
             </a:r>
             <a:r>
               <a:rPr lang="es-MX" sz="2500" dirty="0" smtClean="0"/>
-              <a:t> </a:t>
+              <a:t>, </a:t>
             </a:r>
             <a:r>
               <a:rPr lang="es-MX" sz="2500" dirty="0" err="1" smtClean="0"/>
-              <a:t>than</a:t>
+              <a:t>compared</a:t>
+            </a:r>
+            <a:r>
+              <a:rPr lang="es-MX" sz="2500" dirty="0" smtClean="0"/>
+              <a:t> </a:t>
+            </a:r>
+            <a:r>
+              <a:rPr lang="es-MX" sz="2500" dirty="0" err="1" smtClean="0"/>
+              <a:t>to</a:t>
             </a:r>
             <a:r>
               <a:rPr lang="es-MX" sz="2500" dirty="0" smtClean="0"/>
@@ -18443,11 +18580,19 @@
             </a:r>
             <a:r>
               <a:rPr lang="es-MX" sz="2500" dirty="0" smtClean="0"/>
-              <a:t> prior at </a:t>
+              <a:t> artificial prior </a:t>
             </a:r>
             <a:r>
               <a:rPr lang="es-MX" sz="2500" dirty="0" err="1" smtClean="0"/>
-              <a:t>this</a:t>
+              <a:t>distribution</a:t>
+            </a:r>
+            <a:r>
+              <a:rPr lang="es-MX" sz="2500" dirty="0"/>
+              <a:t> </a:t>
+            </a:r>
+            <a:r>
+              <a:rPr lang="es-MX" sz="2500" dirty="0" err="1" smtClean="0"/>
+              <a:t>proposed</a:t>
             </a:r>
             <a:r>
               <a:rPr lang="es-MX" sz="2500" dirty="0" smtClean="0"/>
@@ -18455,7 +18600,7 @@
             </a:r>
             <a:r>
               <a:rPr lang="es-MX" sz="2500" dirty="0" err="1" smtClean="0"/>
-              <a:t>very</a:t>
+              <a:t>for</a:t>
             </a:r>
             <a:r>
               <a:rPr lang="es-MX" sz="2500" dirty="0" smtClean="0"/>
@@ -18463,178 +18608,13 @@
             </a:r>
             <a:r>
               <a:rPr lang="es-MX" sz="2500" dirty="0" err="1" smtClean="0"/>
-              <a:t>same</a:t>
-            </a:r>
-            <a:r>
-              <a:rPr lang="es-MX" sz="2500" dirty="0" smtClean="0"/>
-              <a:t> </a:t>
-            </a:r>
-            <a:r>
-              <a:rPr lang="es-MX" sz="2500" dirty="0" err="1" smtClean="0"/>
-              <a:t>point</a:t>
+              <a:t>reference</a:t>
             </a:r>
             <a:r>
               <a:rPr lang="es-MX" sz="2500" dirty="0" smtClean="0"/>
               <a:t>.</a:t>
             </a:r>
-          </a:p>
-          <a:p>
-            <a:pPr marL="0" indent="0" algn="just">
-              <a:buNone/>
-            </a:pPr>
-            <a:endParaRPr lang="es-MX" sz="2500" dirty="0" smtClean="0"/>
-          </a:p>
-          <a:p>
-            <a:pPr marL="0" indent="0" algn="just">
-              <a:buNone/>
-            </a:pPr>
-            <a:endParaRPr lang="es-MX" sz="2500" dirty="0" smtClean="0"/>
-          </a:p>
-          <a:p>
-            <a:pPr marL="0" indent="0" algn="just">
-              <a:buNone/>
-            </a:pPr>
-            <a:r>
-              <a:rPr lang="es-MX" sz="2500" b="1" dirty="0" smtClean="0"/>
-              <a:t>I </a:t>
-            </a:r>
-            <a:r>
-              <a:rPr lang="es-MX" sz="2500" b="1" dirty="0" err="1" smtClean="0"/>
-              <a:t>have</a:t>
-            </a:r>
-            <a:r>
-              <a:rPr lang="es-MX" sz="2500" b="1" dirty="0" smtClean="0"/>
-              <a:t> </a:t>
-            </a:r>
-            <a:r>
-              <a:rPr lang="es-MX" sz="2500" b="1" dirty="0" err="1" smtClean="0"/>
-              <a:t>doubts</a:t>
-            </a:r>
-            <a:r>
-              <a:rPr lang="es-MX" sz="2500" b="1" dirty="0" smtClean="0"/>
-              <a:t> </a:t>
-            </a:r>
-            <a:r>
-              <a:rPr lang="es-MX" sz="2500" b="1" dirty="0" err="1" smtClean="0"/>
-              <a:t>on</a:t>
-            </a:r>
-            <a:r>
-              <a:rPr lang="es-MX" sz="2500" b="1" dirty="0" smtClean="0"/>
-              <a:t> </a:t>
-            </a:r>
-            <a:r>
-              <a:rPr lang="es-MX" sz="2500" b="1" dirty="0" err="1" smtClean="0"/>
-              <a:t>whether</a:t>
-            </a:r>
-            <a:r>
-              <a:rPr lang="es-MX" sz="2500" b="1" dirty="0" smtClean="0"/>
-              <a:t> </a:t>
-            </a:r>
-            <a:r>
-              <a:rPr lang="es-MX" sz="2500" b="1" dirty="0" err="1" smtClean="0"/>
-              <a:t>or</a:t>
-            </a:r>
-            <a:r>
-              <a:rPr lang="es-MX" sz="2500" b="1" dirty="0" smtClean="0"/>
-              <a:t> </a:t>
-            </a:r>
-            <a:r>
-              <a:rPr lang="es-MX" sz="2500" b="1" dirty="0" err="1" smtClean="0"/>
-              <a:t>not</a:t>
-            </a:r>
-            <a:r>
-              <a:rPr lang="es-MX" sz="2500" b="1" dirty="0" smtClean="0"/>
-              <a:t> </a:t>
-            </a:r>
-            <a:r>
-              <a:rPr lang="es-MX" sz="2500" b="1" dirty="0" err="1" smtClean="0"/>
-              <a:t>this</a:t>
-            </a:r>
-            <a:r>
-              <a:rPr lang="es-MX" sz="2500" b="1" dirty="0" smtClean="0"/>
-              <a:t> </a:t>
-            </a:r>
-            <a:r>
-              <a:rPr lang="es-MX" sz="2500" b="1" dirty="0" err="1" smtClean="0"/>
-              <a:t>makes</a:t>
-            </a:r>
-            <a:r>
-              <a:rPr lang="es-MX" sz="2500" b="1" dirty="0" smtClean="0"/>
-              <a:t> </a:t>
-            </a:r>
-            <a:r>
-              <a:rPr lang="es-MX" sz="2500" b="1" dirty="0" err="1" smtClean="0"/>
-              <a:t>sense</a:t>
-            </a:r>
-            <a:r>
-              <a:rPr lang="es-MX" sz="2500" b="1" dirty="0" smtClean="0"/>
-              <a:t>, </a:t>
-            </a:r>
-            <a:r>
-              <a:rPr lang="es-MX" sz="2500" b="1" dirty="0" err="1" smtClean="0"/>
-              <a:t>please</a:t>
-            </a:r>
-            <a:r>
-              <a:rPr lang="es-MX" sz="2500" b="1" dirty="0" smtClean="0"/>
-              <a:t> </a:t>
-            </a:r>
-            <a:r>
-              <a:rPr lang="es-MX" sz="2500" b="1" dirty="0" err="1" smtClean="0"/>
-              <a:t>see</a:t>
-            </a:r>
-            <a:r>
-              <a:rPr lang="es-MX" sz="2500" b="1" dirty="0" smtClean="0"/>
-              <a:t> </a:t>
-            </a:r>
-            <a:r>
-              <a:rPr lang="es-MX" sz="2500" b="1" dirty="0" err="1" smtClean="0"/>
-              <a:t>the</a:t>
-            </a:r>
-            <a:r>
-              <a:rPr lang="es-MX" sz="2500" b="1" dirty="0" smtClean="0"/>
-              <a:t> </a:t>
-            </a:r>
-            <a:r>
-              <a:rPr lang="es-MX" sz="2500" b="1" dirty="0" err="1" smtClean="0"/>
-              <a:t>next</a:t>
-            </a:r>
-            <a:r>
-              <a:rPr lang="es-MX" sz="2500" b="1" dirty="0" smtClean="0"/>
-              <a:t> </a:t>
-            </a:r>
-            <a:r>
-              <a:rPr lang="es-MX" sz="2500" b="1" dirty="0" err="1" smtClean="0"/>
-              <a:t>slide</a:t>
-            </a:r>
-            <a:r>
-              <a:rPr lang="es-MX" sz="2500" b="1" dirty="0" smtClean="0"/>
-              <a:t> </a:t>
-            </a:r>
-            <a:r>
-              <a:rPr lang="es-MX" sz="2500" b="1" dirty="0" err="1" smtClean="0"/>
-              <a:t>for</a:t>
-            </a:r>
-            <a:r>
-              <a:rPr lang="es-MX" sz="2500" b="1" dirty="0" smtClean="0"/>
-              <a:t> </a:t>
-            </a:r>
-            <a:r>
-              <a:rPr lang="es-MX" sz="2500" b="1" dirty="0" err="1" smtClean="0"/>
-              <a:t>the</a:t>
-            </a:r>
-            <a:r>
-              <a:rPr lang="es-MX" sz="2500" b="1" dirty="0" smtClean="0"/>
-              <a:t> </a:t>
-            </a:r>
-            <a:r>
-              <a:rPr lang="es-MX" sz="2500" b="1" dirty="0" err="1" smtClean="0"/>
-              <a:t>details</a:t>
-            </a:r>
-            <a:r>
-              <a:rPr lang="es-MX" sz="2500" b="1" dirty="0" smtClean="0"/>
-              <a:t>…</a:t>
-            </a:r>
-            <a:endParaRPr lang="es-MX" sz="2500" b="1" dirty="0"/>
+            <a:endParaRPr lang="es-MX" sz="2500" dirty="0"/>
           </a:p>
         </p:txBody>
       </p:sp>
@@ -18742,6 +18722,527 @@
       </p:sp>
       <p:pic>
         <p:nvPicPr>
+          <p:cNvPr id="10" name="Imagen 9"/>
+          <p:cNvPicPr>
+            <a:picLocks noChangeAspect="1"/>
+          </p:cNvPicPr>
+          <p:nvPr/>
+        </p:nvPicPr>
+        <p:blipFill>
+          <a:blip r:embed="rId2"/>
+          <a:stretch>
+            <a:fillRect/>
+          </a:stretch>
+        </p:blipFill>
+        <p:spPr>
+          <a:xfrm>
+            <a:off x="4792369" y="643468"/>
+            <a:ext cx="7399631" cy="5554596"/>
+          </a:xfrm>
+          <a:prstGeom prst="rect">
+            <a:avLst/>
+          </a:prstGeom>
+        </p:spPr>
+      </p:pic>
+    </p:spTree>
+    <p:extLst>
+      <p:ext uri="{BB962C8B-B14F-4D97-AF65-F5344CB8AC3E}">
+        <p14:creationId xmlns:p14="http://schemas.microsoft.com/office/powerpoint/2010/main" val="1908374401"/>
+      </p:ext>
+    </p:extLst>
+  </p:cSld>
+  <p:clrMapOvr>
+    <a:masterClrMapping/>
+  </p:clrMapOvr>
+</p:sld>
+</file>
+
+<file path=ppt/slides/slide41.xml><?xml version="1.0" encoding="utf-8"?>
+<p:sld xmlns:a="http://schemas.openxmlformats.org/drawingml/2006/main" xmlns:r="http://schemas.openxmlformats.org/officeDocument/2006/relationships" xmlns:p="http://schemas.openxmlformats.org/presentationml/2006/main">
+  <p:cSld>
+    <p:spTree>
+      <p:nvGrpSpPr>
+        <p:cNvPr id="1" name=""/>
+        <p:cNvGrpSpPr/>
+        <p:nvPr/>
+      </p:nvGrpSpPr>
+      <p:grpSpPr>
+        <a:xfrm>
+          <a:off x="0" y="0"/>
+          <a:ext cx="0" cy="0"/>
+          <a:chOff x="0" y="0"/>
+          <a:chExt cx="0" cy="0"/>
+        </a:xfrm>
+      </p:grpSpPr>
+      <p:sp>
+        <p:nvSpPr>
+          <p:cNvPr id="2" name="Título 1"/>
+          <p:cNvSpPr>
+            <a:spLocks noGrp="1"/>
+          </p:cNvSpPr>
+          <p:nvPr>
+            <p:ph type="title"/>
+          </p:nvPr>
+        </p:nvSpPr>
+        <p:spPr>
+          <a:xfrm>
+            <a:off x="0" y="166950"/>
+            <a:ext cx="10515600" cy="1325563"/>
+          </a:xfrm>
+        </p:spPr>
+        <p:txBody>
+          <a:bodyPr/>
+          <a:lstStyle/>
+          <a:p>
+            <a:r>
+              <a:rPr lang="es-MX" dirty="0" err="1" smtClean="0"/>
+              <a:t>Plot</a:t>
+            </a:r>
+            <a:r>
+              <a:rPr lang="es-MX" dirty="0"/>
+              <a:t> 2</a:t>
+            </a:r>
+          </a:p>
+        </p:txBody>
+      </p:sp>
+      <p:sp>
+        <p:nvSpPr>
+          <p:cNvPr id="3" name="Marcador de contenido 2"/>
+          <p:cNvSpPr>
+            <a:spLocks noGrp="1"/>
+          </p:cNvSpPr>
+          <p:nvPr>
+            <p:ph idx="1"/>
+          </p:nvPr>
+        </p:nvSpPr>
+        <p:spPr>
+          <a:xfrm>
+            <a:off x="67733" y="1302993"/>
+            <a:ext cx="4504267" cy="4351338"/>
+          </a:xfrm>
+        </p:spPr>
+        <p:txBody>
+          <a:bodyPr>
+            <a:normAutofit/>
+          </a:bodyPr>
+          <a:lstStyle/>
+          <a:p>
+            <a:pPr marL="0" indent="0" algn="just">
+              <a:buNone/>
+            </a:pPr>
+            <a:r>
+              <a:rPr lang="es-MX" sz="2500" dirty="0" err="1" smtClean="0"/>
+              <a:t>We</a:t>
+            </a:r>
+            <a:r>
+              <a:rPr lang="es-MX" sz="2500" dirty="0" smtClean="0"/>
+              <a:t> can </a:t>
+            </a:r>
+            <a:r>
+              <a:rPr lang="es-MX" sz="2500" dirty="0" err="1" smtClean="0"/>
+              <a:t>see</a:t>
+            </a:r>
+            <a:r>
+              <a:rPr lang="es-MX" sz="2500" dirty="0" smtClean="0"/>
+              <a:t> </a:t>
+            </a:r>
+            <a:r>
+              <a:rPr lang="es-MX" sz="2500" dirty="0" err="1" smtClean="0"/>
+              <a:t>that</a:t>
+            </a:r>
+            <a:r>
+              <a:rPr lang="es-MX" sz="2500" dirty="0" smtClean="0"/>
+              <a:t> </a:t>
+            </a:r>
+            <a:r>
+              <a:rPr lang="es-MX" sz="2500" dirty="0" err="1" smtClean="0"/>
+              <a:t>for</a:t>
+            </a:r>
+            <a:r>
+              <a:rPr lang="es-MX" sz="2500" dirty="0" smtClean="0"/>
+              <a:t> </a:t>
+            </a:r>
+            <a:r>
+              <a:rPr lang="es-MX" sz="2500" b="1" dirty="0" err="1" smtClean="0"/>
+              <a:t>Experiment</a:t>
+            </a:r>
+            <a:r>
+              <a:rPr lang="es-MX" sz="2500" b="1" dirty="0" smtClean="0"/>
+              <a:t> No. 1</a:t>
+            </a:r>
+            <a:r>
+              <a:rPr lang="es-MX" sz="2500" dirty="0" smtClean="0"/>
+              <a:t>, </a:t>
+            </a:r>
+            <a:r>
+              <a:rPr lang="es-MX" sz="2500" dirty="0" err="1" smtClean="0"/>
+              <a:t>all</a:t>
+            </a:r>
+            <a:r>
+              <a:rPr lang="es-MX" sz="2500" dirty="0" smtClean="0"/>
+              <a:t> </a:t>
+            </a:r>
+            <a:r>
+              <a:rPr lang="es-MX" sz="2500" dirty="0" err="1" smtClean="0"/>
+              <a:t>participants</a:t>
+            </a:r>
+            <a:r>
+              <a:rPr lang="es-MX" sz="2500" dirty="0" smtClean="0"/>
+              <a:t> </a:t>
+            </a:r>
+            <a:r>
+              <a:rPr lang="es-MX" sz="2500" dirty="0" err="1" smtClean="0"/>
+              <a:t>had</a:t>
+            </a:r>
+            <a:r>
+              <a:rPr lang="es-MX" sz="2500" dirty="0" smtClean="0"/>
+              <a:t> a </a:t>
+            </a:r>
+            <a:r>
+              <a:rPr lang="es-MX" sz="2500" dirty="0" err="1" smtClean="0"/>
+              <a:t>greater</a:t>
+            </a:r>
+            <a:r>
+              <a:rPr lang="es-MX" sz="2500" dirty="0" smtClean="0"/>
+              <a:t> posterior </a:t>
+            </a:r>
+            <a:r>
+              <a:rPr lang="es-MX" sz="2500" dirty="0" err="1" smtClean="0"/>
+              <a:t>density</a:t>
+            </a:r>
+            <a:r>
+              <a:rPr lang="es-MX" sz="2500" dirty="0" smtClean="0"/>
+              <a:t> at </a:t>
+            </a:r>
+            <a:r>
+              <a:rPr lang="es-MX" sz="2500" dirty="0" err="1" smtClean="0"/>
+              <a:t>their</a:t>
+            </a:r>
+            <a:r>
+              <a:rPr lang="es-MX" sz="2500" dirty="0" smtClean="0"/>
+              <a:t> mean </a:t>
+            </a:r>
+            <a:r>
+              <a:rPr lang="es-MX" sz="2500" dirty="0" err="1" smtClean="0"/>
+              <a:t>value</a:t>
+            </a:r>
+            <a:r>
+              <a:rPr lang="es-MX" sz="2500" dirty="0" smtClean="0"/>
+              <a:t> </a:t>
+            </a:r>
+            <a:r>
+              <a:rPr lang="es-MX" sz="2500" dirty="0" err="1" smtClean="0"/>
+              <a:t>than</a:t>
+            </a:r>
+            <a:r>
+              <a:rPr lang="es-MX" sz="2500" dirty="0" smtClean="0"/>
+              <a:t> </a:t>
+            </a:r>
+            <a:r>
+              <a:rPr lang="es-MX" sz="2500" dirty="0" err="1" smtClean="0"/>
+              <a:t>the</a:t>
+            </a:r>
+            <a:r>
+              <a:rPr lang="es-MX" sz="2500" dirty="0" smtClean="0"/>
+              <a:t> prior at </a:t>
+            </a:r>
+            <a:r>
+              <a:rPr lang="es-MX" sz="2500" dirty="0" err="1" smtClean="0"/>
+              <a:t>this</a:t>
+            </a:r>
+            <a:r>
+              <a:rPr lang="es-MX" sz="2500" dirty="0" smtClean="0"/>
+              <a:t> </a:t>
+            </a:r>
+            <a:r>
+              <a:rPr lang="es-MX" sz="2500" dirty="0" err="1" smtClean="0"/>
+              <a:t>very</a:t>
+            </a:r>
+            <a:r>
+              <a:rPr lang="es-MX" sz="2500" dirty="0" smtClean="0"/>
+              <a:t> </a:t>
+            </a:r>
+            <a:r>
+              <a:rPr lang="es-MX" sz="2500" dirty="0" err="1" smtClean="0"/>
+              <a:t>same</a:t>
+            </a:r>
+            <a:r>
+              <a:rPr lang="es-MX" sz="2500" dirty="0" smtClean="0"/>
+              <a:t> </a:t>
+            </a:r>
+            <a:r>
+              <a:rPr lang="es-MX" sz="2500" dirty="0" err="1" smtClean="0"/>
+              <a:t>point</a:t>
+            </a:r>
+            <a:r>
+              <a:rPr lang="es-MX" sz="2500" dirty="0" smtClean="0"/>
+              <a:t>.</a:t>
+            </a:r>
+          </a:p>
+          <a:p>
+            <a:pPr marL="0" indent="0" algn="just">
+              <a:buNone/>
+            </a:pPr>
+            <a:endParaRPr lang="es-MX" sz="2500" dirty="0" smtClean="0"/>
+          </a:p>
+          <a:p>
+            <a:pPr marL="0" indent="0" algn="just">
+              <a:buNone/>
+            </a:pPr>
+            <a:endParaRPr lang="es-MX" sz="2500" dirty="0" smtClean="0"/>
+          </a:p>
+          <a:p>
+            <a:pPr marL="0" indent="0" algn="just">
+              <a:buNone/>
+            </a:pPr>
+            <a:r>
+              <a:rPr lang="es-MX" sz="2500" b="1" dirty="0" smtClean="0"/>
+              <a:t>I </a:t>
+            </a:r>
+            <a:r>
+              <a:rPr lang="es-MX" sz="2500" b="1" dirty="0" err="1" smtClean="0"/>
+              <a:t>have</a:t>
+            </a:r>
+            <a:r>
+              <a:rPr lang="es-MX" sz="2500" b="1" dirty="0" smtClean="0"/>
+              <a:t> </a:t>
+            </a:r>
+            <a:r>
+              <a:rPr lang="es-MX" sz="2500" b="1" dirty="0" err="1" smtClean="0"/>
+              <a:t>doubts</a:t>
+            </a:r>
+            <a:r>
+              <a:rPr lang="es-MX" sz="2500" b="1" dirty="0" smtClean="0"/>
+              <a:t> </a:t>
+            </a:r>
+            <a:r>
+              <a:rPr lang="es-MX" sz="2500" b="1" dirty="0" err="1" smtClean="0"/>
+              <a:t>on</a:t>
+            </a:r>
+            <a:r>
+              <a:rPr lang="es-MX" sz="2500" b="1" dirty="0" smtClean="0"/>
+              <a:t> </a:t>
+            </a:r>
+            <a:r>
+              <a:rPr lang="es-MX" sz="2500" b="1" dirty="0" err="1" smtClean="0"/>
+              <a:t>whether</a:t>
+            </a:r>
+            <a:r>
+              <a:rPr lang="es-MX" sz="2500" b="1" dirty="0" smtClean="0"/>
+              <a:t> </a:t>
+            </a:r>
+            <a:r>
+              <a:rPr lang="es-MX" sz="2500" b="1" dirty="0" err="1" smtClean="0"/>
+              <a:t>or</a:t>
+            </a:r>
+            <a:r>
+              <a:rPr lang="es-MX" sz="2500" b="1" dirty="0" smtClean="0"/>
+              <a:t> </a:t>
+            </a:r>
+            <a:r>
+              <a:rPr lang="es-MX" sz="2500" b="1" dirty="0" err="1" smtClean="0"/>
+              <a:t>not</a:t>
+            </a:r>
+            <a:r>
+              <a:rPr lang="es-MX" sz="2500" b="1" dirty="0" smtClean="0"/>
+              <a:t> </a:t>
+            </a:r>
+            <a:r>
+              <a:rPr lang="es-MX" sz="2500" b="1" dirty="0" err="1" smtClean="0"/>
+              <a:t>this</a:t>
+            </a:r>
+            <a:r>
+              <a:rPr lang="es-MX" sz="2500" b="1" dirty="0" smtClean="0"/>
+              <a:t> </a:t>
+            </a:r>
+            <a:r>
+              <a:rPr lang="es-MX" sz="2500" b="1" dirty="0" err="1" smtClean="0"/>
+              <a:t>makes</a:t>
+            </a:r>
+            <a:r>
+              <a:rPr lang="es-MX" sz="2500" b="1" dirty="0" smtClean="0"/>
+              <a:t> </a:t>
+            </a:r>
+            <a:r>
+              <a:rPr lang="es-MX" sz="2500" b="1" dirty="0" err="1" smtClean="0"/>
+              <a:t>sense</a:t>
+            </a:r>
+            <a:r>
+              <a:rPr lang="es-MX" sz="2500" b="1" dirty="0" smtClean="0"/>
+              <a:t>, </a:t>
+            </a:r>
+            <a:r>
+              <a:rPr lang="es-MX" sz="2500" b="1" dirty="0" err="1" smtClean="0"/>
+              <a:t>please</a:t>
+            </a:r>
+            <a:r>
+              <a:rPr lang="es-MX" sz="2500" b="1" dirty="0" smtClean="0"/>
+              <a:t> </a:t>
+            </a:r>
+            <a:r>
+              <a:rPr lang="es-MX" sz="2500" b="1" dirty="0" err="1" smtClean="0"/>
+              <a:t>see</a:t>
+            </a:r>
+            <a:r>
+              <a:rPr lang="es-MX" sz="2500" b="1" dirty="0" smtClean="0"/>
+              <a:t> </a:t>
+            </a:r>
+            <a:r>
+              <a:rPr lang="es-MX" sz="2500" b="1" dirty="0" err="1" smtClean="0"/>
+              <a:t>the</a:t>
+            </a:r>
+            <a:r>
+              <a:rPr lang="es-MX" sz="2500" b="1" dirty="0" smtClean="0"/>
+              <a:t> </a:t>
+            </a:r>
+            <a:r>
+              <a:rPr lang="es-MX" sz="2500" b="1" dirty="0" err="1" smtClean="0"/>
+              <a:t>next</a:t>
+            </a:r>
+            <a:r>
+              <a:rPr lang="es-MX" sz="2500" b="1" dirty="0" smtClean="0"/>
+              <a:t> </a:t>
+            </a:r>
+            <a:r>
+              <a:rPr lang="es-MX" sz="2500" b="1" dirty="0" err="1" smtClean="0"/>
+              <a:t>slide</a:t>
+            </a:r>
+            <a:r>
+              <a:rPr lang="es-MX" sz="2500" b="1" dirty="0" smtClean="0"/>
+              <a:t> </a:t>
+            </a:r>
+            <a:r>
+              <a:rPr lang="es-MX" sz="2500" b="1" dirty="0" err="1" smtClean="0"/>
+              <a:t>for</a:t>
+            </a:r>
+            <a:r>
+              <a:rPr lang="es-MX" sz="2500" b="1" dirty="0" smtClean="0"/>
+              <a:t> </a:t>
+            </a:r>
+            <a:r>
+              <a:rPr lang="es-MX" sz="2500" b="1" dirty="0" err="1" smtClean="0"/>
+              <a:t>the</a:t>
+            </a:r>
+            <a:r>
+              <a:rPr lang="es-MX" sz="2500" b="1" dirty="0" smtClean="0"/>
+              <a:t> </a:t>
+            </a:r>
+            <a:r>
+              <a:rPr lang="es-MX" sz="2500" b="1" dirty="0" err="1" smtClean="0"/>
+              <a:t>details</a:t>
+            </a:r>
+            <a:r>
+              <a:rPr lang="es-MX" sz="2500" b="1" dirty="0" smtClean="0"/>
+              <a:t>…</a:t>
+            </a:r>
+            <a:endParaRPr lang="es-MX" sz="2500" b="1" dirty="0"/>
+          </a:p>
+        </p:txBody>
+      </p:sp>
+      <p:sp>
+        <p:nvSpPr>
+          <p:cNvPr id="6" name="Rectángulo 5"/>
+          <p:cNvSpPr/>
+          <p:nvPr/>
+        </p:nvSpPr>
+        <p:spPr>
+          <a:xfrm>
+            <a:off x="0" y="0"/>
+            <a:ext cx="12192000" cy="116203"/>
+          </a:xfrm>
+          <a:prstGeom prst="rect">
+            <a:avLst/>
+          </a:prstGeom>
+          <a:solidFill>
+            <a:schemeClr val="accent5">
+              <a:lumMod val="20000"/>
+              <a:lumOff val="80000"/>
+            </a:schemeClr>
+          </a:solidFill>
+          <a:ln>
+            <a:solidFill>
+              <a:schemeClr val="tx1"/>
+            </a:solidFill>
+          </a:ln>
+        </p:spPr>
+        <p:style>
+          <a:lnRef idx="2">
+            <a:schemeClr val="accent1">
+              <a:shade val="50000"/>
+            </a:schemeClr>
+          </a:lnRef>
+          <a:fillRef idx="1">
+            <a:schemeClr val="accent1"/>
+          </a:fillRef>
+          <a:effectRef idx="0">
+            <a:schemeClr val="accent1"/>
+          </a:effectRef>
+          <a:fontRef idx="minor">
+            <a:schemeClr val="lt1"/>
+          </a:fontRef>
+        </p:style>
+        <p:txBody>
+          <a:bodyPr rtlCol="0" anchor="ctr"/>
+          <a:lstStyle/>
+          <a:p>
+            <a:pPr algn="ctr"/>
+            <a:endParaRPr lang="es-MX"/>
+          </a:p>
+        </p:txBody>
+      </p:sp>
+      <p:sp>
+        <p:nvSpPr>
+          <p:cNvPr id="7" name="Rectángulo 6"/>
+          <p:cNvSpPr/>
+          <p:nvPr/>
+        </p:nvSpPr>
+        <p:spPr>
+          <a:xfrm>
+            <a:off x="0" y="6741796"/>
+            <a:ext cx="12192000" cy="116203"/>
+          </a:xfrm>
+          <a:prstGeom prst="rect">
+            <a:avLst/>
+          </a:prstGeom>
+          <a:solidFill>
+            <a:schemeClr val="accent5">
+              <a:lumMod val="20000"/>
+              <a:lumOff val="80000"/>
+            </a:schemeClr>
+          </a:solidFill>
+          <a:ln>
+            <a:solidFill>
+              <a:schemeClr val="tx1"/>
+            </a:solidFill>
+          </a:ln>
+        </p:spPr>
+        <p:style>
+          <a:lnRef idx="2">
+            <a:schemeClr val="accent1">
+              <a:shade val="50000"/>
+            </a:schemeClr>
+          </a:lnRef>
+          <a:fillRef idx="1">
+            <a:schemeClr val="accent1"/>
+          </a:fillRef>
+          <a:effectRef idx="0">
+            <a:schemeClr val="accent1"/>
+          </a:effectRef>
+          <a:fontRef idx="minor">
+            <a:schemeClr val="lt1"/>
+          </a:fontRef>
+        </p:style>
+        <p:txBody>
+          <a:bodyPr rtlCol="0" anchor="ctr"/>
+          <a:lstStyle/>
+          <a:p>
+            <a:pPr algn="ctr"/>
+            <a:endParaRPr lang="es-MX"/>
+          </a:p>
+        </p:txBody>
+      </p:sp>
+      <p:pic>
+        <p:nvPicPr>
           <p:cNvPr id="4" name="Imagen 3"/>
           <p:cNvPicPr>
             <a:picLocks noChangeAspect="1"/>
@@ -18777,7 +19278,7 @@
 </p:sld>
 </file>
 
-<file path=ppt/slides/slide41.xml><?xml version="1.0" encoding="utf-8"?>
+<file path=ppt/slides/slide42.xml><?xml version="1.0" encoding="utf-8"?>
 <p:sld xmlns:a="http://schemas.openxmlformats.org/drawingml/2006/main" xmlns:r="http://schemas.openxmlformats.org/officeDocument/2006/relationships" xmlns:p="http://schemas.openxmlformats.org/presentationml/2006/main">
   <p:cSld>
     <p:spTree>
@@ -19459,7 +19960,7 @@
 </p:sld>
 </file>
 
-<file path=ppt/slides/slide42.xml><?xml version="1.0" encoding="utf-8"?>
+<file path=ppt/slides/slide43.xml><?xml version="1.0" encoding="utf-8"?>
 <p:sld xmlns:a="http://schemas.openxmlformats.org/drawingml/2006/main" xmlns:r="http://schemas.openxmlformats.org/officeDocument/2006/relationships" xmlns:p="http://schemas.openxmlformats.org/presentationml/2006/main">
   <p:cSld>
     <p:spTree>
@@ -19889,7 +20390,7 @@
 </p:sld>
 </file>
 
-<file path=ppt/slides/slide43.xml><?xml version="1.0" encoding="utf-8"?>
+<file path=ppt/slides/slide44.xml><?xml version="1.0" encoding="utf-8"?>
 <p:sld xmlns:a="http://schemas.openxmlformats.org/drawingml/2006/main" xmlns:r="http://schemas.openxmlformats.org/officeDocument/2006/relationships" xmlns:p="http://schemas.openxmlformats.org/presentationml/2006/main">
   <p:cSld>
     <p:spTree>
@@ -20292,7 +20793,7 @@
 </p:sld>
 </file>
 
-<file path=ppt/slides/slide44.xml><?xml version="1.0" encoding="utf-8"?>
+<file path=ppt/slides/slide45.xml><?xml version="1.0" encoding="utf-8"?>
 <p:sld xmlns:a="http://schemas.openxmlformats.org/drawingml/2006/main" xmlns:r="http://schemas.openxmlformats.org/officeDocument/2006/relationships" xmlns:p="http://schemas.openxmlformats.org/presentationml/2006/main">
   <p:cSld>
     <p:spTree>
@@ -20935,7 +21436,7 @@
 </p:sld>
 </file>
 
-<file path=ppt/slides/slide45.xml><?xml version="1.0" encoding="utf-8"?>
+<file path=ppt/slides/slide46.xml><?xml version="1.0" encoding="utf-8"?>
 <p:sld xmlns:a="http://schemas.openxmlformats.org/drawingml/2006/main" xmlns:r="http://schemas.openxmlformats.org/officeDocument/2006/relationships" xmlns:p="http://schemas.openxmlformats.org/presentationml/2006/main">
   <p:cSld>
     <p:spTree>
@@ -21444,7 +21945,7 @@
 </p:sld>
 </file>
 
-<file path=ppt/slides/slide46.xml><?xml version="1.0" encoding="utf-8"?>
+<file path=ppt/slides/slide47.xml><?xml version="1.0" encoding="utf-8"?>
 <p:sld xmlns:a="http://schemas.openxmlformats.org/drawingml/2006/main" xmlns:r="http://schemas.openxmlformats.org/officeDocument/2006/relationships" xmlns:p="http://schemas.openxmlformats.org/presentationml/2006/main">
   <p:cSld>
     <p:spTree>
@@ -22192,1182 +22693,6 @@
 </p:sld>
 </file>
 
-<file path=ppt/slides/slide47.xml><?xml version="1.0" encoding="utf-8"?>
-<p:sld xmlns:a="http://schemas.openxmlformats.org/drawingml/2006/main" xmlns:r="http://schemas.openxmlformats.org/officeDocument/2006/relationships" xmlns:p="http://schemas.openxmlformats.org/presentationml/2006/main">
-  <p:cSld>
-    <p:spTree>
-      <p:nvGrpSpPr>
-        <p:cNvPr id="1" name=""/>
-        <p:cNvGrpSpPr/>
-        <p:nvPr/>
-      </p:nvGrpSpPr>
-      <p:grpSpPr>
-        <a:xfrm>
-          <a:off x="0" y="0"/>
-          <a:ext cx="0" cy="0"/>
-          <a:chOff x="0" y="0"/>
-          <a:chExt cx="0" cy="0"/>
-        </a:xfrm>
-      </p:grpSpPr>
-      <p:sp>
-        <p:nvSpPr>
-          <p:cNvPr id="4" name="Rectángulo 3"/>
-          <p:cNvSpPr/>
-          <p:nvPr/>
-        </p:nvSpPr>
-        <p:spPr>
-          <a:xfrm>
-            <a:off x="0" y="0"/>
-            <a:ext cx="12192000" cy="6858000"/>
-          </a:xfrm>
-          <a:prstGeom prst="rect">
-            <a:avLst/>
-          </a:prstGeom>
-          <a:solidFill>
-            <a:srgbClr val="FF0000"/>
-          </a:solidFill>
-          <a:ln>
-            <a:solidFill>
-              <a:schemeClr val="tx1"/>
-            </a:solidFill>
-          </a:ln>
-        </p:spPr>
-        <p:style>
-          <a:lnRef idx="2">
-            <a:schemeClr val="accent1">
-              <a:shade val="50000"/>
-            </a:schemeClr>
-          </a:lnRef>
-          <a:fillRef idx="1">
-            <a:schemeClr val="accent1"/>
-          </a:fillRef>
-          <a:effectRef idx="0">
-            <a:schemeClr val="accent1"/>
-          </a:effectRef>
-          <a:fontRef idx="minor">
-            <a:schemeClr val="lt1"/>
-          </a:fontRef>
-        </p:style>
-        <p:txBody>
-          <a:bodyPr rtlCol="0" anchor="ctr"/>
-          <a:lstStyle/>
-          <a:p>
-            <a:pPr algn="ctr"/>
-            <a:endParaRPr lang="es-MX"/>
-          </a:p>
-        </p:txBody>
-      </p:sp>
-      <p:sp>
-        <p:nvSpPr>
-          <p:cNvPr id="5" name="Rectángulo 4"/>
-          <p:cNvSpPr/>
-          <p:nvPr/>
-        </p:nvSpPr>
-        <p:spPr>
-          <a:xfrm>
-            <a:off x="203199" y="254000"/>
-            <a:ext cx="11692467" cy="6409267"/>
-          </a:xfrm>
-          <a:prstGeom prst="rect">
-            <a:avLst/>
-          </a:prstGeom>
-          <a:solidFill>
-            <a:schemeClr val="bg1"/>
-          </a:solidFill>
-          <a:ln>
-            <a:solidFill>
-              <a:schemeClr val="tx1"/>
-            </a:solidFill>
-          </a:ln>
-        </p:spPr>
-        <p:style>
-          <a:lnRef idx="2">
-            <a:schemeClr val="accent1">
-              <a:shade val="50000"/>
-            </a:schemeClr>
-          </a:lnRef>
-          <a:fillRef idx="1">
-            <a:schemeClr val="accent1"/>
-          </a:fillRef>
-          <a:effectRef idx="0">
-            <a:schemeClr val="accent1"/>
-          </a:effectRef>
-          <a:fontRef idx="minor">
-            <a:schemeClr val="lt1"/>
-          </a:fontRef>
-        </p:style>
-        <p:txBody>
-          <a:bodyPr rtlCol="0" anchor="ctr"/>
-          <a:lstStyle/>
-          <a:p>
-            <a:pPr algn="ctr"/>
-            <a:endParaRPr lang="es-MX"/>
-          </a:p>
-        </p:txBody>
-      </p:sp>
-      <p:sp>
-        <p:nvSpPr>
-          <p:cNvPr id="2" name="Título 1"/>
-          <p:cNvSpPr>
-            <a:spLocks noGrp="1"/>
-          </p:cNvSpPr>
-          <p:nvPr>
-            <p:ph type="title"/>
-          </p:nvPr>
-        </p:nvSpPr>
-        <p:spPr>
-          <a:xfrm>
-            <a:off x="601134" y="94191"/>
-            <a:ext cx="10515600" cy="1325563"/>
-          </a:xfrm>
-          <a:solidFill>
-            <a:schemeClr val="accent4">
-              <a:lumMod val="60000"/>
-              <a:lumOff val="40000"/>
-            </a:schemeClr>
-          </a:solidFill>
-        </p:spPr>
-        <p:txBody>
-          <a:bodyPr/>
-          <a:lstStyle/>
-          <a:p>
-            <a:r>
-              <a:rPr lang="es-MX" b="1" dirty="0" err="1" smtClean="0"/>
-              <a:t>Some</a:t>
-            </a:r>
-            <a:r>
-              <a:rPr lang="es-MX" b="1" dirty="0" smtClean="0"/>
-              <a:t> </a:t>
-            </a:r>
-            <a:r>
-              <a:rPr lang="es-MX" b="1" dirty="0" err="1" smtClean="0"/>
-              <a:t>sort</a:t>
-            </a:r>
-            <a:r>
-              <a:rPr lang="es-MX" b="1" dirty="0" smtClean="0"/>
-              <a:t> of </a:t>
-            </a:r>
-            <a:r>
-              <a:rPr lang="en-US" b="1" dirty="0" smtClean="0"/>
-              <a:t>conclusion</a:t>
-            </a:r>
-            <a:r>
-              <a:rPr lang="es-MX" b="1" dirty="0" smtClean="0"/>
-              <a:t> </a:t>
-            </a:r>
-            <a:r>
-              <a:rPr lang="es-MX" b="1" dirty="0" err="1" smtClean="0"/>
-              <a:t>from</a:t>
-            </a:r>
-            <a:r>
-              <a:rPr lang="es-MX" b="1" dirty="0" smtClean="0"/>
-              <a:t> </a:t>
-            </a:r>
-            <a:r>
-              <a:rPr lang="es-MX" b="1" dirty="0" err="1" smtClean="0"/>
-              <a:t>the</a:t>
-            </a:r>
-            <a:r>
-              <a:rPr lang="es-MX" b="1" dirty="0" smtClean="0"/>
-              <a:t> </a:t>
-            </a:r>
-            <a:r>
-              <a:rPr lang="es-MX" b="1" dirty="0" err="1" smtClean="0"/>
-              <a:t>past</a:t>
-            </a:r>
-            <a:r>
-              <a:rPr lang="es-MX" b="1" dirty="0" smtClean="0"/>
-              <a:t> </a:t>
-            </a:r>
-            <a:r>
-              <a:rPr lang="es-MX" b="1" dirty="0" err="1" smtClean="0"/>
-              <a:t>section</a:t>
-            </a:r>
-            <a:endParaRPr lang="es-MX" b="1" dirty="0"/>
-          </a:p>
-        </p:txBody>
-      </p:sp>
-      <p:sp>
-        <p:nvSpPr>
-          <p:cNvPr id="3" name="Marcador de contenido 2"/>
-          <p:cNvSpPr>
-            <a:spLocks noGrp="1"/>
-          </p:cNvSpPr>
-          <p:nvPr>
-            <p:ph idx="1"/>
-          </p:nvPr>
-        </p:nvSpPr>
-        <p:spPr>
-          <a:xfrm>
-            <a:off x="203199" y="1825625"/>
-            <a:ext cx="11692467" cy="4351338"/>
-          </a:xfrm>
-        </p:spPr>
-        <p:txBody>
-          <a:bodyPr>
-            <a:normAutofit/>
-          </a:bodyPr>
-          <a:lstStyle/>
-          <a:p>
-            <a:pPr marL="0" indent="0" algn="just">
-              <a:buNone/>
-            </a:pPr>
-            <a:r>
-              <a:rPr lang="es-MX" sz="2000" dirty="0" err="1" smtClean="0"/>
-              <a:t>Many</a:t>
-            </a:r>
-            <a:r>
-              <a:rPr lang="es-MX" sz="2000" dirty="0" smtClean="0"/>
-              <a:t> of </a:t>
-            </a:r>
-            <a:r>
-              <a:rPr lang="es-MX" sz="2000" dirty="0" err="1" smtClean="0"/>
-              <a:t>the</a:t>
-            </a:r>
-            <a:r>
-              <a:rPr lang="es-MX" sz="2000" dirty="0" smtClean="0"/>
-              <a:t> </a:t>
-            </a:r>
-            <a:r>
-              <a:rPr lang="es-MX" sz="2000" dirty="0" err="1" smtClean="0"/>
-              <a:t>main</a:t>
-            </a:r>
-            <a:r>
-              <a:rPr lang="es-MX" sz="2000" dirty="0" smtClean="0"/>
-              <a:t> </a:t>
-            </a:r>
-            <a:r>
-              <a:rPr lang="es-MX" sz="2000" dirty="0" err="1" smtClean="0"/>
-              <a:t>findings</a:t>
-            </a:r>
-            <a:r>
-              <a:rPr lang="es-MX" sz="2000" dirty="0" smtClean="0"/>
-              <a:t>/</a:t>
-            </a:r>
-            <a:r>
-              <a:rPr lang="es-MX" sz="2000" dirty="0" err="1" smtClean="0"/>
-              <a:t>empirical</a:t>
-            </a:r>
-            <a:r>
-              <a:rPr lang="es-MX" sz="2000" dirty="0"/>
-              <a:t> </a:t>
-            </a:r>
-            <a:r>
-              <a:rPr lang="es-MX" sz="2000" dirty="0" err="1" smtClean="0"/>
-              <a:t>phenomena</a:t>
-            </a:r>
-            <a:r>
-              <a:rPr lang="es-MX" sz="2000" dirty="0" smtClean="0"/>
-              <a:t> </a:t>
-            </a:r>
-            <a:r>
-              <a:rPr lang="es-MX" sz="2000" dirty="0" err="1" smtClean="0"/>
-              <a:t>reported</a:t>
-            </a:r>
-            <a:r>
-              <a:rPr lang="es-MX" sz="2000" dirty="0" smtClean="0"/>
-              <a:t> </a:t>
-            </a:r>
-            <a:r>
-              <a:rPr lang="es-MX" sz="2000" dirty="0" err="1" smtClean="0"/>
-              <a:t>within</a:t>
-            </a:r>
-            <a:r>
-              <a:rPr lang="es-MX" sz="2000" dirty="0" smtClean="0"/>
-              <a:t> </a:t>
-            </a:r>
-            <a:r>
-              <a:rPr lang="es-MX" sz="2000" dirty="0" err="1" smtClean="0"/>
-              <a:t>Psychology</a:t>
-            </a:r>
-            <a:r>
-              <a:rPr lang="es-MX" sz="2000" dirty="0" smtClean="0"/>
-              <a:t> </a:t>
-            </a:r>
-            <a:r>
-              <a:rPr lang="es-MX" sz="2000" dirty="0" err="1" smtClean="0"/>
-              <a:t>tend</a:t>
-            </a:r>
-            <a:r>
-              <a:rPr lang="es-MX" sz="2000" dirty="0" smtClean="0"/>
-              <a:t> </a:t>
-            </a:r>
-            <a:r>
-              <a:rPr lang="es-MX" sz="2000" dirty="0" err="1" smtClean="0"/>
-              <a:t>to</a:t>
-            </a:r>
-            <a:r>
-              <a:rPr lang="es-MX" sz="2000" dirty="0" smtClean="0"/>
-              <a:t> do </a:t>
-            </a:r>
-            <a:r>
-              <a:rPr lang="es-MX" sz="2000" dirty="0" err="1" smtClean="0"/>
-              <a:t>it</a:t>
-            </a:r>
-            <a:r>
-              <a:rPr lang="es-MX" sz="2000" dirty="0" smtClean="0"/>
-              <a:t> in </a:t>
-            </a:r>
-            <a:r>
-              <a:rPr lang="es-MX" sz="2000" dirty="0" err="1" smtClean="0"/>
-              <a:t>terms</a:t>
-            </a:r>
-            <a:r>
-              <a:rPr lang="es-MX" sz="2000" dirty="0" smtClean="0"/>
-              <a:t> of </a:t>
-            </a:r>
-            <a:r>
-              <a:rPr lang="es-MX" sz="2000" dirty="0" err="1" smtClean="0"/>
-              <a:t>the</a:t>
-            </a:r>
-            <a:r>
-              <a:rPr lang="es-MX" sz="2000" dirty="0" smtClean="0"/>
-              <a:t> “mean performance” of </a:t>
-            </a:r>
-            <a:r>
-              <a:rPr lang="es-MX" sz="2000" dirty="0" err="1" smtClean="0"/>
-              <a:t>all</a:t>
-            </a:r>
-            <a:r>
-              <a:rPr lang="es-MX" sz="2000" dirty="0" smtClean="0"/>
-              <a:t> </a:t>
-            </a:r>
-            <a:r>
-              <a:rPr lang="es-MX" sz="2000" dirty="0" err="1" smtClean="0"/>
-              <a:t>participants</a:t>
-            </a:r>
-            <a:r>
-              <a:rPr lang="es-MX" sz="2000" dirty="0" smtClean="0"/>
-              <a:t>.</a:t>
-            </a:r>
-          </a:p>
-          <a:p>
-            <a:pPr marL="0" indent="0" algn="just">
-              <a:buNone/>
-            </a:pPr>
-            <a:endParaRPr lang="es-MX" sz="2000" dirty="0" smtClean="0"/>
-          </a:p>
-          <a:p>
-            <a:pPr marL="0" indent="0" algn="just">
-              <a:buNone/>
-            </a:pPr>
-            <a:r>
-              <a:rPr lang="es-MX" sz="2000" dirty="0" err="1" smtClean="0"/>
-              <a:t>It</a:t>
-            </a:r>
-            <a:r>
-              <a:rPr lang="es-MX" sz="2000" dirty="0" smtClean="0"/>
-              <a:t> </a:t>
-            </a:r>
-            <a:r>
-              <a:rPr lang="es-MX" sz="2000" dirty="0" err="1" smtClean="0"/>
-              <a:t>is</a:t>
-            </a:r>
-            <a:r>
-              <a:rPr lang="es-MX" sz="2000" dirty="0" smtClean="0"/>
-              <a:t> </a:t>
-            </a:r>
-            <a:r>
-              <a:rPr lang="es-MX" sz="2000" dirty="0" err="1" smtClean="0"/>
-              <a:t>interesting</a:t>
-            </a:r>
-            <a:r>
-              <a:rPr lang="es-MX" sz="2000" dirty="0" smtClean="0"/>
-              <a:t> </a:t>
-            </a:r>
-            <a:r>
-              <a:rPr lang="es-MX" sz="2000" dirty="0" err="1" smtClean="0"/>
-              <a:t>to</a:t>
-            </a:r>
-            <a:r>
-              <a:rPr lang="es-MX" sz="2000" dirty="0" smtClean="0"/>
-              <a:t> note </a:t>
-            </a:r>
-            <a:r>
-              <a:rPr lang="es-MX" sz="2000" dirty="0" err="1" smtClean="0"/>
-              <a:t>that</a:t>
-            </a:r>
-            <a:r>
-              <a:rPr lang="es-MX" sz="2000" dirty="0" smtClean="0"/>
-              <a:t> </a:t>
-            </a:r>
-            <a:r>
-              <a:rPr lang="es-MX" sz="2000" dirty="0" err="1" smtClean="0"/>
-              <a:t>when</a:t>
-            </a:r>
-            <a:r>
-              <a:rPr lang="es-MX" sz="2000" dirty="0" smtClean="0"/>
-              <a:t> </a:t>
-            </a:r>
-            <a:r>
-              <a:rPr lang="es-MX" sz="2000" dirty="0" err="1" smtClean="0"/>
-              <a:t>we</a:t>
-            </a:r>
-            <a:r>
-              <a:rPr lang="es-MX" sz="2000" dirty="0" smtClean="0"/>
-              <a:t> </a:t>
-            </a:r>
-            <a:r>
-              <a:rPr lang="es-MX" sz="2000" dirty="0" err="1" smtClean="0"/>
-              <a:t>conducted</a:t>
-            </a:r>
-            <a:r>
-              <a:rPr lang="es-MX" sz="2000" dirty="0" smtClean="0"/>
-              <a:t> a </a:t>
-            </a:r>
-            <a:r>
-              <a:rPr lang="es-MX" sz="2000" dirty="0" err="1" smtClean="0"/>
-              <a:t>step-by-step</a:t>
-            </a:r>
-            <a:r>
-              <a:rPr lang="es-MX" sz="2000" dirty="0" smtClean="0"/>
-              <a:t> </a:t>
-            </a:r>
-            <a:r>
-              <a:rPr lang="es-MX" sz="2000" dirty="0" err="1" smtClean="0"/>
-              <a:t>replication</a:t>
-            </a:r>
-            <a:r>
-              <a:rPr lang="es-MX" sz="2000" dirty="0" smtClean="0"/>
-              <a:t> of </a:t>
-            </a:r>
-            <a:r>
-              <a:rPr lang="es-MX" sz="2000" dirty="0" err="1" smtClean="0"/>
-              <a:t>the</a:t>
-            </a:r>
-            <a:r>
-              <a:rPr lang="es-MX" sz="2000" dirty="0" smtClean="0"/>
-              <a:t> </a:t>
-            </a:r>
-            <a:r>
-              <a:rPr lang="es-MX" sz="2000" dirty="0" err="1" smtClean="0"/>
-              <a:t>statistical</a:t>
-            </a:r>
-            <a:r>
-              <a:rPr lang="es-MX" sz="2000" dirty="0" smtClean="0"/>
-              <a:t> </a:t>
-            </a:r>
-            <a:r>
-              <a:rPr lang="es-MX" sz="2000" dirty="0" err="1" smtClean="0"/>
-              <a:t>tests</a:t>
-            </a:r>
-            <a:r>
-              <a:rPr lang="es-MX" sz="2000" dirty="0" smtClean="0"/>
-              <a:t> </a:t>
-            </a:r>
-            <a:r>
-              <a:rPr lang="es-MX" sz="2000" dirty="0" err="1" smtClean="0"/>
-              <a:t>that</a:t>
-            </a:r>
-            <a:r>
-              <a:rPr lang="es-MX" sz="2000" dirty="0" smtClean="0"/>
-              <a:t> </a:t>
-            </a:r>
-            <a:r>
-              <a:rPr lang="es-MX" sz="2000" dirty="0" err="1" smtClean="0"/>
-              <a:t>had</a:t>
-            </a:r>
-            <a:r>
-              <a:rPr lang="es-MX" sz="2000" dirty="0" smtClean="0"/>
-              <a:t> </a:t>
-            </a:r>
-            <a:r>
-              <a:rPr lang="es-MX" sz="2000" dirty="0" err="1" smtClean="0"/>
-              <a:t>been</a:t>
-            </a:r>
-            <a:r>
-              <a:rPr lang="es-MX" sz="2000" dirty="0" smtClean="0"/>
-              <a:t> </a:t>
-            </a:r>
-            <a:r>
-              <a:rPr lang="es-MX" sz="2000" dirty="0" err="1" smtClean="0"/>
-              <a:t>reported</a:t>
-            </a:r>
-            <a:r>
-              <a:rPr lang="es-MX" sz="2000" dirty="0" smtClean="0"/>
-              <a:t> </a:t>
-            </a:r>
-            <a:r>
-              <a:rPr lang="es-MX" sz="2000" dirty="0" err="1" smtClean="0"/>
-              <a:t>within</a:t>
-            </a:r>
-            <a:r>
-              <a:rPr lang="es-MX" sz="2000" dirty="0" smtClean="0"/>
-              <a:t> </a:t>
-            </a:r>
-            <a:r>
-              <a:rPr lang="es-MX" sz="2000" dirty="0" err="1" smtClean="0"/>
-              <a:t>the</a:t>
-            </a:r>
-            <a:r>
-              <a:rPr lang="es-MX" sz="2000" dirty="0" smtClean="0"/>
-              <a:t> </a:t>
-            </a:r>
-            <a:r>
-              <a:rPr lang="es-MX" sz="2000" dirty="0" err="1" smtClean="0"/>
-              <a:t>Recognition</a:t>
-            </a:r>
-            <a:r>
-              <a:rPr lang="es-MX" sz="2000" dirty="0" smtClean="0"/>
-              <a:t> </a:t>
-            </a:r>
-            <a:r>
-              <a:rPr lang="es-MX" sz="2000" dirty="0" err="1" smtClean="0"/>
-              <a:t>Memory</a:t>
-            </a:r>
-            <a:r>
-              <a:rPr lang="es-MX" sz="2000" dirty="0" smtClean="0"/>
-              <a:t> </a:t>
-            </a:r>
-            <a:r>
-              <a:rPr lang="es-MX" sz="2000" dirty="0" err="1" smtClean="0"/>
-              <a:t>literature</a:t>
-            </a:r>
-            <a:r>
-              <a:rPr lang="es-MX" sz="2000" dirty="0" smtClean="0"/>
-              <a:t> </a:t>
-            </a:r>
-            <a:r>
-              <a:rPr lang="es-MX" sz="2000" dirty="0" err="1" smtClean="0"/>
-              <a:t>focused</a:t>
-            </a:r>
-            <a:r>
-              <a:rPr lang="es-MX" sz="2000" dirty="0" smtClean="0"/>
-              <a:t> </a:t>
-            </a:r>
-            <a:r>
-              <a:rPr lang="es-MX" sz="2000" dirty="0" err="1" smtClean="0"/>
-              <a:t>on</a:t>
-            </a:r>
-            <a:r>
-              <a:rPr lang="es-MX" sz="2000" dirty="0" smtClean="0"/>
-              <a:t> </a:t>
-            </a:r>
-            <a:r>
-              <a:rPr lang="es-MX" sz="2000" dirty="0" err="1" smtClean="0"/>
-              <a:t>studying</a:t>
-            </a:r>
-            <a:r>
-              <a:rPr lang="es-MX" sz="2000" dirty="0" smtClean="0"/>
-              <a:t> </a:t>
-            </a:r>
-            <a:r>
-              <a:rPr lang="es-MX" sz="2000" dirty="0" err="1" smtClean="0"/>
-              <a:t>the</a:t>
-            </a:r>
-            <a:r>
-              <a:rPr lang="es-MX" sz="2000" dirty="0" smtClean="0"/>
-              <a:t> </a:t>
-            </a:r>
-            <a:r>
-              <a:rPr lang="es-MX" sz="2000" dirty="0" err="1" smtClean="0"/>
-              <a:t>Mirror</a:t>
-            </a:r>
-            <a:r>
-              <a:rPr lang="es-MX" sz="2000" dirty="0" smtClean="0"/>
-              <a:t> </a:t>
-            </a:r>
-            <a:r>
-              <a:rPr lang="es-MX" sz="2000" dirty="0" err="1" smtClean="0"/>
-              <a:t>Effect</a:t>
-            </a:r>
-            <a:r>
-              <a:rPr lang="es-MX" sz="2000" dirty="0" smtClean="0"/>
-              <a:t> (t-test </a:t>
-            </a:r>
-            <a:r>
-              <a:rPr lang="es-MX" sz="2000" dirty="0" err="1" smtClean="0"/>
-              <a:t>with</a:t>
-            </a:r>
-            <a:r>
-              <a:rPr lang="es-MX" sz="2000" dirty="0" smtClean="0"/>
-              <a:t> </a:t>
-            </a:r>
-            <a:r>
-              <a:rPr lang="es-MX" sz="2000" dirty="0" err="1" smtClean="0"/>
-              <a:t>an</a:t>
-            </a:r>
-            <a:r>
-              <a:rPr lang="es-MX" sz="2000" dirty="0" smtClean="0"/>
-              <a:t> </a:t>
-            </a:r>
-            <a:r>
-              <a:rPr lang="es-MX" sz="2000" dirty="0" err="1" smtClean="0"/>
-              <a:t>arcsine</a:t>
-            </a:r>
-            <a:r>
-              <a:rPr lang="es-MX" sz="2000" dirty="0" smtClean="0"/>
-              <a:t> </a:t>
-            </a:r>
-            <a:r>
-              <a:rPr lang="es-MX" sz="2000" dirty="0" err="1" smtClean="0"/>
-              <a:t>comparison</a:t>
-            </a:r>
-            <a:r>
-              <a:rPr lang="es-MX" sz="2000" dirty="0" smtClean="0"/>
-              <a:t> of </a:t>
-            </a:r>
-            <a:r>
-              <a:rPr lang="es-MX" sz="2000" dirty="0" err="1" smtClean="0"/>
-              <a:t>the</a:t>
-            </a:r>
-            <a:r>
-              <a:rPr lang="es-MX" sz="2000" dirty="0" smtClean="0"/>
-              <a:t> response </a:t>
-            </a:r>
-            <a:r>
-              <a:rPr lang="es-MX" sz="2000" dirty="0" err="1" smtClean="0"/>
-              <a:t>rates</a:t>
-            </a:r>
-            <a:r>
-              <a:rPr lang="es-MX" sz="2000" dirty="0" smtClean="0"/>
-              <a:t>), </a:t>
-            </a:r>
-            <a:r>
-              <a:rPr lang="es-MX" sz="2000" dirty="0" err="1" smtClean="0"/>
-              <a:t>we</a:t>
-            </a:r>
-            <a:r>
-              <a:rPr lang="es-MX" sz="2000" dirty="0" smtClean="0"/>
-              <a:t> </a:t>
-            </a:r>
-            <a:r>
-              <a:rPr lang="es-MX" sz="2000" dirty="0" err="1" smtClean="0"/>
-              <a:t>also</a:t>
-            </a:r>
-            <a:r>
-              <a:rPr lang="es-MX" sz="2000" dirty="0" smtClean="0"/>
-              <a:t> </a:t>
-            </a:r>
-            <a:r>
-              <a:rPr lang="es-MX" sz="2000" dirty="0" err="1" smtClean="0"/>
-              <a:t>find</a:t>
-            </a:r>
-            <a:r>
-              <a:rPr lang="es-MX" sz="2000" dirty="0" smtClean="0"/>
-              <a:t> “</a:t>
-            </a:r>
-            <a:r>
-              <a:rPr lang="es-MX" sz="2000" dirty="0" err="1" smtClean="0"/>
-              <a:t>evidence</a:t>
-            </a:r>
-            <a:r>
-              <a:rPr lang="es-MX" sz="2000" dirty="0" smtClean="0"/>
-              <a:t> </a:t>
-            </a:r>
-            <a:r>
-              <a:rPr lang="es-MX" sz="2000" dirty="0" err="1" smtClean="0"/>
-              <a:t>for</a:t>
-            </a:r>
-            <a:r>
-              <a:rPr lang="es-MX" sz="2000" dirty="0" smtClean="0"/>
-              <a:t> </a:t>
-            </a:r>
-            <a:r>
-              <a:rPr lang="es-MX" sz="2000" dirty="0" err="1" smtClean="0"/>
-              <a:t>the</a:t>
-            </a:r>
-            <a:r>
-              <a:rPr lang="es-MX" sz="2000" dirty="0" smtClean="0"/>
-              <a:t> </a:t>
-            </a:r>
-            <a:r>
-              <a:rPr lang="es-MX" sz="2000" dirty="0" err="1" smtClean="0"/>
-              <a:t>Mirror</a:t>
-            </a:r>
-            <a:r>
-              <a:rPr lang="es-MX" sz="2000" dirty="0" smtClean="0"/>
-              <a:t> </a:t>
-            </a:r>
-            <a:r>
-              <a:rPr lang="es-MX" sz="2000" dirty="0" err="1" smtClean="0"/>
-              <a:t>Effect</a:t>
-            </a:r>
-            <a:r>
-              <a:rPr lang="es-MX" sz="2000" dirty="0" smtClean="0"/>
-              <a:t>” in </a:t>
-            </a:r>
-            <a:r>
-              <a:rPr lang="es-MX" sz="2000" dirty="0" err="1" smtClean="0"/>
-              <a:t>our</a:t>
-            </a:r>
-            <a:r>
-              <a:rPr lang="es-MX" sz="2000" dirty="0" smtClean="0"/>
-              <a:t> </a:t>
-            </a:r>
-            <a:r>
-              <a:rPr lang="es-MX" sz="2000" b="1" dirty="0" err="1" smtClean="0"/>
-              <a:t>merely</a:t>
-            </a:r>
-            <a:r>
-              <a:rPr lang="es-MX" sz="2000" b="1" dirty="0" smtClean="0"/>
-              <a:t> perceptual </a:t>
-            </a:r>
-            <a:r>
-              <a:rPr lang="es-MX" sz="2000" dirty="0" err="1" smtClean="0"/>
-              <a:t>task</a:t>
-            </a:r>
-            <a:r>
-              <a:rPr lang="es-MX" sz="2000" dirty="0" smtClean="0"/>
-              <a:t>, (</a:t>
-            </a:r>
-            <a:r>
-              <a:rPr lang="es-MX" sz="2000" dirty="0" err="1" smtClean="0"/>
-              <a:t>which</a:t>
-            </a:r>
-            <a:r>
-              <a:rPr lang="es-MX" sz="2000" dirty="0" smtClean="0"/>
-              <a:t> </a:t>
-            </a:r>
-            <a:r>
-              <a:rPr lang="es-MX" sz="2000" dirty="0" err="1" smtClean="0"/>
-              <a:t>was</a:t>
-            </a:r>
-            <a:r>
-              <a:rPr lang="es-MX" sz="2000" dirty="0" smtClean="0"/>
-              <a:t> </a:t>
-            </a:r>
-            <a:r>
-              <a:rPr lang="es-MX" sz="2000" dirty="0" err="1" smtClean="0"/>
-              <a:t>itself</a:t>
-            </a:r>
-            <a:r>
-              <a:rPr lang="es-MX" sz="2000" dirty="0" smtClean="0"/>
-              <a:t> a </a:t>
-            </a:r>
-            <a:r>
-              <a:rPr lang="es-MX" sz="2000" dirty="0" err="1" smtClean="0"/>
-              <a:t>very</a:t>
-            </a:r>
-            <a:r>
-              <a:rPr lang="es-MX" sz="2000" dirty="0" smtClean="0"/>
-              <a:t> </a:t>
-            </a:r>
-            <a:r>
-              <a:rPr lang="es-MX" sz="2000" dirty="0" err="1" smtClean="0"/>
-              <a:t>interesting</a:t>
-            </a:r>
-            <a:r>
-              <a:rPr lang="es-MX" sz="2000" dirty="0" smtClean="0"/>
-              <a:t> </a:t>
-            </a:r>
-            <a:r>
-              <a:rPr lang="es-MX" sz="2000" dirty="0" err="1" smtClean="0"/>
-              <a:t>finding</a:t>
-            </a:r>
-            <a:r>
-              <a:rPr lang="es-MX" sz="2000" dirty="0" smtClean="0"/>
-              <a:t> in </a:t>
-            </a:r>
-            <a:r>
-              <a:rPr lang="es-MX" sz="2000" dirty="0" err="1" smtClean="0"/>
-              <a:t>terms</a:t>
-            </a:r>
-            <a:r>
-              <a:rPr lang="es-MX" sz="2000" dirty="0" smtClean="0"/>
-              <a:t> of </a:t>
-            </a:r>
-            <a:r>
-              <a:rPr lang="es-MX" sz="2000" dirty="0" err="1" smtClean="0"/>
-              <a:t>what</a:t>
-            </a:r>
-            <a:r>
-              <a:rPr lang="es-MX" sz="2000" dirty="0" smtClean="0"/>
-              <a:t> </a:t>
-            </a:r>
-            <a:r>
-              <a:rPr lang="es-MX" sz="2000" dirty="0" err="1" smtClean="0"/>
-              <a:t>it</a:t>
-            </a:r>
-            <a:r>
-              <a:rPr lang="es-MX" sz="2000" dirty="0" smtClean="0"/>
-              <a:t> </a:t>
-            </a:r>
-            <a:r>
-              <a:rPr lang="es-MX" sz="2000" dirty="0" err="1" smtClean="0"/>
-              <a:t>suggest</a:t>
-            </a:r>
-            <a:r>
-              <a:rPr lang="es-MX" sz="2000" dirty="0" smtClean="0"/>
-              <a:t> </a:t>
-            </a:r>
-            <a:r>
-              <a:rPr lang="es-MX" sz="2000" dirty="0" err="1" smtClean="0"/>
-              <a:t>about</a:t>
-            </a:r>
-            <a:r>
-              <a:rPr lang="es-MX" sz="2000" dirty="0" smtClean="0"/>
-              <a:t> </a:t>
-            </a:r>
-            <a:r>
-              <a:rPr lang="es-MX" sz="2000" dirty="0" err="1" smtClean="0"/>
-              <a:t>the</a:t>
-            </a:r>
-            <a:r>
-              <a:rPr lang="es-MX" sz="2000" dirty="0" smtClean="0"/>
-              <a:t> </a:t>
-            </a:r>
-            <a:r>
-              <a:rPr lang="es-MX" sz="2000" dirty="0" err="1" smtClean="0"/>
-              <a:t>validity</a:t>
-            </a:r>
-            <a:r>
-              <a:rPr lang="es-MX" sz="2000" dirty="0" smtClean="0"/>
-              <a:t> of </a:t>
-            </a:r>
-            <a:r>
-              <a:rPr lang="es-MX" sz="2000" dirty="0" err="1" smtClean="0"/>
-              <a:t>the</a:t>
-            </a:r>
-            <a:r>
-              <a:rPr lang="es-MX" sz="2000" dirty="0" smtClean="0"/>
-              <a:t> </a:t>
-            </a:r>
-            <a:r>
-              <a:rPr lang="es-MX" sz="2000" dirty="0" err="1" smtClean="0"/>
-              <a:t>models</a:t>
-            </a:r>
-            <a:r>
-              <a:rPr lang="es-MX" sz="2000" dirty="0" smtClean="0"/>
-              <a:t> and </a:t>
-            </a:r>
-            <a:r>
-              <a:rPr lang="es-MX" sz="2000" dirty="0" err="1" smtClean="0"/>
-              <a:t>theories</a:t>
-            </a:r>
-            <a:r>
-              <a:rPr lang="es-MX" sz="2000" dirty="0" smtClean="0"/>
-              <a:t> </a:t>
-            </a:r>
-            <a:r>
-              <a:rPr lang="es-MX" sz="2000" dirty="0" err="1" smtClean="0"/>
-              <a:t>developed</a:t>
-            </a:r>
-            <a:r>
-              <a:rPr lang="es-MX" sz="2000" dirty="0" smtClean="0"/>
-              <a:t> </a:t>
-            </a:r>
-            <a:r>
-              <a:rPr lang="es-MX" sz="2000" dirty="0" err="1" smtClean="0"/>
-              <a:t>to</a:t>
-            </a:r>
-            <a:r>
-              <a:rPr lang="es-MX" sz="2000" dirty="0" smtClean="0"/>
-              <a:t> </a:t>
-            </a:r>
-            <a:r>
-              <a:rPr lang="es-MX" sz="2000" dirty="0" err="1" smtClean="0"/>
-              <a:t>account</a:t>
-            </a:r>
-            <a:r>
-              <a:rPr lang="es-MX" sz="2000" dirty="0" smtClean="0"/>
-              <a:t> </a:t>
-            </a:r>
-            <a:r>
-              <a:rPr lang="es-MX" sz="2000" dirty="0" err="1" smtClean="0"/>
-              <a:t>for</a:t>
-            </a:r>
-            <a:r>
-              <a:rPr lang="es-MX" sz="2000" dirty="0" smtClean="0"/>
-              <a:t> </a:t>
-            </a:r>
-            <a:r>
-              <a:rPr lang="es-MX" sz="2000" dirty="0" err="1" smtClean="0"/>
-              <a:t>the</a:t>
-            </a:r>
-            <a:r>
-              <a:rPr lang="es-MX" sz="2000" dirty="0" smtClean="0"/>
-              <a:t> </a:t>
-            </a:r>
-            <a:r>
-              <a:rPr lang="es-MX" sz="2000" dirty="0" err="1" smtClean="0"/>
-              <a:t>Mirror</a:t>
-            </a:r>
-            <a:r>
-              <a:rPr lang="es-MX" sz="2000" dirty="0" smtClean="0"/>
-              <a:t> </a:t>
-            </a:r>
-            <a:r>
-              <a:rPr lang="es-MX" sz="2000" dirty="0" err="1" smtClean="0"/>
-              <a:t>Effect</a:t>
-            </a:r>
-            <a:r>
-              <a:rPr lang="es-MX" sz="2000" dirty="0" smtClean="0"/>
-              <a:t> as a </a:t>
-            </a:r>
-            <a:r>
-              <a:rPr lang="es-MX" sz="2000" dirty="0" err="1" smtClean="0"/>
-              <a:t>Recognition</a:t>
-            </a:r>
-            <a:r>
-              <a:rPr lang="es-MX" sz="2000" dirty="0" smtClean="0"/>
-              <a:t> </a:t>
-            </a:r>
-            <a:r>
-              <a:rPr lang="es-MX" sz="2000" dirty="0" err="1" smtClean="0"/>
-              <a:t>Memory</a:t>
-            </a:r>
-            <a:r>
-              <a:rPr lang="es-MX" sz="2000" dirty="0" smtClean="0"/>
-              <a:t> </a:t>
-            </a:r>
-            <a:r>
-              <a:rPr lang="es-MX" sz="2000" dirty="0" err="1" smtClean="0"/>
-              <a:t>phenomenom</a:t>
-            </a:r>
-            <a:r>
-              <a:rPr lang="es-MX" sz="2000" dirty="0" smtClean="0"/>
-              <a:t>).</a:t>
-            </a:r>
-          </a:p>
-          <a:p>
-            <a:pPr marL="0" indent="0" algn="just">
-              <a:buNone/>
-            </a:pPr>
-            <a:endParaRPr lang="es-MX" sz="2000" dirty="0"/>
-          </a:p>
-          <a:p>
-            <a:pPr marL="0" indent="0" algn="just">
-              <a:buNone/>
-            </a:pPr>
-            <a:r>
-              <a:rPr lang="es-MX" sz="2000" dirty="0" err="1" smtClean="0"/>
-              <a:t>However</a:t>
-            </a:r>
-            <a:r>
-              <a:rPr lang="es-MX" sz="2000" dirty="0" smtClean="0"/>
-              <a:t>, </a:t>
-            </a:r>
-            <a:r>
-              <a:rPr lang="es-MX" sz="2000" dirty="0" err="1" smtClean="0"/>
-              <a:t>the</a:t>
-            </a:r>
-            <a:r>
-              <a:rPr lang="es-MX" sz="2000" dirty="0" smtClean="0"/>
-              <a:t> </a:t>
-            </a:r>
-            <a:r>
-              <a:rPr lang="es-MX" sz="2000" dirty="0" err="1" smtClean="0"/>
-              <a:t>presented</a:t>
-            </a:r>
-            <a:r>
-              <a:rPr lang="es-MX" sz="2000" dirty="0" smtClean="0"/>
-              <a:t> </a:t>
-            </a:r>
-            <a:r>
-              <a:rPr lang="es-MX" sz="2000" dirty="0" err="1" smtClean="0"/>
-              <a:t>variation</a:t>
-            </a:r>
-            <a:r>
-              <a:rPr lang="es-MX" sz="2000" dirty="0" smtClean="0"/>
-              <a:t> of a </a:t>
-            </a:r>
-            <a:r>
-              <a:rPr lang="es-MX" sz="2000" dirty="0" err="1" smtClean="0"/>
-              <a:t>Bayesian</a:t>
-            </a:r>
-            <a:r>
-              <a:rPr lang="es-MX" sz="2000" dirty="0" smtClean="0"/>
-              <a:t> SDT </a:t>
-            </a:r>
-            <a:r>
-              <a:rPr lang="es-MX" sz="2000" dirty="0" err="1" smtClean="0"/>
-              <a:t>cognitive</a:t>
-            </a:r>
-            <a:r>
-              <a:rPr lang="es-MX" sz="2000" dirty="0" smtClean="0"/>
-              <a:t> </a:t>
-            </a:r>
-            <a:r>
-              <a:rPr lang="es-MX" sz="2000" dirty="0" err="1" smtClean="0"/>
-              <a:t>model</a:t>
-            </a:r>
-            <a:r>
-              <a:rPr lang="es-MX" sz="2000" dirty="0" smtClean="0"/>
-              <a:t> </a:t>
-            </a:r>
-            <a:r>
-              <a:rPr lang="es-MX" sz="2000" dirty="0" err="1" smtClean="0"/>
-              <a:t>seems</a:t>
-            </a:r>
-            <a:r>
-              <a:rPr lang="es-MX" sz="2000" dirty="0" smtClean="0"/>
-              <a:t> </a:t>
-            </a:r>
-            <a:r>
-              <a:rPr lang="es-MX" sz="2000" dirty="0" err="1" smtClean="0"/>
-              <a:t>to</a:t>
-            </a:r>
-            <a:r>
-              <a:rPr lang="es-MX" sz="2000" dirty="0" smtClean="0"/>
-              <a:t> be </a:t>
-            </a:r>
-            <a:r>
-              <a:rPr lang="es-MX" sz="2000" dirty="0" err="1" smtClean="0"/>
-              <a:t>suggesting</a:t>
-            </a:r>
-            <a:r>
-              <a:rPr lang="es-MX" sz="2000" dirty="0" smtClean="0"/>
-              <a:t> </a:t>
-            </a:r>
-            <a:r>
-              <a:rPr lang="es-MX" sz="2000" dirty="0" err="1" smtClean="0"/>
-              <a:t>that</a:t>
-            </a:r>
-            <a:r>
-              <a:rPr lang="es-MX" sz="2000" dirty="0" smtClean="0"/>
-              <a:t> </a:t>
-            </a:r>
-            <a:r>
-              <a:rPr lang="es-MX" sz="2000" dirty="0" err="1" smtClean="0"/>
-              <a:t>the</a:t>
-            </a:r>
-            <a:r>
-              <a:rPr lang="es-MX" sz="2000" dirty="0" smtClean="0"/>
-              <a:t> </a:t>
-            </a:r>
-            <a:r>
-              <a:rPr lang="es-MX" sz="2000" dirty="0" err="1" smtClean="0"/>
-              <a:t>Mirror</a:t>
-            </a:r>
-            <a:r>
-              <a:rPr lang="es-MX" sz="2000" dirty="0" smtClean="0"/>
-              <a:t> </a:t>
-            </a:r>
-            <a:r>
-              <a:rPr lang="es-MX" sz="2000" dirty="0" err="1" smtClean="0"/>
-              <a:t>Effect</a:t>
-            </a:r>
-            <a:r>
-              <a:rPr lang="es-MX" sz="2000" dirty="0" smtClean="0"/>
-              <a:t> </a:t>
-            </a:r>
-            <a:r>
-              <a:rPr lang="es-MX" sz="2000" dirty="0" err="1" smtClean="0"/>
-              <a:t>could</a:t>
-            </a:r>
-            <a:r>
-              <a:rPr lang="es-MX" sz="2000" dirty="0" smtClean="0"/>
-              <a:t> be a </a:t>
-            </a:r>
-            <a:r>
-              <a:rPr lang="es-MX" sz="2000" dirty="0" err="1" smtClean="0"/>
-              <a:t>phenomena</a:t>
-            </a:r>
-            <a:r>
-              <a:rPr lang="es-MX" sz="2000" dirty="0" smtClean="0"/>
-              <a:t> </a:t>
-            </a:r>
-            <a:r>
-              <a:rPr lang="es-MX" sz="2000" dirty="0" err="1" smtClean="0"/>
-              <a:t>that</a:t>
-            </a:r>
-            <a:r>
-              <a:rPr lang="es-MX" sz="2000" dirty="0" smtClean="0"/>
-              <a:t> </a:t>
-            </a:r>
-            <a:r>
-              <a:rPr lang="es-MX" sz="2000" dirty="0" err="1" smtClean="0"/>
-              <a:t>holds</a:t>
-            </a:r>
-            <a:r>
-              <a:rPr lang="es-MX" sz="2000" dirty="0" smtClean="0"/>
-              <a:t> </a:t>
-            </a:r>
-            <a:r>
-              <a:rPr lang="es-MX" sz="2000" dirty="0" err="1" smtClean="0"/>
-              <a:t>for</a:t>
-            </a:r>
-            <a:r>
-              <a:rPr lang="es-MX" sz="2000" dirty="0" smtClean="0"/>
-              <a:t> </a:t>
-            </a:r>
-            <a:r>
-              <a:rPr lang="es-MX" sz="2000" dirty="0" err="1" smtClean="0"/>
-              <a:t>the</a:t>
-            </a:r>
-            <a:r>
-              <a:rPr lang="es-MX" sz="2000" dirty="0" smtClean="0"/>
-              <a:t> “</a:t>
-            </a:r>
-            <a:r>
-              <a:rPr lang="es-MX" sz="2000" dirty="0" err="1" smtClean="0"/>
-              <a:t>whole</a:t>
-            </a:r>
-            <a:r>
-              <a:rPr lang="es-MX" sz="2000" dirty="0" smtClean="0"/>
-              <a:t> </a:t>
-            </a:r>
-            <a:r>
-              <a:rPr lang="es-MX" sz="2000" dirty="0" err="1" smtClean="0"/>
-              <a:t>group</a:t>
-            </a:r>
-            <a:r>
-              <a:rPr lang="es-MX" sz="2000" dirty="0" smtClean="0"/>
-              <a:t>” </a:t>
-            </a:r>
-            <a:r>
-              <a:rPr lang="es-MX" sz="2000" dirty="0" err="1" smtClean="0"/>
-              <a:t>analysis</a:t>
-            </a:r>
-            <a:r>
-              <a:rPr lang="es-MX" sz="2000" dirty="0" smtClean="0"/>
-              <a:t>, </a:t>
-            </a:r>
-            <a:r>
-              <a:rPr lang="es-MX" sz="2000" dirty="0" err="1" smtClean="0"/>
-              <a:t>but</a:t>
-            </a:r>
-            <a:r>
-              <a:rPr lang="es-MX" sz="2000" dirty="0" smtClean="0"/>
-              <a:t> </a:t>
-            </a:r>
-            <a:r>
-              <a:rPr lang="es-MX" sz="2000" dirty="0" err="1" smtClean="0"/>
-              <a:t>not</a:t>
-            </a:r>
-            <a:r>
-              <a:rPr lang="es-MX" sz="2000" dirty="0" smtClean="0"/>
-              <a:t> </a:t>
-            </a:r>
-            <a:r>
-              <a:rPr lang="es-MX" sz="2000" dirty="0" err="1" smtClean="0"/>
-              <a:t>the</a:t>
-            </a:r>
-            <a:r>
-              <a:rPr lang="es-MX" sz="2000" dirty="0" smtClean="0"/>
-              <a:t> individual </a:t>
-            </a:r>
-            <a:r>
-              <a:rPr lang="es-MX" sz="2000" dirty="0" err="1" smtClean="0"/>
-              <a:t>level</a:t>
-            </a:r>
-            <a:r>
-              <a:rPr lang="es-MX" sz="2000" dirty="0" smtClean="0"/>
-              <a:t>. </a:t>
-            </a:r>
-          </a:p>
-          <a:p>
-            <a:pPr marL="0" indent="0" algn="just">
-              <a:buNone/>
-            </a:pPr>
-            <a:endParaRPr lang="es-MX" sz="2000" dirty="0"/>
-          </a:p>
-        </p:txBody>
-      </p:sp>
-    </p:spTree>
-    <p:extLst>
-      <p:ext uri="{BB962C8B-B14F-4D97-AF65-F5344CB8AC3E}">
-        <p14:creationId xmlns:p14="http://schemas.microsoft.com/office/powerpoint/2010/main" val="2620660784"/>
-      </p:ext>
-    </p:extLst>
-  </p:cSld>
-  <p:clrMapOvr>
-    <a:masterClrMapping/>
-  </p:clrMapOvr>
-</p:sld>
-</file>
-
 <file path=ppt/slides/slide48.xml><?xml version="1.0" encoding="utf-8"?>
 <p:sld xmlns:a="http://schemas.openxmlformats.org/drawingml/2006/main" xmlns:r="http://schemas.openxmlformats.org/officeDocument/2006/relationships" xmlns:p="http://schemas.openxmlformats.org/presentationml/2006/main">
   <p:cSld>
@@ -23483,6 +22808,1182 @@
       </p:sp>
       <p:sp>
         <p:nvSpPr>
+          <p:cNvPr id="2" name="Título 1"/>
+          <p:cNvSpPr>
+            <a:spLocks noGrp="1"/>
+          </p:cNvSpPr>
+          <p:nvPr>
+            <p:ph type="title"/>
+          </p:nvPr>
+        </p:nvSpPr>
+        <p:spPr>
+          <a:xfrm>
+            <a:off x="601134" y="94191"/>
+            <a:ext cx="10515600" cy="1325563"/>
+          </a:xfrm>
+          <a:solidFill>
+            <a:schemeClr val="accent4">
+              <a:lumMod val="60000"/>
+              <a:lumOff val="40000"/>
+            </a:schemeClr>
+          </a:solidFill>
+        </p:spPr>
+        <p:txBody>
+          <a:bodyPr/>
+          <a:lstStyle/>
+          <a:p>
+            <a:r>
+              <a:rPr lang="es-MX" b="1" dirty="0" err="1" smtClean="0"/>
+              <a:t>Some</a:t>
+            </a:r>
+            <a:r>
+              <a:rPr lang="es-MX" b="1" dirty="0" smtClean="0"/>
+              <a:t> </a:t>
+            </a:r>
+            <a:r>
+              <a:rPr lang="es-MX" b="1" dirty="0" err="1" smtClean="0"/>
+              <a:t>sort</a:t>
+            </a:r>
+            <a:r>
+              <a:rPr lang="es-MX" b="1" dirty="0" smtClean="0"/>
+              <a:t> of </a:t>
+            </a:r>
+            <a:r>
+              <a:rPr lang="en-US" b="1" dirty="0" smtClean="0"/>
+              <a:t>conclusion</a:t>
+            </a:r>
+            <a:r>
+              <a:rPr lang="es-MX" b="1" dirty="0" smtClean="0"/>
+              <a:t> </a:t>
+            </a:r>
+            <a:r>
+              <a:rPr lang="es-MX" b="1" dirty="0" err="1" smtClean="0"/>
+              <a:t>from</a:t>
+            </a:r>
+            <a:r>
+              <a:rPr lang="es-MX" b="1" dirty="0" smtClean="0"/>
+              <a:t> </a:t>
+            </a:r>
+            <a:r>
+              <a:rPr lang="es-MX" b="1" dirty="0" err="1" smtClean="0"/>
+              <a:t>the</a:t>
+            </a:r>
+            <a:r>
+              <a:rPr lang="es-MX" b="1" dirty="0" smtClean="0"/>
+              <a:t> </a:t>
+            </a:r>
+            <a:r>
+              <a:rPr lang="es-MX" b="1" dirty="0" err="1" smtClean="0"/>
+              <a:t>past</a:t>
+            </a:r>
+            <a:r>
+              <a:rPr lang="es-MX" b="1" dirty="0" smtClean="0"/>
+              <a:t> </a:t>
+            </a:r>
+            <a:r>
+              <a:rPr lang="es-MX" b="1" dirty="0" err="1" smtClean="0"/>
+              <a:t>section</a:t>
+            </a:r>
+            <a:endParaRPr lang="es-MX" b="1" dirty="0"/>
+          </a:p>
+        </p:txBody>
+      </p:sp>
+      <p:sp>
+        <p:nvSpPr>
+          <p:cNvPr id="3" name="Marcador de contenido 2"/>
+          <p:cNvSpPr>
+            <a:spLocks noGrp="1"/>
+          </p:cNvSpPr>
+          <p:nvPr>
+            <p:ph idx="1"/>
+          </p:nvPr>
+        </p:nvSpPr>
+        <p:spPr>
+          <a:xfrm>
+            <a:off x="203199" y="1825625"/>
+            <a:ext cx="11692467" cy="4351338"/>
+          </a:xfrm>
+        </p:spPr>
+        <p:txBody>
+          <a:bodyPr>
+            <a:normAutofit/>
+          </a:bodyPr>
+          <a:lstStyle/>
+          <a:p>
+            <a:pPr marL="0" indent="0" algn="just">
+              <a:buNone/>
+            </a:pPr>
+            <a:r>
+              <a:rPr lang="es-MX" sz="2000" dirty="0" err="1" smtClean="0"/>
+              <a:t>Many</a:t>
+            </a:r>
+            <a:r>
+              <a:rPr lang="es-MX" sz="2000" dirty="0" smtClean="0"/>
+              <a:t> of </a:t>
+            </a:r>
+            <a:r>
+              <a:rPr lang="es-MX" sz="2000" dirty="0" err="1" smtClean="0"/>
+              <a:t>the</a:t>
+            </a:r>
+            <a:r>
+              <a:rPr lang="es-MX" sz="2000" dirty="0" smtClean="0"/>
+              <a:t> </a:t>
+            </a:r>
+            <a:r>
+              <a:rPr lang="es-MX" sz="2000" dirty="0" err="1" smtClean="0"/>
+              <a:t>main</a:t>
+            </a:r>
+            <a:r>
+              <a:rPr lang="es-MX" sz="2000" dirty="0" smtClean="0"/>
+              <a:t> </a:t>
+            </a:r>
+            <a:r>
+              <a:rPr lang="es-MX" sz="2000" dirty="0" err="1" smtClean="0"/>
+              <a:t>findings</a:t>
+            </a:r>
+            <a:r>
+              <a:rPr lang="es-MX" sz="2000" dirty="0" smtClean="0"/>
+              <a:t>/</a:t>
+            </a:r>
+            <a:r>
+              <a:rPr lang="es-MX" sz="2000" dirty="0" err="1" smtClean="0"/>
+              <a:t>empirical</a:t>
+            </a:r>
+            <a:r>
+              <a:rPr lang="es-MX" sz="2000" dirty="0"/>
+              <a:t> </a:t>
+            </a:r>
+            <a:r>
+              <a:rPr lang="es-MX" sz="2000" dirty="0" err="1" smtClean="0"/>
+              <a:t>phenomena</a:t>
+            </a:r>
+            <a:r>
+              <a:rPr lang="es-MX" sz="2000" dirty="0" smtClean="0"/>
+              <a:t> </a:t>
+            </a:r>
+            <a:r>
+              <a:rPr lang="es-MX" sz="2000" dirty="0" err="1" smtClean="0"/>
+              <a:t>reported</a:t>
+            </a:r>
+            <a:r>
+              <a:rPr lang="es-MX" sz="2000" dirty="0" smtClean="0"/>
+              <a:t> </a:t>
+            </a:r>
+            <a:r>
+              <a:rPr lang="es-MX" sz="2000" dirty="0" err="1" smtClean="0"/>
+              <a:t>within</a:t>
+            </a:r>
+            <a:r>
+              <a:rPr lang="es-MX" sz="2000" dirty="0" smtClean="0"/>
+              <a:t> </a:t>
+            </a:r>
+            <a:r>
+              <a:rPr lang="es-MX" sz="2000" dirty="0" err="1" smtClean="0"/>
+              <a:t>Psychology</a:t>
+            </a:r>
+            <a:r>
+              <a:rPr lang="es-MX" sz="2000" dirty="0" smtClean="0"/>
+              <a:t> </a:t>
+            </a:r>
+            <a:r>
+              <a:rPr lang="es-MX" sz="2000" dirty="0" err="1" smtClean="0"/>
+              <a:t>tend</a:t>
+            </a:r>
+            <a:r>
+              <a:rPr lang="es-MX" sz="2000" dirty="0" smtClean="0"/>
+              <a:t> </a:t>
+            </a:r>
+            <a:r>
+              <a:rPr lang="es-MX" sz="2000" dirty="0" err="1" smtClean="0"/>
+              <a:t>to</a:t>
+            </a:r>
+            <a:r>
+              <a:rPr lang="es-MX" sz="2000" dirty="0" smtClean="0"/>
+              <a:t> do </a:t>
+            </a:r>
+            <a:r>
+              <a:rPr lang="es-MX" sz="2000" dirty="0" err="1" smtClean="0"/>
+              <a:t>it</a:t>
+            </a:r>
+            <a:r>
+              <a:rPr lang="es-MX" sz="2000" dirty="0" smtClean="0"/>
+              <a:t> in </a:t>
+            </a:r>
+            <a:r>
+              <a:rPr lang="es-MX" sz="2000" dirty="0" err="1" smtClean="0"/>
+              <a:t>terms</a:t>
+            </a:r>
+            <a:r>
+              <a:rPr lang="es-MX" sz="2000" dirty="0" smtClean="0"/>
+              <a:t> of </a:t>
+            </a:r>
+            <a:r>
+              <a:rPr lang="es-MX" sz="2000" dirty="0" err="1" smtClean="0"/>
+              <a:t>the</a:t>
+            </a:r>
+            <a:r>
+              <a:rPr lang="es-MX" sz="2000" dirty="0" smtClean="0"/>
+              <a:t> “mean performance” of </a:t>
+            </a:r>
+            <a:r>
+              <a:rPr lang="es-MX" sz="2000" dirty="0" err="1" smtClean="0"/>
+              <a:t>all</a:t>
+            </a:r>
+            <a:r>
+              <a:rPr lang="es-MX" sz="2000" dirty="0" smtClean="0"/>
+              <a:t> </a:t>
+            </a:r>
+            <a:r>
+              <a:rPr lang="es-MX" sz="2000" dirty="0" err="1" smtClean="0"/>
+              <a:t>participants</a:t>
+            </a:r>
+            <a:r>
+              <a:rPr lang="es-MX" sz="2000" dirty="0" smtClean="0"/>
+              <a:t>.</a:t>
+            </a:r>
+          </a:p>
+          <a:p>
+            <a:pPr marL="0" indent="0" algn="just">
+              <a:buNone/>
+            </a:pPr>
+            <a:endParaRPr lang="es-MX" sz="2000" dirty="0" smtClean="0"/>
+          </a:p>
+          <a:p>
+            <a:pPr marL="0" indent="0" algn="just">
+              <a:buNone/>
+            </a:pPr>
+            <a:r>
+              <a:rPr lang="es-MX" sz="2000" dirty="0" err="1" smtClean="0"/>
+              <a:t>It</a:t>
+            </a:r>
+            <a:r>
+              <a:rPr lang="es-MX" sz="2000" dirty="0" smtClean="0"/>
+              <a:t> </a:t>
+            </a:r>
+            <a:r>
+              <a:rPr lang="es-MX" sz="2000" dirty="0" err="1" smtClean="0"/>
+              <a:t>is</a:t>
+            </a:r>
+            <a:r>
+              <a:rPr lang="es-MX" sz="2000" dirty="0" smtClean="0"/>
+              <a:t> </a:t>
+            </a:r>
+            <a:r>
+              <a:rPr lang="es-MX" sz="2000" dirty="0" err="1" smtClean="0"/>
+              <a:t>interesting</a:t>
+            </a:r>
+            <a:r>
+              <a:rPr lang="es-MX" sz="2000" dirty="0" smtClean="0"/>
+              <a:t> </a:t>
+            </a:r>
+            <a:r>
+              <a:rPr lang="es-MX" sz="2000" dirty="0" err="1" smtClean="0"/>
+              <a:t>to</a:t>
+            </a:r>
+            <a:r>
+              <a:rPr lang="es-MX" sz="2000" dirty="0" smtClean="0"/>
+              <a:t> note </a:t>
+            </a:r>
+            <a:r>
+              <a:rPr lang="es-MX" sz="2000" dirty="0" err="1" smtClean="0"/>
+              <a:t>that</a:t>
+            </a:r>
+            <a:r>
+              <a:rPr lang="es-MX" sz="2000" dirty="0" smtClean="0"/>
+              <a:t> </a:t>
+            </a:r>
+            <a:r>
+              <a:rPr lang="es-MX" sz="2000" dirty="0" err="1" smtClean="0"/>
+              <a:t>when</a:t>
+            </a:r>
+            <a:r>
+              <a:rPr lang="es-MX" sz="2000" dirty="0" smtClean="0"/>
+              <a:t> </a:t>
+            </a:r>
+            <a:r>
+              <a:rPr lang="es-MX" sz="2000" dirty="0" err="1" smtClean="0"/>
+              <a:t>we</a:t>
+            </a:r>
+            <a:r>
+              <a:rPr lang="es-MX" sz="2000" dirty="0" smtClean="0"/>
+              <a:t> </a:t>
+            </a:r>
+            <a:r>
+              <a:rPr lang="es-MX" sz="2000" dirty="0" err="1" smtClean="0"/>
+              <a:t>conducted</a:t>
+            </a:r>
+            <a:r>
+              <a:rPr lang="es-MX" sz="2000" dirty="0" smtClean="0"/>
+              <a:t> a </a:t>
+            </a:r>
+            <a:r>
+              <a:rPr lang="es-MX" sz="2000" dirty="0" err="1" smtClean="0"/>
+              <a:t>step-by-step</a:t>
+            </a:r>
+            <a:r>
+              <a:rPr lang="es-MX" sz="2000" dirty="0" smtClean="0"/>
+              <a:t> </a:t>
+            </a:r>
+            <a:r>
+              <a:rPr lang="es-MX" sz="2000" dirty="0" err="1" smtClean="0"/>
+              <a:t>replication</a:t>
+            </a:r>
+            <a:r>
+              <a:rPr lang="es-MX" sz="2000" dirty="0" smtClean="0"/>
+              <a:t> of </a:t>
+            </a:r>
+            <a:r>
+              <a:rPr lang="es-MX" sz="2000" dirty="0" err="1" smtClean="0"/>
+              <a:t>the</a:t>
+            </a:r>
+            <a:r>
+              <a:rPr lang="es-MX" sz="2000" dirty="0" smtClean="0"/>
+              <a:t> </a:t>
+            </a:r>
+            <a:r>
+              <a:rPr lang="es-MX" sz="2000" dirty="0" err="1" smtClean="0"/>
+              <a:t>statistical</a:t>
+            </a:r>
+            <a:r>
+              <a:rPr lang="es-MX" sz="2000" dirty="0" smtClean="0"/>
+              <a:t> </a:t>
+            </a:r>
+            <a:r>
+              <a:rPr lang="es-MX" sz="2000" dirty="0" err="1" smtClean="0"/>
+              <a:t>tests</a:t>
+            </a:r>
+            <a:r>
+              <a:rPr lang="es-MX" sz="2000" dirty="0" smtClean="0"/>
+              <a:t> </a:t>
+            </a:r>
+            <a:r>
+              <a:rPr lang="es-MX" sz="2000" dirty="0" err="1" smtClean="0"/>
+              <a:t>that</a:t>
+            </a:r>
+            <a:r>
+              <a:rPr lang="es-MX" sz="2000" dirty="0" smtClean="0"/>
+              <a:t> </a:t>
+            </a:r>
+            <a:r>
+              <a:rPr lang="es-MX" sz="2000" dirty="0" err="1" smtClean="0"/>
+              <a:t>had</a:t>
+            </a:r>
+            <a:r>
+              <a:rPr lang="es-MX" sz="2000" dirty="0" smtClean="0"/>
+              <a:t> </a:t>
+            </a:r>
+            <a:r>
+              <a:rPr lang="es-MX" sz="2000" dirty="0" err="1" smtClean="0"/>
+              <a:t>been</a:t>
+            </a:r>
+            <a:r>
+              <a:rPr lang="es-MX" sz="2000" dirty="0" smtClean="0"/>
+              <a:t> </a:t>
+            </a:r>
+            <a:r>
+              <a:rPr lang="es-MX" sz="2000" dirty="0" err="1" smtClean="0"/>
+              <a:t>reported</a:t>
+            </a:r>
+            <a:r>
+              <a:rPr lang="es-MX" sz="2000" dirty="0" smtClean="0"/>
+              <a:t> </a:t>
+            </a:r>
+            <a:r>
+              <a:rPr lang="es-MX" sz="2000" dirty="0" err="1" smtClean="0"/>
+              <a:t>within</a:t>
+            </a:r>
+            <a:r>
+              <a:rPr lang="es-MX" sz="2000" dirty="0" smtClean="0"/>
+              <a:t> </a:t>
+            </a:r>
+            <a:r>
+              <a:rPr lang="es-MX" sz="2000" dirty="0" err="1" smtClean="0"/>
+              <a:t>the</a:t>
+            </a:r>
+            <a:r>
+              <a:rPr lang="es-MX" sz="2000" dirty="0" smtClean="0"/>
+              <a:t> </a:t>
+            </a:r>
+            <a:r>
+              <a:rPr lang="es-MX" sz="2000" dirty="0" err="1" smtClean="0"/>
+              <a:t>Recognition</a:t>
+            </a:r>
+            <a:r>
+              <a:rPr lang="es-MX" sz="2000" dirty="0" smtClean="0"/>
+              <a:t> </a:t>
+            </a:r>
+            <a:r>
+              <a:rPr lang="es-MX" sz="2000" dirty="0" err="1" smtClean="0"/>
+              <a:t>Memory</a:t>
+            </a:r>
+            <a:r>
+              <a:rPr lang="es-MX" sz="2000" dirty="0" smtClean="0"/>
+              <a:t> </a:t>
+            </a:r>
+            <a:r>
+              <a:rPr lang="es-MX" sz="2000" dirty="0" err="1" smtClean="0"/>
+              <a:t>literature</a:t>
+            </a:r>
+            <a:r>
+              <a:rPr lang="es-MX" sz="2000" dirty="0" smtClean="0"/>
+              <a:t> </a:t>
+            </a:r>
+            <a:r>
+              <a:rPr lang="es-MX" sz="2000" dirty="0" err="1" smtClean="0"/>
+              <a:t>focused</a:t>
+            </a:r>
+            <a:r>
+              <a:rPr lang="es-MX" sz="2000" dirty="0" smtClean="0"/>
+              <a:t> </a:t>
+            </a:r>
+            <a:r>
+              <a:rPr lang="es-MX" sz="2000" dirty="0" err="1" smtClean="0"/>
+              <a:t>on</a:t>
+            </a:r>
+            <a:r>
+              <a:rPr lang="es-MX" sz="2000" dirty="0" smtClean="0"/>
+              <a:t> </a:t>
+            </a:r>
+            <a:r>
+              <a:rPr lang="es-MX" sz="2000" dirty="0" err="1" smtClean="0"/>
+              <a:t>studying</a:t>
+            </a:r>
+            <a:r>
+              <a:rPr lang="es-MX" sz="2000" dirty="0" smtClean="0"/>
+              <a:t> </a:t>
+            </a:r>
+            <a:r>
+              <a:rPr lang="es-MX" sz="2000" dirty="0" err="1" smtClean="0"/>
+              <a:t>the</a:t>
+            </a:r>
+            <a:r>
+              <a:rPr lang="es-MX" sz="2000" dirty="0" smtClean="0"/>
+              <a:t> </a:t>
+            </a:r>
+            <a:r>
+              <a:rPr lang="es-MX" sz="2000" dirty="0" err="1" smtClean="0"/>
+              <a:t>Mirror</a:t>
+            </a:r>
+            <a:r>
+              <a:rPr lang="es-MX" sz="2000" dirty="0" smtClean="0"/>
+              <a:t> </a:t>
+            </a:r>
+            <a:r>
+              <a:rPr lang="es-MX" sz="2000" dirty="0" err="1" smtClean="0"/>
+              <a:t>Effect</a:t>
+            </a:r>
+            <a:r>
+              <a:rPr lang="es-MX" sz="2000" dirty="0" smtClean="0"/>
+              <a:t> (t-test </a:t>
+            </a:r>
+            <a:r>
+              <a:rPr lang="es-MX" sz="2000" dirty="0" err="1" smtClean="0"/>
+              <a:t>with</a:t>
+            </a:r>
+            <a:r>
+              <a:rPr lang="es-MX" sz="2000" dirty="0" smtClean="0"/>
+              <a:t> </a:t>
+            </a:r>
+            <a:r>
+              <a:rPr lang="es-MX" sz="2000" dirty="0" err="1" smtClean="0"/>
+              <a:t>an</a:t>
+            </a:r>
+            <a:r>
+              <a:rPr lang="es-MX" sz="2000" dirty="0" smtClean="0"/>
+              <a:t> </a:t>
+            </a:r>
+            <a:r>
+              <a:rPr lang="es-MX" sz="2000" dirty="0" err="1" smtClean="0"/>
+              <a:t>arcsine</a:t>
+            </a:r>
+            <a:r>
+              <a:rPr lang="es-MX" sz="2000" dirty="0" smtClean="0"/>
+              <a:t> </a:t>
+            </a:r>
+            <a:r>
+              <a:rPr lang="es-MX" sz="2000" dirty="0" err="1" smtClean="0"/>
+              <a:t>comparison</a:t>
+            </a:r>
+            <a:r>
+              <a:rPr lang="es-MX" sz="2000" dirty="0" smtClean="0"/>
+              <a:t> of </a:t>
+            </a:r>
+            <a:r>
+              <a:rPr lang="es-MX" sz="2000" dirty="0" err="1" smtClean="0"/>
+              <a:t>the</a:t>
+            </a:r>
+            <a:r>
+              <a:rPr lang="es-MX" sz="2000" dirty="0" smtClean="0"/>
+              <a:t> response </a:t>
+            </a:r>
+            <a:r>
+              <a:rPr lang="es-MX" sz="2000" dirty="0" err="1" smtClean="0"/>
+              <a:t>rates</a:t>
+            </a:r>
+            <a:r>
+              <a:rPr lang="es-MX" sz="2000" dirty="0" smtClean="0"/>
+              <a:t>), </a:t>
+            </a:r>
+            <a:r>
+              <a:rPr lang="es-MX" sz="2000" dirty="0" err="1" smtClean="0"/>
+              <a:t>we</a:t>
+            </a:r>
+            <a:r>
+              <a:rPr lang="es-MX" sz="2000" dirty="0" smtClean="0"/>
+              <a:t> </a:t>
+            </a:r>
+            <a:r>
+              <a:rPr lang="es-MX" sz="2000" dirty="0" err="1" smtClean="0"/>
+              <a:t>also</a:t>
+            </a:r>
+            <a:r>
+              <a:rPr lang="es-MX" sz="2000" dirty="0" smtClean="0"/>
+              <a:t> </a:t>
+            </a:r>
+            <a:r>
+              <a:rPr lang="es-MX" sz="2000" dirty="0" err="1" smtClean="0"/>
+              <a:t>find</a:t>
+            </a:r>
+            <a:r>
+              <a:rPr lang="es-MX" sz="2000" dirty="0" smtClean="0"/>
+              <a:t> “</a:t>
+            </a:r>
+            <a:r>
+              <a:rPr lang="es-MX" sz="2000" dirty="0" err="1" smtClean="0"/>
+              <a:t>evidence</a:t>
+            </a:r>
+            <a:r>
+              <a:rPr lang="es-MX" sz="2000" dirty="0" smtClean="0"/>
+              <a:t> </a:t>
+            </a:r>
+            <a:r>
+              <a:rPr lang="es-MX" sz="2000" dirty="0" err="1" smtClean="0"/>
+              <a:t>for</a:t>
+            </a:r>
+            <a:r>
+              <a:rPr lang="es-MX" sz="2000" dirty="0" smtClean="0"/>
+              <a:t> </a:t>
+            </a:r>
+            <a:r>
+              <a:rPr lang="es-MX" sz="2000" dirty="0" err="1" smtClean="0"/>
+              <a:t>the</a:t>
+            </a:r>
+            <a:r>
+              <a:rPr lang="es-MX" sz="2000" dirty="0" smtClean="0"/>
+              <a:t> </a:t>
+            </a:r>
+            <a:r>
+              <a:rPr lang="es-MX" sz="2000" dirty="0" err="1" smtClean="0"/>
+              <a:t>Mirror</a:t>
+            </a:r>
+            <a:r>
+              <a:rPr lang="es-MX" sz="2000" dirty="0" smtClean="0"/>
+              <a:t> </a:t>
+            </a:r>
+            <a:r>
+              <a:rPr lang="es-MX" sz="2000" dirty="0" err="1" smtClean="0"/>
+              <a:t>Effect</a:t>
+            </a:r>
+            <a:r>
+              <a:rPr lang="es-MX" sz="2000" dirty="0" smtClean="0"/>
+              <a:t>” in </a:t>
+            </a:r>
+            <a:r>
+              <a:rPr lang="es-MX" sz="2000" dirty="0" err="1" smtClean="0"/>
+              <a:t>our</a:t>
+            </a:r>
+            <a:r>
+              <a:rPr lang="es-MX" sz="2000" dirty="0" smtClean="0"/>
+              <a:t> </a:t>
+            </a:r>
+            <a:r>
+              <a:rPr lang="es-MX" sz="2000" b="1" dirty="0" err="1" smtClean="0"/>
+              <a:t>merely</a:t>
+            </a:r>
+            <a:r>
+              <a:rPr lang="es-MX" sz="2000" b="1" dirty="0" smtClean="0"/>
+              <a:t> perceptual </a:t>
+            </a:r>
+            <a:r>
+              <a:rPr lang="es-MX" sz="2000" dirty="0" err="1" smtClean="0"/>
+              <a:t>task</a:t>
+            </a:r>
+            <a:r>
+              <a:rPr lang="es-MX" sz="2000" dirty="0" smtClean="0"/>
+              <a:t>, (</a:t>
+            </a:r>
+            <a:r>
+              <a:rPr lang="es-MX" sz="2000" dirty="0" err="1" smtClean="0"/>
+              <a:t>which</a:t>
+            </a:r>
+            <a:r>
+              <a:rPr lang="es-MX" sz="2000" dirty="0" smtClean="0"/>
+              <a:t> </a:t>
+            </a:r>
+            <a:r>
+              <a:rPr lang="es-MX" sz="2000" dirty="0" err="1" smtClean="0"/>
+              <a:t>was</a:t>
+            </a:r>
+            <a:r>
+              <a:rPr lang="es-MX" sz="2000" dirty="0" smtClean="0"/>
+              <a:t> </a:t>
+            </a:r>
+            <a:r>
+              <a:rPr lang="es-MX" sz="2000" dirty="0" err="1" smtClean="0"/>
+              <a:t>itself</a:t>
+            </a:r>
+            <a:r>
+              <a:rPr lang="es-MX" sz="2000" dirty="0" smtClean="0"/>
+              <a:t> a </a:t>
+            </a:r>
+            <a:r>
+              <a:rPr lang="es-MX" sz="2000" dirty="0" err="1" smtClean="0"/>
+              <a:t>very</a:t>
+            </a:r>
+            <a:r>
+              <a:rPr lang="es-MX" sz="2000" dirty="0" smtClean="0"/>
+              <a:t> </a:t>
+            </a:r>
+            <a:r>
+              <a:rPr lang="es-MX" sz="2000" dirty="0" err="1" smtClean="0"/>
+              <a:t>interesting</a:t>
+            </a:r>
+            <a:r>
+              <a:rPr lang="es-MX" sz="2000" dirty="0" smtClean="0"/>
+              <a:t> </a:t>
+            </a:r>
+            <a:r>
+              <a:rPr lang="es-MX" sz="2000" dirty="0" err="1" smtClean="0"/>
+              <a:t>finding</a:t>
+            </a:r>
+            <a:r>
+              <a:rPr lang="es-MX" sz="2000" dirty="0" smtClean="0"/>
+              <a:t> in </a:t>
+            </a:r>
+            <a:r>
+              <a:rPr lang="es-MX" sz="2000" dirty="0" err="1" smtClean="0"/>
+              <a:t>terms</a:t>
+            </a:r>
+            <a:r>
+              <a:rPr lang="es-MX" sz="2000" dirty="0" smtClean="0"/>
+              <a:t> of </a:t>
+            </a:r>
+            <a:r>
+              <a:rPr lang="es-MX" sz="2000" dirty="0" err="1" smtClean="0"/>
+              <a:t>what</a:t>
+            </a:r>
+            <a:r>
+              <a:rPr lang="es-MX" sz="2000" dirty="0" smtClean="0"/>
+              <a:t> </a:t>
+            </a:r>
+            <a:r>
+              <a:rPr lang="es-MX" sz="2000" dirty="0" err="1" smtClean="0"/>
+              <a:t>it</a:t>
+            </a:r>
+            <a:r>
+              <a:rPr lang="es-MX" sz="2000" dirty="0" smtClean="0"/>
+              <a:t> </a:t>
+            </a:r>
+            <a:r>
+              <a:rPr lang="es-MX" sz="2000" dirty="0" err="1" smtClean="0"/>
+              <a:t>suggest</a:t>
+            </a:r>
+            <a:r>
+              <a:rPr lang="es-MX" sz="2000" dirty="0" smtClean="0"/>
+              <a:t> </a:t>
+            </a:r>
+            <a:r>
+              <a:rPr lang="es-MX" sz="2000" dirty="0" err="1" smtClean="0"/>
+              <a:t>about</a:t>
+            </a:r>
+            <a:r>
+              <a:rPr lang="es-MX" sz="2000" dirty="0" smtClean="0"/>
+              <a:t> </a:t>
+            </a:r>
+            <a:r>
+              <a:rPr lang="es-MX" sz="2000" dirty="0" err="1" smtClean="0"/>
+              <a:t>the</a:t>
+            </a:r>
+            <a:r>
+              <a:rPr lang="es-MX" sz="2000" dirty="0" smtClean="0"/>
+              <a:t> </a:t>
+            </a:r>
+            <a:r>
+              <a:rPr lang="es-MX" sz="2000" dirty="0" err="1" smtClean="0"/>
+              <a:t>validity</a:t>
+            </a:r>
+            <a:r>
+              <a:rPr lang="es-MX" sz="2000" dirty="0" smtClean="0"/>
+              <a:t> of </a:t>
+            </a:r>
+            <a:r>
+              <a:rPr lang="es-MX" sz="2000" dirty="0" err="1" smtClean="0"/>
+              <a:t>the</a:t>
+            </a:r>
+            <a:r>
+              <a:rPr lang="es-MX" sz="2000" dirty="0" smtClean="0"/>
+              <a:t> </a:t>
+            </a:r>
+            <a:r>
+              <a:rPr lang="es-MX" sz="2000" dirty="0" err="1" smtClean="0"/>
+              <a:t>models</a:t>
+            </a:r>
+            <a:r>
+              <a:rPr lang="es-MX" sz="2000" dirty="0" smtClean="0"/>
+              <a:t> and </a:t>
+            </a:r>
+            <a:r>
+              <a:rPr lang="es-MX" sz="2000" dirty="0" err="1" smtClean="0"/>
+              <a:t>theories</a:t>
+            </a:r>
+            <a:r>
+              <a:rPr lang="es-MX" sz="2000" dirty="0" smtClean="0"/>
+              <a:t> </a:t>
+            </a:r>
+            <a:r>
+              <a:rPr lang="es-MX" sz="2000" dirty="0" err="1" smtClean="0"/>
+              <a:t>developed</a:t>
+            </a:r>
+            <a:r>
+              <a:rPr lang="es-MX" sz="2000" dirty="0" smtClean="0"/>
+              <a:t> </a:t>
+            </a:r>
+            <a:r>
+              <a:rPr lang="es-MX" sz="2000" dirty="0" err="1" smtClean="0"/>
+              <a:t>to</a:t>
+            </a:r>
+            <a:r>
+              <a:rPr lang="es-MX" sz="2000" dirty="0" smtClean="0"/>
+              <a:t> </a:t>
+            </a:r>
+            <a:r>
+              <a:rPr lang="es-MX" sz="2000" dirty="0" err="1" smtClean="0"/>
+              <a:t>account</a:t>
+            </a:r>
+            <a:r>
+              <a:rPr lang="es-MX" sz="2000" dirty="0" smtClean="0"/>
+              <a:t> </a:t>
+            </a:r>
+            <a:r>
+              <a:rPr lang="es-MX" sz="2000" dirty="0" err="1" smtClean="0"/>
+              <a:t>for</a:t>
+            </a:r>
+            <a:r>
+              <a:rPr lang="es-MX" sz="2000" dirty="0" smtClean="0"/>
+              <a:t> </a:t>
+            </a:r>
+            <a:r>
+              <a:rPr lang="es-MX" sz="2000" dirty="0" err="1" smtClean="0"/>
+              <a:t>the</a:t>
+            </a:r>
+            <a:r>
+              <a:rPr lang="es-MX" sz="2000" dirty="0" smtClean="0"/>
+              <a:t> </a:t>
+            </a:r>
+            <a:r>
+              <a:rPr lang="es-MX" sz="2000" dirty="0" err="1" smtClean="0"/>
+              <a:t>Mirror</a:t>
+            </a:r>
+            <a:r>
+              <a:rPr lang="es-MX" sz="2000" dirty="0" smtClean="0"/>
+              <a:t> </a:t>
+            </a:r>
+            <a:r>
+              <a:rPr lang="es-MX" sz="2000" dirty="0" err="1" smtClean="0"/>
+              <a:t>Effect</a:t>
+            </a:r>
+            <a:r>
+              <a:rPr lang="es-MX" sz="2000" dirty="0" smtClean="0"/>
+              <a:t> as a </a:t>
+            </a:r>
+            <a:r>
+              <a:rPr lang="es-MX" sz="2000" dirty="0" err="1" smtClean="0"/>
+              <a:t>Recognition</a:t>
+            </a:r>
+            <a:r>
+              <a:rPr lang="es-MX" sz="2000" dirty="0" smtClean="0"/>
+              <a:t> </a:t>
+            </a:r>
+            <a:r>
+              <a:rPr lang="es-MX" sz="2000" dirty="0" err="1" smtClean="0"/>
+              <a:t>Memory</a:t>
+            </a:r>
+            <a:r>
+              <a:rPr lang="es-MX" sz="2000" dirty="0" smtClean="0"/>
+              <a:t> </a:t>
+            </a:r>
+            <a:r>
+              <a:rPr lang="es-MX" sz="2000" dirty="0" err="1" smtClean="0"/>
+              <a:t>phenomenom</a:t>
+            </a:r>
+            <a:r>
+              <a:rPr lang="es-MX" sz="2000" dirty="0" smtClean="0"/>
+              <a:t>).</a:t>
+            </a:r>
+          </a:p>
+          <a:p>
+            <a:pPr marL="0" indent="0" algn="just">
+              <a:buNone/>
+            </a:pPr>
+            <a:endParaRPr lang="es-MX" sz="2000" dirty="0"/>
+          </a:p>
+          <a:p>
+            <a:pPr marL="0" indent="0" algn="just">
+              <a:buNone/>
+            </a:pPr>
+            <a:r>
+              <a:rPr lang="es-MX" sz="2000" dirty="0" err="1" smtClean="0"/>
+              <a:t>However</a:t>
+            </a:r>
+            <a:r>
+              <a:rPr lang="es-MX" sz="2000" dirty="0" smtClean="0"/>
+              <a:t>, </a:t>
+            </a:r>
+            <a:r>
+              <a:rPr lang="es-MX" sz="2000" dirty="0" err="1" smtClean="0"/>
+              <a:t>the</a:t>
+            </a:r>
+            <a:r>
+              <a:rPr lang="es-MX" sz="2000" dirty="0" smtClean="0"/>
+              <a:t> </a:t>
+            </a:r>
+            <a:r>
+              <a:rPr lang="es-MX" sz="2000" dirty="0" err="1" smtClean="0"/>
+              <a:t>presented</a:t>
+            </a:r>
+            <a:r>
+              <a:rPr lang="es-MX" sz="2000" dirty="0" smtClean="0"/>
+              <a:t> </a:t>
+            </a:r>
+            <a:r>
+              <a:rPr lang="es-MX" sz="2000" dirty="0" err="1" smtClean="0"/>
+              <a:t>variation</a:t>
+            </a:r>
+            <a:r>
+              <a:rPr lang="es-MX" sz="2000" dirty="0" smtClean="0"/>
+              <a:t> of a </a:t>
+            </a:r>
+            <a:r>
+              <a:rPr lang="es-MX" sz="2000" dirty="0" err="1" smtClean="0"/>
+              <a:t>Bayesian</a:t>
+            </a:r>
+            <a:r>
+              <a:rPr lang="es-MX" sz="2000" dirty="0" smtClean="0"/>
+              <a:t> SDT </a:t>
+            </a:r>
+            <a:r>
+              <a:rPr lang="es-MX" sz="2000" dirty="0" err="1" smtClean="0"/>
+              <a:t>cognitive</a:t>
+            </a:r>
+            <a:r>
+              <a:rPr lang="es-MX" sz="2000" dirty="0" smtClean="0"/>
+              <a:t> </a:t>
+            </a:r>
+            <a:r>
+              <a:rPr lang="es-MX" sz="2000" dirty="0" err="1" smtClean="0"/>
+              <a:t>model</a:t>
+            </a:r>
+            <a:r>
+              <a:rPr lang="es-MX" sz="2000" dirty="0" smtClean="0"/>
+              <a:t> </a:t>
+            </a:r>
+            <a:r>
+              <a:rPr lang="es-MX" sz="2000" dirty="0" err="1" smtClean="0"/>
+              <a:t>seems</a:t>
+            </a:r>
+            <a:r>
+              <a:rPr lang="es-MX" sz="2000" dirty="0" smtClean="0"/>
+              <a:t> </a:t>
+            </a:r>
+            <a:r>
+              <a:rPr lang="es-MX" sz="2000" dirty="0" err="1" smtClean="0"/>
+              <a:t>to</a:t>
+            </a:r>
+            <a:r>
+              <a:rPr lang="es-MX" sz="2000" dirty="0" smtClean="0"/>
+              <a:t> be </a:t>
+            </a:r>
+            <a:r>
+              <a:rPr lang="es-MX" sz="2000" dirty="0" err="1" smtClean="0"/>
+              <a:t>suggesting</a:t>
+            </a:r>
+            <a:r>
+              <a:rPr lang="es-MX" sz="2000" dirty="0" smtClean="0"/>
+              <a:t> </a:t>
+            </a:r>
+            <a:r>
+              <a:rPr lang="es-MX" sz="2000" dirty="0" err="1" smtClean="0"/>
+              <a:t>that</a:t>
+            </a:r>
+            <a:r>
+              <a:rPr lang="es-MX" sz="2000" dirty="0" smtClean="0"/>
+              <a:t> </a:t>
+            </a:r>
+            <a:r>
+              <a:rPr lang="es-MX" sz="2000" dirty="0" err="1" smtClean="0"/>
+              <a:t>the</a:t>
+            </a:r>
+            <a:r>
+              <a:rPr lang="es-MX" sz="2000" dirty="0" smtClean="0"/>
+              <a:t> </a:t>
+            </a:r>
+            <a:r>
+              <a:rPr lang="es-MX" sz="2000" dirty="0" err="1" smtClean="0"/>
+              <a:t>Mirror</a:t>
+            </a:r>
+            <a:r>
+              <a:rPr lang="es-MX" sz="2000" dirty="0" smtClean="0"/>
+              <a:t> </a:t>
+            </a:r>
+            <a:r>
+              <a:rPr lang="es-MX" sz="2000" dirty="0" err="1" smtClean="0"/>
+              <a:t>Effect</a:t>
+            </a:r>
+            <a:r>
+              <a:rPr lang="es-MX" sz="2000" dirty="0" smtClean="0"/>
+              <a:t> </a:t>
+            </a:r>
+            <a:r>
+              <a:rPr lang="es-MX" sz="2000" dirty="0" err="1" smtClean="0"/>
+              <a:t>could</a:t>
+            </a:r>
+            <a:r>
+              <a:rPr lang="es-MX" sz="2000" dirty="0" smtClean="0"/>
+              <a:t> be a </a:t>
+            </a:r>
+            <a:r>
+              <a:rPr lang="es-MX" sz="2000" dirty="0" err="1" smtClean="0"/>
+              <a:t>phenomena</a:t>
+            </a:r>
+            <a:r>
+              <a:rPr lang="es-MX" sz="2000" dirty="0" smtClean="0"/>
+              <a:t> </a:t>
+            </a:r>
+            <a:r>
+              <a:rPr lang="es-MX" sz="2000" dirty="0" err="1" smtClean="0"/>
+              <a:t>that</a:t>
+            </a:r>
+            <a:r>
+              <a:rPr lang="es-MX" sz="2000" dirty="0" smtClean="0"/>
+              <a:t> </a:t>
+            </a:r>
+            <a:r>
+              <a:rPr lang="es-MX" sz="2000" dirty="0" err="1" smtClean="0"/>
+              <a:t>holds</a:t>
+            </a:r>
+            <a:r>
+              <a:rPr lang="es-MX" sz="2000" dirty="0" smtClean="0"/>
+              <a:t> </a:t>
+            </a:r>
+            <a:r>
+              <a:rPr lang="es-MX" sz="2000" dirty="0" err="1" smtClean="0"/>
+              <a:t>for</a:t>
+            </a:r>
+            <a:r>
+              <a:rPr lang="es-MX" sz="2000" dirty="0" smtClean="0"/>
+              <a:t> </a:t>
+            </a:r>
+            <a:r>
+              <a:rPr lang="es-MX" sz="2000" dirty="0" err="1" smtClean="0"/>
+              <a:t>the</a:t>
+            </a:r>
+            <a:r>
+              <a:rPr lang="es-MX" sz="2000" dirty="0" smtClean="0"/>
+              <a:t> “</a:t>
+            </a:r>
+            <a:r>
+              <a:rPr lang="es-MX" sz="2000" dirty="0" err="1" smtClean="0"/>
+              <a:t>whole</a:t>
+            </a:r>
+            <a:r>
+              <a:rPr lang="es-MX" sz="2000" dirty="0" smtClean="0"/>
+              <a:t> </a:t>
+            </a:r>
+            <a:r>
+              <a:rPr lang="es-MX" sz="2000" dirty="0" err="1" smtClean="0"/>
+              <a:t>group</a:t>
+            </a:r>
+            <a:r>
+              <a:rPr lang="es-MX" sz="2000" dirty="0" smtClean="0"/>
+              <a:t>” </a:t>
+            </a:r>
+            <a:r>
+              <a:rPr lang="es-MX" sz="2000" dirty="0" err="1" smtClean="0"/>
+              <a:t>analysis</a:t>
+            </a:r>
+            <a:r>
+              <a:rPr lang="es-MX" sz="2000" dirty="0" smtClean="0"/>
+              <a:t>, </a:t>
+            </a:r>
+            <a:r>
+              <a:rPr lang="es-MX" sz="2000" dirty="0" err="1" smtClean="0"/>
+              <a:t>but</a:t>
+            </a:r>
+            <a:r>
+              <a:rPr lang="es-MX" sz="2000" dirty="0" smtClean="0"/>
+              <a:t> </a:t>
+            </a:r>
+            <a:r>
+              <a:rPr lang="es-MX" sz="2000" dirty="0" err="1" smtClean="0"/>
+              <a:t>not</a:t>
+            </a:r>
+            <a:r>
+              <a:rPr lang="es-MX" sz="2000" dirty="0" smtClean="0"/>
+              <a:t> </a:t>
+            </a:r>
+            <a:r>
+              <a:rPr lang="es-MX" sz="2000" dirty="0" err="1" smtClean="0"/>
+              <a:t>the</a:t>
+            </a:r>
+            <a:r>
+              <a:rPr lang="es-MX" sz="2000" dirty="0" smtClean="0"/>
+              <a:t> individual </a:t>
+            </a:r>
+            <a:r>
+              <a:rPr lang="es-MX" sz="2000" dirty="0" err="1" smtClean="0"/>
+              <a:t>level</a:t>
+            </a:r>
+            <a:r>
+              <a:rPr lang="es-MX" sz="2000" dirty="0" smtClean="0"/>
+              <a:t>. </a:t>
+            </a:r>
+          </a:p>
+          <a:p>
+            <a:pPr marL="0" indent="0" algn="just">
+              <a:buNone/>
+            </a:pPr>
+            <a:endParaRPr lang="es-MX" sz="2000" dirty="0"/>
+          </a:p>
+        </p:txBody>
+      </p:sp>
+    </p:spTree>
+    <p:extLst>
+      <p:ext uri="{BB962C8B-B14F-4D97-AF65-F5344CB8AC3E}">
+        <p14:creationId xmlns:p14="http://schemas.microsoft.com/office/powerpoint/2010/main" val="2620660784"/>
+      </p:ext>
+    </p:extLst>
+  </p:cSld>
+  <p:clrMapOvr>
+    <a:masterClrMapping/>
+  </p:clrMapOvr>
+</p:sld>
+</file>
+
+<file path=ppt/slides/slide49.xml><?xml version="1.0" encoding="utf-8"?>
+<p:sld xmlns:a="http://schemas.openxmlformats.org/drawingml/2006/main" xmlns:r="http://schemas.openxmlformats.org/officeDocument/2006/relationships" xmlns:p="http://schemas.openxmlformats.org/presentationml/2006/main">
+  <p:cSld>
+    <p:spTree>
+      <p:nvGrpSpPr>
+        <p:cNvPr id="1" name=""/>
+        <p:cNvGrpSpPr/>
+        <p:nvPr/>
+      </p:nvGrpSpPr>
+      <p:grpSpPr>
+        <a:xfrm>
+          <a:off x="0" y="0"/>
+          <a:ext cx="0" cy="0"/>
+          <a:chOff x="0" y="0"/>
+          <a:chExt cx="0" cy="0"/>
+        </a:xfrm>
+      </p:grpSpPr>
+      <p:sp>
+        <p:nvSpPr>
+          <p:cNvPr id="4" name="Rectángulo 3"/>
+          <p:cNvSpPr/>
+          <p:nvPr/>
+        </p:nvSpPr>
+        <p:spPr>
+          <a:xfrm>
+            <a:off x="0" y="0"/>
+            <a:ext cx="12192000" cy="6858000"/>
+          </a:xfrm>
+          <a:prstGeom prst="rect">
+            <a:avLst/>
+          </a:prstGeom>
+          <a:solidFill>
+            <a:srgbClr val="FF0000"/>
+          </a:solidFill>
+          <a:ln>
+            <a:solidFill>
+              <a:schemeClr val="tx1"/>
+            </a:solidFill>
+          </a:ln>
+        </p:spPr>
+        <p:style>
+          <a:lnRef idx="2">
+            <a:schemeClr val="accent1">
+              <a:shade val="50000"/>
+            </a:schemeClr>
+          </a:lnRef>
+          <a:fillRef idx="1">
+            <a:schemeClr val="accent1"/>
+          </a:fillRef>
+          <a:effectRef idx="0">
+            <a:schemeClr val="accent1"/>
+          </a:effectRef>
+          <a:fontRef idx="minor">
+            <a:schemeClr val="lt1"/>
+          </a:fontRef>
+        </p:style>
+        <p:txBody>
+          <a:bodyPr rtlCol="0" anchor="ctr"/>
+          <a:lstStyle/>
+          <a:p>
+            <a:pPr algn="ctr"/>
+            <a:endParaRPr lang="es-MX"/>
+          </a:p>
+        </p:txBody>
+      </p:sp>
+      <p:sp>
+        <p:nvSpPr>
+          <p:cNvPr id="5" name="Rectángulo 4"/>
+          <p:cNvSpPr/>
+          <p:nvPr/>
+        </p:nvSpPr>
+        <p:spPr>
+          <a:xfrm>
+            <a:off x="203199" y="254000"/>
+            <a:ext cx="11692467" cy="6409267"/>
+          </a:xfrm>
+          <a:prstGeom prst="rect">
+            <a:avLst/>
+          </a:prstGeom>
+          <a:solidFill>
+            <a:schemeClr val="bg1"/>
+          </a:solidFill>
+          <a:ln>
+            <a:solidFill>
+              <a:schemeClr val="tx1"/>
+            </a:solidFill>
+          </a:ln>
+        </p:spPr>
+        <p:style>
+          <a:lnRef idx="2">
+            <a:schemeClr val="accent1">
+              <a:shade val="50000"/>
+            </a:schemeClr>
+          </a:lnRef>
+          <a:fillRef idx="1">
+            <a:schemeClr val="accent1"/>
+          </a:fillRef>
+          <a:effectRef idx="0">
+            <a:schemeClr val="accent1"/>
+          </a:effectRef>
+          <a:fontRef idx="minor">
+            <a:schemeClr val="lt1"/>
+          </a:fontRef>
+        </p:style>
+        <p:txBody>
+          <a:bodyPr rtlCol="0" anchor="ctr"/>
+          <a:lstStyle/>
+          <a:p>
+            <a:pPr algn="ctr"/>
+            <a:endParaRPr lang="es-MX"/>
+          </a:p>
+        </p:txBody>
+      </p:sp>
+      <p:sp>
+        <p:nvSpPr>
           <p:cNvPr id="3" name="Marcador de contenido 2"/>
           <p:cNvSpPr>
             <a:spLocks noGrp="1"/>
@@ -24220,7 +24721,137 @@
 </p:sld>
 </file>
 
-<file path=ppt/slides/slide49.xml><?xml version="1.0" encoding="utf-8"?>
+<file path=ppt/slides/slide5.xml><?xml version="1.0" encoding="utf-8"?>
+<p:sld xmlns:a="http://schemas.openxmlformats.org/drawingml/2006/main" xmlns:r="http://schemas.openxmlformats.org/officeDocument/2006/relationships" xmlns:p="http://schemas.openxmlformats.org/presentationml/2006/main">
+  <p:cSld>
+    <p:spTree>
+      <p:nvGrpSpPr>
+        <p:cNvPr id="1" name=""/>
+        <p:cNvGrpSpPr/>
+        <p:nvPr/>
+      </p:nvGrpSpPr>
+      <p:grpSpPr>
+        <a:xfrm>
+          <a:off x="0" y="0"/>
+          <a:ext cx="0" cy="0"/>
+          <a:chOff x="0" y="0"/>
+          <a:chExt cx="0" cy="0"/>
+        </a:xfrm>
+      </p:grpSpPr>
+      <p:sp>
+        <p:nvSpPr>
+          <p:cNvPr id="2" name="Título 1"/>
+          <p:cNvSpPr>
+            <a:spLocks noGrp="1"/>
+          </p:cNvSpPr>
+          <p:nvPr>
+            <p:ph type="title"/>
+          </p:nvPr>
+        </p:nvSpPr>
+        <p:spPr>
+          <a:xfrm>
+            <a:off x="0" y="203200"/>
+            <a:ext cx="5731933" cy="911755"/>
+          </a:xfrm>
+          <a:solidFill>
+            <a:schemeClr val="bg2">
+              <a:lumMod val="10000"/>
+            </a:schemeClr>
+          </a:solidFill>
+        </p:spPr>
+        <p:txBody>
+          <a:bodyPr>
+            <a:normAutofit/>
+          </a:bodyPr>
+          <a:lstStyle/>
+          <a:p>
+            <a:r>
+              <a:rPr lang="es-MX" b="1" dirty="0" err="1" smtClean="0">
+                <a:solidFill>
+                  <a:schemeClr val="bg1"/>
+                </a:solidFill>
+                <a:latin typeface="+mn-lt"/>
+              </a:rPr>
+              <a:t>The</a:t>
+            </a:r>
+            <a:r>
+              <a:rPr lang="es-MX" b="1" dirty="0" smtClean="0">
+                <a:solidFill>
+                  <a:schemeClr val="bg1"/>
+                </a:solidFill>
+                <a:latin typeface="+mn-lt"/>
+              </a:rPr>
+              <a:t> </a:t>
+            </a:r>
+            <a:r>
+              <a:rPr lang="es-MX" b="1" dirty="0" err="1" smtClean="0">
+                <a:solidFill>
+                  <a:schemeClr val="bg1"/>
+                </a:solidFill>
+                <a:latin typeface="+mn-lt"/>
+              </a:rPr>
+              <a:t>Mirror</a:t>
+            </a:r>
+            <a:r>
+              <a:rPr lang="es-MX" b="1" dirty="0" smtClean="0">
+                <a:solidFill>
+                  <a:schemeClr val="bg1"/>
+                </a:solidFill>
+                <a:latin typeface="+mn-lt"/>
+              </a:rPr>
+              <a:t> </a:t>
+            </a:r>
+            <a:r>
+              <a:rPr lang="es-MX" b="1" dirty="0" err="1" smtClean="0">
+                <a:solidFill>
+                  <a:schemeClr val="bg1"/>
+                </a:solidFill>
+                <a:latin typeface="+mn-lt"/>
+              </a:rPr>
+              <a:t>Effect</a:t>
+            </a:r>
+            <a:endParaRPr lang="es-MX" b="1" dirty="0">
+              <a:solidFill>
+                <a:schemeClr val="bg1"/>
+              </a:solidFill>
+              <a:latin typeface="+mn-lt"/>
+            </a:endParaRPr>
+          </a:p>
+        </p:txBody>
+      </p:sp>
+      <p:sp>
+        <p:nvSpPr>
+          <p:cNvPr id="3" name="Marcador de contenido 2"/>
+          <p:cNvSpPr>
+            <a:spLocks noGrp="1"/>
+          </p:cNvSpPr>
+          <p:nvPr>
+            <p:ph idx="1"/>
+          </p:nvPr>
+        </p:nvSpPr>
+        <p:spPr/>
+        <p:txBody>
+          <a:bodyPr/>
+          <a:lstStyle/>
+          <a:p>
+            <a:endParaRPr lang="es-MX" dirty="0"/>
+          </a:p>
+        </p:txBody>
+      </p:sp>
+    </p:spTree>
+    <p:extLst>
+      <p:ext uri="{BB962C8B-B14F-4D97-AF65-F5344CB8AC3E}">
+        <p14:creationId xmlns:p14="http://schemas.microsoft.com/office/powerpoint/2010/main" val="4084709037"/>
+      </p:ext>
+    </p:extLst>
+  </p:cSld>
+  <p:clrMapOvr>
+    <a:masterClrMapping/>
+  </p:clrMapOvr>
+</p:sld>
+</file>
+
+<file path=ppt/slides/slide50.xml><?xml version="1.0" encoding="utf-8"?>
 <p:sld xmlns:a="http://schemas.openxmlformats.org/drawingml/2006/main" xmlns:r="http://schemas.openxmlformats.org/officeDocument/2006/relationships" xmlns:p="http://schemas.openxmlformats.org/presentationml/2006/main">
   <p:cSld>
     <p:spTree>
@@ -24524,7 +25155,7 @@
 </p:sld>
 </file>
 
-<file path=ppt/slides/slide5.xml><?xml version="1.0" encoding="utf-8"?>
+<file path=ppt/slides/slide51.xml><?xml version="1.0" encoding="utf-8"?>
 <p:sld xmlns:a="http://schemas.openxmlformats.org/drawingml/2006/main" xmlns:r="http://schemas.openxmlformats.org/officeDocument/2006/relationships" xmlns:p="http://schemas.openxmlformats.org/presentationml/2006/main">
   <p:cSld>
     <p:spTree>
@@ -24553,71 +25184,100 @@
         </p:nvSpPr>
         <p:spPr>
           <a:xfrm>
-            <a:off x="0" y="203200"/>
-            <a:ext cx="5731933" cy="911755"/>
+            <a:off x="0" y="0"/>
+            <a:ext cx="5782733" cy="1325563"/>
           </a:xfrm>
-          <a:solidFill>
-            <a:schemeClr val="bg2">
-              <a:lumMod val="10000"/>
-            </a:schemeClr>
-          </a:solidFill>
         </p:spPr>
         <p:txBody>
-          <a:bodyPr>
-            <a:normAutofit/>
-          </a:bodyPr>
+          <a:bodyPr/>
           <a:lstStyle/>
           <a:p>
             <a:r>
-              <a:rPr lang="es-MX" b="1" dirty="0" err="1" smtClean="0">
+              <a:rPr lang="es-MX" dirty="0" err="1" smtClean="0">
                 <a:solidFill>
-                  <a:schemeClr val="bg1"/>
+                  <a:schemeClr val="accent1">
+                    <a:lumMod val="50000"/>
+                  </a:schemeClr>
                 </a:solidFill>
-                <a:latin typeface="+mn-lt"/>
               </a:rPr>
-              <a:t>The</a:t>
-            </a:r>
-            <a:r>
-              <a:rPr lang="es-MX" b="1" dirty="0" smtClean="0">
+              <a:t>According</a:t>
+            </a:r>
+            <a:r>
+              <a:rPr lang="es-MX" dirty="0" smtClean="0">
                 <a:solidFill>
-                  <a:schemeClr val="bg1"/>
+                  <a:schemeClr val="accent1">
+                    <a:lumMod val="50000"/>
+                  </a:schemeClr>
                 </a:solidFill>
-                <a:latin typeface="+mn-lt"/>
               </a:rPr>
               <a:t> </a:t>
             </a:r>
             <a:r>
-              <a:rPr lang="es-MX" b="1" dirty="0" err="1" smtClean="0">
+              <a:rPr lang="es-MX" dirty="0" err="1" smtClean="0">
                 <a:solidFill>
-                  <a:schemeClr val="bg1"/>
+                  <a:schemeClr val="accent1">
+                    <a:lumMod val="50000"/>
+                  </a:schemeClr>
                 </a:solidFill>
-                <a:latin typeface="+mn-lt"/>
               </a:rPr>
-              <a:t>Mirror</a:t>
-            </a:r>
-            <a:r>
-              <a:rPr lang="es-MX" b="1" dirty="0" smtClean="0">
+              <a:t>to</a:t>
+            </a:r>
+            <a:r>
+              <a:rPr lang="es-MX" dirty="0" smtClean="0">
                 <a:solidFill>
-                  <a:schemeClr val="bg1"/>
+                  <a:schemeClr val="accent1">
+                    <a:lumMod val="50000"/>
+                  </a:schemeClr>
                 </a:solidFill>
-                <a:latin typeface="+mn-lt"/>
               </a:rPr>
               <a:t> </a:t>
             </a:r>
             <a:r>
-              <a:rPr lang="es-MX" b="1" dirty="0" err="1" smtClean="0">
+              <a:rPr lang="es-MX" dirty="0" err="1" smtClean="0">
                 <a:solidFill>
-                  <a:schemeClr val="bg1"/>
+                  <a:schemeClr val="accent1">
+                    <a:lumMod val="50000"/>
+                  </a:schemeClr>
                 </a:solidFill>
-                <a:latin typeface="+mn-lt"/>
               </a:rPr>
-              <a:t>Effect</a:t>
-            </a:r>
-            <a:endParaRPr lang="es-MX" b="1" dirty="0">
+              <a:t>this</a:t>
+            </a:r>
+            <a:r>
+              <a:rPr lang="es-MX" dirty="0" smtClean="0">
+                <a:solidFill>
+                  <a:schemeClr val="accent1">
+                    <a:lumMod val="50000"/>
+                  </a:schemeClr>
+                </a:solidFill>
+              </a:rPr>
+              <a:t> </a:t>
+            </a:r>
+            <a:r>
+              <a:rPr lang="es-MX" dirty="0" err="1" smtClean="0">
+                <a:solidFill>
+                  <a:schemeClr val="accent1">
+                    <a:lumMod val="50000"/>
+                  </a:schemeClr>
+                </a:solidFill>
+              </a:rPr>
+              <a:t>article</a:t>
+            </a:r>
+            <a:r>
+              <a:rPr lang="es-MX" dirty="0" smtClean="0">
+                <a:solidFill>
+                  <a:schemeClr val="accent1">
+                    <a:lumMod val="50000"/>
+                  </a:schemeClr>
+                </a:solidFill>
+              </a:rPr>
+              <a:t>:</a:t>
+            </a:r>
+            <a:endParaRPr lang="es-MX" dirty="0">
               <a:solidFill>
-                <a:schemeClr val="bg1"/>
+                <a:schemeClr val="accent1">
+                  <a:lumMod val="50000"/>
+                </a:schemeClr>
               </a:solidFill>
-              <a:latin typeface="+mn-lt"/>
             </a:endParaRPr>
           </a:p>
         </p:txBody>
@@ -24637,14 +25297,38 @@
           <a:bodyPr/>
           <a:lstStyle/>
           <a:p>
-            <a:endParaRPr lang="es-MX" dirty="0"/>
+            <a:endParaRPr lang="es-MX"/>
           </a:p>
         </p:txBody>
       </p:sp>
+      <p:pic>
+        <p:nvPicPr>
+          <p:cNvPr id="4" name="Imagen 3"/>
+          <p:cNvPicPr>
+            <a:picLocks noChangeAspect="1"/>
+          </p:cNvPicPr>
+          <p:nvPr/>
+        </p:nvPicPr>
+        <p:blipFill>
+          <a:blip r:embed="rId2"/>
+          <a:stretch>
+            <a:fillRect/>
+          </a:stretch>
+        </p:blipFill>
+        <p:spPr>
+          <a:xfrm>
+            <a:off x="521952" y="1326229"/>
+            <a:ext cx="11148095" cy="4693570"/>
+          </a:xfrm>
+          <a:prstGeom prst="rect">
+            <a:avLst/>
+          </a:prstGeom>
+        </p:spPr>
+      </p:pic>
     </p:spTree>
     <p:extLst>
       <p:ext uri="{BB962C8B-B14F-4D97-AF65-F5344CB8AC3E}">
-        <p14:creationId xmlns:p14="http://schemas.microsoft.com/office/powerpoint/2010/main" val="4084709037"/>
+        <p14:creationId xmlns:p14="http://schemas.microsoft.com/office/powerpoint/2010/main" val="2797733375"/>
       </p:ext>
     </p:extLst>
   </p:cSld>
@@ -24654,7 +25338,1317 @@
 </p:sld>
 </file>
 
-<file path=ppt/slides/slide50.xml><?xml version="1.0" encoding="utf-8"?>
+<file path=ppt/slides/slide52.xml><?xml version="1.0" encoding="utf-8"?>
+<p:sld xmlns:a="http://schemas.openxmlformats.org/drawingml/2006/main" xmlns:r="http://schemas.openxmlformats.org/officeDocument/2006/relationships" xmlns:p="http://schemas.openxmlformats.org/presentationml/2006/main">
+  <p:cSld>
+    <p:spTree>
+      <p:nvGrpSpPr>
+        <p:cNvPr id="1" name=""/>
+        <p:cNvGrpSpPr/>
+        <p:nvPr/>
+      </p:nvGrpSpPr>
+      <p:grpSpPr>
+        <a:xfrm>
+          <a:off x="0" y="0"/>
+          <a:ext cx="0" cy="0"/>
+          <a:chOff x="0" y="0"/>
+          <a:chExt cx="0" cy="0"/>
+        </a:xfrm>
+      </p:grpSpPr>
+      <p:sp>
+        <p:nvSpPr>
+          <p:cNvPr id="2" name="Título 1"/>
+          <p:cNvSpPr>
+            <a:spLocks noGrp="1"/>
+          </p:cNvSpPr>
+          <p:nvPr>
+            <p:ph type="title"/>
+          </p:nvPr>
+        </p:nvSpPr>
+        <p:spPr/>
+        <p:txBody>
+          <a:bodyPr/>
+          <a:lstStyle/>
+          <a:p>
+            <a:r>
+              <a:rPr lang="es-MX" dirty="0" smtClean="0"/>
+              <a:t/>
+            </a:r>
+            <a:br>
+              <a:rPr lang="es-MX" dirty="0" smtClean="0"/>
+            </a:br>
+            <a:endParaRPr lang="es-MX" dirty="0"/>
+          </a:p>
+        </p:txBody>
+      </p:sp>
+      <p:sp>
+        <p:nvSpPr>
+          <p:cNvPr id="3" name="Marcador de contenido 2"/>
+          <p:cNvSpPr>
+            <a:spLocks noGrp="1"/>
+          </p:cNvSpPr>
+          <p:nvPr>
+            <p:ph idx="1"/>
+          </p:nvPr>
+        </p:nvSpPr>
+        <p:spPr/>
+        <p:txBody>
+          <a:bodyPr/>
+          <a:lstStyle/>
+          <a:p>
+            <a:endParaRPr lang="es-MX" dirty="0" smtClean="0"/>
+          </a:p>
+          <a:p>
+            <a:endParaRPr lang="es-MX" dirty="0"/>
+          </a:p>
+        </p:txBody>
+      </p:sp>
+      <p:pic>
+        <p:nvPicPr>
+          <p:cNvPr id="4" name="Imagen 3"/>
+          <p:cNvPicPr>
+            <a:picLocks noChangeAspect="1"/>
+          </p:cNvPicPr>
+          <p:nvPr/>
+        </p:nvPicPr>
+        <p:blipFill>
+          <a:blip r:embed="rId2"/>
+          <a:stretch>
+            <a:fillRect/>
+          </a:stretch>
+        </p:blipFill>
+        <p:spPr>
+          <a:xfrm>
+            <a:off x="438150" y="1802871"/>
+            <a:ext cx="5343525" cy="2828925"/>
+          </a:xfrm>
+          <a:prstGeom prst="rect">
+            <a:avLst/>
+          </a:prstGeom>
+        </p:spPr>
+      </p:pic>
+      <p:pic>
+        <p:nvPicPr>
+          <p:cNvPr id="5" name="Imagen 4"/>
+          <p:cNvPicPr>
+            <a:picLocks noChangeAspect="1"/>
+          </p:cNvPicPr>
+          <p:nvPr/>
+        </p:nvPicPr>
+        <p:blipFill>
+          <a:blip r:embed="rId3"/>
+          <a:stretch>
+            <a:fillRect/>
+          </a:stretch>
+        </p:blipFill>
+        <p:spPr>
+          <a:xfrm>
+            <a:off x="6181725" y="1359959"/>
+            <a:ext cx="5572125" cy="3867150"/>
+          </a:xfrm>
+          <a:prstGeom prst="rect">
+            <a:avLst/>
+          </a:prstGeom>
+        </p:spPr>
+      </p:pic>
+      <p:sp>
+        <p:nvSpPr>
+          <p:cNvPr id="6" name="Título 1"/>
+          <p:cNvSpPr txBox="1">
+            <a:spLocks/>
+          </p:cNvSpPr>
+          <p:nvPr/>
+        </p:nvSpPr>
+        <p:spPr>
+          <a:xfrm>
+            <a:off x="1" y="0"/>
+            <a:ext cx="3581400" cy="1325563"/>
+          </a:xfrm>
+          <a:prstGeom prst="rect">
+            <a:avLst/>
+          </a:prstGeom>
+        </p:spPr>
+        <p:txBody>
+          <a:bodyPr vert="horz" lIns="91440" tIns="45720" rIns="91440" bIns="45720" rtlCol="0" anchor="ctr">
+            <a:normAutofit/>
+          </a:bodyPr>
+          <a:lstStyle>
+            <a:lvl1pPr algn="l" defTabSz="914400" rtl="0" eaLnBrk="1" latinLnBrk="0" hangingPunct="1">
+              <a:lnSpc>
+                <a:spcPct val="90000"/>
+              </a:lnSpc>
+              <a:spcBef>
+                <a:spcPct val="0"/>
+              </a:spcBef>
+              <a:buNone/>
+              <a:defRPr sz="4400" kern="1200">
+                <a:solidFill>
+                  <a:schemeClr val="tx1"/>
+                </a:solidFill>
+                <a:latin typeface="+mj-lt"/>
+                <a:ea typeface="+mj-ea"/>
+                <a:cs typeface="+mj-cs"/>
+              </a:defRPr>
+            </a:lvl1pPr>
+          </a:lstStyle>
+          <a:p>
+            <a:r>
+              <a:rPr lang="es-MX" dirty="0" smtClean="0">
+                <a:solidFill>
+                  <a:schemeClr val="accent1">
+                    <a:lumMod val="50000"/>
+                  </a:schemeClr>
+                </a:solidFill>
+              </a:rPr>
+              <a:t>1) </a:t>
+            </a:r>
+            <a:r>
+              <a:rPr lang="es-MX" dirty="0" err="1" smtClean="0">
+                <a:solidFill>
+                  <a:schemeClr val="accent1">
+                    <a:lumMod val="50000"/>
+                  </a:schemeClr>
+                </a:solidFill>
+              </a:rPr>
+              <a:t>There’s</a:t>
+            </a:r>
+            <a:r>
+              <a:rPr lang="es-MX" dirty="0" smtClean="0">
+                <a:solidFill>
+                  <a:schemeClr val="accent1">
+                    <a:lumMod val="50000"/>
+                  </a:schemeClr>
+                </a:solidFill>
+              </a:rPr>
+              <a:t> a single </a:t>
+            </a:r>
+            <a:r>
+              <a:rPr lang="es-MX" dirty="0" err="1" smtClean="0">
+                <a:solidFill>
+                  <a:schemeClr val="accent1">
+                    <a:lumMod val="50000"/>
+                  </a:schemeClr>
+                </a:solidFill>
+              </a:rPr>
+              <a:t>criterion</a:t>
+            </a:r>
+            <a:endParaRPr lang="es-MX" dirty="0">
+              <a:solidFill>
+                <a:schemeClr val="accent1">
+                  <a:lumMod val="50000"/>
+                </a:schemeClr>
+              </a:solidFill>
+            </a:endParaRPr>
+          </a:p>
+        </p:txBody>
+      </p:sp>
+      <p:cxnSp>
+        <p:nvCxnSpPr>
+          <p:cNvPr id="8" name="Conector recto 7"/>
+          <p:cNvCxnSpPr>
+            <a:stCxn id="4" idx="1"/>
+            <a:endCxn id="4" idx="3"/>
+          </p:cNvCxnSpPr>
+          <p:nvPr/>
+        </p:nvCxnSpPr>
+        <p:spPr>
+          <a:xfrm>
+            <a:off x="438150" y="3217334"/>
+            <a:ext cx="5343525" cy="0"/>
+          </a:xfrm>
+          <a:prstGeom prst="line">
+            <a:avLst/>
+          </a:prstGeom>
+          <a:ln w="38100">
+            <a:solidFill>
+              <a:srgbClr val="FF0000"/>
+            </a:solidFill>
+          </a:ln>
+        </p:spPr>
+        <p:style>
+          <a:lnRef idx="1">
+            <a:schemeClr val="accent1"/>
+          </a:lnRef>
+          <a:fillRef idx="0">
+            <a:schemeClr val="accent1"/>
+          </a:fillRef>
+          <a:effectRef idx="0">
+            <a:schemeClr val="accent1"/>
+          </a:effectRef>
+          <a:fontRef idx="minor">
+            <a:schemeClr val="tx1"/>
+          </a:fontRef>
+        </p:style>
+      </p:cxnSp>
+      <p:cxnSp>
+        <p:nvCxnSpPr>
+          <p:cNvPr id="9" name="Conector recto 8"/>
+          <p:cNvCxnSpPr/>
+          <p:nvPr/>
+        </p:nvCxnSpPr>
+        <p:spPr>
+          <a:xfrm>
+            <a:off x="505883" y="3479801"/>
+            <a:ext cx="2914650" cy="8466"/>
+          </a:xfrm>
+          <a:prstGeom prst="line">
+            <a:avLst/>
+          </a:prstGeom>
+          <a:ln w="38100">
+            <a:solidFill>
+              <a:srgbClr val="FF0000"/>
+            </a:solidFill>
+          </a:ln>
+        </p:spPr>
+        <p:style>
+          <a:lnRef idx="1">
+            <a:schemeClr val="accent1"/>
+          </a:lnRef>
+          <a:fillRef idx="0">
+            <a:schemeClr val="accent1"/>
+          </a:fillRef>
+          <a:effectRef idx="0">
+            <a:schemeClr val="accent1"/>
+          </a:effectRef>
+          <a:fontRef idx="minor">
+            <a:schemeClr val="tx1"/>
+          </a:fontRef>
+        </p:style>
+      </p:cxnSp>
+    </p:spTree>
+    <p:extLst>
+      <p:ext uri="{BB962C8B-B14F-4D97-AF65-F5344CB8AC3E}">
+        <p14:creationId xmlns:p14="http://schemas.microsoft.com/office/powerpoint/2010/main" val="500992092"/>
+      </p:ext>
+    </p:extLst>
+  </p:cSld>
+  <p:clrMapOvr>
+    <a:masterClrMapping/>
+  </p:clrMapOvr>
+  <p:timing>
+    <p:tnLst>
+      <p:par>
+        <p:cTn id="1" dur="indefinite" restart="never" nodeType="tmRoot"/>
+      </p:par>
+    </p:tnLst>
+  </p:timing>
+</p:sld>
+</file>
+
+<file path=ppt/slides/slide53.xml><?xml version="1.0" encoding="utf-8"?>
+<p:sld xmlns:a="http://schemas.openxmlformats.org/drawingml/2006/main" xmlns:r="http://schemas.openxmlformats.org/officeDocument/2006/relationships" xmlns:p="http://schemas.openxmlformats.org/presentationml/2006/main">
+  <p:cSld>
+    <p:spTree>
+      <p:nvGrpSpPr>
+        <p:cNvPr id="1" name=""/>
+        <p:cNvGrpSpPr/>
+        <p:nvPr/>
+      </p:nvGrpSpPr>
+      <p:grpSpPr>
+        <a:xfrm>
+          <a:off x="0" y="0"/>
+          <a:ext cx="0" cy="0"/>
+          <a:chOff x="0" y="0"/>
+          <a:chExt cx="0" cy="0"/>
+        </a:xfrm>
+      </p:grpSpPr>
+      <p:sp>
+        <p:nvSpPr>
+          <p:cNvPr id="2" name="Título 1"/>
+          <p:cNvSpPr>
+            <a:spLocks noGrp="1"/>
+          </p:cNvSpPr>
+          <p:nvPr>
+            <p:ph type="title"/>
+          </p:nvPr>
+        </p:nvSpPr>
+        <p:spPr/>
+        <p:txBody>
+          <a:bodyPr/>
+          <a:lstStyle/>
+          <a:p>
+            <a:endParaRPr lang="es-MX"/>
+          </a:p>
+        </p:txBody>
+      </p:sp>
+      <p:sp>
+        <p:nvSpPr>
+          <p:cNvPr id="3" name="Marcador de contenido 2"/>
+          <p:cNvSpPr>
+            <a:spLocks noGrp="1"/>
+          </p:cNvSpPr>
+          <p:nvPr>
+            <p:ph idx="1"/>
+          </p:nvPr>
+        </p:nvSpPr>
+        <p:spPr/>
+        <p:txBody>
+          <a:bodyPr/>
+          <a:lstStyle/>
+          <a:p>
+            <a:endParaRPr lang="es-MX"/>
+          </a:p>
+        </p:txBody>
+      </p:sp>
+      <p:pic>
+        <p:nvPicPr>
+          <p:cNvPr id="4" name="Imagen 3"/>
+          <p:cNvPicPr>
+            <a:picLocks noChangeAspect="1"/>
+          </p:cNvPicPr>
+          <p:nvPr/>
+        </p:nvPicPr>
+        <p:blipFill>
+          <a:blip r:embed="rId2"/>
+          <a:stretch>
+            <a:fillRect/>
+          </a:stretch>
+        </p:blipFill>
+        <p:spPr>
+          <a:xfrm>
+            <a:off x="227106" y="365125"/>
+            <a:ext cx="11568453" cy="5892156"/>
+          </a:xfrm>
+          <a:prstGeom prst="rect">
+            <a:avLst/>
+          </a:prstGeom>
+        </p:spPr>
+      </p:pic>
+      <p:sp>
+        <p:nvSpPr>
+          <p:cNvPr id="5" name="Rectángulo redondeado 4"/>
+          <p:cNvSpPr/>
+          <p:nvPr/>
+        </p:nvSpPr>
+        <p:spPr>
+          <a:xfrm>
+            <a:off x="0" y="2997200"/>
+            <a:ext cx="6587067" cy="3378200"/>
+          </a:xfrm>
+          <a:prstGeom prst="roundRect">
+            <a:avLst/>
+          </a:prstGeom>
+          <a:noFill/>
+          <a:ln w="19050">
+            <a:solidFill>
+              <a:srgbClr val="FF0000"/>
+            </a:solidFill>
+          </a:ln>
+        </p:spPr>
+        <p:style>
+          <a:lnRef idx="2">
+            <a:schemeClr val="accent1">
+              <a:shade val="50000"/>
+            </a:schemeClr>
+          </a:lnRef>
+          <a:fillRef idx="1">
+            <a:schemeClr val="accent1"/>
+          </a:fillRef>
+          <a:effectRef idx="0">
+            <a:schemeClr val="accent1"/>
+          </a:effectRef>
+          <a:fontRef idx="minor">
+            <a:schemeClr val="lt1"/>
+          </a:fontRef>
+        </p:style>
+        <p:txBody>
+          <a:bodyPr rtlCol="0" anchor="ctr"/>
+          <a:lstStyle/>
+          <a:p>
+            <a:pPr algn="ctr"/>
+            <a:endParaRPr lang="es-MX"/>
+          </a:p>
+        </p:txBody>
+      </p:sp>
+      <p:cxnSp>
+        <p:nvCxnSpPr>
+          <p:cNvPr id="7" name="Conector recto 6"/>
+          <p:cNvCxnSpPr/>
+          <p:nvPr/>
+        </p:nvCxnSpPr>
+        <p:spPr>
+          <a:xfrm flipV="1">
+            <a:off x="1710267" y="5410200"/>
+            <a:ext cx="4529666" cy="42333"/>
+          </a:xfrm>
+          <a:prstGeom prst="line">
+            <a:avLst/>
+          </a:prstGeom>
+          <a:ln w="38100">
+            <a:solidFill>
+              <a:srgbClr val="FF0000"/>
+            </a:solidFill>
+          </a:ln>
+        </p:spPr>
+        <p:style>
+          <a:lnRef idx="1">
+            <a:schemeClr val="accent1"/>
+          </a:lnRef>
+          <a:fillRef idx="0">
+            <a:schemeClr val="accent1"/>
+          </a:fillRef>
+          <a:effectRef idx="0">
+            <a:schemeClr val="accent1"/>
+          </a:effectRef>
+          <a:fontRef idx="minor">
+            <a:schemeClr val="tx1"/>
+          </a:fontRef>
+        </p:style>
+      </p:cxnSp>
+      <p:cxnSp>
+        <p:nvCxnSpPr>
+          <p:cNvPr id="8" name="Conector recto 7"/>
+          <p:cNvCxnSpPr/>
+          <p:nvPr/>
+        </p:nvCxnSpPr>
+        <p:spPr>
+          <a:xfrm flipV="1">
+            <a:off x="330200" y="5681135"/>
+            <a:ext cx="6019800" cy="42332"/>
+          </a:xfrm>
+          <a:prstGeom prst="line">
+            <a:avLst/>
+          </a:prstGeom>
+          <a:ln w="38100">
+            <a:solidFill>
+              <a:srgbClr val="FF0000"/>
+            </a:solidFill>
+          </a:ln>
+        </p:spPr>
+        <p:style>
+          <a:lnRef idx="1">
+            <a:schemeClr val="accent1"/>
+          </a:lnRef>
+          <a:fillRef idx="0">
+            <a:schemeClr val="accent1"/>
+          </a:fillRef>
+          <a:effectRef idx="0">
+            <a:schemeClr val="accent1"/>
+          </a:effectRef>
+          <a:fontRef idx="minor">
+            <a:schemeClr val="tx1"/>
+          </a:fontRef>
+        </p:style>
+      </p:cxnSp>
+      <p:cxnSp>
+        <p:nvCxnSpPr>
+          <p:cNvPr id="10" name="Conector recto 9"/>
+          <p:cNvCxnSpPr/>
+          <p:nvPr/>
+        </p:nvCxnSpPr>
+        <p:spPr>
+          <a:xfrm flipV="1">
+            <a:off x="330200" y="5960006"/>
+            <a:ext cx="6019800" cy="42332"/>
+          </a:xfrm>
+          <a:prstGeom prst="line">
+            <a:avLst/>
+          </a:prstGeom>
+          <a:ln w="38100">
+            <a:solidFill>
+              <a:srgbClr val="FF0000"/>
+            </a:solidFill>
+          </a:ln>
+        </p:spPr>
+        <p:style>
+          <a:lnRef idx="1">
+            <a:schemeClr val="accent1"/>
+          </a:lnRef>
+          <a:fillRef idx="0">
+            <a:schemeClr val="accent1"/>
+          </a:fillRef>
+          <a:effectRef idx="0">
+            <a:schemeClr val="accent1"/>
+          </a:effectRef>
+          <a:fontRef idx="minor">
+            <a:schemeClr val="tx1"/>
+          </a:fontRef>
+        </p:style>
+      </p:cxnSp>
+      <p:cxnSp>
+        <p:nvCxnSpPr>
+          <p:cNvPr id="11" name="Conector recto 10"/>
+          <p:cNvCxnSpPr/>
+          <p:nvPr/>
+        </p:nvCxnSpPr>
+        <p:spPr>
+          <a:xfrm flipV="1">
+            <a:off x="330200" y="6257281"/>
+            <a:ext cx="2201333" cy="8791"/>
+          </a:xfrm>
+          <a:prstGeom prst="line">
+            <a:avLst/>
+          </a:prstGeom>
+          <a:ln w="38100">
+            <a:solidFill>
+              <a:srgbClr val="FF0000"/>
+            </a:solidFill>
+          </a:ln>
+        </p:spPr>
+        <p:style>
+          <a:lnRef idx="1">
+            <a:schemeClr val="accent1"/>
+          </a:lnRef>
+          <a:fillRef idx="0">
+            <a:schemeClr val="accent1"/>
+          </a:fillRef>
+          <a:effectRef idx="0">
+            <a:schemeClr val="accent1"/>
+          </a:effectRef>
+          <a:fontRef idx="minor">
+            <a:schemeClr val="tx1"/>
+          </a:fontRef>
+        </p:style>
+      </p:cxnSp>
+      <p:sp>
+        <p:nvSpPr>
+          <p:cNvPr id="13" name="Título 1"/>
+          <p:cNvSpPr txBox="1">
+            <a:spLocks/>
+          </p:cNvSpPr>
+          <p:nvPr/>
+        </p:nvSpPr>
+        <p:spPr>
+          <a:xfrm>
+            <a:off x="0" y="0"/>
+            <a:ext cx="592667" cy="440267"/>
+          </a:xfrm>
+          <a:prstGeom prst="rect">
+            <a:avLst/>
+          </a:prstGeom>
+          <a:solidFill>
+            <a:srgbClr val="FFFF00"/>
+          </a:solidFill>
+        </p:spPr>
+        <p:txBody>
+          <a:bodyPr vert="horz" lIns="91440" tIns="45720" rIns="91440" bIns="45720" rtlCol="0" anchor="ctr">
+            <a:normAutofit fontScale="92500" lnSpcReduction="20000"/>
+          </a:bodyPr>
+          <a:lstStyle>
+            <a:lvl1pPr algn="l" defTabSz="914400" rtl="0" eaLnBrk="1" latinLnBrk="0" hangingPunct="1">
+              <a:lnSpc>
+                <a:spcPct val="90000"/>
+              </a:lnSpc>
+              <a:spcBef>
+                <a:spcPct val="0"/>
+              </a:spcBef>
+              <a:buNone/>
+              <a:defRPr sz="4400" kern="1200">
+                <a:solidFill>
+                  <a:schemeClr val="tx1"/>
+                </a:solidFill>
+                <a:latin typeface="+mj-lt"/>
+                <a:ea typeface="+mj-ea"/>
+                <a:cs typeface="+mj-cs"/>
+              </a:defRPr>
+            </a:lvl1pPr>
+          </a:lstStyle>
+          <a:p>
+            <a:r>
+              <a:rPr lang="es-MX" sz="3500" dirty="0">
+                <a:solidFill>
+                  <a:schemeClr val="accent1">
+                    <a:lumMod val="50000"/>
+                  </a:schemeClr>
+                </a:solidFill>
+              </a:rPr>
+              <a:t>2</a:t>
+            </a:r>
+            <a:r>
+              <a:rPr lang="es-MX" sz="3500" dirty="0" smtClean="0">
+                <a:solidFill>
+                  <a:schemeClr val="accent1">
+                    <a:lumMod val="50000"/>
+                  </a:schemeClr>
+                </a:solidFill>
+              </a:rPr>
+              <a:t>)</a:t>
+            </a:r>
+            <a:endParaRPr lang="es-MX" sz="3500" dirty="0">
+              <a:solidFill>
+                <a:schemeClr val="accent1">
+                  <a:lumMod val="50000"/>
+                </a:schemeClr>
+              </a:solidFill>
+            </a:endParaRPr>
+          </a:p>
+        </p:txBody>
+      </p:sp>
+    </p:spTree>
+    <p:extLst>
+      <p:ext uri="{BB962C8B-B14F-4D97-AF65-F5344CB8AC3E}">
+        <p14:creationId xmlns:p14="http://schemas.microsoft.com/office/powerpoint/2010/main" val="3397166074"/>
+      </p:ext>
+    </p:extLst>
+  </p:cSld>
+  <p:clrMapOvr>
+    <a:masterClrMapping/>
+  </p:clrMapOvr>
+  <p:timing>
+    <p:tnLst>
+      <p:par>
+        <p:cTn id="1" dur="indefinite" restart="never" nodeType="tmRoot"/>
+      </p:par>
+    </p:tnLst>
+  </p:timing>
+</p:sld>
+</file>
+
+<file path=ppt/slides/slide54.xml><?xml version="1.0" encoding="utf-8"?>
+<p:sld xmlns:a="http://schemas.openxmlformats.org/drawingml/2006/main" xmlns:r="http://schemas.openxmlformats.org/officeDocument/2006/relationships" xmlns:p="http://schemas.openxmlformats.org/presentationml/2006/main">
+  <p:cSld>
+    <p:spTree>
+      <p:nvGrpSpPr>
+        <p:cNvPr id="1" name=""/>
+        <p:cNvGrpSpPr/>
+        <p:nvPr/>
+      </p:nvGrpSpPr>
+      <p:grpSpPr>
+        <a:xfrm>
+          <a:off x="0" y="0"/>
+          <a:ext cx="0" cy="0"/>
+          <a:chOff x="0" y="0"/>
+          <a:chExt cx="0" cy="0"/>
+        </a:xfrm>
+      </p:grpSpPr>
+      <p:sp>
+        <p:nvSpPr>
+          <p:cNvPr id="2" name="Título 1"/>
+          <p:cNvSpPr>
+            <a:spLocks noGrp="1"/>
+          </p:cNvSpPr>
+          <p:nvPr>
+            <p:ph type="title"/>
+          </p:nvPr>
+        </p:nvSpPr>
+        <p:spPr/>
+        <p:txBody>
+          <a:bodyPr/>
+          <a:lstStyle/>
+          <a:p>
+            <a:r>
+              <a:rPr lang="es-MX" dirty="0" smtClean="0"/>
+              <a:t/>
+            </a:r>
+            <a:br>
+              <a:rPr lang="es-MX" dirty="0" smtClean="0"/>
+            </a:br>
+            <a:endParaRPr lang="es-MX" dirty="0"/>
+          </a:p>
+        </p:txBody>
+      </p:sp>
+      <mc:AlternateContent xmlns:mc="http://schemas.openxmlformats.org/markup-compatibility/2006">
+        <mc:Choice xmlns:a14="http://schemas.microsoft.com/office/drawing/2010/main" Requires="a14">
+          <p:sp>
+            <p:nvSpPr>
+              <p:cNvPr id="3" name="Marcador de contenido 2"/>
+              <p:cNvSpPr>
+                <a:spLocks noGrp="1"/>
+              </p:cNvSpPr>
+              <p:nvPr>
+                <p:ph idx="1"/>
+              </p:nvPr>
+            </p:nvSpPr>
+            <p:spPr>
+              <a:xfrm>
+                <a:off x="338667" y="149754"/>
+                <a:ext cx="6324600" cy="6301845"/>
+              </a:xfrm>
+            </p:spPr>
+            <p:txBody>
+              <a:bodyPr>
+                <a:normAutofit lnSpcReduction="10000"/>
+              </a:bodyPr>
+              <a:lstStyle/>
+              <a:p>
+                <a:pPr marL="0" indent="0" algn="just">
+                  <a:buNone/>
+                </a:pPr>
+                <a:r>
+                  <a:rPr lang="es-MX" dirty="0" smtClean="0"/>
+                  <a:t>So </a:t>
+                </a:r>
+                <a:r>
+                  <a:rPr lang="es-MX" dirty="0" err="1" smtClean="0"/>
+                  <a:t>far</a:t>
+                </a:r>
+                <a:r>
+                  <a:rPr lang="es-MX" dirty="0" smtClean="0"/>
+                  <a:t> </a:t>
+                </a:r>
+                <a:r>
+                  <a:rPr lang="es-MX" dirty="0" err="1" smtClean="0"/>
+                  <a:t>we’ve</a:t>
+                </a:r>
+                <a:r>
+                  <a:rPr lang="es-MX" dirty="0" smtClean="0"/>
+                  <a:t> </a:t>
+                </a:r>
+                <a:r>
+                  <a:rPr lang="es-MX" dirty="0" err="1" smtClean="0"/>
+                  <a:t>got</a:t>
+                </a:r>
+                <a:r>
+                  <a:rPr lang="es-MX" dirty="0" smtClean="0"/>
+                  <a:t> </a:t>
+                </a:r>
+                <a:r>
+                  <a:rPr lang="es-MX" dirty="0" err="1" smtClean="0"/>
+                  <a:t>that</a:t>
+                </a:r>
+                <a:r>
+                  <a:rPr lang="es-MX" dirty="0" smtClean="0"/>
+                  <a:t>:</a:t>
+                </a:r>
+              </a:p>
+              <a:p>
+                <a:pPr marL="514350" indent="-514350" algn="just">
+                  <a:buAutoNum type="arabicParenR"/>
+                </a:pPr>
+                <a:r>
+                  <a:rPr lang="es-MX" dirty="0" err="1" smtClean="0"/>
+                  <a:t>It</a:t>
+                </a:r>
+                <a:r>
+                  <a:rPr lang="es-MX" dirty="0" smtClean="0"/>
+                  <a:t> </a:t>
+                </a:r>
+                <a:r>
+                  <a:rPr lang="es-MX" dirty="0" err="1" smtClean="0"/>
+                  <a:t>is</a:t>
+                </a:r>
+                <a:r>
+                  <a:rPr lang="es-MX" dirty="0" smtClean="0"/>
+                  <a:t> </a:t>
+                </a:r>
+                <a:r>
+                  <a:rPr lang="es-MX" dirty="0" err="1" smtClean="0"/>
+                  <a:t>assumed</a:t>
+                </a:r>
+                <a:r>
+                  <a:rPr lang="es-MX" dirty="0" smtClean="0"/>
+                  <a:t> </a:t>
+                </a:r>
+                <a:r>
+                  <a:rPr lang="es-MX" dirty="0" err="1" smtClean="0"/>
+                  <a:t>that</a:t>
+                </a:r>
+                <a:r>
+                  <a:rPr lang="es-MX" dirty="0" smtClean="0"/>
+                  <a:t> </a:t>
+                </a:r>
+                <a:r>
+                  <a:rPr lang="es-MX" dirty="0" err="1" smtClean="0"/>
+                  <a:t>participants</a:t>
+                </a:r>
+                <a:r>
+                  <a:rPr lang="es-MX" dirty="0" smtClean="0"/>
+                  <a:t> </a:t>
+                </a:r>
+                <a:r>
+                  <a:rPr lang="es-MX" dirty="0" err="1" smtClean="0"/>
+                  <a:t>respond</a:t>
+                </a:r>
+                <a:r>
+                  <a:rPr lang="es-MX" dirty="0" smtClean="0"/>
+                  <a:t> </a:t>
+                </a:r>
+                <a:r>
+                  <a:rPr lang="es-MX" dirty="0" err="1" smtClean="0"/>
+                  <a:t>using</a:t>
+                </a:r>
+                <a:r>
+                  <a:rPr lang="es-MX" dirty="0" smtClean="0"/>
+                  <a:t> a single </a:t>
+                </a:r>
+                <a:r>
+                  <a:rPr lang="es-MX" dirty="0" err="1" smtClean="0"/>
+                  <a:t>criterion</a:t>
+                </a:r>
+                <a:r>
+                  <a:rPr lang="es-MX" dirty="0" smtClean="0"/>
+                  <a:t> (</a:t>
+                </a:r>
+                <a:r>
+                  <a:rPr lang="es-MX" dirty="0" err="1" smtClean="0"/>
+                  <a:t>Thus</a:t>
+                </a:r>
+                <a:r>
+                  <a:rPr lang="es-MX" dirty="0" smtClean="0"/>
+                  <a:t>, </a:t>
+                </a:r>
+                <a:r>
+                  <a:rPr lang="es-MX" dirty="0" err="1" smtClean="0"/>
+                  <a:t>the</a:t>
+                </a:r>
+                <a:r>
+                  <a:rPr lang="es-MX" dirty="0" smtClean="0"/>
+                  <a:t> </a:t>
+                </a:r>
+                <a:r>
+                  <a:rPr lang="es-MX" dirty="0" err="1" smtClean="0"/>
+                  <a:t>order</a:t>
+                </a:r>
+                <a:r>
+                  <a:rPr lang="es-MX" dirty="0" smtClean="0"/>
+                  <a:t> of </a:t>
+                </a:r>
+                <a:r>
+                  <a:rPr lang="es-MX" dirty="0" err="1" smtClean="0"/>
+                  <a:t>the</a:t>
+                </a:r>
+                <a:r>
+                  <a:rPr lang="es-MX" dirty="0" smtClean="0"/>
+                  <a:t> </a:t>
+                </a:r>
+                <a:r>
+                  <a:rPr lang="es-MX" dirty="0" err="1" smtClean="0"/>
+                  <a:t>four</a:t>
+                </a:r>
+                <a:r>
+                  <a:rPr lang="es-MX" dirty="0" smtClean="0"/>
+                  <a:t> </a:t>
+                </a:r>
+                <a:r>
+                  <a:rPr lang="es-MX" dirty="0" err="1" smtClean="0"/>
+                  <a:t>underlying</a:t>
+                </a:r>
+                <a:r>
+                  <a:rPr lang="es-MX" dirty="0" smtClean="0"/>
+                  <a:t> </a:t>
+                </a:r>
+                <a:r>
+                  <a:rPr lang="es-MX" dirty="0" err="1" smtClean="0"/>
+                  <a:t>distributions</a:t>
+                </a:r>
+                <a:r>
+                  <a:rPr lang="es-MX" dirty="0" smtClean="0"/>
+                  <a:t>).</a:t>
+                </a:r>
+              </a:p>
+              <a:p>
+                <a:pPr marL="514350" indent="-514350" algn="just">
+                  <a:buAutoNum type="arabicParenR"/>
+                </a:pPr>
+                <a:endParaRPr lang="es-MX" dirty="0" smtClean="0"/>
+              </a:p>
+              <a:p>
+                <a:pPr marL="0" indent="0" algn="just">
+                  <a:buNone/>
+                </a:pPr>
+                <a:r>
+                  <a:rPr lang="es-MX" dirty="0" smtClean="0"/>
+                  <a:t> 2) </a:t>
+                </a:r>
+                <a:r>
+                  <a:rPr lang="es-MX" dirty="0" err="1" smtClean="0"/>
+                  <a:t>The</a:t>
+                </a:r>
+                <a:r>
+                  <a:rPr lang="es-MX" dirty="0" smtClean="0"/>
+                  <a:t> </a:t>
+                </a:r>
+                <a:r>
+                  <a:rPr lang="es-MX" dirty="0" err="1" smtClean="0"/>
+                  <a:t>concentrating</a:t>
+                </a:r>
+                <a:r>
+                  <a:rPr lang="es-MX" dirty="0" smtClean="0"/>
+                  <a:t> </a:t>
+                </a:r>
+                <a:r>
+                  <a:rPr lang="es-MX" dirty="0" err="1" smtClean="0"/>
+                  <a:t>effect</a:t>
+                </a:r>
+                <a:r>
+                  <a:rPr lang="es-MX" dirty="0" smtClean="0"/>
+                  <a:t> </a:t>
+                </a:r>
+                <a:r>
+                  <a:rPr lang="es-MX" dirty="0" err="1" smtClean="0"/>
+                  <a:t>tells</a:t>
+                </a:r>
+                <a:r>
+                  <a:rPr lang="es-MX" dirty="0" smtClean="0"/>
+                  <a:t> </a:t>
+                </a:r>
+                <a:r>
+                  <a:rPr lang="es-MX" dirty="0" err="1" smtClean="0"/>
+                  <a:t>us</a:t>
+                </a:r>
+                <a:r>
+                  <a:rPr lang="es-MX" dirty="0" smtClean="0"/>
+                  <a:t> </a:t>
+                </a:r>
+                <a:r>
+                  <a:rPr lang="es-MX" dirty="0" err="1" smtClean="0"/>
+                  <a:t>that</a:t>
+                </a:r>
+                <a:r>
+                  <a:rPr lang="es-MX" dirty="0" smtClean="0"/>
+                  <a:t> </a:t>
+                </a:r>
+                <a:r>
+                  <a:rPr lang="es-MX" dirty="0" err="1" smtClean="0"/>
+                  <a:t>the</a:t>
+                </a:r>
+                <a:r>
+                  <a:rPr lang="es-MX" dirty="0" smtClean="0"/>
+                  <a:t> </a:t>
+                </a:r>
+                <a:r>
+                  <a:rPr lang="es-MX" dirty="0" err="1" smtClean="0"/>
+                  <a:t>four</a:t>
+                </a:r>
+                <a:r>
+                  <a:rPr lang="es-MX" dirty="0" smtClean="0"/>
+                  <a:t> </a:t>
+                </a:r>
+                <a:r>
+                  <a:rPr lang="es-MX" dirty="0" err="1" smtClean="0"/>
+                  <a:t>distributions</a:t>
+                </a:r>
+                <a:r>
+                  <a:rPr lang="es-MX" dirty="0" smtClean="0"/>
+                  <a:t> </a:t>
+                </a:r>
+                <a:r>
+                  <a:rPr lang="es-MX" dirty="0" err="1" smtClean="0"/>
+                  <a:t>tend</a:t>
+                </a:r>
+                <a:r>
+                  <a:rPr lang="es-MX" dirty="0" smtClean="0"/>
+                  <a:t> </a:t>
+                </a:r>
+                <a:r>
+                  <a:rPr lang="es-MX" dirty="0" err="1" smtClean="0"/>
+                  <a:t>to</a:t>
+                </a:r>
+                <a:r>
+                  <a:rPr lang="es-MX" dirty="0" smtClean="0"/>
+                  <a:t> be </a:t>
+                </a:r>
+                <a:r>
+                  <a:rPr lang="es-MX" dirty="0" err="1" smtClean="0"/>
+                  <a:t>ordered</a:t>
+                </a:r>
+                <a:r>
+                  <a:rPr lang="es-MX" dirty="0" smtClean="0"/>
+                  <a:t> </a:t>
+                </a:r>
+                <a:r>
+                  <a:rPr lang="es-MX" dirty="0" err="1" smtClean="0"/>
+                  <a:t>around</a:t>
+                </a:r>
+                <a:r>
+                  <a:rPr lang="es-MX" dirty="0" smtClean="0"/>
+                  <a:t> a central </a:t>
+                </a:r>
+                <a:r>
+                  <a:rPr lang="es-MX" dirty="0" err="1" smtClean="0"/>
+                  <a:t>point</a:t>
+                </a:r>
+                <a:r>
+                  <a:rPr lang="es-MX" dirty="0" smtClean="0"/>
+                  <a:t> (</a:t>
+                </a:r>
+                <a14:m>
+                  <m:oMath xmlns:m="http://schemas.openxmlformats.org/officeDocument/2006/math">
+                    <m:f>
+                      <m:fPr>
+                        <m:ctrlPr>
+                          <a:rPr lang="es-MX" i="1" smtClean="0">
+                            <a:latin typeface="Cambria Math" panose="02040503050406030204" pitchFamily="18" charset="0"/>
+                          </a:rPr>
+                        </m:ctrlPr>
+                      </m:fPr>
+                      <m:num>
+                        <m:r>
+                          <a:rPr lang="es-MX" b="0" i="1" smtClean="0">
+                            <a:latin typeface="Cambria Math" panose="02040503050406030204" pitchFamily="18" charset="0"/>
+                          </a:rPr>
+                          <m:t>𝑑</m:t>
+                        </m:r>
+                        <m:r>
+                          <a:rPr lang="es-MX" b="0" i="1" smtClean="0">
+                            <a:latin typeface="Cambria Math" panose="02040503050406030204" pitchFamily="18" charset="0"/>
+                          </a:rPr>
+                          <m:t>′</m:t>
+                        </m:r>
+                      </m:num>
+                      <m:den>
+                        <m:r>
+                          <a:rPr lang="es-MX" b="0" i="1" smtClean="0">
+                            <a:latin typeface="Cambria Math" panose="02040503050406030204" pitchFamily="18" charset="0"/>
+                          </a:rPr>
+                          <m:t>2</m:t>
+                        </m:r>
+                      </m:den>
+                    </m:f>
+                  </m:oMath>
+                </a14:m>
+                <a:r>
+                  <a:rPr lang="es-MX" dirty="0" smtClean="0"/>
+                  <a:t>)</a:t>
+                </a:r>
+              </a:p>
+              <a:p>
+                <a:pPr marL="0" indent="0" algn="just">
+                  <a:buNone/>
+                </a:pPr>
+                <a:endParaRPr lang="es-MX" dirty="0"/>
+              </a:p>
+              <a:p>
+                <a:pPr marL="0" indent="0" algn="just">
+                  <a:buNone/>
+                </a:pPr>
+                <a:r>
+                  <a:rPr lang="es-MX" dirty="0" err="1" smtClean="0"/>
+                  <a:t>Therefore</a:t>
+                </a:r>
+                <a:r>
+                  <a:rPr lang="es-MX" dirty="0" smtClean="0"/>
+                  <a:t>, </a:t>
+                </a:r>
+                <a:r>
+                  <a:rPr lang="es-MX" dirty="0" err="1" smtClean="0"/>
+                  <a:t>the</a:t>
+                </a:r>
+                <a:r>
+                  <a:rPr lang="es-MX" dirty="0" smtClean="0"/>
+                  <a:t> C </a:t>
+                </a:r>
+                <a:r>
+                  <a:rPr lang="es-MX" dirty="0" err="1" smtClean="0"/>
+                  <a:t>bias</a:t>
+                </a:r>
+                <a:r>
+                  <a:rPr lang="es-MX" dirty="0" smtClean="0"/>
+                  <a:t> </a:t>
+                </a:r>
+                <a:r>
+                  <a:rPr lang="es-MX" dirty="0" err="1" smtClean="0"/>
+                  <a:t>measure</a:t>
+                </a:r>
+                <a:r>
+                  <a:rPr lang="es-MX" dirty="0" smtClean="0"/>
+                  <a:t> (</a:t>
+                </a:r>
+                <a:r>
+                  <a:rPr lang="es-MX" dirty="0" err="1" smtClean="0"/>
+                  <a:t>distance</a:t>
+                </a:r>
+                <a:r>
+                  <a:rPr lang="es-MX" dirty="0" smtClean="0"/>
+                  <a:t> </a:t>
+                </a:r>
+                <a:r>
+                  <a:rPr lang="es-MX" dirty="0" err="1" smtClean="0"/>
+                  <a:t>between</a:t>
+                </a:r>
+                <a:r>
+                  <a:rPr lang="es-MX" dirty="0" smtClean="0"/>
+                  <a:t> </a:t>
+                </a:r>
+                <a:r>
+                  <a:rPr lang="es-MX" dirty="0" err="1" smtClean="0"/>
+                  <a:t>the</a:t>
+                </a:r>
+                <a:r>
+                  <a:rPr lang="es-MX" dirty="0" smtClean="0"/>
+                  <a:t> </a:t>
+                </a:r>
+                <a:r>
+                  <a:rPr lang="es-MX" dirty="0" err="1" smtClean="0"/>
+                  <a:t>criterion</a:t>
+                </a:r>
+                <a:r>
+                  <a:rPr lang="es-MX" dirty="0" smtClean="0"/>
+                  <a:t> and </a:t>
+                </a:r>
+                <a:r>
+                  <a:rPr lang="es-MX" dirty="0" err="1" smtClean="0"/>
+                  <a:t>the</a:t>
+                </a:r>
+                <a:r>
+                  <a:rPr lang="es-MX" dirty="0" smtClean="0"/>
+                  <a:t> neutral </a:t>
+                </a:r>
+                <a:r>
+                  <a:rPr lang="es-MX" dirty="0" err="1" smtClean="0"/>
+                  <a:t>point</a:t>
+                </a:r>
+                <a:r>
+                  <a:rPr lang="es-MX" dirty="0" smtClean="0"/>
+                  <a:t> </a:t>
+                </a:r>
+                <a14:m>
+                  <m:oMath xmlns:m="http://schemas.openxmlformats.org/officeDocument/2006/math">
+                    <m:f>
+                      <m:fPr>
+                        <m:ctrlPr>
+                          <a:rPr lang="es-MX" i="1">
+                            <a:latin typeface="Cambria Math" panose="02040503050406030204" pitchFamily="18" charset="0"/>
+                          </a:rPr>
+                        </m:ctrlPr>
+                      </m:fPr>
+                      <m:num>
+                        <m:r>
+                          <a:rPr lang="es-MX" i="1">
+                            <a:latin typeface="Cambria Math" panose="02040503050406030204" pitchFamily="18" charset="0"/>
+                          </a:rPr>
+                          <m:t>𝑑</m:t>
+                        </m:r>
+                        <m:r>
+                          <a:rPr lang="es-MX" i="1">
+                            <a:latin typeface="Cambria Math" panose="02040503050406030204" pitchFamily="18" charset="0"/>
+                          </a:rPr>
+                          <m:t>′</m:t>
+                        </m:r>
+                      </m:num>
+                      <m:den>
+                        <m:r>
+                          <a:rPr lang="es-MX" i="1">
+                            <a:latin typeface="Cambria Math" panose="02040503050406030204" pitchFamily="18" charset="0"/>
+                          </a:rPr>
+                          <m:t>2</m:t>
+                        </m:r>
+                      </m:den>
+                    </m:f>
+                  </m:oMath>
+                </a14:m>
+                <a:r>
+                  <a:rPr lang="es-MX" dirty="0" smtClean="0"/>
+                  <a:t>) </a:t>
+                </a:r>
+                <a:r>
+                  <a:rPr lang="es-MX" dirty="0" err="1" smtClean="0"/>
+                  <a:t>should</a:t>
+                </a:r>
+                <a:r>
+                  <a:rPr lang="es-MX" dirty="0" smtClean="0"/>
+                  <a:t> be </a:t>
+                </a:r>
+                <a:r>
+                  <a:rPr lang="es-MX" dirty="0" err="1" smtClean="0"/>
+                  <a:t>the</a:t>
+                </a:r>
+                <a:r>
+                  <a:rPr lang="es-MX" dirty="0" smtClean="0"/>
+                  <a:t> </a:t>
+                </a:r>
+                <a:r>
+                  <a:rPr lang="es-MX" dirty="0" err="1" smtClean="0"/>
+                  <a:t>same</a:t>
+                </a:r>
+                <a:r>
+                  <a:rPr lang="es-MX" dirty="0" smtClean="0"/>
+                  <a:t> </a:t>
+                </a:r>
+                <a:r>
+                  <a:rPr lang="es-MX" dirty="0" err="1" smtClean="0"/>
+                  <a:t>for</a:t>
+                </a:r>
+                <a:r>
+                  <a:rPr lang="es-MX" dirty="0" smtClean="0"/>
+                  <a:t> </a:t>
+                </a:r>
+                <a:r>
+                  <a:rPr lang="es-MX" dirty="0" err="1" smtClean="0"/>
+                  <a:t>both</a:t>
+                </a:r>
+                <a:r>
+                  <a:rPr lang="es-MX" dirty="0" smtClean="0"/>
+                  <a:t> clases.</a:t>
+                </a:r>
+                <a:endParaRPr lang="es-MX" dirty="0"/>
+              </a:p>
+            </p:txBody>
+          </p:sp>
+        </mc:Choice>
+        <mc:Fallback>
+          <p:sp>
+            <p:nvSpPr>
+              <p:cNvPr id="3" name="Marcador de contenido 2"/>
+              <p:cNvSpPr>
+                <a:spLocks noGrp="1" noRot="1" noChangeAspect="1" noMove="1" noResize="1" noEditPoints="1" noAdjustHandles="1" noChangeArrowheads="1" noChangeShapeType="1" noTextEdit="1"/>
+              </p:cNvSpPr>
+              <p:nvPr>
+                <p:ph idx="1"/>
+              </p:nvPr>
+            </p:nvSpPr>
+            <p:spPr>
+              <a:xfrm>
+                <a:off x="338667" y="149754"/>
+                <a:ext cx="6324600" cy="6301845"/>
+              </a:xfrm>
+              <a:blipFill rotWithShape="0">
+                <a:blip r:embed="rId2"/>
+                <a:stretch>
+                  <a:fillRect l="-2025" t="-2227" r="-1929"/>
+                </a:stretch>
+              </a:blipFill>
+            </p:spPr>
+            <p:txBody>
+              <a:bodyPr/>
+              <a:lstStyle/>
+              <a:p>
+                <a:r>
+                  <a:rPr lang="es-MX">
+                    <a:noFill/>
+                  </a:rPr>
+                  <a:t> </a:t>
+                </a:r>
+              </a:p>
+            </p:txBody>
+          </p:sp>
+        </mc:Fallback>
+      </mc:AlternateContent>
+      <p:pic>
+        <p:nvPicPr>
+          <p:cNvPr id="4" name="Imagen 3"/>
+          <p:cNvPicPr>
+            <a:picLocks noChangeAspect="1"/>
+          </p:cNvPicPr>
+          <p:nvPr/>
+        </p:nvPicPr>
+        <p:blipFill>
+          <a:blip r:embed="rId3"/>
+          <a:stretch>
+            <a:fillRect/>
+          </a:stretch>
+        </p:blipFill>
+        <p:spPr>
+          <a:xfrm>
+            <a:off x="6764867" y="149754"/>
+            <a:ext cx="5162167" cy="6379407"/>
+          </a:xfrm>
+          <a:prstGeom prst="rect">
+            <a:avLst/>
+          </a:prstGeom>
+        </p:spPr>
+      </p:pic>
+    </p:spTree>
+    <p:extLst>
+      <p:ext uri="{BB962C8B-B14F-4D97-AF65-F5344CB8AC3E}">
+        <p14:creationId xmlns:p14="http://schemas.microsoft.com/office/powerpoint/2010/main" val="98453466"/>
+      </p:ext>
+    </p:extLst>
+  </p:cSld>
+  <p:clrMapOvr>
+    <a:masterClrMapping/>
+  </p:clrMapOvr>
+  <p:timing>
+    <p:tnLst>
+      <p:par>
+        <p:cTn id="1" dur="indefinite" restart="never" nodeType="tmRoot"/>
+      </p:par>
+    </p:tnLst>
+  </p:timing>
+</p:sld>
+</file>
+
+<file path=ppt/slides/slide55.xml><?xml version="1.0" encoding="utf-8"?>
 <p:sld xmlns:a="http://schemas.openxmlformats.org/drawingml/2006/main" xmlns:r="http://schemas.openxmlformats.org/officeDocument/2006/relationships" xmlns:p="http://schemas.openxmlformats.org/presentationml/2006/main">
   <p:cSld>
     <p:spTree>
@@ -24783,12 +26777,115 @@
             <p:ph type="title"/>
           </p:nvPr>
         </p:nvSpPr>
-        <p:spPr/>
+        <p:spPr>
+          <a:xfrm>
+            <a:off x="59267" y="1533525"/>
+            <a:ext cx="2446866" cy="3927475"/>
+          </a:xfrm>
+        </p:spPr>
         <p:txBody>
-          <a:bodyPr/>
+          <a:bodyPr>
+            <a:normAutofit/>
+          </a:bodyPr>
           <a:lstStyle/>
           <a:p>
-            <a:endParaRPr lang="es-MX" dirty="0"/>
+            <a:r>
+              <a:rPr lang="es-MX" sz="3500" dirty="0" err="1" smtClean="0">
+                <a:solidFill>
+                  <a:schemeClr val="accent1">
+                    <a:lumMod val="50000"/>
+                  </a:schemeClr>
+                </a:solidFill>
+              </a:rPr>
+              <a:t>We</a:t>
+            </a:r>
+            <a:r>
+              <a:rPr lang="es-MX" sz="3500" dirty="0" smtClean="0">
+                <a:solidFill>
+                  <a:schemeClr val="accent1">
+                    <a:lumMod val="50000"/>
+                  </a:schemeClr>
+                </a:solidFill>
+              </a:rPr>
+              <a:t> </a:t>
+            </a:r>
+            <a:r>
+              <a:rPr lang="es-MX" sz="3500" dirty="0" err="1" smtClean="0">
+                <a:solidFill>
+                  <a:schemeClr val="accent1">
+                    <a:lumMod val="50000"/>
+                  </a:schemeClr>
+                </a:solidFill>
+              </a:rPr>
+              <a:t>apply</a:t>
+            </a:r>
+            <a:r>
+              <a:rPr lang="es-MX" sz="3500" dirty="0" smtClean="0">
+                <a:solidFill>
+                  <a:schemeClr val="accent1">
+                    <a:lumMod val="50000"/>
+                  </a:schemeClr>
+                </a:solidFill>
+              </a:rPr>
+              <a:t> a </a:t>
+            </a:r>
+            <a:r>
+              <a:rPr lang="es-MX" sz="3500" dirty="0" err="1" smtClean="0">
+                <a:solidFill>
+                  <a:schemeClr val="accent1">
+                    <a:lumMod val="50000"/>
+                  </a:schemeClr>
+                </a:solidFill>
+              </a:rPr>
+              <a:t>Hierarchical</a:t>
+            </a:r>
+            <a:r>
+              <a:rPr lang="es-MX" sz="3500" dirty="0" smtClean="0">
+                <a:solidFill>
+                  <a:schemeClr val="accent1">
+                    <a:lumMod val="50000"/>
+                  </a:schemeClr>
+                </a:solidFill>
+              </a:rPr>
+              <a:t> </a:t>
+            </a:r>
+            <a:r>
+              <a:rPr lang="es-MX" sz="3500" dirty="0" err="1" smtClean="0">
+                <a:solidFill>
+                  <a:schemeClr val="accent1">
+                    <a:lumMod val="50000"/>
+                  </a:schemeClr>
+                </a:solidFill>
+              </a:rPr>
+              <a:t>Bayesian</a:t>
+            </a:r>
+            <a:r>
+              <a:rPr lang="es-MX" sz="3500" dirty="0" smtClean="0">
+                <a:solidFill>
+                  <a:schemeClr val="accent1">
+                    <a:lumMod val="50000"/>
+                  </a:schemeClr>
+                </a:solidFill>
+              </a:rPr>
+              <a:t> SDT </a:t>
+            </a:r>
+            <a:r>
+              <a:rPr lang="es-MX" sz="3500" dirty="0" err="1" smtClean="0">
+                <a:solidFill>
+                  <a:schemeClr val="accent1">
+                    <a:lumMod val="50000"/>
+                  </a:schemeClr>
+                </a:solidFill>
+              </a:rPr>
+              <a:t>model</a:t>
+            </a:r>
+            <a:endParaRPr lang="es-MX" sz="3500" dirty="0">
+              <a:solidFill>
+                <a:schemeClr val="accent1">
+                  <a:lumMod val="50000"/>
+                </a:schemeClr>
+              </a:solidFill>
+            </a:endParaRPr>
           </a:p>
         </p:txBody>
       </p:sp>
@@ -24807,7 +26904,25 @@
           <a:bodyPr/>
           <a:lstStyle/>
           <a:p>
-            <a:endParaRPr lang="es-MX"/>
+            <a:endParaRPr lang="es-MX" dirty="0" smtClean="0"/>
+          </a:p>
+          <a:p>
+            <a:endParaRPr lang="es-MX" dirty="0" smtClean="0"/>
+          </a:p>
+          <a:p>
+            <a:endParaRPr lang="es-MX" dirty="0" smtClean="0"/>
+          </a:p>
+          <a:p>
+            <a:endParaRPr lang="es-MX" dirty="0"/>
+          </a:p>
+          <a:p>
+            <a:endParaRPr lang="es-MX" dirty="0" smtClean="0"/>
+          </a:p>
+          <a:p>
+            <a:endParaRPr lang="es-MX" dirty="0"/>
+          </a:p>
+          <a:p>
+            <a:endParaRPr lang="es-MX" dirty="0"/>
           </a:p>
         </p:txBody>
       </p:sp>
@@ -24827,7 +26942,7 @@
         </p:blipFill>
         <p:spPr>
           <a:xfrm>
-            <a:off x="2218266" y="206850"/>
+            <a:off x="3124199" y="206850"/>
             <a:ext cx="8637097" cy="6444299"/>
           </a:xfrm>
           <a:prstGeom prst="rect">
@@ -24845,10 +26960,17 @@
   <p:clrMapOvr>
     <a:masterClrMapping/>
   </p:clrMapOvr>
+  <p:timing>
+    <p:tnLst>
+      <p:par>
+        <p:cTn id="1" dur="indefinite" restart="never" nodeType="tmRoot"/>
+      </p:par>
+    </p:tnLst>
+  </p:timing>
 </p:sld>
 </file>
 
-<file path=ppt/slides/slide51.xml><?xml version="1.0" encoding="utf-8"?>
+<file path=ppt/slides/slide56.xml><?xml version="1.0" encoding="utf-8"?>
 <p:sld xmlns:a="http://schemas.openxmlformats.org/drawingml/2006/main" xmlns:r="http://schemas.openxmlformats.org/officeDocument/2006/relationships" xmlns:p="http://schemas.openxmlformats.org/presentationml/2006/main">
   <p:cSld>
     <p:spTree>
@@ -25378,10 +27500,17 @@
   <p:clrMapOvr>
     <a:masterClrMapping/>
   </p:clrMapOvr>
+  <p:timing>
+    <p:tnLst>
+      <p:par>
+        <p:cTn id="1" dur="indefinite" restart="never" nodeType="tmRoot"/>
+      </p:par>
+    </p:tnLst>
+  </p:timing>
 </p:sld>
 </file>
 
-<file path=ppt/slides/slide52.xml><?xml version="1.0" encoding="utf-8"?>
+<file path=ppt/slides/slide57.xml><?xml version="1.0" encoding="utf-8"?>
 <p:sld xmlns:a="http://schemas.openxmlformats.org/drawingml/2006/main" xmlns:r="http://schemas.openxmlformats.org/officeDocument/2006/relationships" xmlns:p="http://schemas.openxmlformats.org/presentationml/2006/main">
   <p:cSld>
     <p:spTree>
@@ -25747,10 +27876,17 @@
   <p:clrMapOvr>
     <a:masterClrMapping/>
   </p:clrMapOvr>
+  <p:timing>
+    <p:tnLst>
+      <p:par>
+        <p:cTn id="1" dur="indefinite" restart="never" nodeType="tmRoot"/>
+      </p:par>
+    </p:tnLst>
+  </p:timing>
 </p:sld>
 </file>
 
-<file path=ppt/slides/slide53.xml><?xml version="1.0" encoding="utf-8"?>
+<file path=ppt/slides/slide58.xml><?xml version="1.0" encoding="utf-8"?>
 <p:sld xmlns:a="http://schemas.openxmlformats.org/drawingml/2006/main" xmlns:r="http://schemas.openxmlformats.org/officeDocument/2006/relationships" xmlns:p="http://schemas.openxmlformats.org/presentationml/2006/main">
   <p:cSld>
     <p:spTree>
@@ -26004,10 +28140,17 @@
   <p:clrMapOvr>
     <a:masterClrMapping/>
   </p:clrMapOvr>
+  <p:timing>
+    <p:tnLst>
+      <p:par>
+        <p:cTn id="1" dur="indefinite" restart="never" nodeType="tmRoot"/>
+      </p:par>
+    </p:tnLst>
+  </p:timing>
 </p:sld>
 </file>
 
-<file path=ppt/slides/slide54.xml><?xml version="1.0" encoding="utf-8"?>
+<file path=ppt/slides/slide59.xml><?xml version="1.0" encoding="utf-8"?>
 <p:sld xmlns:a="http://schemas.openxmlformats.org/drawingml/2006/main" xmlns:r="http://schemas.openxmlformats.org/officeDocument/2006/relationships" xmlns:p="http://schemas.openxmlformats.org/presentationml/2006/main">
   <p:cSld>
     <p:spTree>
@@ -26264,7 +28407,99 @@
 </p:sld>
 </file>
 
-<file path=ppt/slides/slide55.xml><?xml version="1.0" encoding="utf-8"?>
+<file path=ppt/slides/slide6.xml><?xml version="1.0" encoding="utf-8"?>
+<p:sld xmlns:a="http://schemas.openxmlformats.org/drawingml/2006/main" xmlns:r="http://schemas.openxmlformats.org/officeDocument/2006/relationships" xmlns:p="http://schemas.openxmlformats.org/presentationml/2006/main">
+  <p:cSld>
+    <p:spTree>
+      <p:nvGrpSpPr>
+        <p:cNvPr id="1" name=""/>
+        <p:cNvGrpSpPr/>
+        <p:nvPr/>
+      </p:nvGrpSpPr>
+      <p:grpSpPr>
+        <a:xfrm>
+          <a:off x="0" y="0"/>
+          <a:ext cx="0" cy="0"/>
+          <a:chOff x="0" y="0"/>
+          <a:chExt cx="0" cy="0"/>
+        </a:xfrm>
+      </p:grpSpPr>
+      <p:sp>
+        <p:nvSpPr>
+          <p:cNvPr id="2" name="Título 1"/>
+          <p:cNvSpPr>
+            <a:spLocks noGrp="1"/>
+          </p:cNvSpPr>
+          <p:nvPr>
+            <p:ph type="title"/>
+          </p:nvPr>
+        </p:nvSpPr>
+        <p:spPr/>
+        <p:txBody>
+          <a:bodyPr/>
+          <a:lstStyle/>
+          <a:p>
+            <a:endParaRPr lang="es-MX"/>
+          </a:p>
+        </p:txBody>
+      </p:sp>
+      <p:sp>
+        <p:nvSpPr>
+          <p:cNvPr id="3" name="Marcador de contenido 2"/>
+          <p:cNvSpPr>
+            <a:spLocks noGrp="1"/>
+          </p:cNvSpPr>
+          <p:nvPr>
+            <p:ph idx="1"/>
+          </p:nvPr>
+        </p:nvSpPr>
+        <p:spPr/>
+        <p:txBody>
+          <a:bodyPr/>
+          <a:lstStyle/>
+          <a:p>
+            <a:endParaRPr lang="es-MX"/>
+          </a:p>
+        </p:txBody>
+      </p:sp>
+      <p:pic>
+        <p:nvPicPr>
+          <p:cNvPr id="4" name="Imagen 3"/>
+          <p:cNvPicPr>
+            <a:picLocks noChangeAspect="1"/>
+          </p:cNvPicPr>
+          <p:nvPr/>
+        </p:nvPicPr>
+        <p:blipFill>
+          <a:blip r:embed="rId2"/>
+          <a:stretch>
+            <a:fillRect/>
+          </a:stretch>
+        </p:blipFill>
+        <p:spPr>
+          <a:xfrm>
+            <a:off x="838200" y="2586831"/>
+            <a:ext cx="5343525" cy="2828925"/>
+          </a:xfrm>
+          <a:prstGeom prst="rect">
+            <a:avLst/>
+          </a:prstGeom>
+        </p:spPr>
+      </p:pic>
+    </p:spTree>
+    <p:extLst>
+      <p:ext uri="{BB962C8B-B14F-4D97-AF65-F5344CB8AC3E}">
+        <p14:creationId xmlns:p14="http://schemas.microsoft.com/office/powerpoint/2010/main" val="1414079980"/>
+      </p:ext>
+    </p:extLst>
+  </p:cSld>
+  <p:clrMapOvr>
+    <a:masterClrMapping/>
+  </p:clrMapOvr>
+</p:sld>
+</file>
+
+<file path=ppt/slides/slide60.xml><?xml version="1.0" encoding="utf-8"?>
 <p:sld xmlns:a="http://schemas.openxmlformats.org/drawingml/2006/main" xmlns:r="http://schemas.openxmlformats.org/officeDocument/2006/relationships" xmlns:p="http://schemas.openxmlformats.org/presentationml/2006/main">
   <p:cSld>
     <p:spTree>
@@ -26434,7 +28669,7 @@
 </p:sld>
 </file>
 
-<file path=ppt/slides/slide6.xml><?xml version="1.0" encoding="utf-8"?>
+<file path=ppt/slides/slide7.xml><?xml version="1.0" encoding="utf-8"?>
 <p:sld xmlns:a="http://schemas.openxmlformats.org/drawingml/2006/main" xmlns:r="http://schemas.openxmlformats.org/officeDocument/2006/relationships" xmlns:p="http://schemas.openxmlformats.org/presentationml/2006/main">
   <p:cSld>
     <p:spTree>
@@ -26660,7 +28895,7 @@
 </p:sld>
 </file>
 
-<file path=ppt/slides/slide7.xml><?xml version="1.0" encoding="utf-8"?>
+<file path=ppt/slides/slide8.xml><?xml version="1.0" encoding="utf-8"?>
 <p:sld xmlns:a="http://schemas.openxmlformats.org/drawingml/2006/main" xmlns:r="http://schemas.openxmlformats.org/officeDocument/2006/relationships" xmlns:p="http://schemas.openxmlformats.org/presentationml/2006/main">
   <p:cSld>
     <p:spTree>
@@ -26784,7 +29019,7 @@
 </p:sld>
 </file>
 
-<file path=ppt/slides/slide8.xml><?xml version="1.0" encoding="utf-8"?>
+<file path=ppt/slides/slide9.xml><?xml version="1.0" encoding="utf-8"?>
 <p:sld xmlns:a="http://schemas.openxmlformats.org/drawingml/2006/main" xmlns:r="http://schemas.openxmlformats.org/officeDocument/2006/relationships" xmlns:p="http://schemas.openxmlformats.org/presentationml/2006/main">
   <p:cSld>
     <p:spTree>
@@ -27000,553 +29235,6 @@
       </p:par>
     </p:tnLst>
   </p:timing>
-</p:sld>
-</file>
-
-<file path=ppt/slides/slide9.xml><?xml version="1.0" encoding="utf-8"?>
-<p:sld xmlns:a="http://schemas.openxmlformats.org/drawingml/2006/main" xmlns:r="http://schemas.openxmlformats.org/officeDocument/2006/relationships" xmlns:p="http://schemas.openxmlformats.org/presentationml/2006/main">
-  <p:cSld>
-    <p:spTree>
-      <p:nvGrpSpPr>
-        <p:cNvPr id="1" name=""/>
-        <p:cNvGrpSpPr/>
-        <p:nvPr/>
-      </p:nvGrpSpPr>
-      <p:grpSpPr>
-        <a:xfrm>
-          <a:off x="0" y="0"/>
-          <a:ext cx="0" cy="0"/>
-          <a:chOff x="0" y="0"/>
-          <a:chExt cx="0" cy="0"/>
-        </a:xfrm>
-      </p:grpSpPr>
-      <p:sp>
-        <p:nvSpPr>
-          <p:cNvPr id="2" name="Título 1"/>
-          <p:cNvSpPr>
-            <a:spLocks noGrp="1"/>
-          </p:cNvSpPr>
-          <p:nvPr>
-            <p:ph type="title"/>
-          </p:nvPr>
-        </p:nvSpPr>
-        <p:spPr>
-          <a:xfrm>
-            <a:off x="0" y="221192"/>
-            <a:ext cx="12192000" cy="887941"/>
-          </a:xfrm>
-          <a:solidFill>
-            <a:schemeClr val="tx1"/>
-          </a:solidFill>
-          <a:ln>
-            <a:solidFill>
-              <a:schemeClr val="bg1"/>
-            </a:solidFill>
-          </a:ln>
-        </p:spPr>
-        <p:txBody>
-          <a:bodyPr>
-            <a:normAutofit fontScale="90000"/>
-          </a:bodyPr>
-          <a:lstStyle/>
-          <a:p>
-            <a:r>
-              <a:rPr lang="es-MX" b="1" dirty="0" smtClean="0">
-                <a:solidFill>
-                  <a:schemeClr val="bg1"/>
-                </a:solidFill>
-              </a:rPr>
-              <a:t>A)  </a:t>
-            </a:r>
-            <a:r>
-              <a:rPr lang="es-MX" b="1" dirty="0" err="1" smtClean="0">
-                <a:solidFill>
-                  <a:schemeClr val="bg1"/>
-                </a:solidFill>
-              </a:rPr>
-              <a:t>Replication</a:t>
-            </a:r>
-            <a:r>
-              <a:rPr lang="es-MX" b="1" dirty="0" smtClean="0">
-                <a:solidFill>
-                  <a:schemeClr val="bg1"/>
-                </a:solidFill>
-              </a:rPr>
-              <a:t> of </a:t>
-            </a:r>
-            <a:r>
-              <a:rPr lang="es-MX" b="1" dirty="0" err="1" smtClean="0">
-                <a:solidFill>
-                  <a:schemeClr val="bg1"/>
-                </a:solidFill>
-              </a:rPr>
-              <a:t>the</a:t>
-            </a:r>
-            <a:r>
-              <a:rPr lang="es-MX" b="1" dirty="0" smtClean="0">
-                <a:solidFill>
-                  <a:schemeClr val="bg1"/>
-                </a:solidFill>
-              </a:rPr>
-              <a:t> </a:t>
-            </a:r>
-            <a:r>
-              <a:rPr lang="es-MX" b="1" dirty="0" err="1" smtClean="0">
-                <a:solidFill>
-                  <a:schemeClr val="bg1"/>
-                </a:solidFill>
-              </a:rPr>
-              <a:t>analysis</a:t>
-            </a:r>
-            <a:r>
-              <a:rPr lang="es-MX" b="1" dirty="0" smtClean="0">
-                <a:solidFill>
-                  <a:schemeClr val="bg1"/>
-                </a:solidFill>
-              </a:rPr>
-              <a:t> </a:t>
-            </a:r>
-            <a:r>
-              <a:rPr lang="es-MX" b="1" dirty="0" err="1" smtClean="0">
-                <a:solidFill>
-                  <a:schemeClr val="bg1"/>
-                </a:solidFill>
-              </a:rPr>
-              <a:t>reported</a:t>
-            </a:r>
-            <a:r>
-              <a:rPr lang="es-MX" b="1" dirty="0" smtClean="0">
-                <a:solidFill>
-                  <a:schemeClr val="bg1"/>
-                </a:solidFill>
-              </a:rPr>
-              <a:t> in </a:t>
-            </a:r>
-            <a:r>
-              <a:rPr lang="es-MX" b="1" dirty="0" err="1" smtClean="0">
-                <a:solidFill>
-                  <a:schemeClr val="bg1"/>
-                </a:solidFill>
-              </a:rPr>
-              <a:t>the</a:t>
-            </a:r>
-            <a:r>
-              <a:rPr lang="es-MX" b="1" dirty="0" smtClean="0">
-                <a:solidFill>
-                  <a:schemeClr val="bg1"/>
-                </a:solidFill>
-              </a:rPr>
-              <a:t> M.E. </a:t>
-            </a:r>
-            <a:r>
-              <a:rPr lang="es-MX" b="1" dirty="0" err="1" smtClean="0">
-                <a:solidFill>
-                  <a:schemeClr val="bg1"/>
-                </a:solidFill>
-              </a:rPr>
-              <a:t>literature</a:t>
-            </a:r>
-            <a:endParaRPr lang="es-MX" b="1" dirty="0">
-              <a:solidFill>
-                <a:schemeClr val="bg1"/>
-              </a:solidFill>
-            </a:endParaRPr>
-          </a:p>
-        </p:txBody>
-      </p:sp>
-      <p:sp>
-        <p:nvSpPr>
-          <p:cNvPr id="4" name="2 Marcador de contenido"/>
-          <p:cNvSpPr txBox="1">
-            <a:spLocks/>
-          </p:cNvSpPr>
-          <p:nvPr/>
-        </p:nvSpPr>
-        <p:spPr>
-          <a:xfrm>
-            <a:off x="373487" y="1690688"/>
-            <a:ext cx="11397803" cy="4941932"/>
-          </a:xfrm>
-          <a:prstGeom prst="rect">
-            <a:avLst/>
-          </a:prstGeom>
-        </p:spPr>
-        <p:txBody>
-          <a:bodyPr vert="horz" lIns="91440" tIns="45720" rIns="91440" bIns="45720" rtlCol="0">
-            <a:normAutofit/>
-          </a:bodyPr>
-          <a:lstStyle>
-            <a:lvl1pPr marL="228600" indent="-228600" algn="l" defTabSz="914400" rtl="0" eaLnBrk="1" latinLnBrk="0" hangingPunct="1">
-              <a:lnSpc>
-                <a:spcPct val="90000"/>
-              </a:lnSpc>
-              <a:spcBef>
-                <a:spcPts val="1000"/>
-              </a:spcBef>
-              <a:buFont typeface="Arial" panose="020B0604020202020204" pitchFamily="34" charset="0"/>
-              <a:buChar char="•"/>
-              <a:defRPr sz="2800" kern="1200">
-                <a:solidFill>
-                  <a:schemeClr val="tx1"/>
-                </a:solidFill>
-                <a:latin typeface="+mn-lt"/>
-                <a:ea typeface="+mn-ea"/>
-                <a:cs typeface="+mn-cs"/>
-              </a:defRPr>
-            </a:lvl1pPr>
-            <a:lvl2pPr marL="685800" indent="-228600" algn="l" defTabSz="914400" rtl="0" eaLnBrk="1" latinLnBrk="0" hangingPunct="1">
-              <a:lnSpc>
-                <a:spcPct val="90000"/>
-              </a:lnSpc>
-              <a:spcBef>
-                <a:spcPts val="500"/>
-              </a:spcBef>
-              <a:buFont typeface="Arial" panose="020B0604020202020204" pitchFamily="34" charset="0"/>
-              <a:buChar char="•"/>
-              <a:defRPr sz="2400" kern="1200">
-                <a:solidFill>
-                  <a:schemeClr val="tx1"/>
-                </a:solidFill>
-                <a:latin typeface="+mn-lt"/>
-                <a:ea typeface="+mn-ea"/>
-                <a:cs typeface="+mn-cs"/>
-              </a:defRPr>
-            </a:lvl2pPr>
-            <a:lvl3pPr marL="1143000" indent="-228600" algn="l" defTabSz="914400" rtl="0" eaLnBrk="1" latinLnBrk="0" hangingPunct="1">
-              <a:lnSpc>
-                <a:spcPct val="90000"/>
-              </a:lnSpc>
-              <a:spcBef>
-                <a:spcPts val="500"/>
-              </a:spcBef>
-              <a:buFont typeface="Arial" panose="020B0604020202020204" pitchFamily="34" charset="0"/>
-              <a:buChar char="•"/>
-              <a:defRPr sz="2000" kern="1200">
-                <a:solidFill>
-                  <a:schemeClr val="tx1"/>
-                </a:solidFill>
-                <a:latin typeface="+mn-lt"/>
-                <a:ea typeface="+mn-ea"/>
-                <a:cs typeface="+mn-cs"/>
-              </a:defRPr>
-            </a:lvl3pPr>
-            <a:lvl4pPr marL="1600200" indent="-228600" algn="l" defTabSz="914400" rtl="0" eaLnBrk="1" latinLnBrk="0" hangingPunct="1">
-              <a:lnSpc>
-                <a:spcPct val="90000"/>
-              </a:lnSpc>
-              <a:spcBef>
-                <a:spcPts val="500"/>
-              </a:spcBef>
-              <a:buFont typeface="Arial" panose="020B0604020202020204" pitchFamily="34" charset="0"/>
-              <a:buChar char="•"/>
-              <a:defRPr sz="1800" kern="1200">
-                <a:solidFill>
-                  <a:schemeClr val="tx1"/>
-                </a:solidFill>
-                <a:latin typeface="+mn-lt"/>
-                <a:ea typeface="+mn-ea"/>
-                <a:cs typeface="+mn-cs"/>
-              </a:defRPr>
-            </a:lvl4pPr>
-            <a:lvl5pPr marL="2057400" indent="-228600" algn="l" defTabSz="914400" rtl="0" eaLnBrk="1" latinLnBrk="0" hangingPunct="1">
-              <a:lnSpc>
-                <a:spcPct val="90000"/>
-              </a:lnSpc>
-              <a:spcBef>
-                <a:spcPts val="500"/>
-              </a:spcBef>
-              <a:buFont typeface="Arial" panose="020B0604020202020204" pitchFamily="34" charset="0"/>
-              <a:buChar char="•"/>
-              <a:defRPr sz="1800" kern="1200">
-                <a:solidFill>
-                  <a:schemeClr val="tx1"/>
-                </a:solidFill>
-                <a:latin typeface="+mn-lt"/>
-                <a:ea typeface="+mn-ea"/>
-                <a:cs typeface="+mn-cs"/>
-              </a:defRPr>
-            </a:lvl5pPr>
-            <a:lvl6pPr marL="2514600" indent="-228600" algn="l" defTabSz="914400" rtl="0" eaLnBrk="1" latinLnBrk="0" hangingPunct="1">
-              <a:lnSpc>
-                <a:spcPct val="90000"/>
-              </a:lnSpc>
-              <a:spcBef>
-                <a:spcPts val="500"/>
-              </a:spcBef>
-              <a:buFont typeface="Arial" panose="020B0604020202020204" pitchFamily="34" charset="0"/>
-              <a:buChar char="•"/>
-              <a:defRPr sz="1800" kern="1200">
-                <a:solidFill>
-                  <a:schemeClr val="tx1"/>
-                </a:solidFill>
-                <a:latin typeface="+mn-lt"/>
-                <a:ea typeface="+mn-ea"/>
-                <a:cs typeface="+mn-cs"/>
-              </a:defRPr>
-            </a:lvl6pPr>
-            <a:lvl7pPr marL="2971800" indent="-228600" algn="l" defTabSz="914400" rtl="0" eaLnBrk="1" latinLnBrk="0" hangingPunct="1">
-              <a:lnSpc>
-                <a:spcPct val="90000"/>
-              </a:lnSpc>
-              <a:spcBef>
-                <a:spcPts val="500"/>
-              </a:spcBef>
-              <a:buFont typeface="Arial" panose="020B0604020202020204" pitchFamily="34" charset="0"/>
-              <a:buChar char="•"/>
-              <a:defRPr sz="1800" kern="1200">
-                <a:solidFill>
-                  <a:schemeClr val="tx1"/>
-                </a:solidFill>
-                <a:latin typeface="+mn-lt"/>
-                <a:ea typeface="+mn-ea"/>
-                <a:cs typeface="+mn-cs"/>
-              </a:defRPr>
-            </a:lvl7pPr>
-            <a:lvl8pPr marL="3429000" indent="-228600" algn="l" defTabSz="914400" rtl="0" eaLnBrk="1" latinLnBrk="0" hangingPunct="1">
-              <a:lnSpc>
-                <a:spcPct val="90000"/>
-              </a:lnSpc>
-              <a:spcBef>
-                <a:spcPts val="500"/>
-              </a:spcBef>
-              <a:buFont typeface="Arial" panose="020B0604020202020204" pitchFamily="34" charset="0"/>
-              <a:buChar char="•"/>
-              <a:defRPr sz="1800" kern="1200">
-                <a:solidFill>
-                  <a:schemeClr val="tx1"/>
-                </a:solidFill>
-                <a:latin typeface="+mn-lt"/>
-                <a:ea typeface="+mn-ea"/>
-                <a:cs typeface="+mn-cs"/>
-              </a:defRPr>
-            </a:lvl8pPr>
-            <a:lvl9pPr marL="3886200" indent="-228600" algn="l" defTabSz="914400" rtl="0" eaLnBrk="1" latinLnBrk="0" hangingPunct="1">
-              <a:lnSpc>
-                <a:spcPct val="90000"/>
-              </a:lnSpc>
-              <a:spcBef>
-                <a:spcPts val="500"/>
-              </a:spcBef>
-              <a:buFont typeface="Arial" panose="020B0604020202020204" pitchFamily="34" charset="0"/>
-              <a:buChar char="•"/>
-              <a:defRPr sz="1800" kern="1200">
-                <a:solidFill>
-                  <a:schemeClr val="tx1"/>
-                </a:solidFill>
-                <a:latin typeface="+mn-lt"/>
-                <a:ea typeface="+mn-ea"/>
-                <a:cs typeface="+mn-cs"/>
-              </a:defRPr>
-            </a:lvl9pPr>
-          </a:lstStyle>
-          <a:p>
-            <a:pPr marL="0" indent="0">
-              <a:buNone/>
-            </a:pPr>
-            <a:r>
-              <a:rPr lang="es-MX" dirty="0" smtClean="0"/>
-              <a:t>1.- </a:t>
-            </a:r>
-            <a:r>
-              <a:rPr lang="es-MX" dirty="0" err="1" smtClean="0"/>
-              <a:t>Make</a:t>
-            </a:r>
-            <a:r>
-              <a:rPr lang="es-MX" dirty="0" smtClean="0"/>
-              <a:t> </a:t>
-            </a:r>
-            <a:r>
-              <a:rPr lang="es-MX" dirty="0" err="1" smtClean="0"/>
-              <a:t>sure</a:t>
-            </a:r>
-            <a:r>
-              <a:rPr lang="es-MX" dirty="0" smtClean="0"/>
-              <a:t> </a:t>
-            </a:r>
-            <a:r>
-              <a:rPr lang="es-MX" dirty="0" err="1" smtClean="0"/>
-              <a:t>that</a:t>
-            </a:r>
-            <a:r>
-              <a:rPr lang="es-MX" dirty="0"/>
-              <a:t> </a:t>
-            </a:r>
-            <a:r>
-              <a:rPr lang="es-MX" dirty="0"/>
-              <a:t>	</a:t>
-            </a:r>
-            <a:r>
-              <a:rPr lang="es-MX" dirty="0" smtClean="0"/>
-              <a:t>d’(A) &gt; d’(B)</a:t>
-            </a:r>
-          </a:p>
-          <a:p>
-            <a:pPr marL="0" indent="0" algn="ctr">
-              <a:buNone/>
-            </a:pPr>
-            <a:endParaRPr lang="es-MX" dirty="0" smtClean="0"/>
-          </a:p>
-          <a:p>
-            <a:pPr marL="0" indent="0" algn="ctr">
-              <a:buNone/>
-            </a:pPr>
-            <a:endParaRPr lang="es-MX" dirty="0" smtClean="0"/>
-          </a:p>
-          <a:p>
-            <a:pPr marL="0" indent="0">
-              <a:buNone/>
-            </a:pPr>
-            <a:r>
-              <a:rPr lang="es-MX" dirty="0" smtClean="0"/>
-              <a:t>2.- </a:t>
-            </a:r>
-            <a:r>
-              <a:rPr lang="es-MX" dirty="0" err="1" smtClean="0"/>
-              <a:t>Comparing</a:t>
-            </a:r>
-            <a:r>
-              <a:rPr lang="es-MX" dirty="0" smtClean="0"/>
-              <a:t> </a:t>
-            </a:r>
-            <a:r>
-              <a:rPr lang="es-MX" dirty="0" err="1" smtClean="0"/>
-              <a:t>the</a:t>
-            </a:r>
-            <a:r>
-              <a:rPr lang="es-MX" dirty="0" smtClean="0"/>
-              <a:t> Hit and F.A. </a:t>
-            </a:r>
-            <a:r>
-              <a:rPr lang="es-MX" dirty="0" err="1" smtClean="0"/>
-              <a:t>rates</a:t>
-            </a:r>
-            <a:r>
-              <a:rPr lang="es-MX" dirty="0" smtClean="0"/>
-              <a:t> </a:t>
-            </a:r>
-            <a:r>
-              <a:rPr lang="es-MX" dirty="0" err="1" smtClean="0"/>
-              <a:t>to</a:t>
-            </a:r>
-            <a:r>
-              <a:rPr lang="es-MX" dirty="0" smtClean="0"/>
-              <a:t> test </a:t>
-            </a:r>
-            <a:r>
-              <a:rPr lang="es-MX" dirty="0" err="1" smtClean="0"/>
-              <a:t>the</a:t>
-            </a:r>
-            <a:r>
-              <a:rPr lang="es-MX" dirty="0" smtClean="0"/>
-              <a:t> M.E. </a:t>
-            </a:r>
-            <a:r>
-              <a:rPr lang="es-MX" dirty="0" err="1" smtClean="0"/>
-              <a:t>pattern</a:t>
-            </a:r>
-            <a:r>
-              <a:rPr lang="es-MX" dirty="0" smtClean="0"/>
-              <a:t> of response</a:t>
-            </a:r>
-          </a:p>
-          <a:p>
-            <a:pPr marL="0" indent="0">
-              <a:buNone/>
-            </a:pPr>
-            <a:endParaRPr lang="es-MX" dirty="0" smtClean="0"/>
-          </a:p>
-          <a:p>
-            <a:pPr marL="0" indent="0">
-              <a:buNone/>
-            </a:pPr>
-            <a:endParaRPr lang="es-MX" dirty="0"/>
-          </a:p>
-          <a:p>
-            <a:pPr marL="0" indent="0">
-              <a:buNone/>
-            </a:pPr>
-            <a:r>
-              <a:rPr lang="es-MX" dirty="0" smtClean="0"/>
-              <a:t>3.- </a:t>
-            </a:r>
-            <a:r>
-              <a:rPr lang="es-MX" dirty="0" err="1" smtClean="0"/>
-              <a:t>Comparing</a:t>
-            </a:r>
-            <a:r>
-              <a:rPr lang="es-MX" dirty="0" smtClean="0"/>
-              <a:t> </a:t>
-            </a:r>
-            <a:r>
-              <a:rPr lang="es-MX" dirty="0" err="1" smtClean="0"/>
-              <a:t>the</a:t>
-            </a:r>
-            <a:r>
-              <a:rPr lang="es-MX" dirty="0" smtClean="0"/>
-              <a:t> Mean </a:t>
-            </a:r>
-            <a:r>
-              <a:rPr lang="es-MX" dirty="0" err="1" smtClean="0"/>
-              <a:t>confidence</a:t>
-            </a:r>
-            <a:r>
-              <a:rPr lang="es-MX" dirty="0" smtClean="0"/>
-              <a:t> ratings </a:t>
-            </a:r>
-            <a:r>
-              <a:rPr lang="es-MX" dirty="0" err="1" smtClean="0"/>
-              <a:t>assigned</a:t>
-            </a:r>
-            <a:r>
-              <a:rPr lang="es-MX" dirty="0" smtClean="0"/>
-              <a:t> </a:t>
-            </a:r>
-            <a:r>
-              <a:rPr lang="es-MX" dirty="0" err="1" smtClean="0"/>
-              <a:t>to</a:t>
-            </a:r>
-            <a:r>
-              <a:rPr lang="es-MX" dirty="0" smtClean="0"/>
-              <a:t> </a:t>
-            </a:r>
-            <a:r>
-              <a:rPr lang="es-MX" dirty="0" err="1" smtClean="0"/>
-              <a:t>each</a:t>
-            </a:r>
-            <a:r>
-              <a:rPr lang="es-MX" dirty="0" smtClean="0"/>
-              <a:t> </a:t>
-            </a:r>
-            <a:r>
-              <a:rPr lang="es-MX" dirty="0" err="1" smtClean="0"/>
-              <a:t>class</a:t>
-            </a:r>
-            <a:r>
-              <a:rPr lang="es-MX" dirty="0" smtClean="0"/>
-              <a:t> of </a:t>
-            </a:r>
-            <a:r>
-              <a:rPr lang="es-MX" dirty="0" err="1" smtClean="0"/>
-              <a:t>stimuli</a:t>
-            </a:r>
-            <a:r>
-              <a:rPr lang="es-MX" dirty="0" smtClean="0"/>
-              <a:t>.</a:t>
-            </a:r>
-            <a:endParaRPr lang="es-MX" dirty="0"/>
-          </a:p>
-        </p:txBody>
-      </p:sp>
-    </p:spTree>
-    <p:extLst>
-      <p:ext uri="{BB962C8B-B14F-4D97-AF65-F5344CB8AC3E}">
-        <p14:creationId xmlns:p14="http://schemas.microsoft.com/office/powerpoint/2010/main" val="1107917477"/>
-      </p:ext>
-    </p:extLst>
-  </p:cSld>
-  <p:clrMapOvr>
-    <a:masterClrMapping/>
-  </p:clrMapOvr>
 </p:sld>
 </file>
 

--- a/MichaelLee/SDT Mirror Effect/Paper 1/BayesianSDTmodeling_Overview.pptx
+++ b/MichaelLee/SDT Mirror Effect/Paper 1/BayesianSDTmodeling_Overview.pptx
@@ -267,7 +267,7 @@
           <a:p>
             <a:fld id="{C3091E62-F7F0-4719-84D5-9FBBF89A9F5A}" type="datetimeFigureOut">
               <a:rPr lang="es-MX" smtClean="0"/>
-              <a:t>25/04/2019</a:t>
+              <a:t>21/05/2019</a:t>
             </a:fld>
             <a:endParaRPr lang="es-MX"/>
           </a:p>
@@ -1122,7 +1122,7 @@
           <a:p>
             <a:fld id="{ABD75D52-72DB-49EB-97D1-74999CC14CB1}" type="datetimeFigureOut">
               <a:rPr lang="es-MX" smtClean="0"/>
-              <a:t>25/04/2019</a:t>
+              <a:t>21/05/2019</a:t>
             </a:fld>
             <a:endParaRPr lang="es-MX"/>
           </a:p>
@@ -1292,7 +1292,7 @@
           <a:p>
             <a:fld id="{ABD75D52-72DB-49EB-97D1-74999CC14CB1}" type="datetimeFigureOut">
               <a:rPr lang="es-MX" smtClean="0"/>
-              <a:t>25/04/2019</a:t>
+              <a:t>21/05/2019</a:t>
             </a:fld>
             <a:endParaRPr lang="es-MX"/>
           </a:p>
@@ -1472,7 +1472,7 @@
           <a:p>
             <a:fld id="{ABD75D52-72DB-49EB-97D1-74999CC14CB1}" type="datetimeFigureOut">
               <a:rPr lang="es-MX" smtClean="0"/>
-              <a:t>25/04/2019</a:t>
+              <a:t>21/05/2019</a:t>
             </a:fld>
             <a:endParaRPr lang="es-MX"/>
           </a:p>
@@ -1642,7 +1642,7 @@
           <a:p>
             <a:fld id="{ABD75D52-72DB-49EB-97D1-74999CC14CB1}" type="datetimeFigureOut">
               <a:rPr lang="es-MX" smtClean="0"/>
-              <a:t>25/04/2019</a:t>
+              <a:t>21/05/2019</a:t>
             </a:fld>
             <a:endParaRPr lang="es-MX"/>
           </a:p>
@@ -1888,7 +1888,7 @@
           <a:p>
             <a:fld id="{ABD75D52-72DB-49EB-97D1-74999CC14CB1}" type="datetimeFigureOut">
               <a:rPr lang="es-MX" smtClean="0"/>
-              <a:t>25/04/2019</a:t>
+              <a:t>21/05/2019</a:t>
             </a:fld>
             <a:endParaRPr lang="es-MX"/>
           </a:p>
@@ -2120,7 +2120,7 @@
           <a:p>
             <a:fld id="{ABD75D52-72DB-49EB-97D1-74999CC14CB1}" type="datetimeFigureOut">
               <a:rPr lang="es-MX" smtClean="0"/>
-              <a:t>25/04/2019</a:t>
+              <a:t>21/05/2019</a:t>
             </a:fld>
             <a:endParaRPr lang="es-MX"/>
           </a:p>
@@ -2487,7 +2487,7 @@
           <a:p>
             <a:fld id="{ABD75D52-72DB-49EB-97D1-74999CC14CB1}" type="datetimeFigureOut">
               <a:rPr lang="es-MX" smtClean="0"/>
-              <a:t>25/04/2019</a:t>
+              <a:t>21/05/2019</a:t>
             </a:fld>
             <a:endParaRPr lang="es-MX"/>
           </a:p>
@@ -2605,7 +2605,7 @@
           <a:p>
             <a:fld id="{ABD75D52-72DB-49EB-97D1-74999CC14CB1}" type="datetimeFigureOut">
               <a:rPr lang="es-MX" smtClean="0"/>
-              <a:t>25/04/2019</a:t>
+              <a:t>21/05/2019</a:t>
             </a:fld>
             <a:endParaRPr lang="es-MX"/>
           </a:p>
@@ -2700,7 +2700,7 @@
           <a:p>
             <a:fld id="{ABD75D52-72DB-49EB-97D1-74999CC14CB1}" type="datetimeFigureOut">
               <a:rPr lang="es-MX" smtClean="0"/>
-              <a:t>25/04/2019</a:t>
+              <a:t>21/05/2019</a:t>
             </a:fld>
             <a:endParaRPr lang="es-MX"/>
           </a:p>
@@ -2977,7 +2977,7 @@
           <a:p>
             <a:fld id="{ABD75D52-72DB-49EB-97D1-74999CC14CB1}" type="datetimeFigureOut">
               <a:rPr lang="es-MX" smtClean="0"/>
-              <a:t>25/04/2019</a:t>
+              <a:t>21/05/2019</a:t>
             </a:fld>
             <a:endParaRPr lang="es-MX"/>
           </a:p>
@@ -3230,7 +3230,7 @@
           <a:p>
             <a:fld id="{ABD75D52-72DB-49EB-97D1-74999CC14CB1}" type="datetimeFigureOut">
               <a:rPr lang="es-MX" smtClean="0"/>
-              <a:t>25/04/2019</a:t>
+              <a:t>21/05/2019</a:t>
             </a:fld>
             <a:endParaRPr lang="es-MX"/>
           </a:p>
@@ -3443,7 +3443,7 @@
           <a:p>
             <a:fld id="{ABD75D52-72DB-49EB-97D1-74999CC14CB1}" type="datetimeFigureOut">
               <a:rPr lang="es-MX" smtClean="0"/>
-              <a:t>25/04/2019</a:t>
+              <a:t>21/05/2019</a:t>
             </a:fld>
             <a:endParaRPr lang="es-MX"/>
           </a:p>
@@ -18215,6 +18215,46 @@
       </p:grpSpPr>
       <p:sp>
         <p:nvSpPr>
+          <p:cNvPr id="6" name="Rectángulo redondeado 5"/>
+          <p:cNvSpPr/>
+          <p:nvPr/>
+        </p:nvSpPr>
+        <p:spPr>
+          <a:xfrm>
+            <a:off x="4851400" y="2058193"/>
+            <a:ext cx="6968067" cy="3886200"/>
+          </a:xfrm>
+          <a:prstGeom prst="roundRect">
+            <a:avLst/>
+          </a:prstGeom>
+        </p:spPr>
+        <p:style>
+          <a:lnRef idx="2">
+            <a:schemeClr val="accent1">
+              <a:shade val="50000"/>
+            </a:schemeClr>
+          </a:lnRef>
+          <a:fillRef idx="1">
+            <a:schemeClr val="accent1"/>
+          </a:fillRef>
+          <a:effectRef idx="0">
+            <a:schemeClr val="accent1"/>
+          </a:effectRef>
+          <a:fontRef idx="minor">
+            <a:schemeClr val="lt1"/>
+          </a:fontRef>
+        </p:style>
+        <p:txBody>
+          <a:bodyPr rtlCol="0" anchor="ctr"/>
+          <a:lstStyle/>
+          <a:p>
+            <a:pPr algn="ctr"/>
+            <a:endParaRPr lang="es-MX"/>
+          </a:p>
+        </p:txBody>
+      </p:sp>
+      <p:sp>
+        <p:nvSpPr>
           <p:cNvPr id="2" name="Título 1"/>
           <p:cNvSpPr>
             <a:spLocks noGrp="1"/>
@@ -18278,23 +18318,490 @@
       </p:sp>
       <p:sp>
         <p:nvSpPr>
-          <p:cNvPr id="3" name="Marcador de contenido 2"/>
-          <p:cNvSpPr>
-            <a:spLocks noGrp="1"/>
-          </p:cNvSpPr>
-          <p:nvPr>
-            <p:ph idx="1"/>
-          </p:nvPr>
+          <p:cNvPr id="4" name="Rectángulo redondeado 3"/>
+          <p:cNvSpPr/>
+          <p:nvPr/>
         </p:nvSpPr>
-        <p:spPr/>
+        <p:spPr>
+          <a:xfrm>
+            <a:off x="838200" y="2133600"/>
+            <a:ext cx="3022600" cy="3742267"/>
+          </a:xfrm>
+          <a:prstGeom prst="roundRect">
+            <a:avLst/>
+          </a:prstGeom>
+        </p:spPr>
+        <p:style>
+          <a:lnRef idx="2">
+            <a:schemeClr val="accent1">
+              <a:shade val="50000"/>
+            </a:schemeClr>
+          </a:lnRef>
+          <a:fillRef idx="1">
+            <a:schemeClr val="accent1"/>
+          </a:fillRef>
+          <a:effectRef idx="0">
+            <a:schemeClr val="accent1"/>
+          </a:effectRef>
+          <a:fontRef idx="minor">
+            <a:schemeClr val="lt1"/>
+          </a:fontRef>
+        </p:style>
         <p:txBody>
-          <a:bodyPr/>
+          <a:bodyPr rtlCol="0" anchor="ctr"/>
           <a:lstStyle/>
           <a:p>
+            <a:pPr algn="ctr"/>
+            <a:r>
+              <a:rPr lang="es-MX" sz="2800" dirty="0" err="1" smtClean="0">
+                <a:latin typeface="AR JULIAN" panose="02000000000000000000" pitchFamily="2" charset="0"/>
+              </a:rPr>
+              <a:t>Study</a:t>
+            </a:r>
+            <a:r>
+              <a:rPr lang="es-MX" sz="2800" dirty="0" smtClean="0">
+                <a:latin typeface="AR JULIAN" panose="02000000000000000000" pitchFamily="2" charset="0"/>
+              </a:rPr>
+              <a:t> </a:t>
+            </a:r>
+            <a:r>
+              <a:rPr lang="es-MX" sz="2800" dirty="0" err="1" smtClean="0">
+                <a:latin typeface="AR JULIAN" panose="02000000000000000000" pitchFamily="2" charset="0"/>
+              </a:rPr>
+              <a:t>Phase</a:t>
+            </a:r>
+            <a:endParaRPr lang="es-MX" sz="2800" dirty="0" smtClean="0">
+              <a:latin typeface="AR JULIAN" panose="02000000000000000000" pitchFamily="2" charset="0"/>
+            </a:endParaRPr>
+          </a:p>
+          <a:p>
+            <a:pPr algn="ctr"/>
             <a:endParaRPr lang="es-MX" dirty="0"/>
+          </a:p>
+          <a:p>
+            <a:pPr algn="just"/>
+            <a:r>
+              <a:rPr lang="es-MX" sz="1500" dirty="0" smtClean="0"/>
+              <a:t>Can be </a:t>
+            </a:r>
+            <a:r>
+              <a:rPr lang="es-MX" sz="1500" dirty="0" err="1" smtClean="0"/>
+              <a:t>presented</a:t>
+            </a:r>
+            <a:r>
+              <a:rPr lang="es-MX" sz="1500" dirty="0"/>
+              <a:t> </a:t>
+            </a:r>
+            <a:r>
+              <a:rPr lang="es-MX" sz="1500" dirty="0" smtClean="0"/>
+              <a:t>as…</a:t>
+            </a:r>
+          </a:p>
+          <a:p>
+            <a:pPr marL="285750" indent="-285750" algn="just">
+              <a:buFont typeface="Arial" panose="020B0604020202020204" pitchFamily="34" charset="0"/>
+              <a:buChar char="•"/>
+            </a:pPr>
+            <a:r>
+              <a:rPr lang="es-MX" sz="1500" b="1" dirty="0" err="1" smtClean="0"/>
+              <a:t>Intentional</a:t>
+            </a:r>
+            <a:r>
+              <a:rPr lang="es-MX" sz="1500" b="1" dirty="0" smtClean="0"/>
+              <a:t> </a:t>
+            </a:r>
+            <a:r>
+              <a:rPr lang="es-MX" sz="1500" dirty="0" smtClean="0"/>
+              <a:t>(</a:t>
+            </a:r>
+            <a:r>
+              <a:rPr lang="es-MX" sz="1500" dirty="0" err="1" smtClean="0"/>
+              <a:t>participants</a:t>
+            </a:r>
+            <a:r>
+              <a:rPr lang="es-MX" sz="1500" dirty="0" smtClean="0"/>
+              <a:t> are </a:t>
+            </a:r>
+            <a:r>
+              <a:rPr lang="es-MX" sz="1500" dirty="0" err="1" smtClean="0"/>
+              <a:t>asked</a:t>
+            </a:r>
+            <a:r>
+              <a:rPr lang="es-MX" sz="1500" dirty="0" smtClean="0"/>
+              <a:t> </a:t>
+            </a:r>
+            <a:r>
+              <a:rPr lang="es-MX" sz="1500" dirty="0" err="1" smtClean="0"/>
+              <a:t>to</a:t>
+            </a:r>
+            <a:r>
+              <a:rPr lang="es-MX" sz="1500" dirty="0" smtClean="0"/>
+              <a:t> </a:t>
+            </a:r>
+            <a:r>
+              <a:rPr lang="es-MX" sz="1500" dirty="0" err="1" smtClean="0"/>
+              <a:t>memorize</a:t>
+            </a:r>
+            <a:r>
+              <a:rPr lang="es-MX" sz="1500" dirty="0" smtClean="0"/>
+              <a:t>/</a:t>
+            </a:r>
+            <a:r>
+              <a:rPr lang="es-MX" sz="1500" dirty="0" err="1" smtClean="0"/>
+              <a:t>study</a:t>
+            </a:r>
+            <a:r>
+              <a:rPr lang="es-MX" sz="1500" dirty="0" smtClean="0"/>
+              <a:t> </a:t>
+            </a:r>
+            <a:r>
+              <a:rPr lang="es-MX" sz="1500" dirty="0" err="1" smtClean="0"/>
+              <a:t>the</a:t>
+            </a:r>
+            <a:r>
+              <a:rPr lang="es-MX" sz="1500" dirty="0" smtClean="0"/>
+              <a:t> </a:t>
+            </a:r>
+            <a:r>
+              <a:rPr lang="es-MX" sz="1500" dirty="0" err="1" smtClean="0"/>
+              <a:t>stimuli</a:t>
+            </a:r>
+            <a:r>
+              <a:rPr lang="es-MX" sz="1500" dirty="0" smtClean="0"/>
+              <a:t>)</a:t>
+            </a:r>
+          </a:p>
+          <a:p>
+            <a:pPr marL="285750" indent="-285750" algn="just">
+              <a:buFont typeface="Arial" panose="020B0604020202020204" pitchFamily="34" charset="0"/>
+              <a:buChar char="•"/>
+            </a:pPr>
+            <a:r>
+              <a:rPr lang="es-MX" sz="1500" b="1" dirty="0" smtClean="0"/>
+              <a:t>Incidental</a:t>
+            </a:r>
+            <a:r>
+              <a:rPr lang="es-MX" sz="1500" dirty="0" smtClean="0"/>
+              <a:t> (</a:t>
+            </a:r>
+            <a:r>
+              <a:rPr lang="es-MX" sz="1500" dirty="0" err="1" smtClean="0"/>
+              <a:t>participants</a:t>
+            </a:r>
+            <a:r>
+              <a:rPr lang="es-MX" sz="1500" dirty="0" smtClean="0"/>
+              <a:t> are </a:t>
+            </a:r>
+            <a:r>
+              <a:rPr lang="es-MX" sz="1500" dirty="0" err="1" smtClean="0"/>
+              <a:t>told</a:t>
+            </a:r>
+            <a:r>
+              <a:rPr lang="es-MX" sz="1500" dirty="0" smtClean="0"/>
+              <a:t> </a:t>
+            </a:r>
+            <a:r>
+              <a:rPr lang="es-MX" sz="1500" dirty="0" err="1" smtClean="0"/>
+              <a:t>to</a:t>
+            </a:r>
+            <a:r>
+              <a:rPr lang="es-MX" sz="1500" dirty="0" smtClean="0"/>
+              <a:t> </a:t>
+            </a:r>
+            <a:r>
+              <a:rPr lang="es-MX" sz="1500" dirty="0" err="1" smtClean="0"/>
+              <a:t>interact</a:t>
+            </a:r>
+            <a:r>
+              <a:rPr lang="es-MX" sz="1500" dirty="0" smtClean="0"/>
+              <a:t> </a:t>
+            </a:r>
+            <a:r>
+              <a:rPr lang="es-MX" sz="1500" dirty="0" err="1" smtClean="0"/>
+              <a:t>with</a:t>
+            </a:r>
+            <a:r>
+              <a:rPr lang="es-MX" sz="1500" dirty="0" smtClean="0"/>
+              <a:t> </a:t>
+            </a:r>
+            <a:r>
+              <a:rPr lang="es-MX" sz="1500" dirty="0" err="1" smtClean="0"/>
+              <a:t>the</a:t>
+            </a:r>
+            <a:r>
+              <a:rPr lang="es-MX" sz="1500" dirty="0" smtClean="0"/>
+              <a:t> </a:t>
+            </a:r>
+            <a:r>
+              <a:rPr lang="es-MX" sz="1500" dirty="0" err="1" smtClean="0"/>
+              <a:t>stimuli</a:t>
+            </a:r>
+            <a:r>
+              <a:rPr lang="es-MX" sz="1500" dirty="0" smtClean="0"/>
+              <a:t>)</a:t>
+            </a:r>
+            <a:endParaRPr lang="es-MX" sz="1500" dirty="0"/>
           </a:p>
         </p:txBody>
       </p:sp>
+      <p:sp>
+        <p:nvSpPr>
+          <p:cNvPr id="5" name="Rectángulo redondeado 4"/>
+          <p:cNvSpPr/>
+          <p:nvPr/>
+        </p:nvSpPr>
+        <p:spPr>
+          <a:xfrm>
+            <a:off x="5190065" y="2258879"/>
+            <a:ext cx="2683933" cy="3484827"/>
+          </a:xfrm>
+          <a:prstGeom prst="roundRect">
+            <a:avLst/>
+          </a:prstGeom>
+          <a:solidFill>
+            <a:schemeClr val="accent1">
+              <a:lumMod val="60000"/>
+              <a:lumOff val="40000"/>
+            </a:schemeClr>
+          </a:solidFill>
+        </p:spPr>
+        <p:style>
+          <a:lnRef idx="2">
+            <a:schemeClr val="accent1">
+              <a:shade val="50000"/>
+            </a:schemeClr>
+          </a:lnRef>
+          <a:fillRef idx="1">
+            <a:schemeClr val="accent1"/>
+          </a:fillRef>
+          <a:effectRef idx="0">
+            <a:schemeClr val="accent1"/>
+          </a:effectRef>
+          <a:fontRef idx="minor">
+            <a:schemeClr val="lt1"/>
+          </a:fontRef>
+        </p:style>
+        <p:txBody>
+          <a:bodyPr rtlCol="0" anchor="ctr"/>
+          <a:lstStyle/>
+          <a:p>
+            <a:pPr algn="ctr"/>
+            <a:r>
+              <a:rPr lang="es-MX" sz="2800" dirty="0" err="1" smtClean="0">
+                <a:latin typeface="AR JULIAN" panose="02000000000000000000" pitchFamily="2" charset="0"/>
+              </a:rPr>
+              <a:t>Recognition</a:t>
+            </a:r>
+            <a:r>
+              <a:rPr lang="es-MX" sz="2800" dirty="0" smtClean="0">
+                <a:latin typeface="AR JULIAN" panose="02000000000000000000" pitchFamily="2" charset="0"/>
+              </a:rPr>
+              <a:t> </a:t>
+            </a:r>
+            <a:r>
+              <a:rPr lang="es-MX" sz="2800" dirty="0" err="1" smtClean="0">
+                <a:latin typeface="AR JULIAN" panose="02000000000000000000" pitchFamily="2" charset="0"/>
+              </a:rPr>
+              <a:t>task</a:t>
+            </a:r>
+            <a:endParaRPr lang="es-MX" sz="2800" dirty="0" smtClean="0">
+              <a:latin typeface="AR JULIAN" panose="02000000000000000000" pitchFamily="2" charset="0"/>
+            </a:endParaRPr>
+          </a:p>
+          <a:p>
+            <a:pPr algn="ctr"/>
+            <a:endParaRPr lang="es-MX" sz="2800" dirty="0">
+              <a:latin typeface="AR JULIAN" panose="02000000000000000000" pitchFamily="2" charset="0"/>
+            </a:endParaRPr>
+          </a:p>
+          <a:p>
+            <a:pPr algn="ctr"/>
+            <a:r>
+              <a:rPr lang="es-MX" sz="1500" dirty="0" smtClean="0">
+                <a:solidFill>
+                  <a:schemeClr val="tx1"/>
+                </a:solidFill>
+                <a:latin typeface="Arial Rounded MT Bold" panose="020F0704030504030204" pitchFamily="34" charset="0"/>
+              </a:rPr>
+              <a:t>“</a:t>
+            </a:r>
+            <a:r>
+              <a:rPr lang="es-MX" sz="1500" dirty="0" err="1" smtClean="0">
+                <a:solidFill>
+                  <a:schemeClr val="tx1"/>
+                </a:solidFill>
+                <a:latin typeface="Arial Rounded MT Bold" panose="020F0704030504030204" pitchFamily="34" charset="0"/>
+              </a:rPr>
+              <a:t>Was</a:t>
+            </a:r>
+            <a:r>
+              <a:rPr lang="es-MX" sz="1500" dirty="0" smtClean="0">
+                <a:solidFill>
+                  <a:schemeClr val="tx1"/>
+                </a:solidFill>
+                <a:latin typeface="Arial Rounded MT Bold" panose="020F0704030504030204" pitchFamily="34" charset="0"/>
+              </a:rPr>
+              <a:t> </a:t>
+            </a:r>
+            <a:r>
+              <a:rPr lang="es-MX" sz="1500" dirty="0" err="1" smtClean="0">
+                <a:solidFill>
+                  <a:schemeClr val="tx1"/>
+                </a:solidFill>
+                <a:latin typeface="Arial Rounded MT Bold" panose="020F0704030504030204" pitchFamily="34" charset="0"/>
+              </a:rPr>
+              <a:t>this</a:t>
+            </a:r>
+            <a:r>
+              <a:rPr lang="es-MX" sz="1500" dirty="0" smtClean="0">
+                <a:solidFill>
+                  <a:schemeClr val="tx1"/>
+                </a:solidFill>
+                <a:latin typeface="Arial Rounded MT Bold" panose="020F0704030504030204" pitchFamily="34" charset="0"/>
+              </a:rPr>
+              <a:t> particular </a:t>
+            </a:r>
+            <a:r>
+              <a:rPr lang="es-MX" sz="1500" dirty="0" err="1" smtClean="0">
+                <a:solidFill>
+                  <a:schemeClr val="tx1"/>
+                </a:solidFill>
+                <a:latin typeface="Arial Rounded MT Bold" panose="020F0704030504030204" pitchFamily="34" charset="0"/>
+              </a:rPr>
+              <a:t>stimulus</a:t>
+            </a:r>
+            <a:r>
+              <a:rPr lang="es-MX" sz="1500" dirty="0" smtClean="0">
+                <a:solidFill>
+                  <a:schemeClr val="tx1"/>
+                </a:solidFill>
+                <a:latin typeface="Arial Rounded MT Bold" panose="020F0704030504030204" pitchFamily="34" charset="0"/>
+              </a:rPr>
+              <a:t> a </a:t>
+            </a:r>
+            <a:r>
+              <a:rPr lang="es-MX" sz="1500" dirty="0" err="1" smtClean="0">
+                <a:solidFill>
+                  <a:schemeClr val="tx1"/>
+                </a:solidFill>
+                <a:latin typeface="Arial Rounded MT Bold" panose="020F0704030504030204" pitchFamily="34" charset="0"/>
+              </a:rPr>
+              <a:t>part</a:t>
+            </a:r>
+            <a:r>
+              <a:rPr lang="es-MX" sz="1500" dirty="0" smtClean="0">
+                <a:solidFill>
+                  <a:schemeClr val="tx1"/>
+                </a:solidFill>
+                <a:latin typeface="Arial Rounded MT Bold" panose="020F0704030504030204" pitchFamily="34" charset="0"/>
+              </a:rPr>
+              <a:t> of </a:t>
+            </a:r>
+            <a:r>
+              <a:rPr lang="es-MX" sz="1500" dirty="0" err="1" smtClean="0">
+                <a:solidFill>
+                  <a:schemeClr val="tx1"/>
+                </a:solidFill>
+                <a:latin typeface="Arial Rounded MT Bold" panose="020F0704030504030204" pitchFamily="34" charset="0"/>
+              </a:rPr>
+              <a:t>the</a:t>
+            </a:r>
+            <a:r>
+              <a:rPr lang="es-MX" sz="1500" dirty="0" smtClean="0">
+                <a:solidFill>
+                  <a:schemeClr val="tx1"/>
+                </a:solidFill>
+                <a:latin typeface="Arial Rounded MT Bold" panose="020F0704030504030204" pitchFamily="34" charset="0"/>
+              </a:rPr>
+              <a:t> set of </a:t>
+            </a:r>
+            <a:r>
+              <a:rPr lang="es-MX" sz="1500" dirty="0" err="1" smtClean="0">
+                <a:solidFill>
+                  <a:schemeClr val="tx1"/>
+                </a:solidFill>
+                <a:latin typeface="Arial Rounded MT Bold" panose="020F0704030504030204" pitchFamily="34" charset="0"/>
+              </a:rPr>
+              <a:t>stimuli</a:t>
+            </a:r>
+            <a:r>
+              <a:rPr lang="es-MX" sz="1500" dirty="0" smtClean="0">
+                <a:solidFill>
+                  <a:schemeClr val="tx1"/>
+                </a:solidFill>
+                <a:latin typeface="Arial Rounded MT Bold" panose="020F0704030504030204" pitchFamily="34" charset="0"/>
+              </a:rPr>
+              <a:t> </a:t>
+            </a:r>
+            <a:r>
+              <a:rPr lang="es-MX" sz="1500" dirty="0" err="1" smtClean="0">
+                <a:solidFill>
+                  <a:schemeClr val="tx1"/>
+                </a:solidFill>
+                <a:latin typeface="Arial Rounded MT Bold" panose="020F0704030504030204" pitchFamily="34" charset="0"/>
+              </a:rPr>
+              <a:t>previously</a:t>
+            </a:r>
+            <a:r>
+              <a:rPr lang="es-MX" sz="1500" dirty="0" smtClean="0">
+                <a:solidFill>
+                  <a:schemeClr val="tx1"/>
+                </a:solidFill>
+                <a:latin typeface="Arial Rounded MT Bold" panose="020F0704030504030204" pitchFamily="34" charset="0"/>
+              </a:rPr>
+              <a:t> </a:t>
+            </a:r>
+            <a:r>
+              <a:rPr lang="es-MX" sz="1500" dirty="0" err="1" smtClean="0">
+                <a:solidFill>
+                  <a:schemeClr val="tx1"/>
+                </a:solidFill>
+                <a:latin typeface="Arial Rounded MT Bold" panose="020F0704030504030204" pitchFamily="34" charset="0"/>
+              </a:rPr>
+              <a:t>presented</a:t>
+            </a:r>
+            <a:r>
+              <a:rPr lang="es-MX" sz="1500" dirty="0" smtClean="0">
+                <a:solidFill>
+                  <a:schemeClr val="tx1"/>
+                </a:solidFill>
+                <a:latin typeface="Arial Rounded MT Bold" panose="020F0704030504030204" pitchFamily="34" charset="0"/>
+              </a:rPr>
+              <a:t>?”</a:t>
+            </a:r>
+            <a:endParaRPr lang="es-MX" sz="1500" dirty="0">
+              <a:solidFill>
+                <a:schemeClr val="tx1"/>
+              </a:solidFill>
+              <a:latin typeface="Arial Rounded MT Bold" panose="020F0704030504030204" pitchFamily="34" charset="0"/>
+            </a:endParaRPr>
+          </a:p>
+        </p:txBody>
+      </p:sp>
+      <p:pic>
+        <p:nvPicPr>
+          <p:cNvPr id="7" name="Imagen 6"/>
+          <p:cNvPicPr>
+            <a:picLocks noChangeAspect="1"/>
+          </p:cNvPicPr>
+          <p:nvPr/>
+        </p:nvPicPr>
+        <p:blipFill>
+          <a:blip r:embed="rId2"/>
+          <a:stretch>
+            <a:fillRect/>
+          </a:stretch>
+        </p:blipFill>
+        <p:spPr>
+          <a:xfrm>
+            <a:off x="8122012" y="2625653"/>
+            <a:ext cx="3449440" cy="2751278"/>
+          </a:xfrm>
+          <a:prstGeom prst="rect">
+            <a:avLst/>
+          </a:prstGeom>
+        </p:spPr>
+      </p:pic>
     </p:spTree>
     <p:extLst>
       <p:ext uri="{BB962C8B-B14F-4D97-AF65-F5344CB8AC3E}">
@@ -26037,8 +26544,8 @@
           </a:p>
         </p:txBody>
       </p:sp>
-      <mc:AlternateContent xmlns:mc="http://schemas.openxmlformats.org/markup-compatibility/2006">
-        <mc:Choice xmlns:a14="http://schemas.microsoft.com/office/drawing/2010/main" Requires="a14">
+      <mc:AlternateContent xmlns:mc="http://schemas.openxmlformats.org/markup-compatibility/2006" xmlns:a14="http://schemas.microsoft.com/office/drawing/2010/main">
+        <mc:Choice Requires="a14">
           <p:sp>
             <p:nvSpPr>
               <p:cNvPr id="3" name="Marcador de contenido 2"/>
@@ -26566,7 +27073,7 @@
             </p:txBody>
           </p:sp>
         </mc:Choice>
-        <mc:Fallback>
+        <mc:Fallback xmlns="">
           <p:sp>
             <p:nvSpPr>
               <p:cNvPr id="3" name="Marcador de contenido 2"/>
@@ -28434,12 +28941,89 @@
             <p:ph type="title"/>
           </p:nvPr>
         </p:nvSpPr>
-        <p:spPr/>
+        <p:spPr>
+          <a:xfrm>
+            <a:off x="118534" y="111125"/>
+            <a:ext cx="10515600" cy="1325563"/>
+          </a:xfrm>
+          <a:solidFill>
+            <a:schemeClr val="accent1">
+              <a:lumMod val="60000"/>
+              <a:lumOff val="40000"/>
+            </a:schemeClr>
+          </a:solidFill>
+        </p:spPr>
         <p:txBody>
-          <a:bodyPr/>
+          <a:bodyPr>
+            <a:normAutofit/>
+          </a:bodyPr>
           <a:lstStyle/>
           <a:p>
-            <a:endParaRPr lang="es-MX"/>
+            <a:r>
+              <a:rPr lang="es-MX" sz="3500" b="1" dirty="0" err="1" smtClean="0"/>
+              <a:t>Which</a:t>
+            </a:r>
+            <a:r>
+              <a:rPr lang="es-MX" sz="3500" b="1" dirty="0" smtClean="0"/>
+              <a:t> </a:t>
+            </a:r>
+            <a:r>
+              <a:rPr lang="es-MX" sz="3500" b="1" dirty="0" err="1" smtClean="0"/>
+              <a:t>means</a:t>
+            </a:r>
+            <a:r>
+              <a:rPr lang="es-MX" sz="3500" b="1" dirty="0" smtClean="0"/>
+              <a:t> </a:t>
+            </a:r>
+            <a:r>
+              <a:rPr lang="es-MX" sz="3500" b="1" dirty="0" err="1" smtClean="0"/>
+              <a:t>that</a:t>
+            </a:r>
+            <a:r>
+              <a:rPr lang="es-MX" sz="3500" b="1" dirty="0" smtClean="0"/>
+              <a:t> </a:t>
+            </a:r>
+            <a:r>
+              <a:rPr lang="es-MX" sz="3500" b="1" dirty="0" err="1" smtClean="0"/>
+              <a:t>for</a:t>
+            </a:r>
+            <a:r>
+              <a:rPr lang="es-MX" sz="3500" b="1" dirty="0" smtClean="0"/>
+              <a:t> </a:t>
+            </a:r>
+            <a:r>
+              <a:rPr lang="es-MX" sz="3500" b="1" dirty="0" err="1" smtClean="0"/>
+              <a:t>the</a:t>
+            </a:r>
+            <a:r>
+              <a:rPr lang="es-MX" sz="3500" b="1" dirty="0" smtClean="0"/>
+              <a:t> </a:t>
+            </a:r>
+            <a:r>
+              <a:rPr lang="es-MX" sz="3500" b="1" dirty="0" err="1" smtClean="0"/>
+              <a:t>classical</a:t>
+            </a:r>
+            <a:r>
+              <a:rPr lang="es-MX" sz="3500" b="1" dirty="0" smtClean="0"/>
+              <a:t> SDT </a:t>
+            </a:r>
+            <a:r>
+              <a:rPr lang="es-MX" sz="3500" b="1" dirty="0" err="1" smtClean="0"/>
+              <a:t>binary</a:t>
+            </a:r>
+            <a:r>
+              <a:rPr lang="es-MX" sz="3500" b="1" dirty="0" smtClean="0"/>
+              <a:t> </a:t>
+            </a:r>
+            <a:r>
+              <a:rPr lang="es-MX" sz="3500" b="1" dirty="0" err="1" smtClean="0"/>
+              <a:t>task</a:t>
+            </a:r>
+            <a:r>
+              <a:rPr lang="es-MX" sz="3500" b="1" dirty="0" smtClean="0"/>
+              <a:t>…</a:t>
+            </a:r>
+            <a:endParaRPr lang="es-MX" sz="3500" b="1" dirty="0"/>
           </a:p>
         </p:txBody>
       </p:sp>
@@ -28478,7 +29062,7 @@
         </p:blipFill>
         <p:spPr>
           <a:xfrm>
-            <a:off x="838200" y="2586831"/>
+            <a:off x="118534" y="2014537"/>
             <a:ext cx="5343525" cy="2828925"/>
           </a:xfrm>
           <a:prstGeom prst="rect">
